--- a/课程PPT/14.ECMAScript 6 二.pptx
+++ b/课程PPT/14.ECMAScript 6 二.pptx
@@ -18,27 +18,28 @@
     <p:sldId id="1330" r:id="rId11"/>
     <p:sldId id="1331" r:id="rId12"/>
     <p:sldId id="1332" r:id="rId13"/>
-    <p:sldId id="1266" r:id="rId14"/>
-    <p:sldId id="773" r:id="rId15"/>
-    <p:sldId id="1199" r:id="rId16"/>
-    <p:sldId id="1288" r:id="rId17"/>
-    <p:sldId id="1289" r:id="rId18"/>
-    <p:sldId id="1229" r:id="rId19"/>
-    <p:sldId id="1216" r:id="rId20"/>
-    <p:sldId id="1221" r:id="rId21"/>
-    <p:sldId id="1222" r:id="rId22"/>
-    <p:sldId id="1286" r:id="rId23"/>
-    <p:sldId id="1225" r:id="rId24"/>
-    <p:sldId id="1226" r:id="rId25"/>
-    <p:sldId id="1287" r:id="rId26"/>
-    <p:sldId id="1104" r:id="rId27"/>
-    <p:sldId id="1258" r:id="rId28"/>
-    <p:sldId id="1259" r:id="rId29"/>
-    <p:sldId id="1260" r:id="rId30"/>
-    <p:sldId id="1261" r:id="rId31"/>
-    <p:sldId id="1253" r:id="rId32"/>
-    <p:sldId id="1254" r:id="rId33"/>
-    <p:sldId id="1262" r:id="rId34"/>
+    <p:sldId id="1354" r:id="rId14"/>
+    <p:sldId id="1266" r:id="rId15"/>
+    <p:sldId id="773" r:id="rId16"/>
+    <p:sldId id="1199" r:id="rId17"/>
+    <p:sldId id="1288" r:id="rId18"/>
+    <p:sldId id="1289" r:id="rId19"/>
+    <p:sldId id="1229" r:id="rId20"/>
+    <p:sldId id="1216" r:id="rId21"/>
+    <p:sldId id="1221" r:id="rId22"/>
+    <p:sldId id="1222" r:id="rId23"/>
+    <p:sldId id="1286" r:id="rId24"/>
+    <p:sldId id="1225" r:id="rId25"/>
+    <p:sldId id="1226" r:id="rId26"/>
+    <p:sldId id="1287" r:id="rId27"/>
+    <p:sldId id="1104" r:id="rId28"/>
+    <p:sldId id="1258" r:id="rId29"/>
+    <p:sldId id="1259" r:id="rId30"/>
+    <p:sldId id="1260" r:id="rId31"/>
+    <p:sldId id="1261" r:id="rId32"/>
+    <p:sldId id="1253" r:id="rId33"/>
+    <p:sldId id="1254" r:id="rId34"/>
+    <p:sldId id="1262" r:id="rId35"/>
   </p:sldIdLst>
   <p:sldSz cx="12192000" cy="6858000"/>
   <p:notesSz cx="6797675" cy="9928225"/>
@@ -1096,6 +1097,104 @@
 </file>
 
 <file path=ppt/notesSlides/notesSlide14.xml><?xml version="1.0" encoding="utf-8"?>
+<p:notes xmlns:a="http://schemas.openxmlformats.org/drawingml/2006/main" xmlns:r="http://schemas.openxmlformats.org/officeDocument/2006/relationships" xmlns:p="http://schemas.openxmlformats.org/presentationml/2006/main">
+  <p:cSld>
+    <p:spTree>
+      <p:nvGrpSpPr>
+        <p:cNvPr id="1" name=""/>
+        <p:cNvGrpSpPr/>
+        <p:nvPr/>
+      </p:nvGrpSpPr>
+      <p:grpSpPr>
+        <a:xfrm>
+          <a:off x="0" y="0"/>
+          <a:ext cx="0" cy="0"/>
+          <a:chOff x="0" y="0"/>
+          <a:chExt cx="0" cy="0"/>
+        </a:xfrm>
+      </p:grpSpPr>
+      <p:sp>
+        <p:nvSpPr>
+          <p:cNvPr id="2" name="幻灯片图像占位符 1"/>
+          <p:cNvSpPr>
+            <a:spLocks noGrp="1" noRot="1" noChangeAspect="1"/>
+          </p:cNvSpPr>
+          <p:nvPr>
+            <p:ph type="sldImg"/>
+          </p:nvPr>
+        </p:nvSpPr>
+        <p:spPr/>
+      </p:sp>
+      <p:sp>
+        <p:nvSpPr>
+          <p:cNvPr id="3" name="备注占位符 2"/>
+          <p:cNvSpPr>
+            <a:spLocks noGrp="1"/>
+          </p:cNvSpPr>
+          <p:nvPr>
+            <p:ph type="body" idx="1"/>
+          </p:nvPr>
+        </p:nvSpPr>
+        <p:spPr/>
+        <p:txBody>
+          <a:bodyPr/>
+          <a:lstStyle/>
+          <a:p>
+            <a:r>
+              <a:rPr lang="zh-CN" altLang="en-US" dirty="0"/>
+              <a:t>增加 </a:t>
+            </a:r>
+            <a:r>
+              <a:rPr lang="en-US" altLang="zh-CN" dirty="0"/>
+              <a:t>max</a:t>
+            </a:r>
+            <a:r>
+              <a:rPr lang="zh-CN" altLang="en-US" dirty="0"/>
+              <a:t>（</a:t>
+            </a:r>
+            <a:r>
+              <a:rPr lang="en-US" altLang="zh-CN" dirty="0"/>
+              <a:t>1,0,0</a:t>
+            </a:r>
+            <a:r>
+              <a:rPr lang="zh-CN" altLang="en-US" dirty="0"/>
+              <a:t>）实例，增加逻辑判断</a:t>
+            </a:r>
+            <a:endParaRPr lang="zh-CN" altLang="en-US" dirty="0"/>
+          </a:p>
+        </p:txBody>
+      </p:sp>
+      <p:sp>
+        <p:nvSpPr>
+          <p:cNvPr id="4" name="灯片编号占位符 3"/>
+          <p:cNvSpPr>
+            <a:spLocks noGrp="1"/>
+          </p:cNvSpPr>
+          <p:nvPr>
+            <p:ph type="sldNum" sz="quarter" idx="10"/>
+          </p:nvPr>
+        </p:nvSpPr>
+        <p:spPr/>
+        <p:txBody>
+          <a:bodyPr/>
+          <a:lstStyle/>
+          <a:p>
+            <a:fld id="{D9AFD278-84AA-4CAA-9049-809825956FE0}" type="slidenum">
+              <a:rPr lang="en-US" altLang="zh-CN" smtClean="0"/>
+            </a:fld>
+            <a:endParaRPr lang="zh-CN" altLang="zh-CN"/>
+          </a:p>
+        </p:txBody>
+      </p:sp>
+    </p:spTree>
+  </p:cSld>
+  <p:clrMapOvr>
+    <a:masterClrMapping/>
+  </p:clrMapOvr>
+</p:notes>
+</file>
+
+<file path=ppt/notesSlides/notesSlide15.xml><?xml version="1.0" encoding="utf-8"?>
 <p:notes xmlns:a="http://schemas.openxmlformats.org/drawingml/2006/main" xmlns:r="http://schemas.openxmlformats.org/officeDocument/2006/relationships" xmlns:p="http://schemas.openxmlformats.org/presentationml/2006/main">
   <p:cSld>
     <p:spTree>
@@ -4793,46 +4892,16 @@
                 <a:solidFill>
                   <a:schemeClr val="tx1"/>
                 </a:solidFill>
-              </a:rPr>
-              <a:t>ES</a:t>
-            </a:r>
-            <a:r>
-              <a:rPr kumimoji="0" lang="en-US" altLang="zh-CN" sz="3200" dirty="0" smtClean="0">
-                <a:solidFill>
-                  <a:schemeClr val="tx1"/>
-                </a:solidFill>
-              </a:rPr>
-              <a:t>6</a:t>
-            </a:r>
-            <a:r>
-              <a:rPr kumimoji="0" lang="zh-CN" altLang="en-US" sz="3200" dirty="0" smtClean="0">
-                <a:solidFill>
-                  <a:schemeClr val="tx1"/>
-                </a:solidFill>
-              </a:rPr>
-              <a:t>中</a:t>
-            </a:r>
-            <a:r>
-              <a:rPr kumimoji="0" lang="en-US" altLang="zh-CN" sz="3200" dirty="0" smtClean="0">
-                <a:solidFill>
-                  <a:schemeClr val="tx1"/>
-                </a:solidFill>
-              </a:rPr>
-              <a:t>Number</a:t>
-            </a:r>
-            <a:r>
-              <a:rPr kumimoji="0" lang="zh-CN" altLang="en-US" sz="3200" dirty="0" smtClean="0">
-                <a:solidFill>
-                  <a:schemeClr val="tx1"/>
-                </a:solidFill>
-              </a:rPr>
-              <a:t>新的静态方法</a:t>
+                <a:sym typeface="+mn-ea"/>
+              </a:rPr>
+              <a:t>属性的简洁表示法</a:t>
             </a:r>
             <a:br>
               <a:rPr kumimoji="0" lang="zh-CN" altLang="en-US" sz="3200" dirty="0" smtClean="0">
                 <a:solidFill>
                   <a:schemeClr val="tx1"/>
                 </a:solidFill>
+                <a:sym typeface="+mn-ea"/>
               </a:rPr>
             </a:br>
             <a:r>
@@ -4840,8 +4909,27 @@
                 <a:solidFill>
                   <a:schemeClr val="tx1"/>
                 </a:solidFill>
-              </a:rPr>
-              <a:t>- Num</a:t>
+                <a:sym typeface="+mn-ea"/>
+              </a:rPr>
+              <a:t>- </a:t>
+            </a:r>
+            <a:r>
+              <a:rPr kumimoji="0" lang="en-US" altLang="zh-CN" sz="2000" dirty="0" smtClean="0">
+                <a:solidFill>
+                  <a:schemeClr val="tx1"/>
+                </a:solidFill>
+                <a:sym typeface="+mn-ea"/>
+              </a:rPr>
+              <a:t>ES6允许在对象之中，</a:t>
+            </a:r>
+            <a:r>
+              <a:rPr kumimoji="0" lang="zh-CN" altLang="en-US" sz="2000" dirty="0" smtClean="0">
+                <a:solidFill>
+                  <a:schemeClr val="tx1"/>
+                </a:solidFill>
+                <a:sym typeface="+mn-ea"/>
+              </a:rPr>
+              <a:t>直接写入变量和函数，作为对象的属性和方法</a:t>
             </a:r>
             <a:br>
               <a:rPr kumimoji="0" lang="zh-CN" altLang="en-US" sz="2000" dirty="0" smtClean="0">
@@ -4858,7 +4946,25 @@
                 </a:solidFill>
                 <a:sym typeface="+mn-ea"/>
               </a:rPr>
-              <a:t>- Num</a:t>
+              <a:t>- 只写属性名不写属性值时</a:t>
+            </a:r>
+            <a:r>
+              <a:rPr kumimoji="0" lang="zh-CN" altLang="en-US" sz="2000" dirty="0" smtClean="0">
+                <a:solidFill>
+                  <a:schemeClr val="tx1"/>
+                </a:solidFill>
+                <a:sym typeface="+mn-ea"/>
+              </a:rPr>
+              <a:t>，</a:t>
+            </a:r>
+            <a:r>
+              <a:rPr kumimoji="0" lang="en-US" altLang="zh-CN" sz="2000" dirty="0" smtClean="0">
+                <a:solidFill>
+                  <a:schemeClr val="tx1"/>
+                </a:solidFill>
+                <a:sym typeface="+mn-ea"/>
+              </a:rPr>
+              <a:t>属性值等于属性名所代表的变量</a:t>
             </a:r>
             <a:br>
               <a:rPr kumimoji="0" lang="en-US" altLang="zh-CN" sz="2000" dirty="0" smtClean="0">
@@ -4875,12 +4981,38 @@
                 </a:solidFill>
                 <a:sym typeface="+mn-ea"/>
               </a:rPr>
-              <a:t>- Num</a:t>
-            </a:r>
-            <a:endParaRPr kumimoji="0" lang="en-US" altLang="zh-CN" sz="2000" dirty="0" smtClean="0">
+              <a:t>- </a:t>
+            </a:r>
+            <a:r>
+              <a:rPr kumimoji="0" lang="zh-CN" altLang="en-US" sz="2000" dirty="0" smtClean="0">
+                <a:solidFill>
+                  <a:schemeClr val="tx1"/>
+                </a:solidFill>
+                <a:sym typeface="+mn-ea"/>
+              </a:rPr>
+              <a:t>简洁的对象表示法，使得创建对象和返回对象更为简洁</a:t>
+            </a:r>
+            <a:br>
+              <a:rPr kumimoji="0" lang="en-US" altLang="zh-CN" sz="2000" dirty="0" smtClean="0">
+                <a:solidFill>
+                  <a:schemeClr val="tx1"/>
+                </a:solidFill>
+                <a:sym typeface="+mn-ea"/>
+              </a:rPr>
+            </a:br>
+            <a:br>
+              <a:rPr kumimoji="0" lang="zh-CN" altLang="en-US" sz="2000" dirty="0" smtClean="0">
+                <a:solidFill>
+                  <a:schemeClr val="tx1"/>
+                </a:solidFill>
+                <a:sym typeface="+mn-ea"/>
+              </a:rPr>
+            </a:br>
+            <a:endParaRPr kumimoji="0" lang="zh-CN" altLang="en-US" sz="2000" dirty="0" smtClean="0">
               <a:solidFill>
                 <a:schemeClr val="tx1"/>
               </a:solidFill>
+              <a:sym typeface="+mn-ea"/>
             </a:endParaRPr>
           </a:p>
           <a:p>
@@ -4889,33 +5021,54 @@
                 <a:spcPct val="130000"/>
               </a:lnSpc>
             </a:pPr>
-            <a:r>
+            <a:endParaRPr kumimoji="0" lang="zh-CN" altLang="en-US" sz="2000" dirty="0" smtClean="0">
+              <a:solidFill>
+                <a:schemeClr val="tx1"/>
+              </a:solidFill>
+              <a:sym typeface="+mn-ea"/>
+            </a:endParaRPr>
+          </a:p>
+          <a:p>
+            <a:pPr>
+              <a:lnSpc>
+                <a:spcPct val="130000"/>
+              </a:lnSpc>
+            </a:pPr>
+            <a:endParaRPr kumimoji="0" lang="zh-CN" altLang="en-US" sz="2000" dirty="0" smtClean="0">
+              <a:solidFill>
+                <a:schemeClr val="tx1"/>
+              </a:solidFill>
+              <a:sym typeface="+mn-ea"/>
+            </a:endParaRPr>
+          </a:p>
+          <a:p>
+            <a:pPr>
+              <a:lnSpc>
+                <a:spcPct val="130000"/>
+              </a:lnSpc>
+            </a:pPr>
+            <a:endParaRPr kumimoji="0" lang="zh-CN" altLang="en-US" sz="2000" dirty="0" smtClean="0">
+              <a:solidFill>
+                <a:schemeClr val="tx1"/>
+              </a:solidFill>
+              <a:sym typeface="+mn-ea"/>
+            </a:endParaRPr>
+          </a:p>
+          <a:p>
+            <a:pPr marL="0" indent="0">
+              <a:lnSpc>
+                <a:spcPct val="130000"/>
+              </a:lnSpc>
+              <a:buNone/>
+            </a:pPr>
+            <a:br>
               <a:rPr kumimoji="0" lang="zh-CN" altLang="en-US" sz="3200" dirty="0" smtClean="0">
                 <a:solidFill>
                   <a:schemeClr val="tx1"/>
                 </a:solidFill>
                 <a:sym typeface="+mn-ea"/>
               </a:rPr>
-              <a:t>ES6中</a:t>
-            </a:r>
-            <a:r>
-              <a:rPr kumimoji="0" lang="en-US" altLang="zh-CN" sz="3200" dirty="0" smtClean="0">
-                <a:solidFill>
-                  <a:schemeClr val="tx1"/>
-                </a:solidFill>
-                <a:sym typeface="+mn-ea"/>
-              </a:rPr>
-              <a:t>Math</a:t>
-            </a:r>
-            <a:r>
-              <a:rPr kumimoji="0" lang="zh-CN" altLang="en-US" sz="3200" dirty="0" smtClean="0">
-                <a:solidFill>
-                  <a:schemeClr val="tx1"/>
-                </a:solidFill>
-                <a:sym typeface="+mn-ea"/>
-              </a:rPr>
-              <a:t>对象新增的方法</a:t>
-            </a:r>
+            </a:br>
             <a:endParaRPr kumimoji="0" lang="zh-CN" altLang="en-US" sz="3200" dirty="0" smtClean="0">
               <a:solidFill>
                 <a:schemeClr val="tx1"/>
@@ -5059,7 +5212,7 @@
                 <a:latin typeface="+mn-ea"/>
                 <a:ea typeface="+mn-ea"/>
               </a:rPr>
-              <a:t>demo05 </a:t>
+              <a:t>demo05 Part1 </a:t>
             </a:r>
             <a:r>
               <a:rPr lang="zh-CN" altLang="en-US" sz="2200">
@@ -5092,6 +5245,922 @@
               <a:t>的扩展</a:t>
             </a:r>
             <a:endParaRPr lang="zh-CN" altLang="en-US" sz="2200">
+              <a:solidFill>
+                <a:srgbClr val="FF0000"/>
+              </a:solidFill>
+              <a:latin typeface="+mn-ea"/>
+              <a:ea typeface="+mn-ea"/>
+            </a:endParaRPr>
+          </a:p>
+        </p:txBody>
+      </p:sp>
+      <p:pic>
+        <p:nvPicPr>
+          <p:cNvPr id="5" name="图片 4"/>
+          <p:cNvPicPr>
+            <a:picLocks noChangeAspect="1"/>
+          </p:cNvPicPr>
+          <p:nvPr/>
+        </p:nvPicPr>
+        <p:blipFill>
+          <a:blip r:embed="rId1"/>
+          <a:stretch>
+            <a:fillRect/>
+          </a:stretch>
+        </p:blipFill>
+        <p:spPr>
+          <a:xfrm>
+            <a:off x="1271270" y="3001010"/>
+            <a:ext cx="7566660" cy="2943225"/>
+          </a:xfrm>
+          <a:prstGeom prst="rect">
+            <a:avLst/>
+          </a:prstGeom>
+        </p:spPr>
+      </p:pic>
+    </p:spTree>
+  </p:cSld>
+  <p:clrMapOvr>
+    <a:masterClrMapping/>
+  </p:clrMapOvr>
+  <p:timing>
+    <p:tnLst>
+      <p:par>
+        <p:cTn id="1" dur="indefinite" restart="never" nodeType="tmRoot">
+          <p:childTnLst>
+            <p:seq concurrent="1" nextAc="seek">
+              <p:cTn id="2" dur="indefinite" nodeType="mainSeq">
+                <p:childTnLst>
+                  <p:par>
+                    <p:cTn id="3" fill="hold">
+                      <p:stCondLst>
+                        <p:cond delay="indefinite"/>
+                      </p:stCondLst>
+                      <p:childTnLst>
+                        <p:par>
+                          <p:cTn id="4" fill="hold">
+                            <p:stCondLst>
+                              <p:cond delay="0"/>
+                            </p:stCondLst>
+                            <p:childTnLst>
+                              <p:par>
+                                <p:cTn id="5" presetID="2" presetClass="entr" presetSubtype="4" fill="hold" nodeType="clickEffect">
+                                  <p:stCondLst>
+                                    <p:cond delay="0"/>
+                                  </p:stCondLst>
+                                  <p:childTnLst>
+                                    <p:set>
+                                      <p:cBhvr>
+                                        <p:cTn id="6" dur="1" fill="hold">
+                                          <p:stCondLst>
+                                            <p:cond delay="0"/>
+                                          </p:stCondLst>
+                                        </p:cTn>
+                                        <p:tgtEl>
+                                          <p:spTgt spid="11266">
+                                            <p:txEl>
+                                              <p:pRg st="0" end="0"/>
+                                            </p:txEl>
+                                          </p:spTgt>
+                                        </p:tgtEl>
+                                        <p:attrNameLst>
+                                          <p:attrName>style.visibility</p:attrName>
+                                        </p:attrNameLst>
+                                      </p:cBhvr>
+                                      <p:to>
+                                        <p:strVal val="visible"/>
+                                      </p:to>
+                                    </p:set>
+                                    <p:anim calcmode="lin" valueType="num">
+                                      <p:cBhvr additive="base">
+                                        <p:cTn id="7" dur="500" fill="hold"/>
+                                        <p:tgtEl>
+                                          <p:spTgt spid="11266">
+                                            <p:txEl>
+                                              <p:pRg st="0" end="0"/>
+                                            </p:txEl>
+                                          </p:spTgt>
+                                        </p:tgtEl>
+                                        <p:attrNameLst>
+                                          <p:attrName>ppt_x</p:attrName>
+                                        </p:attrNameLst>
+                                      </p:cBhvr>
+                                      <p:tavLst>
+                                        <p:tav tm="0">
+                                          <p:val>
+                                            <p:strVal val="#ppt_x"/>
+                                          </p:val>
+                                        </p:tav>
+                                        <p:tav tm="100000">
+                                          <p:val>
+                                            <p:strVal val="#ppt_x"/>
+                                          </p:val>
+                                        </p:tav>
+                                      </p:tavLst>
+                                    </p:anim>
+                                    <p:anim calcmode="lin" valueType="num">
+                                      <p:cBhvr additive="base">
+                                        <p:cTn id="8" dur="500" fill="hold"/>
+                                        <p:tgtEl>
+                                          <p:spTgt spid="11266">
+                                            <p:txEl>
+                                              <p:pRg st="0" end="0"/>
+                                            </p:txEl>
+                                          </p:spTgt>
+                                        </p:tgtEl>
+                                        <p:attrNameLst>
+                                          <p:attrName>ppt_y</p:attrName>
+                                        </p:attrNameLst>
+                                      </p:cBhvr>
+                                      <p:tavLst>
+                                        <p:tav tm="0">
+                                          <p:val>
+                                            <p:strVal val="1+#ppt_h/2"/>
+                                          </p:val>
+                                        </p:tav>
+                                        <p:tav tm="100000">
+                                          <p:val>
+                                            <p:strVal val="#ppt_y"/>
+                                          </p:val>
+                                        </p:tav>
+                                      </p:tavLst>
+                                    </p:anim>
+                                  </p:childTnLst>
+                                </p:cTn>
+                              </p:par>
+                            </p:childTnLst>
+                          </p:cTn>
+                        </p:par>
+                        <p:par>
+                          <p:cTn id="9" fill="hold">
+                            <p:stCondLst>
+                              <p:cond delay="500"/>
+                            </p:stCondLst>
+                            <p:childTnLst>
+                              <p:par>
+                                <p:cTn id="10" presetID="2" presetClass="entr" presetSubtype="4" fill="hold" nodeType="afterEffect">
+                                  <p:stCondLst>
+                                    <p:cond delay="0"/>
+                                  </p:stCondLst>
+                                  <p:childTnLst>
+                                    <p:set>
+                                      <p:cBhvr>
+                                        <p:cTn id="11" dur="1" fill="hold">
+                                          <p:stCondLst>
+                                            <p:cond delay="0"/>
+                                          </p:stCondLst>
+                                        </p:cTn>
+                                        <p:tgtEl>
+                                          <p:spTgt spid="5"/>
+                                        </p:tgtEl>
+                                        <p:attrNameLst>
+                                          <p:attrName>style.visibility</p:attrName>
+                                        </p:attrNameLst>
+                                      </p:cBhvr>
+                                      <p:to>
+                                        <p:strVal val="visible"/>
+                                      </p:to>
+                                    </p:set>
+                                    <p:anim calcmode="lin" valueType="num">
+                                      <p:cBhvr additive="base">
+                                        <p:cTn id="12" dur="500" fill="hold"/>
+                                        <p:tgtEl>
+                                          <p:spTgt spid="5"/>
+                                        </p:tgtEl>
+                                        <p:attrNameLst>
+                                          <p:attrName>ppt_x</p:attrName>
+                                        </p:attrNameLst>
+                                      </p:cBhvr>
+                                      <p:tavLst>
+                                        <p:tav tm="0">
+                                          <p:val>
+                                            <p:strVal val="#ppt_x"/>
+                                          </p:val>
+                                        </p:tav>
+                                        <p:tav tm="100000">
+                                          <p:val>
+                                            <p:strVal val="#ppt_x"/>
+                                          </p:val>
+                                        </p:tav>
+                                      </p:tavLst>
+                                    </p:anim>
+                                    <p:anim calcmode="lin" valueType="num">
+                                      <p:cBhvr additive="base">
+                                        <p:cTn id="13" dur="500" fill="hold"/>
+                                        <p:tgtEl>
+                                          <p:spTgt spid="5"/>
+                                        </p:tgtEl>
+                                        <p:attrNameLst>
+                                          <p:attrName>ppt_y</p:attrName>
+                                        </p:attrNameLst>
+                                      </p:cBhvr>
+                                      <p:tavLst>
+                                        <p:tav tm="0">
+                                          <p:val>
+                                            <p:strVal val="1+#ppt_h/2"/>
+                                          </p:val>
+                                        </p:tav>
+                                        <p:tav tm="100000">
+                                          <p:val>
+                                            <p:strVal val="#ppt_y"/>
+                                          </p:val>
+                                        </p:tav>
+                                      </p:tavLst>
+                                    </p:anim>
+                                  </p:childTnLst>
+                                </p:cTn>
+                              </p:par>
+                            </p:childTnLst>
+                          </p:cTn>
+                        </p:par>
+                        <p:par>
+                          <p:cTn id="14" fill="hold">
+                            <p:stCondLst>
+                              <p:cond delay="1000"/>
+                            </p:stCondLst>
+                            <p:childTnLst>
+                              <p:par>
+                                <p:cTn id="15" presetID="2" presetClass="entr" presetSubtype="4" fill="hold" grpId="0" nodeType="afterEffect">
+                                  <p:stCondLst>
+                                    <p:cond delay="0"/>
+                                  </p:stCondLst>
+                                  <p:childTnLst>
+                                    <p:set>
+                                      <p:cBhvr>
+                                        <p:cTn id="16" dur="1" fill="hold">
+                                          <p:stCondLst>
+                                            <p:cond delay="0"/>
+                                          </p:stCondLst>
+                                        </p:cTn>
+                                        <p:tgtEl>
+                                          <p:spTgt spid="4"/>
+                                        </p:tgtEl>
+                                        <p:attrNameLst>
+                                          <p:attrName>style.visibility</p:attrName>
+                                        </p:attrNameLst>
+                                      </p:cBhvr>
+                                      <p:to>
+                                        <p:strVal val="visible"/>
+                                      </p:to>
+                                    </p:set>
+                                    <p:anim calcmode="lin" valueType="num">
+                                      <p:cBhvr additive="base">
+                                        <p:cTn id="17" dur="500" fill="hold"/>
+                                        <p:tgtEl>
+                                          <p:spTgt spid="4"/>
+                                        </p:tgtEl>
+                                        <p:attrNameLst>
+                                          <p:attrName>ppt_x</p:attrName>
+                                        </p:attrNameLst>
+                                      </p:cBhvr>
+                                      <p:tavLst>
+                                        <p:tav tm="0">
+                                          <p:val>
+                                            <p:strVal val="#ppt_x"/>
+                                          </p:val>
+                                        </p:tav>
+                                        <p:tav tm="100000">
+                                          <p:val>
+                                            <p:strVal val="#ppt_x"/>
+                                          </p:val>
+                                        </p:tav>
+                                      </p:tavLst>
+                                    </p:anim>
+                                    <p:anim calcmode="lin" valueType="num">
+                                      <p:cBhvr additive="base">
+                                        <p:cTn id="18" dur="500" fill="hold"/>
+                                        <p:tgtEl>
+                                          <p:spTgt spid="4"/>
+                                        </p:tgtEl>
+                                        <p:attrNameLst>
+                                          <p:attrName>ppt_y</p:attrName>
+                                        </p:attrNameLst>
+                                      </p:cBhvr>
+                                      <p:tavLst>
+                                        <p:tav tm="0">
+                                          <p:val>
+                                            <p:strVal val="1+#ppt_h/2"/>
+                                          </p:val>
+                                        </p:tav>
+                                        <p:tav tm="100000">
+                                          <p:val>
+                                            <p:strVal val="#ppt_y"/>
+                                          </p:val>
+                                        </p:tav>
+                                      </p:tavLst>
+                                    </p:anim>
+                                  </p:childTnLst>
+                                </p:cTn>
+                              </p:par>
+                            </p:childTnLst>
+                          </p:cTn>
+                        </p:par>
+                      </p:childTnLst>
+                    </p:cTn>
+                  </p:par>
+                </p:childTnLst>
+              </p:cTn>
+              <p:prevCondLst>
+                <p:cond evt="onPrev" delay="0">
+                  <p:tgtEl>
+                    <p:sldTgt/>
+                  </p:tgtEl>
+                </p:cond>
+              </p:prevCondLst>
+              <p:nextCondLst>
+                <p:cond evt="onNext" delay="0">
+                  <p:tgtEl>
+                    <p:sldTgt/>
+                  </p:tgtEl>
+                </p:cond>
+              </p:nextCondLst>
+            </p:seq>
+          </p:childTnLst>
+        </p:cTn>
+      </p:par>
+    </p:tnLst>
+    <p:bldLst>
+      <p:bldP spid="4" grpId="0"/>
+    </p:bldLst>
+  </p:timing>
+</p:sld>
+</file>
+
+<file path=ppt/slides/slide11.xml><?xml version="1.0" encoding="utf-8"?>
+<p:sld xmlns:a="http://schemas.openxmlformats.org/drawingml/2006/main" xmlns:r="http://schemas.openxmlformats.org/officeDocument/2006/relationships" xmlns:p="http://schemas.openxmlformats.org/presentationml/2006/main">
+  <p:cSld>
+    <p:spTree>
+      <p:nvGrpSpPr>
+        <p:cNvPr id="1" name=""/>
+        <p:cNvGrpSpPr/>
+        <p:nvPr/>
+      </p:nvGrpSpPr>
+      <p:grpSpPr>
+        <a:xfrm>
+          <a:off x="0" y="0"/>
+          <a:ext cx="0" cy="0"/>
+          <a:chOff x="0" y="0"/>
+          <a:chExt cx="0" cy="0"/>
+        </a:xfrm>
+      </p:grpSpPr>
+      <p:sp>
+        <p:nvSpPr>
+          <p:cNvPr id="11266" name="内容占位符 1"/>
+          <p:cNvSpPr>
+            <a:spLocks noGrp="1"/>
+          </p:cNvSpPr>
+          <p:nvPr>
+            <p:ph sz="quarter" idx="10"/>
+          </p:nvPr>
+        </p:nvSpPr>
+        <p:spPr bwMode="auto">
+          <a:xfrm>
+            <a:off x="947420" y="940435"/>
+            <a:ext cx="10736580" cy="5115560"/>
+          </a:xfrm>
+          <a:noFill/>
+          <a:extLst>
+            <a:ext uri="{909E8E84-426E-40DD-AFC4-6F175D3DCCD1}">
+              <a14:hiddenFill xmlns:a14="http://schemas.microsoft.com/office/drawing/2010/main">
+                <a:solidFill>
+                  <a:srgbClr val="FFFFFF"/>
+                </a:solidFill>
+              </a14:hiddenFill>
+            </a:ext>
+            <a:ext uri="{91240B29-F687-4F45-9708-019B960494DF}">
+              <a14:hiddenLine xmlns:a14="http://schemas.microsoft.com/office/drawing/2010/main" w="9525">
+                <a:solidFill>
+                  <a:srgbClr val="000000"/>
+                </a:solidFill>
+                <a:miter lim="800000"/>
+                <a:headEnd/>
+                <a:tailEnd/>
+              </a14:hiddenLine>
+            </a:ext>
+          </a:extLst>
+        </p:spPr>
+        <p:txBody>
+          <a:bodyPr vert="horz" wrap="square" lIns="91440" tIns="45720" rIns="91440" bIns="45720" numCol="1" anchor="t" anchorCtr="0" compatLnSpc="1"/>
+          <a:lstStyle/>
+          <a:p>
+            <a:pPr>
+              <a:lnSpc>
+                <a:spcPct val="130000"/>
+              </a:lnSpc>
+            </a:pPr>
+            <a:r>
+              <a:rPr kumimoji="0" lang="zh-CN" altLang="en-US" sz="3200" dirty="0" smtClean="0">
+                <a:solidFill>
+                  <a:schemeClr val="tx1"/>
+                </a:solidFill>
+                <a:sym typeface="+mn-ea"/>
+              </a:rPr>
+              <a:t>ES6允许字面量定义对象时，用表达式作为对象的属性名</a:t>
+            </a:r>
+            <a:br>
+              <a:rPr kumimoji="0" lang="zh-CN" altLang="en-US" sz="3200" dirty="0" smtClean="0">
+                <a:solidFill>
+                  <a:schemeClr val="tx1"/>
+                </a:solidFill>
+                <a:sym typeface="+mn-ea"/>
+              </a:rPr>
+            </a:br>
+            <a:br>
+              <a:rPr kumimoji="0" lang="en-US" altLang="zh-CN" sz="2000" dirty="0" smtClean="0">
+                <a:solidFill>
+                  <a:schemeClr val="tx1"/>
+                </a:solidFill>
+                <a:sym typeface="+mn-ea"/>
+              </a:rPr>
+            </a:br>
+            <a:br>
+              <a:rPr kumimoji="0" lang="en-US" altLang="zh-CN" sz="2400" dirty="0" smtClean="0">
+                <a:solidFill>
+                  <a:schemeClr val="tx1"/>
+                </a:solidFill>
+                <a:sym typeface="+mn-ea"/>
+              </a:rPr>
+            </a:br>
+            <a:br>
+              <a:rPr kumimoji="0" lang="en-US" altLang="zh-CN" sz="2400" dirty="0" smtClean="0">
+                <a:solidFill>
+                  <a:schemeClr val="tx1"/>
+                </a:solidFill>
+                <a:sym typeface="+mn-ea"/>
+              </a:rPr>
+            </a:br>
+            <a:br>
+              <a:rPr kumimoji="0" lang="en-US" altLang="zh-CN" sz="2400" dirty="0" smtClean="0">
+                <a:solidFill>
+                  <a:schemeClr val="tx1"/>
+                </a:solidFill>
+                <a:sym typeface="+mn-ea"/>
+              </a:rPr>
+            </a:br>
+            <a:endParaRPr kumimoji="0" lang="en-US" altLang="zh-CN" sz="2400" dirty="0" smtClean="0">
+              <a:solidFill>
+                <a:schemeClr val="tx1"/>
+              </a:solidFill>
+              <a:sym typeface="+mn-ea"/>
+            </a:endParaRPr>
+          </a:p>
+          <a:p>
+            <a:pPr>
+              <a:lnSpc>
+                <a:spcPct val="130000"/>
+              </a:lnSpc>
+            </a:pPr>
+            <a:r>
+              <a:rPr kumimoji="0" lang="en-US" altLang="zh-CN" sz="3200" dirty="0" smtClean="0">
+                <a:solidFill>
+                  <a:schemeClr val="tx1"/>
+                </a:solidFill>
+                <a:sym typeface="+mn-ea"/>
+              </a:rPr>
+              <a:t>Object</a:t>
+            </a:r>
+            <a:r>
+              <a:rPr kumimoji="0" lang="zh-CN" altLang="en-US" sz="3200" dirty="0" smtClean="0">
+                <a:solidFill>
+                  <a:schemeClr val="tx1"/>
+                </a:solidFill>
+                <a:sym typeface="+mn-ea"/>
+              </a:rPr>
+              <a:t>新增的静态方法</a:t>
+            </a:r>
+            <a:br>
+              <a:rPr kumimoji="0" lang="zh-CN" altLang="en-US" sz="3200" dirty="0" smtClean="0">
+                <a:solidFill>
+                  <a:schemeClr val="tx1"/>
+                </a:solidFill>
+                <a:sym typeface="+mn-ea"/>
+              </a:rPr>
+            </a:br>
+            <a:r>
+              <a:rPr kumimoji="0" lang="en-US" altLang="zh-CN" sz="2000" dirty="0" smtClean="0">
+                <a:solidFill>
+                  <a:schemeClr val="tx1"/>
+                </a:solidFill>
+                <a:sym typeface="+mn-ea"/>
+              </a:rPr>
+              <a:t>- Object.is( )</a:t>
+            </a:r>
+            <a:r>
+              <a:rPr kumimoji="0" lang="zh-CN" altLang="en-US" sz="2000" dirty="0" smtClean="0">
+                <a:solidFill>
+                  <a:schemeClr val="tx1"/>
+                </a:solidFill>
+                <a:sym typeface="+mn-ea"/>
+              </a:rPr>
+              <a:t>、</a:t>
+            </a:r>
+            <a:r>
+              <a:rPr kumimoji="0" lang="en-US" altLang="zh-CN" sz="2000" dirty="0" smtClean="0">
+                <a:solidFill>
+                  <a:schemeClr val="tx1"/>
+                </a:solidFill>
+                <a:sym typeface="+mn-ea"/>
+              </a:rPr>
+              <a:t>Object.assign( )</a:t>
+            </a:r>
+            <a:br>
+              <a:rPr kumimoji="0" lang="zh-CN" altLang="en-US" sz="2000" dirty="0" smtClean="0">
+                <a:solidFill>
+                  <a:schemeClr val="tx1"/>
+                </a:solidFill>
+                <a:sym typeface="+mn-ea"/>
+              </a:rPr>
+            </a:br>
+            <a:r>
+              <a:rPr kumimoji="0" lang="en-US" altLang="zh-CN" sz="2000" dirty="0" smtClean="0">
+                <a:solidFill>
+                  <a:schemeClr val="tx1"/>
+                </a:solidFill>
+                <a:sym typeface="+mn-ea"/>
+              </a:rPr>
+              <a:t>- Object.setPrototypeOf( )</a:t>
+            </a:r>
+            <a:r>
+              <a:rPr kumimoji="0" lang="zh-CN" altLang="en-US" sz="2000" dirty="0" smtClean="0">
+                <a:solidFill>
+                  <a:schemeClr val="tx1"/>
+                </a:solidFill>
+                <a:sym typeface="+mn-ea"/>
+              </a:rPr>
+              <a:t>、</a:t>
+            </a:r>
+            <a:r>
+              <a:rPr kumimoji="0" lang="en-US" altLang="zh-CN" sz="2000" dirty="0" smtClean="0">
+                <a:solidFill>
+                  <a:schemeClr val="tx1"/>
+                </a:solidFill>
+                <a:sym typeface="+mn-ea"/>
+              </a:rPr>
+              <a:t>Object.getPrototypeOf( )</a:t>
+            </a:r>
+            <a:br>
+              <a:rPr kumimoji="0" lang="en-US" altLang="zh-CN" sz="2000" dirty="0" smtClean="0">
+                <a:solidFill>
+                  <a:schemeClr val="tx1"/>
+                </a:solidFill>
+                <a:sym typeface="+mn-ea"/>
+              </a:rPr>
+            </a:br>
+            <a:r>
+              <a:rPr kumimoji="0" lang="en-US" altLang="zh-CN" sz="2000" dirty="0" smtClean="0">
+                <a:solidFill>
+                  <a:schemeClr val="tx1"/>
+                </a:solidFill>
+                <a:sym typeface="+mn-ea"/>
+              </a:rPr>
+              <a:t>- </a:t>
+            </a:r>
+            <a:r>
+              <a:rPr kumimoji="0" lang="en-US" altLang="zh-CN" sz="2000" dirty="0" smtClean="0">
+                <a:solidFill>
+                  <a:schemeClr val="tx1"/>
+                </a:solidFill>
+                <a:sym typeface="+mn-ea"/>
+              </a:rPr>
+              <a:t>Object.values( )</a:t>
+            </a:r>
+            <a:r>
+              <a:rPr kumimoji="0" lang="zh-CN" altLang="en-US" sz="2000" dirty="0" smtClean="0">
+                <a:solidFill>
+                  <a:schemeClr val="tx1"/>
+                </a:solidFill>
+                <a:sym typeface="+mn-ea"/>
+              </a:rPr>
+              <a:t>、</a:t>
+            </a:r>
+            <a:r>
+              <a:rPr kumimoji="0" lang="en-US" altLang="zh-CN" sz="2000" dirty="0" smtClean="0">
+                <a:solidFill>
+                  <a:schemeClr val="tx1"/>
+                </a:solidFill>
+                <a:sym typeface="+mn-ea"/>
+              </a:rPr>
+              <a:t>Object.entries( )</a:t>
+            </a:r>
+            <a:br>
+              <a:rPr kumimoji="0" lang="en-US" altLang="zh-CN" sz="2000" dirty="0" smtClean="0">
+                <a:solidFill>
+                  <a:schemeClr val="tx1"/>
+                </a:solidFill>
+                <a:sym typeface="+mn-ea"/>
+              </a:rPr>
+            </a:br>
+            <a:br>
+              <a:rPr kumimoji="0" lang="zh-CN" altLang="en-US" sz="2000" dirty="0" smtClean="0">
+                <a:solidFill>
+                  <a:schemeClr val="tx1"/>
+                </a:solidFill>
+                <a:sym typeface="+mn-ea"/>
+              </a:rPr>
+            </a:br>
+            <a:endParaRPr kumimoji="0" lang="zh-CN" altLang="en-US" sz="2000" dirty="0" smtClean="0">
+              <a:solidFill>
+                <a:schemeClr val="tx1"/>
+              </a:solidFill>
+              <a:sym typeface="+mn-ea"/>
+            </a:endParaRPr>
+          </a:p>
+          <a:p>
+            <a:pPr>
+              <a:lnSpc>
+                <a:spcPct val="130000"/>
+              </a:lnSpc>
+            </a:pPr>
+            <a:endParaRPr kumimoji="0" lang="zh-CN" altLang="en-US" sz="2000" dirty="0" smtClean="0">
+              <a:solidFill>
+                <a:schemeClr val="tx1"/>
+              </a:solidFill>
+              <a:sym typeface="+mn-ea"/>
+            </a:endParaRPr>
+          </a:p>
+          <a:p>
+            <a:pPr>
+              <a:lnSpc>
+                <a:spcPct val="130000"/>
+              </a:lnSpc>
+            </a:pPr>
+            <a:endParaRPr kumimoji="0" lang="zh-CN" altLang="en-US" sz="2000" dirty="0" smtClean="0">
+              <a:solidFill>
+                <a:schemeClr val="tx1"/>
+              </a:solidFill>
+              <a:sym typeface="+mn-ea"/>
+            </a:endParaRPr>
+          </a:p>
+          <a:p>
+            <a:pPr>
+              <a:lnSpc>
+                <a:spcPct val="130000"/>
+              </a:lnSpc>
+            </a:pPr>
+            <a:endParaRPr kumimoji="0" lang="zh-CN" altLang="en-US" sz="2000" dirty="0" smtClean="0">
+              <a:solidFill>
+                <a:schemeClr val="tx1"/>
+              </a:solidFill>
+              <a:sym typeface="+mn-ea"/>
+            </a:endParaRPr>
+          </a:p>
+          <a:p>
+            <a:pPr marL="0" indent="0">
+              <a:lnSpc>
+                <a:spcPct val="130000"/>
+              </a:lnSpc>
+              <a:buNone/>
+            </a:pPr>
+            <a:br>
+              <a:rPr kumimoji="0" lang="zh-CN" altLang="en-US" sz="3200" dirty="0" smtClean="0">
+                <a:solidFill>
+                  <a:schemeClr val="tx1"/>
+                </a:solidFill>
+                <a:sym typeface="+mn-ea"/>
+              </a:rPr>
+            </a:br>
+            <a:endParaRPr kumimoji="0" lang="zh-CN" altLang="en-US" sz="3200" dirty="0" smtClean="0">
+              <a:solidFill>
+                <a:schemeClr val="tx1"/>
+              </a:solidFill>
+              <a:sym typeface="+mn-ea"/>
+            </a:endParaRPr>
+          </a:p>
+          <a:p>
+            <a:pPr>
+              <a:lnSpc>
+                <a:spcPct val="130000"/>
+              </a:lnSpc>
+            </a:pPr>
+            <a:endParaRPr kumimoji="0" lang="zh-CN" altLang="en-US" sz="3200" dirty="0" smtClean="0">
+              <a:solidFill>
+                <a:schemeClr val="tx1"/>
+              </a:solidFill>
+              <a:sym typeface="+mn-ea"/>
+            </a:endParaRPr>
+          </a:p>
+          <a:p>
+            <a:pPr>
+              <a:lnSpc>
+                <a:spcPct val="130000"/>
+              </a:lnSpc>
+            </a:pPr>
+            <a:endParaRPr kumimoji="0" lang="zh-CN" altLang="en-US" sz="3200" dirty="0" smtClean="0">
+              <a:solidFill>
+                <a:schemeClr val="tx1"/>
+              </a:solidFill>
+              <a:sym typeface="+mn-ea"/>
+            </a:endParaRPr>
+          </a:p>
+          <a:p>
+            <a:pPr eaLnBrk="1" hangingPunct="1">
+              <a:lnSpc>
+                <a:spcPct val="150000"/>
+              </a:lnSpc>
+            </a:pPr>
+            <a:endParaRPr kumimoji="0" lang="en-US" altLang="zh-CN" sz="3600" dirty="0" smtClean="0">
+              <a:solidFill>
+                <a:schemeClr val="tx1"/>
+              </a:solidFill>
+            </a:endParaRPr>
+          </a:p>
+          <a:p>
+            <a:pPr eaLnBrk="1" hangingPunct="1">
+              <a:lnSpc>
+                <a:spcPct val="150000"/>
+              </a:lnSpc>
+            </a:pPr>
+            <a:endParaRPr kumimoji="0" lang="zh-CN" altLang="en-US" dirty="0" smtClean="0">
+              <a:solidFill>
+                <a:schemeClr val="tx1"/>
+              </a:solidFill>
+            </a:endParaRPr>
+          </a:p>
+        </p:txBody>
+      </p:sp>
+      <p:sp>
+        <p:nvSpPr>
+          <p:cNvPr id="2" name="内容占位符 1"/>
+          <p:cNvSpPr>
+            <a:spLocks noGrp="1"/>
+          </p:cNvSpPr>
+          <p:nvPr>
+            <p:ph sz="quarter" idx="11"/>
+          </p:nvPr>
+        </p:nvSpPr>
+        <p:spPr>
+          <a:xfrm>
+            <a:off x="947420" y="308610"/>
+            <a:ext cx="8415655" cy="490220"/>
+          </a:xfrm>
+        </p:spPr>
+        <p:txBody>
+          <a:bodyPr/>
+          <a:lstStyle/>
+          <a:p>
+            <a:r>
+              <a:rPr kumimoji="0" lang="zh-CN" dirty="0">
+                <a:sym typeface="+mn-ea"/>
+              </a:rPr>
+              <a:t>对</a:t>
+            </a:r>
+            <a:r>
+              <a:rPr kumimoji="0" lang="en-US" altLang="zh-CN" dirty="0">
+                <a:sym typeface="+mn-ea"/>
+              </a:rPr>
+              <a:t>Object</a:t>
+            </a:r>
+            <a:r>
+              <a:rPr kumimoji="0" lang="zh-CN" altLang="en-US" dirty="0">
+                <a:sym typeface="+mn-ea"/>
+              </a:rPr>
+              <a:t>的扩展</a:t>
+            </a:r>
+            <a:endParaRPr kumimoji="0" lang="zh-CN" altLang="en-US" dirty="0">
+              <a:sym typeface="+mn-ea"/>
+            </a:endParaRPr>
+          </a:p>
+        </p:txBody>
+      </p:sp>
+      <p:sp>
+        <p:nvSpPr>
+          <p:cNvPr id="4" name="文本框 3"/>
+          <p:cNvSpPr txBox="1"/>
+          <p:nvPr/>
+        </p:nvSpPr>
+        <p:spPr>
+          <a:xfrm>
+            <a:off x="5224145" y="6137275"/>
+            <a:ext cx="6109335" cy="429895"/>
+          </a:xfrm>
+          <a:prstGeom prst="rect">
+            <a:avLst/>
+          </a:prstGeom>
+          <a:noFill/>
+        </p:spPr>
+        <p:txBody>
+          <a:bodyPr wrap="square" rtlCol="0">
+            <a:spAutoFit/>
+          </a:bodyPr>
+          <a:p>
+            <a:pPr algn="l"/>
+            <a:r>
+              <a:rPr lang="zh-CN" altLang="en-US" sz="2200">
+                <a:solidFill>
+                  <a:srgbClr val="FF0000"/>
+                </a:solidFill>
+                <a:latin typeface="+mn-ea"/>
+                <a:ea typeface="+mn-ea"/>
+              </a:rPr>
+              <a:t>参见实例</a:t>
+            </a:r>
+            <a:r>
+              <a:rPr lang="en-US" altLang="zh-CN" sz="2200">
+                <a:solidFill>
+                  <a:srgbClr val="FF0000"/>
+                </a:solidFill>
+                <a:latin typeface="+mn-ea"/>
+                <a:ea typeface="+mn-ea"/>
+              </a:rPr>
+              <a:t>demo05 Part2 Part3 </a:t>
+            </a:r>
+            <a:r>
+              <a:rPr lang="zh-CN" altLang="en-US" sz="2200">
+                <a:solidFill>
+                  <a:srgbClr val="FF0000"/>
+                </a:solidFill>
+                <a:latin typeface="+mn-ea"/>
+                <a:ea typeface="+mn-ea"/>
+              </a:rPr>
+              <a:t>对</a:t>
+            </a:r>
+            <a:r>
+              <a:rPr lang="en-US" altLang="zh-CN" sz="2200">
+                <a:solidFill>
+                  <a:srgbClr val="FF0000"/>
+                </a:solidFill>
+                <a:latin typeface="+mn-ea"/>
+                <a:ea typeface="+mn-ea"/>
+              </a:rPr>
+              <a:t>Object</a:t>
+            </a:r>
+            <a:r>
+              <a:rPr lang="zh-CN" altLang="en-US" sz="2200">
+                <a:solidFill>
+                  <a:srgbClr val="FF0000"/>
+                </a:solidFill>
+                <a:latin typeface="+mn-ea"/>
+                <a:ea typeface="+mn-ea"/>
+              </a:rPr>
+              <a:t>的扩展</a:t>
+            </a:r>
+            <a:endParaRPr lang="zh-CN" altLang="en-US" sz="2200">
+              <a:solidFill>
+                <a:srgbClr val="FF0000"/>
+              </a:solidFill>
+              <a:latin typeface="+mn-ea"/>
+              <a:ea typeface="+mn-ea"/>
+            </a:endParaRPr>
+          </a:p>
+        </p:txBody>
+      </p:sp>
+      <p:pic>
+        <p:nvPicPr>
+          <p:cNvPr id="3" name="图片 2"/>
+          <p:cNvPicPr>
+            <a:picLocks noChangeAspect="1"/>
+          </p:cNvPicPr>
+          <p:nvPr/>
+        </p:nvPicPr>
+        <p:blipFill>
+          <a:blip r:embed="rId1"/>
+          <a:stretch>
+            <a:fillRect/>
+          </a:stretch>
+        </p:blipFill>
+        <p:spPr>
+          <a:xfrm>
+            <a:off x="1239520" y="1783080"/>
+            <a:ext cx="6809105" cy="2118360"/>
+          </a:xfrm>
+          <a:prstGeom prst="rect">
+            <a:avLst/>
+          </a:prstGeom>
+        </p:spPr>
+      </p:pic>
+      <p:sp>
+        <p:nvSpPr>
+          <p:cNvPr id="6" name="文本框 5"/>
+          <p:cNvSpPr txBox="1"/>
+          <p:nvPr/>
+        </p:nvSpPr>
+        <p:spPr>
+          <a:xfrm>
+            <a:off x="7462520" y="1989455"/>
+            <a:ext cx="3091815" cy="768350"/>
+          </a:xfrm>
+          <a:prstGeom prst="rect">
+            <a:avLst/>
+          </a:prstGeom>
+          <a:noFill/>
+        </p:spPr>
+        <p:txBody>
+          <a:bodyPr wrap="square" rtlCol="0">
+            <a:spAutoFit/>
+          </a:bodyPr>
+          <a:p>
+            <a:pPr algn="l"/>
+            <a:r>
+              <a:rPr sz="2200">
+                <a:solidFill>
+                  <a:srgbClr val="FF0000"/>
+                </a:solidFill>
+                <a:latin typeface="+mn-ea"/>
+                <a:ea typeface="+mn-ea"/>
+              </a:rPr>
+              <a:t>属性名表达式与简洁表示法，不能同时使用</a:t>
+            </a:r>
+            <a:endParaRPr sz="2200">
               <a:solidFill>
                 <a:srgbClr val="FF0000"/>
               </a:solidFill>
@@ -5214,30 +6283,194 @@
                             </p:childTnLst>
                           </p:cTn>
                         </p:par>
-                      </p:childTnLst>
-                    </p:cTn>
-                  </p:par>
-                  <p:par>
-                    <p:cTn id="9" fill="hold">
-                      <p:stCondLst>
-                        <p:cond delay="indefinite"/>
-                      </p:stCondLst>
-                      <p:childTnLst>
                         <p:par>
-                          <p:cTn id="10" fill="hold">
+                          <p:cTn id="9" fill="hold">
                             <p:stCondLst>
-                              <p:cond delay="0"/>
+                              <p:cond delay="500"/>
                             </p:stCondLst>
                             <p:childTnLst>
                               <p:par>
-                                <p:cTn id="11" presetID="2" presetClass="entr" presetSubtype="4" fill="hold" nodeType="clickEffect">
+                                <p:cTn id="10" presetID="2" presetClass="entr" presetSubtype="4" fill="hold" nodeType="afterEffect">
                                   <p:stCondLst>
                                     <p:cond delay="0"/>
                                   </p:stCondLst>
                                   <p:childTnLst>
                                     <p:set>
                                       <p:cBhvr>
-                                        <p:cTn id="12" dur="1" fill="hold">
+                                        <p:cTn id="11" dur="1" fill="hold">
+                                          <p:stCondLst>
+                                            <p:cond delay="0"/>
+                                          </p:stCondLst>
+                                        </p:cTn>
+                                        <p:tgtEl>
+                                          <p:spTgt spid="3"/>
+                                        </p:tgtEl>
+                                        <p:attrNameLst>
+                                          <p:attrName>style.visibility</p:attrName>
+                                        </p:attrNameLst>
+                                      </p:cBhvr>
+                                      <p:to>
+                                        <p:strVal val="visible"/>
+                                      </p:to>
+                                    </p:set>
+                                    <p:anim calcmode="lin" valueType="num">
+                                      <p:cBhvr additive="base">
+                                        <p:cTn id="12" dur="500" fill="hold"/>
+                                        <p:tgtEl>
+                                          <p:spTgt spid="3"/>
+                                        </p:tgtEl>
+                                        <p:attrNameLst>
+                                          <p:attrName>ppt_x</p:attrName>
+                                        </p:attrNameLst>
+                                      </p:cBhvr>
+                                      <p:tavLst>
+                                        <p:tav tm="0">
+                                          <p:val>
+                                            <p:strVal val="#ppt_x"/>
+                                          </p:val>
+                                        </p:tav>
+                                        <p:tav tm="100000">
+                                          <p:val>
+                                            <p:strVal val="#ppt_x"/>
+                                          </p:val>
+                                        </p:tav>
+                                      </p:tavLst>
+                                    </p:anim>
+                                    <p:anim calcmode="lin" valueType="num">
+                                      <p:cBhvr additive="base">
+                                        <p:cTn id="13" dur="500" fill="hold"/>
+                                        <p:tgtEl>
+                                          <p:spTgt spid="3"/>
+                                        </p:tgtEl>
+                                        <p:attrNameLst>
+                                          <p:attrName>ppt_y</p:attrName>
+                                        </p:attrNameLst>
+                                      </p:cBhvr>
+                                      <p:tavLst>
+                                        <p:tav tm="0">
+                                          <p:val>
+                                            <p:strVal val="1+#ppt_h/2"/>
+                                          </p:val>
+                                        </p:tav>
+                                        <p:tav tm="100000">
+                                          <p:val>
+                                            <p:strVal val="#ppt_y"/>
+                                          </p:val>
+                                        </p:tav>
+                                      </p:tavLst>
+                                    </p:anim>
+                                  </p:childTnLst>
+                                </p:cTn>
+                              </p:par>
+                            </p:childTnLst>
+                          </p:cTn>
+                        </p:par>
+                        <p:par>
+                          <p:cTn id="14" fill="hold">
+                            <p:stCondLst>
+                              <p:cond delay="1000"/>
+                            </p:stCondLst>
+                            <p:childTnLst>
+                              <p:par>
+                                <p:cTn id="15" presetID="2" presetClass="entr" presetSubtype="4" fill="hold" grpId="0" nodeType="afterEffect">
+                                  <p:stCondLst>
+                                    <p:cond delay="0"/>
+                                  </p:stCondLst>
+                                  <p:childTnLst>
+                                    <p:set>
+                                      <p:cBhvr>
+                                        <p:cTn id="16" dur="1" fill="hold">
+                                          <p:stCondLst>
+                                            <p:cond delay="0"/>
+                                          </p:stCondLst>
+                                        </p:cTn>
+                                        <p:tgtEl>
+                                          <p:spTgt spid="6"/>
+                                        </p:tgtEl>
+                                        <p:attrNameLst>
+                                          <p:attrName>style.visibility</p:attrName>
+                                        </p:attrNameLst>
+                                      </p:cBhvr>
+                                      <p:to>
+                                        <p:strVal val="visible"/>
+                                      </p:to>
+                                    </p:set>
+                                    <p:anim calcmode="lin" valueType="num">
+                                      <p:cBhvr additive="base">
+                                        <p:cTn id="17" dur="500" fill="hold"/>
+                                        <p:tgtEl>
+                                          <p:spTgt spid="6"/>
+                                        </p:tgtEl>
+                                        <p:attrNameLst>
+                                          <p:attrName>ppt_x</p:attrName>
+                                        </p:attrNameLst>
+                                      </p:cBhvr>
+                                      <p:tavLst>
+                                        <p:tav tm="0">
+                                          <p:val>
+                                            <p:strVal val="#ppt_x"/>
+                                          </p:val>
+                                        </p:tav>
+                                        <p:tav tm="100000">
+                                          <p:val>
+                                            <p:strVal val="#ppt_x"/>
+                                          </p:val>
+                                        </p:tav>
+                                      </p:tavLst>
+                                    </p:anim>
+                                    <p:anim calcmode="lin" valueType="num">
+                                      <p:cBhvr additive="base">
+                                        <p:cTn id="18" dur="500" fill="hold"/>
+                                        <p:tgtEl>
+                                          <p:spTgt spid="6"/>
+                                        </p:tgtEl>
+                                        <p:attrNameLst>
+                                          <p:attrName>ppt_y</p:attrName>
+                                        </p:attrNameLst>
+                                      </p:cBhvr>
+                                      <p:tavLst>
+                                        <p:tav tm="0">
+                                          <p:val>
+                                            <p:strVal val="1+#ppt_h/2"/>
+                                          </p:val>
+                                        </p:tav>
+                                        <p:tav tm="100000">
+                                          <p:val>
+                                            <p:strVal val="#ppt_y"/>
+                                          </p:val>
+                                        </p:tav>
+                                      </p:tavLst>
+                                    </p:anim>
+                                  </p:childTnLst>
+                                </p:cTn>
+                              </p:par>
+                            </p:childTnLst>
+                          </p:cTn>
+                        </p:par>
+                      </p:childTnLst>
+                    </p:cTn>
+                  </p:par>
+                  <p:par>
+                    <p:cTn id="19" fill="hold">
+                      <p:stCondLst>
+                        <p:cond delay="indefinite"/>
+                      </p:stCondLst>
+                      <p:childTnLst>
+                        <p:par>
+                          <p:cTn id="20" fill="hold">
+                            <p:stCondLst>
+                              <p:cond delay="0"/>
+                            </p:stCondLst>
+                            <p:childTnLst>
+                              <p:par>
+                                <p:cTn id="21" presetID="2" presetClass="entr" presetSubtype="4" fill="hold" nodeType="clickEffect">
+                                  <p:stCondLst>
+                                    <p:cond delay="0"/>
+                                  </p:stCondLst>
+                                  <p:childTnLst>
+                                    <p:set>
+                                      <p:cBhvr>
+                                        <p:cTn id="22" dur="1" fill="hold">
                                           <p:stCondLst>
                                             <p:cond delay="0"/>
                                           </p:stCondLst>
@@ -5259,7 +6492,7 @@
                                     </p:set>
                                     <p:anim calcmode="lin" valueType="num">
                                       <p:cBhvr additive="base">
-                                        <p:cTn id="13" dur="500" fill="hold"/>
+                                        <p:cTn id="23" dur="500" fill="hold"/>
                                         <p:tgtEl>
                                           <p:spTgt spid="11266">
                                             <p:txEl>
@@ -5286,7 +6519,7 @@
                                     </p:anim>
                                     <p:anim calcmode="lin" valueType="num">
                                       <p:cBhvr additive="base">
-                                        <p:cTn id="14" dur="500" fill="hold"/>
+                                        <p:cTn id="24" dur="500" fill="hold"/>
                                         <p:tgtEl>
                                           <p:spTgt spid="11266">
                                             <p:txEl>
@@ -5318,20 +6551,20 @@
                           </p:cTn>
                         </p:par>
                         <p:par>
-                          <p:cTn id="15" fill="hold">
+                          <p:cTn id="25" fill="hold">
                             <p:stCondLst>
                               <p:cond delay="500"/>
                             </p:stCondLst>
                             <p:childTnLst>
                               <p:par>
-                                <p:cTn id="16" presetID="2" presetClass="entr" presetSubtype="4" fill="hold" grpId="0" nodeType="afterEffect">
+                                <p:cTn id="26" presetID="2" presetClass="entr" presetSubtype="4" fill="hold" grpId="0" nodeType="afterEffect">
                                   <p:stCondLst>
                                     <p:cond delay="0"/>
                                   </p:stCondLst>
                                   <p:childTnLst>
                                     <p:set>
                                       <p:cBhvr>
-                                        <p:cTn id="17" dur="1" fill="hold">
+                                        <p:cTn id="27" dur="1" fill="hold">
                                           <p:stCondLst>
                                             <p:cond delay="0"/>
                                           </p:stCondLst>
@@ -5349,7 +6582,7 @@
                                     </p:set>
                                     <p:anim calcmode="lin" valueType="num">
                                       <p:cBhvr additive="base">
-                                        <p:cTn id="18" dur="500" fill="hold"/>
+                                        <p:cTn id="28" dur="500" fill="hold"/>
                                         <p:tgtEl>
                                           <p:spTgt spid="4"/>
                                         </p:tgtEl>
@@ -5372,7 +6605,7 @@
                                     </p:anim>
                                     <p:anim calcmode="lin" valueType="num">
                                       <p:cBhvr additive="base">
-                                        <p:cTn id="19" dur="500" fill="hold"/>
+                                        <p:cTn id="29" dur="500" fill="hold"/>
                                         <p:tgtEl>
                                           <p:spTgt spid="4"/>
                                         </p:tgtEl>
@@ -5425,12 +6658,13 @@
     </p:tnLst>
     <p:bldLst>
       <p:bldP spid="4" grpId="0"/>
+      <p:bldP spid="6" grpId="0"/>
     </p:bldLst>
   </p:timing>
 </p:sld>
 </file>
 
-<file path=ppt/slides/slide11.xml><?xml version="1.0" encoding="utf-8"?>
+<file path=ppt/slides/slide12.xml><?xml version="1.0" encoding="utf-8"?>
 <p:sld xmlns:a="http://schemas.openxmlformats.org/drawingml/2006/main" xmlns:r="http://schemas.openxmlformats.org/officeDocument/2006/relationships" xmlns:p="http://schemas.openxmlformats.org/presentationml/2006/main">
   <p:cSld>
     <p:spTree>
@@ -5634,7 +6868,7 @@
 </p:sld>
 </file>
 
-<file path=ppt/slides/slide12.xml><?xml version="1.0" encoding="utf-8"?>
+<file path=ppt/slides/slide13.xml><?xml version="1.0" encoding="utf-8"?>
 <p:sld xmlns:a="http://schemas.openxmlformats.org/drawingml/2006/main" xmlns:r="http://schemas.openxmlformats.org/officeDocument/2006/relationships" xmlns:p="http://schemas.openxmlformats.org/presentationml/2006/main">
   <p:cSld>
     <p:spTree>
@@ -6022,7 +7256,7 @@
 </p:sld>
 </file>
 
-<file path=ppt/slides/slide13.xml><?xml version="1.0" encoding="utf-8"?>
+<file path=ppt/slides/slide14.xml><?xml version="1.0" encoding="utf-8"?>
 <p:sld xmlns:a="http://schemas.openxmlformats.org/drawingml/2006/main" xmlns:r="http://schemas.openxmlformats.org/officeDocument/2006/relationships" xmlns:p="http://schemas.openxmlformats.org/presentationml/2006/main">
   <p:cSld>
     <p:spTree>
@@ -6545,7 +7779,7 @@
 </p:sld>
 </file>
 
-<file path=ppt/slides/slide14.xml><?xml version="1.0" encoding="utf-8"?>
+<file path=ppt/slides/slide15.xml><?xml version="1.0" encoding="utf-8"?>
 <p:sld xmlns:a="http://schemas.openxmlformats.org/drawingml/2006/main" xmlns:r="http://schemas.openxmlformats.org/officeDocument/2006/relationships" xmlns:p="http://schemas.openxmlformats.org/presentationml/2006/main">
   <p:cSld>
     <p:spTree>
@@ -7191,7 +8425,7 @@
                 <a:latin typeface="+mn-ea"/>
                 <a:ea typeface="+mn-ea"/>
               </a:rPr>
-              <a:t>demo05 </a:t>
+              <a:t>demo06 </a:t>
             </a:r>
             <a:r>
               <a:rPr lang="zh-CN" altLang="en-US" sz="2200">
@@ -7439,7 +8673,7 @@
 </p:sld>
 </file>
 
-<file path=ppt/slides/slide15.xml><?xml version="1.0" encoding="utf-8"?>
+<file path=ppt/slides/slide16.xml><?xml version="1.0" encoding="utf-8"?>
 <p:sld xmlns:a="http://schemas.openxmlformats.org/drawingml/2006/main" xmlns:r="http://schemas.openxmlformats.org/officeDocument/2006/relationships" xmlns:p="http://schemas.openxmlformats.org/presentationml/2006/main">
   <p:cSld>
     <p:spTree>
@@ -7852,7 +9086,7 @@
                 <a:latin typeface="+mn-ea"/>
                 <a:ea typeface="+mn-ea"/>
               </a:rPr>
-              <a:t>demo06 </a:t>
+              <a:t>demo07 </a:t>
             </a:r>
             <a:endParaRPr lang="en-US" altLang="zh-CN" sz="2200">
               <a:solidFill>
@@ -8374,7 +9608,7 @@
 </p:sld>
 </file>
 
-<file path=ppt/slides/slide16.xml><?xml version="1.0" encoding="utf-8"?>
+<file path=ppt/slides/slide17.xml><?xml version="1.0" encoding="utf-8"?>
 <p:sld xmlns:a="http://schemas.openxmlformats.org/drawingml/2006/main" xmlns:r="http://schemas.openxmlformats.org/officeDocument/2006/relationships" xmlns:p="http://schemas.openxmlformats.org/presentationml/2006/main">
   <p:cSld>
     <p:spTree>
@@ -8897,7 +10131,7 @@
 </p:sld>
 </file>
 
-<file path=ppt/slides/slide17.xml><?xml version="1.0" encoding="utf-8"?>
+<file path=ppt/slides/slide18.xml><?xml version="1.0" encoding="utf-8"?>
 <p:sld xmlns:a="http://schemas.openxmlformats.org/drawingml/2006/main" xmlns:r="http://schemas.openxmlformats.org/officeDocument/2006/relationships" xmlns:p="http://schemas.openxmlformats.org/presentationml/2006/main">
   <p:cSld>
     <p:spTree>
@@ -9323,7 +10557,7 @@
                 <a:latin typeface="+mn-ea"/>
                 <a:ea typeface="+mn-ea"/>
               </a:rPr>
-              <a:t>demo07</a:t>
+              <a:t>demo08</a:t>
             </a:r>
             <a:r>
               <a:rPr lang="zh-CN" altLang="en-US" sz="2200">
@@ -9866,7 +11100,7 @@
 </p:sld>
 </file>
 
-<file path=ppt/slides/slide18.xml><?xml version="1.0" encoding="utf-8"?>
+<file path=ppt/slides/slide19.xml><?xml version="1.0" encoding="utf-8"?>
 <p:sld xmlns:a="http://schemas.openxmlformats.org/drawingml/2006/main" xmlns:r="http://schemas.openxmlformats.org/officeDocument/2006/relationships" xmlns:p="http://schemas.openxmlformats.org/presentationml/2006/main">
   <p:cSld>
     <p:spTree>
@@ -10162,7 +11396,7 @@
                 <a:latin typeface="+mn-ea"/>
                 <a:ea typeface="+mn-ea"/>
               </a:rPr>
-              <a:t>demo07</a:t>
+              <a:t>demo08</a:t>
             </a:r>
             <a:r>
               <a:rPr lang="zh-CN" altLang="en-US" sz="2200">
@@ -10530,7 +11764,396 @@
 </p:sld>
 </file>
 
-<file path=ppt/slides/slide19.xml><?xml version="1.0" encoding="utf-8"?>
+<file path=ppt/slides/slide2.xml><?xml version="1.0" encoding="utf-8"?>
+<p:sld xmlns:a="http://schemas.openxmlformats.org/drawingml/2006/main" xmlns:r="http://schemas.openxmlformats.org/officeDocument/2006/relationships" xmlns:p="http://schemas.openxmlformats.org/presentationml/2006/main">
+  <p:cSld>
+    <p:spTree>
+      <p:nvGrpSpPr>
+        <p:cNvPr id="1" name=""/>
+        <p:cNvGrpSpPr/>
+        <p:nvPr/>
+      </p:nvGrpSpPr>
+      <p:grpSpPr>
+        <a:xfrm>
+          <a:off x="0" y="0"/>
+          <a:ext cx="0" cy="0"/>
+          <a:chOff x="0" y="0"/>
+          <a:chExt cx="0" cy="0"/>
+        </a:xfrm>
+      </p:grpSpPr>
+      <p:pic>
+        <p:nvPicPr>
+          <p:cNvPr id="4098" name="Picture 4"/>
+          <p:cNvPicPr>
+            <a:picLocks noChangeAspect="1" noChangeArrowheads="1"/>
+          </p:cNvPicPr>
+          <p:nvPr/>
+        </p:nvPicPr>
+        <p:blipFill>
+          <a:blip r:embed="rId1">
+            <a:extLst>
+              <a:ext uri="{28A0092B-C50C-407E-A947-70E740481C1C}">
+                <a14:useLocalDpi xmlns:a14="http://schemas.microsoft.com/office/drawing/2010/main" val="0"/>
+              </a:ext>
+            </a:extLst>
+          </a:blip>
+          <a:srcRect/>
+          <a:stretch>
+            <a:fillRect/>
+          </a:stretch>
+        </p:blipFill>
+        <p:spPr bwMode="auto">
+          <a:xfrm>
+            <a:off x="0" y="0"/>
+            <a:ext cx="12192000" cy="6858000"/>
+          </a:xfrm>
+          <a:prstGeom prst="rect">
+            <a:avLst/>
+          </a:prstGeom>
+          <a:noFill/>
+          <a:ln>
+            <a:noFill/>
+          </a:ln>
+          <a:extLst>
+            <a:ext uri="{909E8E84-426E-40DD-AFC4-6F175D3DCCD1}">
+              <a14:hiddenFill xmlns:a14="http://schemas.microsoft.com/office/drawing/2010/main">
+                <a:solidFill>
+                  <a:srgbClr val="FFFFFF"/>
+                </a:solidFill>
+              </a14:hiddenFill>
+            </a:ext>
+            <a:ext uri="{91240B29-F687-4F45-9708-019B960494DF}">
+              <a14:hiddenLine xmlns:a14="http://schemas.microsoft.com/office/drawing/2010/main" w="9525">
+                <a:solidFill>
+                  <a:srgbClr val="000000"/>
+                </a:solidFill>
+                <a:miter lim="800000"/>
+                <a:headEnd/>
+                <a:tailEnd/>
+              </a14:hiddenLine>
+            </a:ext>
+          </a:extLst>
+        </p:spPr>
+      </p:pic>
+      <p:sp>
+        <p:nvSpPr>
+          <p:cNvPr id="4099" name="Rectangle 2"/>
+          <p:cNvSpPr>
+            <a:spLocks noGrp="1" noChangeArrowheads="1"/>
+          </p:cNvSpPr>
+          <p:nvPr>
+            <p:ph type="ctrTitle" idx="4294967295"/>
+          </p:nvPr>
+        </p:nvSpPr>
+        <p:spPr bwMode="auto">
+          <a:xfrm>
+            <a:off x="1809751" y="2428876"/>
+            <a:ext cx="7286625" cy="1116013"/>
+          </a:xfrm>
+          <a:prstGeom prst="rect">
+            <a:avLst/>
+          </a:prstGeom>
+          <a:noFill/>
+          <a:extLst>
+            <a:ext uri="{909E8E84-426E-40DD-AFC4-6F175D3DCCD1}">
+              <a14:hiddenFill xmlns:a14="http://schemas.microsoft.com/office/drawing/2010/main">
+                <a:solidFill>
+                  <a:srgbClr val="FFFFFF"/>
+                </a:solidFill>
+              </a14:hiddenFill>
+            </a:ext>
+            <a:ext uri="{91240B29-F687-4F45-9708-019B960494DF}">
+              <a14:hiddenLine xmlns:a14="http://schemas.microsoft.com/office/drawing/2010/main" w="9525">
+                <a:solidFill>
+                  <a:srgbClr val="000000"/>
+                </a:solidFill>
+                <a:miter lim="800000"/>
+                <a:headEnd/>
+                <a:tailEnd/>
+              </a14:hiddenLine>
+            </a:ext>
+          </a:extLst>
+        </p:spPr>
+        <p:txBody>
+          <a:bodyPr anchor="b"/>
+          <a:lstStyle/>
+          <a:p>
+            <a:pPr algn="ctr" eaLnBrk="1" hangingPunct="1"/>
+            <a:r>
+              <a:rPr lang="en-US" sz="4800" b="1" dirty="0">
+                <a:sym typeface="+mn-ea"/>
+              </a:rPr>
+              <a:t>JavaScript</a:t>
+            </a:r>
+            <a:r>
+              <a:rPr lang="zh-CN" altLang="en-US" sz="4800" b="1" dirty="0">
+                <a:sym typeface="+mn-ea"/>
+              </a:rPr>
+              <a:t>进阶（</a:t>
+            </a:r>
+            <a:r>
+              <a:rPr lang="en-US" altLang="zh-CN" sz="4800" b="1" dirty="0">
+                <a:sym typeface="+mn-ea"/>
+              </a:rPr>
+              <a:t>ES6</a:t>
+            </a:r>
+            <a:r>
+              <a:rPr lang="zh-CN" altLang="en-US" sz="4800" b="1" dirty="0">
+                <a:sym typeface="+mn-ea"/>
+              </a:rPr>
+              <a:t>）</a:t>
+            </a:r>
+            <a:endParaRPr kumimoji="0" lang="zh-CN" altLang="zh-CN" sz="4800" b="1"/>
+          </a:p>
+        </p:txBody>
+      </p:sp>
+      <p:sp>
+        <p:nvSpPr>
+          <p:cNvPr id="4100" name="TextBox 4"/>
+          <p:cNvSpPr txBox="1">
+            <a:spLocks noChangeArrowheads="1"/>
+          </p:cNvSpPr>
+          <p:nvPr/>
+        </p:nvSpPr>
+        <p:spPr bwMode="auto">
+          <a:xfrm>
+            <a:off x="3995420" y="4143375"/>
+            <a:ext cx="7312660" cy="583565"/>
+          </a:xfrm>
+          <a:prstGeom prst="rect">
+            <a:avLst/>
+          </a:prstGeom>
+          <a:noFill/>
+          <a:ln>
+            <a:noFill/>
+          </a:ln>
+          <a:extLst>
+            <a:ext uri="{909E8E84-426E-40DD-AFC4-6F175D3DCCD1}">
+              <a14:hiddenFill xmlns:a14="http://schemas.microsoft.com/office/drawing/2010/main">
+                <a:solidFill>
+                  <a:srgbClr val="FFFFFF"/>
+                </a:solidFill>
+              </a14:hiddenFill>
+            </a:ext>
+            <a:ext uri="{91240B29-F687-4F45-9708-019B960494DF}">
+              <a14:hiddenLine xmlns:a14="http://schemas.microsoft.com/office/drawing/2010/main" w="9525">
+                <a:solidFill>
+                  <a:srgbClr val="000000"/>
+                </a:solidFill>
+                <a:miter lim="800000"/>
+                <a:headEnd/>
+                <a:tailEnd/>
+              </a14:hiddenLine>
+            </a:ext>
+          </a:extLst>
+        </p:spPr>
+        <p:txBody>
+          <a:bodyPr wrap="square">
+            <a:spAutoFit/>
+          </a:bodyPr>
+          <a:lstStyle>
+            <a:lvl1pPr>
+              <a:defRPr sz="3200">
+                <a:solidFill>
+                  <a:schemeClr val="tx1"/>
+                </a:solidFill>
+                <a:latin typeface="Arial" panose="020B0604020202020204" pitchFamily="34" charset="0"/>
+                <a:ea typeface="微软雅黑" panose="020B0503020204020204" pitchFamily="34" charset="-122"/>
+              </a:defRPr>
+            </a:lvl1pPr>
+            <a:lvl2pPr marL="742950" indent="-285750">
+              <a:defRPr sz="3200">
+                <a:solidFill>
+                  <a:schemeClr val="tx1"/>
+                </a:solidFill>
+                <a:latin typeface="Arial" panose="020B0604020202020204" pitchFamily="34" charset="0"/>
+                <a:ea typeface="微软雅黑" panose="020B0503020204020204" pitchFamily="34" charset="-122"/>
+              </a:defRPr>
+            </a:lvl2pPr>
+            <a:lvl3pPr marL="1143000" indent="-228600">
+              <a:defRPr sz="3200">
+                <a:solidFill>
+                  <a:schemeClr val="tx1"/>
+                </a:solidFill>
+                <a:latin typeface="Arial" panose="020B0604020202020204" pitchFamily="34" charset="0"/>
+                <a:ea typeface="微软雅黑" panose="020B0503020204020204" pitchFamily="34" charset="-122"/>
+              </a:defRPr>
+            </a:lvl3pPr>
+            <a:lvl4pPr marL="1600200" indent="-228600">
+              <a:defRPr sz="3200">
+                <a:solidFill>
+                  <a:schemeClr val="tx1"/>
+                </a:solidFill>
+                <a:latin typeface="Arial" panose="020B0604020202020204" pitchFamily="34" charset="0"/>
+                <a:ea typeface="微软雅黑" panose="020B0503020204020204" pitchFamily="34" charset="-122"/>
+              </a:defRPr>
+            </a:lvl4pPr>
+            <a:lvl5pPr marL="2057400" indent="-228600">
+              <a:defRPr sz="3200">
+                <a:solidFill>
+                  <a:schemeClr val="tx1"/>
+                </a:solidFill>
+                <a:latin typeface="Arial" panose="020B0604020202020204" pitchFamily="34" charset="0"/>
+                <a:ea typeface="微软雅黑" panose="020B0503020204020204" pitchFamily="34" charset="-122"/>
+              </a:defRPr>
+            </a:lvl5pPr>
+            <a:lvl6pPr marL="2514600" indent="-228600" eaLnBrk="0" fontAlgn="base" hangingPunct="0">
+              <a:spcBef>
+                <a:spcPct val="0"/>
+              </a:spcBef>
+              <a:spcAft>
+                <a:spcPct val="0"/>
+              </a:spcAft>
+              <a:defRPr sz="3200">
+                <a:solidFill>
+                  <a:schemeClr val="tx1"/>
+                </a:solidFill>
+                <a:latin typeface="Arial" panose="020B0604020202020204" pitchFamily="34" charset="0"/>
+                <a:ea typeface="微软雅黑" panose="020B0503020204020204" pitchFamily="34" charset="-122"/>
+              </a:defRPr>
+            </a:lvl6pPr>
+            <a:lvl7pPr marL="2971800" indent="-228600" eaLnBrk="0" fontAlgn="base" hangingPunct="0">
+              <a:spcBef>
+                <a:spcPct val="0"/>
+              </a:spcBef>
+              <a:spcAft>
+                <a:spcPct val="0"/>
+              </a:spcAft>
+              <a:defRPr sz="3200">
+                <a:solidFill>
+                  <a:schemeClr val="tx1"/>
+                </a:solidFill>
+                <a:latin typeface="Arial" panose="020B0604020202020204" pitchFamily="34" charset="0"/>
+                <a:ea typeface="微软雅黑" panose="020B0503020204020204" pitchFamily="34" charset="-122"/>
+              </a:defRPr>
+            </a:lvl7pPr>
+            <a:lvl8pPr marL="3429000" indent="-228600" eaLnBrk="0" fontAlgn="base" hangingPunct="0">
+              <a:spcBef>
+                <a:spcPct val="0"/>
+              </a:spcBef>
+              <a:spcAft>
+                <a:spcPct val="0"/>
+              </a:spcAft>
+              <a:defRPr sz="3200">
+                <a:solidFill>
+                  <a:schemeClr val="tx1"/>
+                </a:solidFill>
+                <a:latin typeface="Arial" panose="020B0604020202020204" pitchFamily="34" charset="0"/>
+                <a:ea typeface="微软雅黑" panose="020B0503020204020204" pitchFamily="34" charset="-122"/>
+              </a:defRPr>
+            </a:lvl8pPr>
+            <a:lvl9pPr marL="3886200" indent="-228600" eaLnBrk="0" fontAlgn="base" hangingPunct="0">
+              <a:spcBef>
+                <a:spcPct val="0"/>
+              </a:spcBef>
+              <a:spcAft>
+                <a:spcPct val="0"/>
+              </a:spcAft>
+              <a:defRPr sz="3200">
+                <a:solidFill>
+                  <a:schemeClr val="tx1"/>
+                </a:solidFill>
+                <a:latin typeface="Arial" panose="020B0604020202020204" pitchFamily="34" charset="0"/>
+                <a:ea typeface="微软雅黑" panose="020B0503020204020204" pitchFamily="34" charset="-122"/>
+              </a:defRPr>
+            </a:lvl9pPr>
+          </a:lstStyle>
+          <a:p>
+            <a:r>
+              <a:rPr lang="en-US" altLang="zh-CN">
+                <a:latin typeface="微软雅黑" panose="020B0503020204020204" pitchFamily="34" charset="-122"/>
+                <a:ea typeface="宋体" panose="02010600030101010101" pitchFamily="2" charset="-122"/>
+                <a:sym typeface="+mn-ea"/>
+              </a:rPr>
+              <a:t>---</a:t>
+            </a:r>
+            <a:r>
+              <a:rPr>
+                <a:sym typeface="+mn-ea"/>
+              </a:rPr>
+              <a:t>ES6</a:t>
+            </a:r>
+            <a:r>
+              <a:rPr lang="zh-CN">
+                <a:sym typeface="+mn-ea"/>
+              </a:rPr>
+              <a:t>对内置对象的扩展</a:t>
+            </a:r>
+            <a:endParaRPr lang="zh-CN"/>
+          </a:p>
+        </p:txBody>
+      </p:sp>
+      <p:pic>
+        <p:nvPicPr>
+          <p:cNvPr id="4101" name="图片 4" descr="软院logo横版.png"/>
+          <p:cNvPicPr>
+            <a:picLocks noChangeAspect="1"/>
+          </p:cNvPicPr>
+          <p:nvPr/>
+        </p:nvPicPr>
+        <p:blipFill>
+          <a:blip r:embed="rId2">
+            <a:extLst>
+              <a:ext uri="{28A0092B-C50C-407E-A947-70E740481C1C}">
+                <a14:useLocalDpi xmlns:a14="http://schemas.microsoft.com/office/drawing/2010/main" val="0"/>
+              </a:ext>
+            </a:extLst>
+          </a:blip>
+          <a:srcRect/>
+          <a:stretch>
+            <a:fillRect/>
+          </a:stretch>
+        </p:blipFill>
+        <p:spPr bwMode="auto">
+          <a:xfrm>
+            <a:off x="6604001" y="5784851"/>
+            <a:ext cx="3381375" cy="525463"/>
+          </a:xfrm>
+          <a:prstGeom prst="rect">
+            <a:avLst/>
+          </a:prstGeom>
+          <a:noFill/>
+          <a:ln>
+            <a:noFill/>
+          </a:ln>
+          <a:extLst>
+            <a:ext uri="{909E8E84-426E-40DD-AFC4-6F175D3DCCD1}">
+              <a14:hiddenFill xmlns:a14="http://schemas.microsoft.com/office/drawing/2010/main">
+                <a:solidFill>
+                  <a:srgbClr val="FFFFFF"/>
+                </a:solidFill>
+              </a14:hiddenFill>
+            </a:ext>
+            <a:ext uri="{91240B29-F687-4F45-9708-019B960494DF}">
+              <a14:hiddenLine xmlns:a14="http://schemas.microsoft.com/office/drawing/2010/main" w="9525">
+                <a:solidFill>
+                  <a:srgbClr val="000000"/>
+                </a:solidFill>
+                <a:miter lim="800000"/>
+                <a:headEnd/>
+                <a:tailEnd/>
+              </a14:hiddenLine>
+            </a:ext>
+          </a:extLst>
+        </p:spPr>
+      </p:pic>
+    </p:spTree>
+  </p:cSld>
+  <p:clrMapOvr>
+    <a:masterClrMapping/>
+  </p:clrMapOvr>
+  <p:transition advClick="0"/>
+  <p:timing>
+    <p:tnLst>
+      <p:par>
+        <p:cTn id="1" dur="indefinite" restart="never" nodeType="tmRoot"/>
+      </p:par>
+    </p:tnLst>
+  </p:timing>
+</p:sld>
+</file>
+
+<file path=ppt/slides/slide20.xml><?xml version="1.0" encoding="utf-8"?>
 <p:sld xmlns:a="http://schemas.openxmlformats.org/drawingml/2006/main" xmlns:r="http://schemas.openxmlformats.org/officeDocument/2006/relationships" xmlns:p="http://schemas.openxmlformats.org/presentationml/2006/main">
   <p:cSld>
     <p:spTree>
@@ -10885,7 +12508,7 @@
                 <a:latin typeface="+mn-ea"/>
                 <a:ea typeface="+mn-ea"/>
               </a:rPr>
-              <a:t>demo08 ES6</a:t>
+              <a:t>demo09 ES6</a:t>
             </a:r>
             <a:r>
               <a:rPr lang="zh-CN" altLang="en-US" sz="2200">
@@ -11330,396 +12953,7 @@
 </p:sld>
 </file>
 
-<file path=ppt/slides/slide2.xml><?xml version="1.0" encoding="utf-8"?>
-<p:sld xmlns:a="http://schemas.openxmlformats.org/drawingml/2006/main" xmlns:r="http://schemas.openxmlformats.org/officeDocument/2006/relationships" xmlns:p="http://schemas.openxmlformats.org/presentationml/2006/main">
-  <p:cSld>
-    <p:spTree>
-      <p:nvGrpSpPr>
-        <p:cNvPr id="1" name=""/>
-        <p:cNvGrpSpPr/>
-        <p:nvPr/>
-      </p:nvGrpSpPr>
-      <p:grpSpPr>
-        <a:xfrm>
-          <a:off x="0" y="0"/>
-          <a:ext cx="0" cy="0"/>
-          <a:chOff x="0" y="0"/>
-          <a:chExt cx="0" cy="0"/>
-        </a:xfrm>
-      </p:grpSpPr>
-      <p:pic>
-        <p:nvPicPr>
-          <p:cNvPr id="4098" name="Picture 4"/>
-          <p:cNvPicPr>
-            <a:picLocks noChangeAspect="1" noChangeArrowheads="1"/>
-          </p:cNvPicPr>
-          <p:nvPr/>
-        </p:nvPicPr>
-        <p:blipFill>
-          <a:blip r:embed="rId1">
-            <a:extLst>
-              <a:ext uri="{28A0092B-C50C-407E-A947-70E740481C1C}">
-                <a14:useLocalDpi xmlns:a14="http://schemas.microsoft.com/office/drawing/2010/main" val="0"/>
-              </a:ext>
-            </a:extLst>
-          </a:blip>
-          <a:srcRect/>
-          <a:stretch>
-            <a:fillRect/>
-          </a:stretch>
-        </p:blipFill>
-        <p:spPr bwMode="auto">
-          <a:xfrm>
-            <a:off x="0" y="0"/>
-            <a:ext cx="12192000" cy="6858000"/>
-          </a:xfrm>
-          <a:prstGeom prst="rect">
-            <a:avLst/>
-          </a:prstGeom>
-          <a:noFill/>
-          <a:ln>
-            <a:noFill/>
-          </a:ln>
-          <a:extLst>
-            <a:ext uri="{909E8E84-426E-40DD-AFC4-6F175D3DCCD1}">
-              <a14:hiddenFill xmlns:a14="http://schemas.microsoft.com/office/drawing/2010/main">
-                <a:solidFill>
-                  <a:srgbClr val="FFFFFF"/>
-                </a:solidFill>
-              </a14:hiddenFill>
-            </a:ext>
-            <a:ext uri="{91240B29-F687-4F45-9708-019B960494DF}">
-              <a14:hiddenLine xmlns:a14="http://schemas.microsoft.com/office/drawing/2010/main" w="9525">
-                <a:solidFill>
-                  <a:srgbClr val="000000"/>
-                </a:solidFill>
-                <a:miter lim="800000"/>
-                <a:headEnd/>
-                <a:tailEnd/>
-              </a14:hiddenLine>
-            </a:ext>
-          </a:extLst>
-        </p:spPr>
-      </p:pic>
-      <p:sp>
-        <p:nvSpPr>
-          <p:cNvPr id="4099" name="Rectangle 2"/>
-          <p:cNvSpPr>
-            <a:spLocks noGrp="1" noChangeArrowheads="1"/>
-          </p:cNvSpPr>
-          <p:nvPr>
-            <p:ph type="ctrTitle" idx="4294967295"/>
-          </p:nvPr>
-        </p:nvSpPr>
-        <p:spPr bwMode="auto">
-          <a:xfrm>
-            <a:off x="1809751" y="2428876"/>
-            <a:ext cx="7286625" cy="1116013"/>
-          </a:xfrm>
-          <a:prstGeom prst="rect">
-            <a:avLst/>
-          </a:prstGeom>
-          <a:noFill/>
-          <a:extLst>
-            <a:ext uri="{909E8E84-426E-40DD-AFC4-6F175D3DCCD1}">
-              <a14:hiddenFill xmlns:a14="http://schemas.microsoft.com/office/drawing/2010/main">
-                <a:solidFill>
-                  <a:srgbClr val="FFFFFF"/>
-                </a:solidFill>
-              </a14:hiddenFill>
-            </a:ext>
-            <a:ext uri="{91240B29-F687-4F45-9708-019B960494DF}">
-              <a14:hiddenLine xmlns:a14="http://schemas.microsoft.com/office/drawing/2010/main" w="9525">
-                <a:solidFill>
-                  <a:srgbClr val="000000"/>
-                </a:solidFill>
-                <a:miter lim="800000"/>
-                <a:headEnd/>
-                <a:tailEnd/>
-              </a14:hiddenLine>
-            </a:ext>
-          </a:extLst>
-        </p:spPr>
-        <p:txBody>
-          <a:bodyPr anchor="b"/>
-          <a:lstStyle/>
-          <a:p>
-            <a:pPr algn="ctr" eaLnBrk="1" hangingPunct="1"/>
-            <a:r>
-              <a:rPr lang="en-US" sz="4800" b="1" dirty="0">
-                <a:sym typeface="+mn-ea"/>
-              </a:rPr>
-              <a:t>JavaScript</a:t>
-            </a:r>
-            <a:r>
-              <a:rPr lang="zh-CN" altLang="en-US" sz="4800" b="1" dirty="0">
-                <a:sym typeface="+mn-ea"/>
-              </a:rPr>
-              <a:t>进阶（</a:t>
-            </a:r>
-            <a:r>
-              <a:rPr lang="en-US" altLang="zh-CN" sz="4800" b="1" dirty="0">
-                <a:sym typeface="+mn-ea"/>
-              </a:rPr>
-              <a:t>ES6</a:t>
-            </a:r>
-            <a:r>
-              <a:rPr lang="zh-CN" altLang="en-US" sz="4800" b="1" dirty="0">
-                <a:sym typeface="+mn-ea"/>
-              </a:rPr>
-              <a:t>）</a:t>
-            </a:r>
-            <a:endParaRPr kumimoji="0" lang="zh-CN" altLang="zh-CN" sz="4800" b="1"/>
-          </a:p>
-        </p:txBody>
-      </p:sp>
-      <p:sp>
-        <p:nvSpPr>
-          <p:cNvPr id="4100" name="TextBox 4"/>
-          <p:cNvSpPr txBox="1">
-            <a:spLocks noChangeArrowheads="1"/>
-          </p:cNvSpPr>
-          <p:nvPr/>
-        </p:nvSpPr>
-        <p:spPr bwMode="auto">
-          <a:xfrm>
-            <a:off x="3995420" y="4143375"/>
-            <a:ext cx="7312660" cy="583565"/>
-          </a:xfrm>
-          <a:prstGeom prst="rect">
-            <a:avLst/>
-          </a:prstGeom>
-          <a:noFill/>
-          <a:ln>
-            <a:noFill/>
-          </a:ln>
-          <a:extLst>
-            <a:ext uri="{909E8E84-426E-40DD-AFC4-6F175D3DCCD1}">
-              <a14:hiddenFill xmlns:a14="http://schemas.microsoft.com/office/drawing/2010/main">
-                <a:solidFill>
-                  <a:srgbClr val="FFFFFF"/>
-                </a:solidFill>
-              </a14:hiddenFill>
-            </a:ext>
-            <a:ext uri="{91240B29-F687-4F45-9708-019B960494DF}">
-              <a14:hiddenLine xmlns:a14="http://schemas.microsoft.com/office/drawing/2010/main" w="9525">
-                <a:solidFill>
-                  <a:srgbClr val="000000"/>
-                </a:solidFill>
-                <a:miter lim="800000"/>
-                <a:headEnd/>
-                <a:tailEnd/>
-              </a14:hiddenLine>
-            </a:ext>
-          </a:extLst>
-        </p:spPr>
-        <p:txBody>
-          <a:bodyPr wrap="square">
-            <a:spAutoFit/>
-          </a:bodyPr>
-          <a:lstStyle>
-            <a:lvl1pPr>
-              <a:defRPr sz="3200">
-                <a:solidFill>
-                  <a:schemeClr val="tx1"/>
-                </a:solidFill>
-                <a:latin typeface="Arial" panose="020B0604020202020204" pitchFamily="34" charset="0"/>
-                <a:ea typeface="微软雅黑" panose="020B0503020204020204" pitchFamily="34" charset="-122"/>
-              </a:defRPr>
-            </a:lvl1pPr>
-            <a:lvl2pPr marL="742950" indent="-285750">
-              <a:defRPr sz="3200">
-                <a:solidFill>
-                  <a:schemeClr val="tx1"/>
-                </a:solidFill>
-                <a:latin typeface="Arial" panose="020B0604020202020204" pitchFamily="34" charset="0"/>
-                <a:ea typeface="微软雅黑" panose="020B0503020204020204" pitchFamily="34" charset="-122"/>
-              </a:defRPr>
-            </a:lvl2pPr>
-            <a:lvl3pPr marL="1143000" indent="-228600">
-              <a:defRPr sz="3200">
-                <a:solidFill>
-                  <a:schemeClr val="tx1"/>
-                </a:solidFill>
-                <a:latin typeface="Arial" panose="020B0604020202020204" pitchFamily="34" charset="0"/>
-                <a:ea typeface="微软雅黑" panose="020B0503020204020204" pitchFamily="34" charset="-122"/>
-              </a:defRPr>
-            </a:lvl3pPr>
-            <a:lvl4pPr marL="1600200" indent="-228600">
-              <a:defRPr sz="3200">
-                <a:solidFill>
-                  <a:schemeClr val="tx1"/>
-                </a:solidFill>
-                <a:latin typeface="Arial" panose="020B0604020202020204" pitchFamily="34" charset="0"/>
-                <a:ea typeface="微软雅黑" panose="020B0503020204020204" pitchFamily="34" charset="-122"/>
-              </a:defRPr>
-            </a:lvl4pPr>
-            <a:lvl5pPr marL="2057400" indent="-228600">
-              <a:defRPr sz="3200">
-                <a:solidFill>
-                  <a:schemeClr val="tx1"/>
-                </a:solidFill>
-                <a:latin typeface="Arial" panose="020B0604020202020204" pitchFamily="34" charset="0"/>
-                <a:ea typeface="微软雅黑" panose="020B0503020204020204" pitchFamily="34" charset="-122"/>
-              </a:defRPr>
-            </a:lvl5pPr>
-            <a:lvl6pPr marL="2514600" indent="-228600" eaLnBrk="0" fontAlgn="base" hangingPunct="0">
-              <a:spcBef>
-                <a:spcPct val="0"/>
-              </a:spcBef>
-              <a:spcAft>
-                <a:spcPct val="0"/>
-              </a:spcAft>
-              <a:defRPr sz="3200">
-                <a:solidFill>
-                  <a:schemeClr val="tx1"/>
-                </a:solidFill>
-                <a:latin typeface="Arial" panose="020B0604020202020204" pitchFamily="34" charset="0"/>
-                <a:ea typeface="微软雅黑" panose="020B0503020204020204" pitchFamily="34" charset="-122"/>
-              </a:defRPr>
-            </a:lvl6pPr>
-            <a:lvl7pPr marL="2971800" indent="-228600" eaLnBrk="0" fontAlgn="base" hangingPunct="0">
-              <a:spcBef>
-                <a:spcPct val="0"/>
-              </a:spcBef>
-              <a:spcAft>
-                <a:spcPct val="0"/>
-              </a:spcAft>
-              <a:defRPr sz="3200">
-                <a:solidFill>
-                  <a:schemeClr val="tx1"/>
-                </a:solidFill>
-                <a:latin typeface="Arial" panose="020B0604020202020204" pitchFamily="34" charset="0"/>
-                <a:ea typeface="微软雅黑" panose="020B0503020204020204" pitchFamily="34" charset="-122"/>
-              </a:defRPr>
-            </a:lvl7pPr>
-            <a:lvl8pPr marL="3429000" indent="-228600" eaLnBrk="0" fontAlgn="base" hangingPunct="0">
-              <a:spcBef>
-                <a:spcPct val="0"/>
-              </a:spcBef>
-              <a:spcAft>
-                <a:spcPct val="0"/>
-              </a:spcAft>
-              <a:defRPr sz="3200">
-                <a:solidFill>
-                  <a:schemeClr val="tx1"/>
-                </a:solidFill>
-                <a:latin typeface="Arial" panose="020B0604020202020204" pitchFamily="34" charset="0"/>
-                <a:ea typeface="微软雅黑" panose="020B0503020204020204" pitchFamily="34" charset="-122"/>
-              </a:defRPr>
-            </a:lvl8pPr>
-            <a:lvl9pPr marL="3886200" indent="-228600" eaLnBrk="0" fontAlgn="base" hangingPunct="0">
-              <a:spcBef>
-                <a:spcPct val="0"/>
-              </a:spcBef>
-              <a:spcAft>
-                <a:spcPct val="0"/>
-              </a:spcAft>
-              <a:defRPr sz="3200">
-                <a:solidFill>
-                  <a:schemeClr val="tx1"/>
-                </a:solidFill>
-                <a:latin typeface="Arial" panose="020B0604020202020204" pitchFamily="34" charset="0"/>
-                <a:ea typeface="微软雅黑" panose="020B0503020204020204" pitchFamily="34" charset="-122"/>
-              </a:defRPr>
-            </a:lvl9pPr>
-          </a:lstStyle>
-          <a:p>
-            <a:r>
-              <a:rPr lang="en-US" altLang="zh-CN">
-                <a:latin typeface="微软雅黑" panose="020B0503020204020204" pitchFamily="34" charset="-122"/>
-                <a:ea typeface="宋体" panose="02010600030101010101" pitchFamily="2" charset="-122"/>
-                <a:sym typeface="+mn-ea"/>
-              </a:rPr>
-              <a:t>---</a:t>
-            </a:r>
-            <a:r>
-              <a:rPr>
-                <a:sym typeface="+mn-ea"/>
-              </a:rPr>
-              <a:t>ES6</a:t>
-            </a:r>
-            <a:r>
-              <a:rPr lang="zh-CN">
-                <a:sym typeface="+mn-ea"/>
-              </a:rPr>
-              <a:t>对内置对象的扩展</a:t>
-            </a:r>
-            <a:endParaRPr lang="zh-CN"/>
-          </a:p>
-        </p:txBody>
-      </p:sp>
-      <p:pic>
-        <p:nvPicPr>
-          <p:cNvPr id="4101" name="图片 4" descr="软院logo横版.png"/>
-          <p:cNvPicPr>
-            <a:picLocks noChangeAspect="1"/>
-          </p:cNvPicPr>
-          <p:nvPr/>
-        </p:nvPicPr>
-        <p:blipFill>
-          <a:blip r:embed="rId2">
-            <a:extLst>
-              <a:ext uri="{28A0092B-C50C-407E-A947-70E740481C1C}">
-                <a14:useLocalDpi xmlns:a14="http://schemas.microsoft.com/office/drawing/2010/main" val="0"/>
-              </a:ext>
-            </a:extLst>
-          </a:blip>
-          <a:srcRect/>
-          <a:stretch>
-            <a:fillRect/>
-          </a:stretch>
-        </p:blipFill>
-        <p:spPr bwMode="auto">
-          <a:xfrm>
-            <a:off x="6604001" y="5784851"/>
-            <a:ext cx="3381375" cy="525463"/>
-          </a:xfrm>
-          <a:prstGeom prst="rect">
-            <a:avLst/>
-          </a:prstGeom>
-          <a:noFill/>
-          <a:ln>
-            <a:noFill/>
-          </a:ln>
-          <a:extLst>
-            <a:ext uri="{909E8E84-426E-40DD-AFC4-6F175D3DCCD1}">
-              <a14:hiddenFill xmlns:a14="http://schemas.microsoft.com/office/drawing/2010/main">
-                <a:solidFill>
-                  <a:srgbClr val="FFFFFF"/>
-                </a:solidFill>
-              </a14:hiddenFill>
-            </a:ext>
-            <a:ext uri="{91240B29-F687-4F45-9708-019B960494DF}">
-              <a14:hiddenLine xmlns:a14="http://schemas.microsoft.com/office/drawing/2010/main" w="9525">
-                <a:solidFill>
-                  <a:srgbClr val="000000"/>
-                </a:solidFill>
-                <a:miter lim="800000"/>
-                <a:headEnd/>
-                <a:tailEnd/>
-              </a14:hiddenLine>
-            </a:ext>
-          </a:extLst>
-        </p:spPr>
-      </p:pic>
-    </p:spTree>
-  </p:cSld>
-  <p:clrMapOvr>
-    <a:masterClrMapping/>
-  </p:clrMapOvr>
-  <p:transition advClick="0"/>
-  <p:timing>
-    <p:tnLst>
-      <p:par>
-        <p:cTn id="1" dur="indefinite" restart="never" nodeType="tmRoot"/>
-      </p:par>
-    </p:tnLst>
-  </p:timing>
-</p:sld>
-</file>
-
-<file path=ppt/slides/slide20.xml><?xml version="1.0" encoding="utf-8"?>
+<file path=ppt/slides/slide21.xml><?xml version="1.0" encoding="utf-8"?>
 <p:sld xmlns:a="http://schemas.openxmlformats.org/drawingml/2006/main" xmlns:r="http://schemas.openxmlformats.org/officeDocument/2006/relationships" xmlns:p="http://schemas.openxmlformats.org/presentationml/2006/main">
   <p:cSld>
     <p:spTree>
@@ -12270,7 +13504,7 @@
 </p:sld>
 </file>
 
-<file path=ppt/slides/slide21.xml><?xml version="1.0" encoding="utf-8"?>
+<file path=ppt/slides/slide22.xml><?xml version="1.0" encoding="utf-8"?>
 <p:sld xmlns:a="http://schemas.openxmlformats.org/drawingml/2006/main" xmlns:r="http://schemas.openxmlformats.org/officeDocument/2006/relationships" xmlns:p="http://schemas.openxmlformats.org/presentationml/2006/main">
   <p:cSld>
     <p:spTree>
@@ -12758,7 +13992,7 @@
                 <a:latin typeface="+mn-ea"/>
                 <a:ea typeface="+mn-ea"/>
               </a:rPr>
-              <a:t>demo09</a:t>
+              <a:t>demo10</a:t>
             </a:r>
             <a:r>
               <a:rPr lang="zh-CN" altLang="en-US" sz="2200">
@@ -13098,7 +14332,7 @@
 </p:sld>
 </file>
 
-<file path=ppt/slides/slide22.xml><?xml version="1.0" encoding="utf-8"?>
+<file path=ppt/slides/slide23.xml><?xml version="1.0" encoding="utf-8"?>
 <p:sld xmlns:a="http://schemas.openxmlformats.org/drawingml/2006/main" xmlns:r="http://schemas.openxmlformats.org/officeDocument/2006/relationships" xmlns:p="http://schemas.openxmlformats.org/presentationml/2006/main">
   <p:cSld>
     <p:spTree>
@@ -13481,7 +14715,7 @@
                 <a:latin typeface="+mn-ea"/>
                 <a:ea typeface="+mn-ea"/>
               </a:rPr>
-              <a:t>demo09</a:t>
+              <a:t>demo10</a:t>
             </a:r>
             <a:r>
               <a:rPr lang="zh-CN" altLang="en-US" sz="2200">
@@ -13821,7 +15055,7 @@
 </p:sld>
 </file>
 
-<file path=ppt/slides/slide23.xml><?xml version="1.0" encoding="utf-8"?>
+<file path=ppt/slides/slide24.xml><?xml version="1.0" encoding="utf-8"?>
 <p:sld xmlns:a="http://schemas.openxmlformats.org/drawingml/2006/main" xmlns:r="http://schemas.openxmlformats.org/officeDocument/2006/relationships" xmlns:p="http://schemas.openxmlformats.org/presentationml/2006/main">
   <p:cSld>
     <p:spTree>
@@ -14372,7 +15606,7 @@
 </p:sld>
 </file>
 
-<file path=ppt/slides/slide24.xml><?xml version="1.0" encoding="utf-8"?>
+<file path=ppt/slides/slide25.xml><?xml version="1.0" encoding="utf-8"?>
 <p:sld xmlns:a="http://schemas.openxmlformats.org/drawingml/2006/main" xmlns:r="http://schemas.openxmlformats.org/officeDocument/2006/relationships" xmlns:p="http://schemas.openxmlformats.org/presentationml/2006/main">
   <p:cSld>
     <p:spTree>
@@ -14576,7 +15810,7 @@
 </p:sld>
 </file>
 
-<file path=ppt/slides/slide25.xml><?xml version="1.0" encoding="utf-8"?>
+<file path=ppt/slides/slide26.xml><?xml version="1.0" encoding="utf-8"?>
 <p:sld xmlns:a="http://schemas.openxmlformats.org/drawingml/2006/main" xmlns:r="http://schemas.openxmlformats.org/officeDocument/2006/relationships" xmlns:p="http://schemas.openxmlformats.org/presentationml/2006/main">
   <p:cSld>
     <p:spTree>
@@ -14949,546 +16183,6 @@
     <a:masterClrMapping/>
   </p:clrMapOvr>
   <p:transition advClick="0"/>
-  <p:timing>
-    <p:tnLst>
-      <p:par>
-        <p:cTn id="1" dur="indefinite" restart="never" nodeType="tmRoot"/>
-      </p:par>
-    </p:tnLst>
-  </p:timing>
-</p:sld>
-</file>
-
-<file path=ppt/slides/slide26.xml><?xml version="1.0" encoding="utf-8"?>
-<p:sld xmlns:a="http://schemas.openxmlformats.org/drawingml/2006/main" xmlns:r="http://schemas.openxmlformats.org/officeDocument/2006/relationships" xmlns:p="http://schemas.openxmlformats.org/presentationml/2006/main">
-  <p:cSld>
-    <p:spTree>
-      <p:nvGrpSpPr>
-        <p:cNvPr id="1" name=""/>
-        <p:cNvGrpSpPr/>
-        <p:nvPr/>
-      </p:nvGrpSpPr>
-      <p:grpSpPr>
-        <a:xfrm>
-          <a:off x="0" y="0"/>
-          <a:ext cx="0" cy="0"/>
-          <a:chOff x="0" y="0"/>
-          <a:chExt cx="0" cy="0"/>
-        </a:xfrm>
-      </p:grpSpPr>
-      <p:sp>
-        <p:nvSpPr>
-          <p:cNvPr id="5123" name="AutoShape 6"/>
-          <p:cNvSpPr>
-            <a:spLocks noChangeArrowheads="1"/>
-          </p:cNvSpPr>
-          <p:nvPr/>
-        </p:nvSpPr>
-        <p:spPr bwMode="auto">
-          <a:xfrm>
-            <a:off x="2566988" y="1339851"/>
-            <a:ext cx="6711950" cy="4214813"/>
-          </a:xfrm>
-          <a:prstGeom prst="roundRect">
-            <a:avLst>
-              <a:gd name="adj" fmla="val 16667"/>
-            </a:avLst>
-          </a:prstGeom>
-          <a:noFill/>
-          <a:ln w="28575">
-            <a:solidFill>
-              <a:srgbClr val="C0C0C0"/>
-            </a:solidFill>
-            <a:prstDash val="sysDot"/>
-            <a:round/>
-          </a:ln>
-          <a:extLst>
-            <a:ext uri="{909E8E84-426E-40DD-AFC4-6F175D3DCCD1}">
-              <a14:hiddenFill xmlns:a14="http://schemas.microsoft.com/office/drawing/2010/main">
-                <a:solidFill>
-                  <a:srgbClr val="FFFFFF"/>
-                </a:solidFill>
-              </a14:hiddenFill>
-            </a:ext>
-          </a:extLst>
-        </p:spPr>
-        <p:txBody>
-          <a:bodyPr wrap="none" anchor="ctr"/>
-          <a:lstStyle>
-            <a:lvl1pPr marL="457200" indent="-457200">
-              <a:defRPr sz="3200">
-                <a:solidFill>
-                  <a:schemeClr val="tx1"/>
-                </a:solidFill>
-                <a:latin typeface="Arial" panose="020B0604020202020204" pitchFamily="34" charset="0"/>
-                <a:ea typeface="微软雅黑" panose="020B0503020204020204" pitchFamily="34" charset="-122"/>
-              </a:defRPr>
-            </a:lvl1pPr>
-            <a:lvl2pPr marL="742950" indent="-285750">
-              <a:defRPr sz="3200">
-                <a:solidFill>
-                  <a:schemeClr val="tx1"/>
-                </a:solidFill>
-                <a:latin typeface="Arial" panose="020B0604020202020204" pitchFamily="34" charset="0"/>
-                <a:ea typeface="微软雅黑" panose="020B0503020204020204" pitchFamily="34" charset="-122"/>
-              </a:defRPr>
-            </a:lvl2pPr>
-            <a:lvl3pPr marL="1143000" indent="-228600">
-              <a:defRPr sz="3200">
-                <a:solidFill>
-                  <a:schemeClr val="tx1"/>
-                </a:solidFill>
-                <a:latin typeface="Arial" panose="020B0604020202020204" pitchFamily="34" charset="0"/>
-                <a:ea typeface="微软雅黑" panose="020B0503020204020204" pitchFamily="34" charset="-122"/>
-              </a:defRPr>
-            </a:lvl3pPr>
-            <a:lvl4pPr marL="1600200" indent="-228600">
-              <a:defRPr sz="3200">
-                <a:solidFill>
-                  <a:schemeClr val="tx1"/>
-                </a:solidFill>
-                <a:latin typeface="Arial" panose="020B0604020202020204" pitchFamily="34" charset="0"/>
-                <a:ea typeface="微软雅黑" panose="020B0503020204020204" pitchFamily="34" charset="-122"/>
-              </a:defRPr>
-            </a:lvl4pPr>
-            <a:lvl5pPr marL="2057400" indent="-228600">
-              <a:defRPr sz="3200">
-                <a:solidFill>
-                  <a:schemeClr val="tx1"/>
-                </a:solidFill>
-                <a:latin typeface="Arial" panose="020B0604020202020204" pitchFamily="34" charset="0"/>
-                <a:ea typeface="微软雅黑" panose="020B0503020204020204" pitchFamily="34" charset="-122"/>
-              </a:defRPr>
-            </a:lvl5pPr>
-            <a:lvl6pPr marL="2514600" indent="-228600" eaLnBrk="0" fontAlgn="base" hangingPunct="0">
-              <a:spcBef>
-                <a:spcPct val="0"/>
-              </a:spcBef>
-              <a:spcAft>
-                <a:spcPct val="0"/>
-              </a:spcAft>
-              <a:defRPr sz="3200">
-                <a:solidFill>
-                  <a:schemeClr val="tx1"/>
-                </a:solidFill>
-                <a:latin typeface="Arial" panose="020B0604020202020204" pitchFamily="34" charset="0"/>
-                <a:ea typeface="微软雅黑" panose="020B0503020204020204" pitchFamily="34" charset="-122"/>
-              </a:defRPr>
-            </a:lvl6pPr>
-            <a:lvl7pPr marL="2971800" indent="-228600" eaLnBrk="0" fontAlgn="base" hangingPunct="0">
-              <a:spcBef>
-                <a:spcPct val="0"/>
-              </a:spcBef>
-              <a:spcAft>
-                <a:spcPct val="0"/>
-              </a:spcAft>
-              <a:defRPr sz="3200">
-                <a:solidFill>
-                  <a:schemeClr val="tx1"/>
-                </a:solidFill>
-                <a:latin typeface="Arial" panose="020B0604020202020204" pitchFamily="34" charset="0"/>
-                <a:ea typeface="微软雅黑" panose="020B0503020204020204" pitchFamily="34" charset="-122"/>
-              </a:defRPr>
-            </a:lvl7pPr>
-            <a:lvl8pPr marL="3429000" indent="-228600" eaLnBrk="0" fontAlgn="base" hangingPunct="0">
-              <a:spcBef>
-                <a:spcPct val="0"/>
-              </a:spcBef>
-              <a:spcAft>
-                <a:spcPct val="0"/>
-              </a:spcAft>
-              <a:defRPr sz="3200">
-                <a:solidFill>
-                  <a:schemeClr val="tx1"/>
-                </a:solidFill>
-                <a:latin typeface="Arial" panose="020B0604020202020204" pitchFamily="34" charset="0"/>
-                <a:ea typeface="微软雅黑" panose="020B0503020204020204" pitchFamily="34" charset="-122"/>
-              </a:defRPr>
-            </a:lvl8pPr>
-            <a:lvl9pPr marL="3886200" indent="-228600" eaLnBrk="0" fontAlgn="base" hangingPunct="0">
-              <a:spcBef>
-                <a:spcPct val="0"/>
-              </a:spcBef>
-              <a:spcAft>
-                <a:spcPct val="0"/>
-              </a:spcAft>
-              <a:defRPr sz="3200">
-                <a:solidFill>
-                  <a:schemeClr val="tx1"/>
-                </a:solidFill>
-                <a:latin typeface="Arial" panose="020B0604020202020204" pitchFamily="34" charset="0"/>
-                <a:ea typeface="微软雅黑" panose="020B0503020204020204" pitchFamily="34" charset="-122"/>
-              </a:defRPr>
-            </a:lvl9pPr>
-          </a:lstStyle>
-          <a:p>
-            <a:pPr algn="l">
-              <a:lnSpc>
-                <a:spcPct val="150000"/>
-              </a:lnSpc>
-              <a:spcBef>
-                <a:spcPts val="1200"/>
-              </a:spcBef>
-              <a:spcAft>
-                <a:spcPts val="1200"/>
-              </a:spcAft>
-              <a:buClr>
-                <a:srgbClr val="92D050"/>
-              </a:buClr>
-              <a:buFont typeface="Wingdings" panose="05000000000000000000" pitchFamily="2" charset="2"/>
-              <a:buChar char="Ø"/>
-            </a:pPr>
-            <a:r>
-              <a:rPr lang="zh-CN" altLang="en-US" sz="2800" b="1">
-                <a:solidFill>
-                  <a:srgbClr val="FF0000"/>
-                </a:solidFill>
-              </a:rPr>
-              <a:t>新增数据类型（</a:t>
-            </a:r>
-            <a:r>
-              <a:rPr lang="en-US" altLang="zh-CN" sz="2800" b="1">
-                <a:solidFill>
-                  <a:srgbClr val="FF0000"/>
-                </a:solidFill>
-              </a:rPr>
-              <a:t>Symbol</a:t>
-            </a:r>
-            <a:r>
-              <a:rPr lang="zh-CN" altLang="en-US" sz="2800" b="1">
-                <a:solidFill>
-                  <a:srgbClr val="FF0000"/>
-                </a:solidFill>
-              </a:rPr>
-              <a:t>）</a:t>
-            </a:r>
-            <a:endParaRPr lang="zh-CN" altLang="en-US" sz="2800" b="1">
-              <a:solidFill>
-                <a:srgbClr val="FF0000"/>
-              </a:solidFill>
-            </a:endParaRPr>
-          </a:p>
-          <a:p>
-            <a:pPr algn="l">
-              <a:lnSpc>
-                <a:spcPct val="150000"/>
-              </a:lnSpc>
-              <a:spcBef>
-                <a:spcPts val="1200"/>
-              </a:spcBef>
-              <a:spcAft>
-                <a:spcPts val="1200"/>
-              </a:spcAft>
-              <a:buClr>
-                <a:srgbClr val="92D050"/>
-              </a:buClr>
-              <a:buFont typeface="Wingdings" panose="05000000000000000000" pitchFamily="2" charset="2"/>
-              <a:buChar char="Ø"/>
-            </a:pPr>
-            <a:r>
-              <a:rPr lang="zh-CN" altLang="en-US" sz="2800" b="1">
-                <a:solidFill>
-                  <a:schemeClr val="tx1"/>
-                </a:solidFill>
-                <a:sym typeface="+mn-ea"/>
-              </a:rPr>
-              <a:t>新增数据结构（</a:t>
-            </a:r>
-            <a:r>
-              <a:rPr lang="en-US" altLang="zh-CN" sz="2800" b="1">
-                <a:solidFill>
-                  <a:schemeClr val="tx1"/>
-                </a:solidFill>
-                <a:sym typeface="+mn-ea"/>
-              </a:rPr>
-              <a:t>Map</a:t>
-            </a:r>
-            <a:r>
-              <a:rPr lang="zh-CN" altLang="en-US" sz="2800" b="1">
-                <a:solidFill>
-                  <a:schemeClr val="tx1"/>
-                </a:solidFill>
-                <a:sym typeface="+mn-ea"/>
-              </a:rPr>
-              <a:t>、</a:t>
-            </a:r>
-            <a:r>
-              <a:rPr lang="en-US" altLang="zh-CN" sz="2800" b="1">
-                <a:solidFill>
-                  <a:schemeClr val="tx1"/>
-                </a:solidFill>
-                <a:sym typeface="+mn-ea"/>
-              </a:rPr>
-              <a:t>Set</a:t>
-            </a:r>
-            <a:r>
-              <a:rPr lang="zh-CN" altLang="en-US" sz="2800" b="1">
-                <a:solidFill>
-                  <a:schemeClr val="tx1"/>
-                </a:solidFill>
-                <a:sym typeface="+mn-ea"/>
-              </a:rPr>
-              <a:t>）</a:t>
-            </a:r>
-            <a:endParaRPr lang="zh-CN" altLang="en-US" sz="2800" b="1">
-              <a:solidFill>
-                <a:schemeClr val="tx1"/>
-              </a:solidFill>
-              <a:sym typeface="+mn-ea"/>
-            </a:endParaRPr>
-          </a:p>
-          <a:p>
-            <a:pPr algn="l">
-              <a:lnSpc>
-                <a:spcPct val="150000"/>
-              </a:lnSpc>
-              <a:spcBef>
-                <a:spcPts val="1200"/>
-              </a:spcBef>
-              <a:spcAft>
-                <a:spcPts val="1200"/>
-              </a:spcAft>
-              <a:buClr>
-                <a:srgbClr val="92D050"/>
-              </a:buClr>
-              <a:buFont typeface="Wingdings" panose="05000000000000000000" pitchFamily="2" charset="2"/>
-              <a:buChar char="Ø"/>
-            </a:pPr>
-            <a:r>
-              <a:rPr lang="zh-CN" altLang="en-US" sz="2800" b="1"/>
-              <a:t>新增遍历语法</a:t>
-            </a:r>
-            <a:r>
-              <a:rPr lang="en-US" altLang="zh-CN" sz="2800" b="1"/>
-              <a:t>for...of</a:t>
-            </a:r>
-            <a:endParaRPr lang="en-US" altLang="zh-CN" sz="2800" b="1"/>
-          </a:p>
-        </p:txBody>
-      </p:sp>
-      <p:sp>
-        <p:nvSpPr>
-          <p:cNvPr id="4" name="内容占位符 3"/>
-          <p:cNvSpPr txBox="1"/>
-          <p:nvPr/>
-        </p:nvSpPr>
-        <p:spPr>
-          <a:xfrm>
-            <a:off x="981657" y="236943"/>
-            <a:ext cx="8191557" cy="490476"/>
-          </a:xfrm>
-          <a:prstGeom prst="rect">
-            <a:avLst/>
-          </a:prstGeom>
-        </p:spPr>
-        <p:txBody>
-          <a:bodyPr/>
-          <a:lstStyle>
-            <a:lvl1pPr marL="167005" indent="-167005" algn="l" defTabSz="0" rtl="0" eaLnBrk="0" fontAlgn="base" hangingPunct="0">
-              <a:spcBef>
-                <a:spcPct val="0"/>
-              </a:spcBef>
-              <a:spcAft>
-                <a:spcPct val="15000"/>
-              </a:spcAft>
-              <a:buClr>
-                <a:schemeClr val="tx2"/>
-              </a:buClr>
-              <a:buFont typeface="Arial" panose="020B0604020202020204" pitchFamily="34" charset="0"/>
-              <a:buChar char="•"/>
-              <a:defRPr kumimoji="1" sz="1600">
-                <a:solidFill>
-                  <a:srgbClr val="006F53"/>
-                </a:solidFill>
-                <a:latin typeface="微软雅黑" panose="020B0503020204020204" pitchFamily="34" charset="-122"/>
-                <a:ea typeface="微软雅黑" panose="020B0503020204020204" pitchFamily="34" charset="-122"/>
-                <a:cs typeface="微软雅黑" panose="020B0503020204020204" pitchFamily="34" charset="-122"/>
-              </a:defRPr>
-            </a:lvl1pPr>
-            <a:lvl2pPr marL="398780" indent="-230505" algn="l" defTabSz="0" rtl="0" eaLnBrk="0" fontAlgn="base" hangingPunct="0">
-              <a:spcBef>
-                <a:spcPct val="0"/>
-              </a:spcBef>
-              <a:spcAft>
-                <a:spcPct val="15000"/>
-              </a:spcAft>
-              <a:buClr>
-                <a:schemeClr val="tx2"/>
-              </a:buClr>
-              <a:buFont typeface="Arial" panose="020B0604020202020204" pitchFamily="34" charset="0"/>
-              <a:buChar char="–"/>
-              <a:defRPr kumimoji="1" sz="2800">
-                <a:solidFill>
-                  <a:schemeClr val="bg2"/>
-                </a:solidFill>
-                <a:latin typeface="微软雅黑" panose="020B0503020204020204" pitchFamily="34" charset="-122"/>
-                <a:ea typeface="微软雅黑" panose="020B0503020204020204" pitchFamily="34" charset="-122"/>
-                <a:cs typeface="微软雅黑" panose="020B0503020204020204" pitchFamily="34" charset="-122"/>
-              </a:defRPr>
-            </a:lvl2pPr>
-            <a:lvl3pPr marL="400050" indent="182880" algn="l" defTabSz="0" rtl="0" eaLnBrk="0" fontAlgn="base" hangingPunct="0">
-              <a:spcBef>
-                <a:spcPct val="0"/>
-              </a:spcBef>
-              <a:spcAft>
-                <a:spcPct val="15000"/>
-              </a:spcAft>
-              <a:buClr>
-                <a:schemeClr val="tx2"/>
-              </a:buClr>
-              <a:buFont typeface="Arial" panose="020B0604020202020204" pitchFamily="34" charset="0"/>
-              <a:buChar char="•"/>
-              <a:defRPr kumimoji="1" sz="1600">
-                <a:solidFill>
-                  <a:schemeClr val="bg2"/>
-                </a:solidFill>
-                <a:latin typeface="微软雅黑" panose="020B0503020204020204" pitchFamily="34" charset="-122"/>
-                <a:ea typeface="微软雅黑" panose="020B0503020204020204" pitchFamily="34" charset="-122"/>
-                <a:cs typeface="微软雅黑" panose="020B0503020204020204" pitchFamily="34" charset="-122"/>
-              </a:defRPr>
-            </a:lvl3pPr>
-            <a:lvl4pPr marL="825500" indent="-241300" algn="l" defTabSz="0" rtl="0" eaLnBrk="0" fontAlgn="base" hangingPunct="0">
-              <a:spcBef>
-                <a:spcPct val="0"/>
-              </a:spcBef>
-              <a:spcAft>
-                <a:spcPct val="15000"/>
-              </a:spcAft>
-              <a:buClr>
-                <a:schemeClr val="tx2"/>
-              </a:buClr>
-              <a:buFont typeface="Arial" panose="020B0604020202020204" pitchFamily="34" charset="0"/>
-              <a:buChar char="–"/>
-              <a:defRPr kumimoji="1" sz="1600">
-                <a:solidFill>
-                  <a:schemeClr val="bg2"/>
-                </a:solidFill>
-                <a:latin typeface="微软雅黑" panose="020B0503020204020204" pitchFamily="34" charset="-122"/>
-                <a:ea typeface="微软雅黑" panose="020B0503020204020204" pitchFamily="34" charset="-122"/>
-                <a:cs typeface="微软雅黑" panose="020B0503020204020204" pitchFamily="34" charset="-122"/>
-              </a:defRPr>
-            </a:lvl4pPr>
-            <a:lvl5pPr marL="2057400" indent="-228600" algn="l" defTabSz="0" rtl="0" eaLnBrk="0" fontAlgn="base" hangingPunct="0">
-              <a:spcBef>
-                <a:spcPct val="0"/>
-              </a:spcBef>
-              <a:spcAft>
-                <a:spcPct val="25000"/>
-              </a:spcAft>
-              <a:buClr>
-                <a:schemeClr val="tx2"/>
-              </a:buClr>
-              <a:buFont typeface="Arial" panose="020B0604020202020204" pitchFamily="34" charset="0"/>
-              <a:buChar char="–"/>
-              <a:defRPr kumimoji="1" sz="2000">
-                <a:solidFill>
-                  <a:schemeClr val="tx1"/>
-                </a:solidFill>
-                <a:latin typeface="+mn-lt"/>
-                <a:ea typeface="微软雅黑" panose="020B0503020204020204" pitchFamily="34" charset="-122"/>
-                <a:cs typeface="微软雅黑" panose="020B0503020204020204" pitchFamily="34" charset="-122"/>
-              </a:defRPr>
-            </a:lvl5pPr>
-            <a:lvl6pPr marL="2514600" indent="-228600" algn="l" defTabSz="0" rtl="0" eaLnBrk="0" fontAlgn="base" hangingPunct="0">
-              <a:spcBef>
-                <a:spcPct val="0"/>
-              </a:spcBef>
-              <a:spcAft>
-                <a:spcPct val="25000"/>
-              </a:spcAft>
-              <a:buClr>
-                <a:schemeClr val="tx2"/>
-              </a:buClr>
-              <a:buFont typeface="Arial" panose="020B0604020202020204" pitchFamily="34" charset="0"/>
-              <a:buChar char="–"/>
-              <a:defRPr>
-                <a:solidFill>
-                  <a:schemeClr val="tx1"/>
-                </a:solidFill>
-                <a:latin typeface="+mn-lt"/>
-              </a:defRPr>
-            </a:lvl6pPr>
-            <a:lvl7pPr marL="2971800" indent="-228600" algn="l" defTabSz="0" rtl="0" eaLnBrk="0" fontAlgn="base" hangingPunct="0">
-              <a:spcBef>
-                <a:spcPct val="0"/>
-              </a:spcBef>
-              <a:spcAft>
-                <a:spcPct val="25000"/>
-              </a:spcAft>
-              <a:buClr>
-                <a:schemeClr val="tx2"/>
-              </a:buClr>
-              <a:buFont typeface="Arial" panose="020B0604020202020204" pitchFamily="34" charset="0"/>
-              <a:buChar char="–"/>
-              <a:defRPr>
-                <a:solidFill>
-                  <a:schemeClr val="tx1"/>
-                </a:solidFill>
-                <a:latin typeface="+mn-lt"/>
-              </a:defRPr>
-            </a:lvl7pPr>
-            <a:lvl8pPr marL="3429000" indent="-228600" algn="l" defTabSz="0" rtl="0" eaLnBrk="0" fontAlgn="base" hangingPunct="0">
-              <a:spcBef>
-                <a:spcPct val="0"/>
-              </a:spcBef>
-              <a:spcAft>
-                <a:spcPct val="25000"/>
-              </a:spcAft>
-              <a:buClr>
-                <a:schemeClr val="tx2"/>
-              </a:buClr>
-              <a:buFont typeface="Arial" panose="020B0604020202020204" pitchFamily="34" charset="0"/>
-              <a:buChar char="–"/>
-              <a:defRPr>
-                <a:solidFill>
-                  <a:schemeClr val="tx1"/>
-                </a:solidFill>
-                <a:latin typeface="+mn-lt"/>
-              </a:defRPr>
-            </a:lvl8pPr>
-            <a:lvl9pPr marL="3886200" indent="-228600" algn="l" defTabSz="0" rtl="0" eaLnBrk="0" fontAlgn="base" hangingPunct="0">
-              <a:spcBef>
-                <a:spcPct val="0"/>
-              </a:spcBef>
-              <a:spcAft>
-                <a:spcPct val="25000"/>
-              </a:spcAft>
-              <a:buClr>
-                <a:schemeClr val="tx2"/>
-              </a:buClr>
-              <a:buFont typeface="Arial" panose="020B0604020202020204" pitchFamily="34" charset="0"/>
-              <a:buChar char="–"/>
-              <a:defRPr>
-                <a:solidFill>
-                  <a:schemeClr val="tx1"/>
-                </a:solidFill>
-                <a:latin typeface="+mn-lt"/>
-              </a:defRPr>
-            </a:lvl9pPr>
-          </a:lstStyle>
-          <a:p>
-            <a:pPr marL="0" indent="0">
-              <a:buNone/>
-            </a:pPr>
-            <a:r>
-              <a:rPr lang="zh-CN" altLang="en-US" sz="3200" dirty="0" smtClean="0">
-                <a:solidFill>
-                  <a:srgbClr val="C00000"/>
-                </a:solidFill>
-                <a:cs typeface="+mn-cs"/>
-                <a:sym typeface="+mn-ea"/>
-              </a:rPr>
-              <a:t>内容提纲</a:t>
-            </a:r>
-            <a:endParaRPr lang="zh-CN" altLang="en-US" kern="0" dirty="0"/>
-          </a:p>
-        </p:txBody>
-      </p:sp>
-    </p:spTree>
-  </p:cSld>
-  <p:clrMapOvr>
-    <a:masterClrMapping/>
-  </p:clrMapOvr>
   <p:timing>
     <p:tnLst>
       <p:par>
@@ -15681,7 +16375,7 @@
             <a:r>
               <a:rPr lang="zh-CN" altLang="en-US" sz="2800" b="1">
                 <a:solidFill>
-                  <a:schemeClr val="tx1"/>
+                  <a:srgbClr val="FF0000"/>
                 </a:solidFill>
               </a:rPr>
               <a:t>新增数据类型（</a:t>
@@ -15689,7 +16383,7 @@
             <a:r>
               <a:rPr lang="en-US" altLang="zh-CN" sz="2800" b="1">
                 <a:solidFill>
-                  <a:schemeClr val="tx1"/>
+                  <a:srgbClr val="FF0000"/>
                 </a:solidFill>
               </a:rPr>
               <a:t>Symbol</a:t>
@@ -15697,14 +16391,14 @@
             <a:r>
               <a:rPr lang="zh-CN" altLang="en-US" sz="2800" b="1">
                 <a:solidFill>
-                  <a:schemeClr val="tx1"/>
+                  <a:srgbClr val="FF0000"/>
                 </a:solidFill>
               </a:rPr>
               <a:t>）</a:t>
             </a:r>
             <a:endParaRPr lang="zh-CN" altLang="en-US" sz="2800" b="1">
               <a:solidFill>
-                <a:schemeClr val="tx1"/>
+                <a:srgbClr val="FF0000"/>
               </a:solidFill>
             </a:endParaRPr>
           </a:p>
@@ -15728,7 +16422,7 @@
             <a:r>
               <a:rPr lang="zh-CN" altLang="en-US" sz="2800" b="1">
                 <a:solidFill>
-                  <a:schemeClr val="accent3"/>
+                  <a:schemeClr val="tx1"/>
                 </a:solidFill>
                 <a:sym typeface="+mn-ea"/>
               </a:rPr>
@@ -15737,7 +16431,7 @@
             <a:r>
               <a:rPr lang="en-US" altLang="zh-CN" sz="2800" b="1">
                 <a:solidFill>
-                  <a:schemeClr val="accent3"/>
+                  <a:schemeClr val="tx1"/>
                 </a:solidFill>
                 <a:sym typeface="+mn-ea"/>
               </a:rPr>
@@ -15746,7 +16440,7 @@
             <a:r>
               <a:rPr lang="zh-CN" altLang="en-US" sz="2800" b="1">
                 <a:solidFill>
-                  <a:schemeClr val="accent3"/>
+                  <a:schemeClr val="tx1"/>
                 </a:solidFill>
                 <a:sym typeface="+mn-ea"/>
               </a:rPr>
@@ -15755,7 +16449,7 @@
             <a:r>
               <a:rPr lang="en-US" altLang="zh-CN" sz="2800" b="1">
                 <a:solidFill>
-                  <a:schemeClr val="accent3"/>
+                  <a:schemeClr val="tx1"/>
                 </a:solidFill>
                 <a:sym typeface="+mn-ea"/>
               </a:rPr>
@@ -15764,7 +16458,7 @@
             <a:r>
               <a:rPr lang="zh-CN" altLang="en-US" sz="2800" b="1">
                 <a:solidFill>
-                  <a:schemeClr val="accent3"/>
+                  <a:schemeClr val="tx1"/>
                 </a:solidFill>
                 <a:sym typeface="+mn-ea"/>
               </a:rPr>
@@ -15772,7 +16466,7 @@
             </a:r>
             <a:endParaRPr lang="zh-CN" altLang="en-US" sz="2800" b="1">
               <a:solidFill>
-                <a:schemeClr val="accent3"/>
+                <a:schemeClr val="tx1"/>
               </a:solidFill>
               <a:sym typeface="+mn-ea"/>
             </a:endParaRPr>
@@ -16268,6 +16962,546 @@
             <a:r>
               <a:rPr lang="zh-CN" altLang="en-US" sz="2800" b="1">
                 <a:solidFill>
+                  <a:schemeClr val="accent3"/>
+                </a:solidFill>
+                <a:sym typeface="+mn-ea"/>
+              </a:rPr>
+              <a:t>新增数据结构（</a:t>
+            </a:r>
+            <a:r>
+              <a:rPr lang="en-US" altLang="zh-CN" sz="2800" b="1">
+                <a:solidFill>
+                  <a:schemeClr val="accent3"/>
+                </a:solidFill>
+                <a:sym typeface="+mn-ea"/>
+              </a:rPr>
+              <a:t>Map</a:t>
+            </a:r>
+            <a:r>
+              <a:rPr lang="zh-CN" altLang="en-US" sz="2800" b="1">
+                <a:solidFill>
+                  <a:schemeClr val="accent3"/>
+                </a:solidFill>
+                <a:sym typeface="+mn-ea"/>
+              </a:rPr>
+              <a:t>、</a:t>
+            </a:r>
+            <a:r>
+              <a:rPr lang="en-US" altLang="zh-CN" sz="2800" b="1">
+                <a:solidFill>
+                  <a:schemeClr val="accent3"/>
+                </a:solidFill>
+                <a:sym typeface="+mn-ea"/>
+              </a:rPr>
+              <a:t>Set</a:t>
+            </a:r>
+            <a:r>
+              <a:rPr lang="zh-CN" altLang="en-US" sz="2800" b="1">
+                <a:solidFill>
+                  <a:schemeClr val="accent3"/>
+                </a:solidFill>
+                <a:sym typeface="+mn-ea"/>
+              </a:rPr>
+              <a:t>）</a:t>
+            </a:r>
+            <a:endParaRPr lang="zh-CN" altLang="en-US" sz="2800" b="1">
+              <a:solidFill>
+                <a:schemeClr val="accent3"/>
+              </a:solidFill>
+              <a:sym typeface="+mn-ea"/>
+            </a:endParaRPr>
+          </a:p>
+          <a:p>
+            <a:pPr algn="l">
+              <a:lnSpc>
+                <a:spcPct val="150000"/>
+              </a:lnSpc>
+              <a:spcBef>
+                <a:spcPts val="1200"/>
+              </a:spcBef>
+              <a:spcAft>
+                <a:spcPts val="1200"/>
+              </a:spcAft>
+              <a:buClr>
+                <a:srgbClr val="92D050"/>
+              </a:buClr>
+              <a:buFont typeface="Wingdings" panose="05000000000000000000" pitchFamily="2" charset="2"/>
+              <a:buChar char="Ø"/>
+            </a:pPr>
+            <a:r>
+              <a:rPr lang="zh-CN" altLang="en-US" sz="2800" b="1"/>
+              <a:t>新增遍历语法</a:t>
+            </a:r>
+            <a:r>
+              <a:rPr lang="en-US" altLang="zh-CN" sz="2800" b="1"/>
+              <a:t>for...of</a:t>
+            </a:r>
+            <a:endParaRPr lang="en-US" altLang="zh-CN" sz="2800" b="1"/>
+          </a:p>
+        </p:txBody>
+      </p:sp>
+      <p:sp>
+        <p:nvSpPr>
+          <p:cNvPr id="4" name="内容占位符 3"/>
+          <p:cNvSpPr txBox="1"/>
+          <p:nvPr/>
+        </p:nvSpPr>
+        <p:spPr>
+          <a:xfrm>
+            <a:off x="981657" y="236943"/>
+            <a:ext cx="8191557" cy="490476"/>
+          </a:xfrm>
+          <a:prstGeom prst="rect">
+            <a:avLst/>
+          </a:prstGeom>
+        </p:spPr>
+        <p:txBody>
+          <a:bodyPr/>
+          <a:lstStyle>
+            <a:lvl1pPr marL="167005" indent="-167005" algn="l" defTabSz="0" rtl="0" eaLnBrk="0" fontAlgn="base" hangingPunct="0">
+              <a:spcBef>
+                <a:spcPct val="0"/>
+              </a:spcBef>
+              <a:spcAft>
+                <a:spcPct val="15000"/>
+              </a:spcAft>
+              <a:buClr>
+                <a:schemeClr val="tx2"/>
+              </a:buClr>
+              <a:buFont typeface="Arial" panose="020B0604020202020204" pitchFamily="34" charset="0"/>
+              <a:buChar char="•"/>
+              <a:defRPr kumimoji="1" sz="1600">
+                <a:solidFill>
+                  <a:srgbClr val="006F53"/>
+                </a:solidFill>
+                <a:latin typeface="微软雅黑" panose="020B0503020204020204" pitchFamily="34" charset="-122"/>
+                <a:ea typeface="微软雅黑" panose="020B0503020204020204" pitchFamily="34" charset="-122"/>
+                <a:cs typeface="微软雅黑" panose="020B0503020204020204" pitchFamily="34" charset="-122"/>
+              </a:defRPr>
+            </a:lvl1pPr>
+            <a:lvl2pPr marL="398780" indent="-230505" algn="l" defTabSz="0" rtl="0" eaLnBrk="0" fontAlgn="base" hangingPunct="0">
+              <a:spcBef>
+                <a:spcPct val="0"/>
+              </a:spcBef>
+              <a:spcAft>
+                <a:spcPct val="15000"/>
+              </a:spcAft>
+              <a:buClr>
+                <a:schemeClr val="tx2"/>
+              </a:buClr>
+              <a:buFont typeface="Arial" panose="020B0604020202020204" pitchFamily="34" charset="0"/>
+              <a:buChar char="–"/>
+              <a:defRPr kumimoji="1" sz="2800">
+                <a:solidFill>
+                  <a:schemeClr val="bg2"/>
+                </a:solidFill>
+                <a:latin typeface="微软雅黑" panose="020B0503020204020204" pitchFamily="34" charset="-122"/>
+                <a:ea typeface="微软雅黑" panose="020B0503020204020204" pitchFamily="34" charset="-122"/>
+                <a:cs typeface="微软雅黑" panose="020B0503020204020204" pitchFamily="34" charset="-122"/>
+              </a:defRPr>
+            </a:lvl2pPr>
+            <a:lvl3pPr marL="400050" indent="182880" algn="l" defTabSz="0" rtl="0" eaLnBrk="0" fontAlgn="base" hangingPunct="0">
+              <a:spcBef>
+                <a:spcPct val="0"/>
+              </a:spcBef>
+              <a:spcAft>
+                <a:spcPct val="15000"/>
+              </a:spcAft>
+              <a:buClr>
+                <a:schemeClr val="tx2"/>
+              </a:buClr>
+              <a:buFont typeface="Arial" panose="020B0604020202020204" pitchFamily="34" charset="0"/>
+              <a:buChar char="•"/>
+              <a:defRPr kumimoji="1" sz="1600">
+                <a:solidFill>
+                  <a:schemeClr val="bg2"/>
+                </a:solidFill>
+                <a:latin typeface="微软雅黑" panose="020B0503020204020204" pitchFamily="34" charset="-122"/>
+                <a:ea typeface="微软雅黑" panose="020B0503020204020204" pitchFamily="34" charset="-122"/>
+                <a:cs typeface="微软雅黑" panose="020B0503020204020204" pitchFamily="34" charset="-122"/>
+              </a:defRPr>
+            </a:lvl3pPr>
+            <a:lvl4pPr marL="825500" indent="-241300" algn="l" defTabSz="0" rtl="0" eaLnBrk="0" fontAlgn="base" hangingPunct="0">
+              <a:spcBef>
+                <a:spcPct val="0"/>
+              </a:spcBef>
+              <a:spcAft>
+                <a:spcPct val="15000"/>
+              </a:spcAft>
+              <a:buClr>
+                <a:schemeClr val="tx2"/>
+              </a:buClr>
+              <a:buFont typeface="Arial" panose="020B0604020202020204" pitchFamily="34" charset="0"/>
+              <a:buChar char="–"/>
+              <a:defRPr kumimoji="1" sz="1600">
+                <a:solidFill>
+                  <a:schemeClr val="bg2"/>
+                </a:solidFill>
+                <a:latin typeface="微软雅黑" panose="020B0503020204020204" pitchFamily="34" charset="-122"/>
+                <a:ea typeface="微软雅黑" panose="020B0503020204020204" pitchFamily="34" charset="-122"/>
+                <a:cs typeface="微软雅黑" panose="020B0503020204020204" pitchFamily="34" charset="-122"/>
+              </a:defRPr>
+            </a:lvl4pPr>
+            <a:lvl5pPr marL="2057400" indent="-228600" algn="l" defTabSz="0" rtl="0" eaLnBrk="0" fontAlgn="base" hangingPunct="0">
+              <a:spcBef>
+                <a:spcPct val="0"/>
+              </a:spcBef>
+              <a:spcAft>
+                <a:spcPct val="25000"/>
+              </a:spcAft>
+              <a:buClr>
+                <a:schemeClr val="tx2"/>
+              </a:buClr>
+              <a:buFont typeface="Arial" panose="020B0604020202020204" pitchFamily="34" charset="0"/>
+              <a:buChar char="–"/>
+              <a:defRPr kumimoji="1" sz="2000">
+                <a:solidFill>
+                  <a:schemeClr val="tx1"/>
+                </a:solidFill>
+                <a:latin typeface="+mn-lt"/>
+                <a:ea typeface="微软雅黑" panose="020B0503020204020204" pitchFamily="34" charset="-122"/>
+                <a:cs typeface="微软雅黑" panose="020B0503020204020204" pitchFamily="34" charset="-122"/>
+              </a:defRPr>
+            </a:lvl5pPr>
+            <a:lvl6pPr marL="2514600" indent="-228600" algn="l" defTabSz="0" rtl="0" eaLnBrk="0" fontAlgn="base" hangingPunct="0">
+              <a:spcBef>
+                <a:spcPct val="0"/>
+              </a:spcBef>
+              <a:spcAft>
+                <a:spcPct val="25000"/>
+              </a:spcAft>
+              <a:buClr>
+                <a:schemeClr val="tx2"/>
+              </a:buClr>
+              <a:buFont typeface="Arial" panose="020B0604020202020204" pitchFamily="34" charset="0"/>
+              <a:buChar char="–"/>
+              <a:defRPr>
+                <a:solidFill>
+                  <a:schemeClr val="tx1"/>
+                </a:solidFill>
+                <a:latin typeface="+mn-lt"/>
+              </a:defRPr>
+            </a:lvl6pPr>
+            <a:lvl7pPr marL="2971800" indent="-228600" algn="l" defTabSz="0" rtl="0" eaLnBrk="0" fontAlgn="base" hangingPunct="0">
+              <a:spcBef>
+                <a:spcPct val="0"/>
+              </a:spcBef>
+              <a:spcAft>
+                <a:spcPct val="25000"/>
+              </a:spcAft>
+              <a:buClr>
+                <a:schemeClr val="tx2"/>
+              </a:buClr>
+              <a:buFont typeface="Arial" panose="020B0604020202020204" pitchFamily="34" charset="0"/>
+              <a:buChar char="–"/>
+              <a:defRPr>
+                <a:solidFill>
+                  <a:schemeClr val="tx1"/>
+                </a:solidFill>
+                <a:latin typeface="+mn-lt"/>
+              </a:defRPr>
+            </a:lvl7pPr>
+            <a:lvl8pPr marL="3429000" indent="-228600" algn="l" defTabSz="0" rtl="0" eaLnBrk="0" fontAlgn="base" hangingPunct="0">
+              <a:spcBef>
+                <a:spcPct val="0"/>
+              </a:spcBef>
+              <a:spcAft>
+                <a:spcPct val="25000"/>
+              </a:spcAft>
+              <a:buClr>
+                <a:schemeClr val="tx2"/>
+              </a:buClr>
+              <a:buFont typeface="Arial" panose="020B0604020202020204" pitchFamily="34" charset="0"/>
+              <a:buChar char="–"/>
+              <a:defRPr>
+                <a:solidFill>
+                  <a:schemeClr val="tx1"/>
+                </a:solidFill>
+                <a:latin typeface="+mn-lt"/>
+              </a:defRPr>
+            </a:lvl8pPr>
+            <a:lvl9pPr marL="3886200" indent="-228600" algn="l" defTabSz="0" rtl="0" eaLnBrk="0" fontAlgn="base" hangingPunct="0">
+              <a:spcBef>
+                <a:spcPct val="0"/>
+              </a:spcBef>
+              <a:spcAft>
+                <a:spcPct val="25000"/>
+              </a:spcAft>
+              <a:buClr>
+                <a:schemeClr val="tx2"/>
+              </a:buClr>
+              <a:buFont typeface="Arial" panose="020B0604020202020204" pitchFamily="34" charset="0"/>
+              <a:buChar char="–"/>
+              <a:defRPr>
+                <a:solidFill>
+                  <a:schemeClr val="tx1"/>
+                </a:solidFill>
+                <a:latin typeface="+mn-lt"/>
+              </a:defRPr>
+            </a:lvl9pPr>
+          </a:lstStyle>
+          <a:p>
+            <a:pPr marL="0" indent="0">
+              <a:buNone/>
+            </a:pPr>
+            <a:r>
+              <a:rPr lang="zh-CN" altLang="en-US" sz="3200" dirty="0" smtClean="0">
+                <a:solidFill>
+                  <a:srgbClr val="C00000"/>
+                </a:solidFill>
+                <a:cs typeface="+mn-cs"/>
+                <a:sym typeface="+mn-ea"/>
+              </a:rPr>
+              <a:t>内容提纲</a:t>
+            </a:r>
+            <a:endParaRPr lang="zh-CN" altLang="en-US" kern="0" dirty="0"/>
+          </a:p>
+        </p:txBody>
+      </p:sp>
+    </p:spTree>
+  </p:cSld>
+  <p:clrMapOvr>
+    <a:masterClrMapping/>
+  </p:clrMapOvr>
+  <p:timing>
+    <p:tnLst>
+      <p:par>
+        <p:cTn id="1" dur="indefinite" restart="never" nodeType="tmRoot"/>
+      </p:par>
+    </p:tnLst>
+  </p:timing>
+</p:sld>
+</file>
+
+<file path=ppt/slides/slide29.xml><?xml version="1.0" encoding="utf-8"?>
+<p:sld xmlns:a="http://schemas.openxmlformats.org/drawingml/2006/main" xmlns:r="http://schemas.openxmlformats.org/officeDocument/2006/relationships" xmlns:p="http://schemas.openxmlformats.org/presentationml/2006/main">
+  <p:cSld>
+    <p:spTree>
+      <p:nvGrpSpPr>
+        <p:cNvPr id="1" name=""/>
+        <p:cNvGrpSpPr/>
+        <p:nvPr/>
+      </p:nvGrpSpPr>
+      <p:grpSpPr>
+        <a:xfrm>
+          <a:off x="0" y="0"/>
+          <a:ext cx="0" cy="0"/>
+          <a:chOff x="0" y="0"/>
+          <a:chExt cx="0" cy="0"/>
+        </a:xfrm>
+      </p:grpSpPr>
+      <p:sp>
+        <p:nvSpPr>
+          <p:cNvPr id="5123" name="AutoShape 6"/>
+          <p:cNvSpPr>
+            <a:spLocks noChangeArrowheads="1"/>
+          </p:cNvSpPr>
+          <p:nvPr/>
+        </p:nvSpPr>
+        <p:spPr bwMode="auto">
+          <a:xfrm>
+            <a:off x="2566988" y="1339851"/>
+            <a:ext cx="6711950" cy="4214813"/>
+          </a:xfrm>
+          <a:prstGeom prst="roundRect">
+            <a:avLst>
+              <a:gd name="adj" fmla="val 16667"/>
+            </a:avLst>
+          </a:prstGeom>
+          <a:noFill/>
+          <a:ln w="28575">
+            <a:solidFill>
+              <a:srgbClr val="C0C0C0"/>
+            </a:solidFill>
+            <a:prstDash val="sysDot"/>
+            <a:round/>
+          </a:ln>
+          <a:extLst>
+            <a:ext uri="{909E8E84-426E-40DD-AFC4-6F175D3DCCD1}">
+              <a14:hiddenFill xmlns:a14="http://schemas.microsoft.com/office/drawing/2010/main">
+                <a:solidFill>
+                  <a:srgbClr val="FFFFFF"/>
+                </a:solidFill>
+              </a14:hiddenFill>
+            </a:ext>
+          </a:extLst>
+        </p:spPr>
+        <p:txBody>
+          <a:bodyPr wrap="none" anchor="ctr"/>
+          <a:lstStyle>
+            <a:lvl1pPr marL="457200" indent="-457200">
+              <a:defRPr sz="3200">
+                <a:solidFill>
+                  <a:schemeClr val="tx1"/>
+                </a:solidFill>
+                <a:latin typeface="Arial" panose="020B0604020202020204" pitchFamily="34" charset="0"/>
+                <a:ea typeface="微软雅黑" panose="020B0503020204020204" pitchFamily="34" charset="-122"/>
+              </a:defRPr>
+            </a:lvl1pPr>
+            <a:lvl2pPr marL="742950" indent="-285750">
+              <a:defRPr sz="3200">
+                <a:solidFill>
+                  <a:schemeClr val="tx1"/>
+                </a:solidFill>
+                <a:latin typeface="Arial" panose="020B0604020202020204" pitchFamily="34" charset="0"/>
+                <a:ea typeface="微软雅黑" panose="020B0503020204020204" pitchFamily="34" charset="-122"/>
+              </a:defRPr>
+            </a:lvl2pPr>
+            <a:lvl3pPr marL="1143000" indent="-228600">
+              <a:defRPr sz="3200">
+                <a:solidFill>
+                  <a:schemeClr val="tx1"/>
+                </a:solidFill>
+                <a:latin typeface="Arial" panose="020B0604020202020204" pitchFamily="34" charset="0"/>
+                <a:ea typeface="微软雅黑" panose="020B0503020204020204" pitchFamily="34" charset="-122"/>
+              </a:defRPr>
+            </a:lvl3pPr>
+            <a:lvl4pPr marL="1600200" indent="-228600">
+              <a:defRPr sz="3200">
+                <a:solidFill>
+                  <a:schemeClr val="tx1"/>
+                </a:solidFill>
+                <a:latin typeface="Arial" panose="020B0604020202020204" pitchFamily="34" charset="0"/>
+                <a:ea typeface="微软雅黑" panose="020B0503020204020204" pitchFamily="34" charset="-122"/>
+              </a:defRPr>
+            </a:lvl4pPr>
+            <a:lvl5pPr marL="2057400" indent="-228600">
+              <a:defRPr sz="3200">
+                <a:solidFill>
+                  <a:schemeClr val="tx1"/>
+                </a:solidFill>
+                <a:latin typeface="Arial" panose="020B0604020202020204" pitchFamily="34" charset="0"/>
+                <a:ea typeface="微软雅黑" panose="020B0503020204020204" pitchFamily="34" charset="-122"/>
+              </a:defRPr>
+            </a:lvl5pPr>
+            <a:lvl6pPr marL="2514600" indent="-228600" eaLnBrk="0" fontAlgn="base" hangingPunct="0">
+              <a:spcBef>
+                <a:spcPct val="0"/>
+              </a:spcBef>
+              <a:spcAft>
+                <a:spcPct val="0"/>
+              </a:spcAft>
+              <a:defRPr sz="3200">
+                <a:solidFill>
+                  <a:schemeClr val="tx1"/>
+                </a:solidFill>
+                <a:latin typeface="Arial" panose="020B0604020202020204" pitchFamily="34" charset="0"/>
+                <a:ea typeface="微软雅黑" panose="020B0503020204020204" pitchFamily="34" charset="-122"/>
+              </a:defRPr>
+            </a:lvl6pPr>
+            <a:lvl7pPr marL="2971800" indent="-228600" eaLnBrk="0" fontAlgn="base" hangingPunct="0">
+              <a:spcBef>
+                <a:spcPct val="0"/>
+              </a:spcBef>
+              <a:spcAft>
+                <a:spcPct val="0"/>
+              </a:spcAft>
+              <a:defRPr sz="3200">
+                <a:solidFill>
+                  <a:schemeClr val="tx1"/>
+                </a:solidFill>
+                <a:latin typeface="Arial" panose="020B0604020202020204" pitchFamily="34" charset="0"/>
+                <a:ea typeface="微软雅黑" panose="020B0503020204020204" pitchFamily="34" charset="-122"/>
+              </a:defRPr>
+            </a:lvl7pPr>
+            <a:lvl8pPr marL="3429000" indent="-228600" eaLnBrk="0" fontAlgn="base" hangingPunct="0">
+              <a:spcBef>
+                <a:spcPct val="0"/>
+              </a:spcBef>
+              <a:spcAft>
+                <a:spcPct val="0"/>
+              </a:spcAft>
+              <a:defRPr sz="3200">
+                <a:solidFill>
+                  <a:schemeClr val="tx1"/>
+                </a:solidFill>
+                <a:latin typeface="Arial" panose="020B0604020202020204" pitchFamily="34" charset="0"/>
+                <a:ea typeface="微软雅黑" panose="020B0503020204020204" pitchFamily="34" charset="-122"/>
+              </a:defRPr>
+            </a:lvl8pPr>
+            <a:lvl9pPr marL="3886200" indent="-228600" eaLnBrk="0" fontAlgn="base" hangingPunct="0">
+              <a:spcBef>
+                <a:spcPct val="0"/>
+              </a:spcBef>
+              <a:spcAft>
+                <a:spcPct val="0"/>
+              </a:spcAft>
+              <a:defRPr sz="3200">
+                <a:solidFill>
+                  <a:schemeClr val="tx1"/>
+                </a:solidFill>
+                <a:latin typeface="Arial" panose="020B0604020202020204" pitchFamily="34" charset="0"/>
+                <a:ea typeface="微软雅黑" panose="020B0503020204020204" pitchFamily="34" charset="-122"/>
+              </a:defRPr>
+            </a:lvl9pPr>
+          </a:lstStyle>
+          <a:p>
+            <a:pPr algn="l">
+              <a:lnSpc>
+                <a:spcPct val="150000"/>
+              </a:lnSpc>
+              <a:spcBef>
+                <a:spcPts val="1200"/>
+              </a:spcBef>
+              <a:spcAft>
+                <a:spcPts val="1200"/>
+              </a:spcAft>
+              <a:buClr>
+                <a:srgbClr val="92D050"/>
+              </a:buClr>
+              <a:buFont typeface="Wingdings" panose="05000000000000000000" pitchFamily="2" charset="2"/>
+              <a:buChar char="Ø"/>
+            </a:pPr>
+            <a:r>
+              <a:rPr lang="zh-CN" altLang="en-US" sz="2800" b="1">
+                <a:solidFill>
+                  <a:schemeClr val="tx1"/>
+                </a:solidFill>
+              </a:rPr>
+              <a:t>新增数据类型（</a:t>
+            </a:r>
+            <a:r>
+              <a:rPr lang="en-US" altLang="zh-CN" sz="2800" b="1">
+                <a:solidFill>
+                  <a:schemeClr val="tx1"/>
+                </a:solidFill>
+              </a:rPr>
+              <a:t>Symbol</a:t>
+            </a:r>
+            <a:r>
+              <a:rPr lang="zh-CN" altLang="en-US" sz="2800" b="1">
+                <a:solidFill>
+                  <a:schemeClr val="tx1"/>
+                </a:solidFill>
+              </a:rPr>
+              <a:t>）</a:t>
+            </a:r>
+            <a:endParaRPr lang="zh-CN" altLang="en-US" sz="2800" b="1">
+              <a:solidFill>
+                <a:schemeClr val="tx1"/>
+              </a:solidFill>
+            </a:endParaRPr>
+          </a:p>
+          <a:p>
+            <a:pPr algn="l">
+              <a:lnSpc>
+                <a:spcPct val="150000"/>
+              </a:lnSpc>
+              <a:spcBef>
+                <a:spcPts val="1200"/>
+              </a:spcBef>
+              <a:spcAft>
+                <a:spcPts val="1200"/>
+              </a:spcAft>
+              <a:buClr>
+                <a:srgbClr val="92D050"/>
+              </a:buClr>
+              <a:buFont typeface="Wingdings" panose="05000000000000000000" pitchFamily="2" charset="2"/>
+              <a:buChar char="Ø"/>
+            </a:pPr>
+            <a:r>
+              <a:rPr lang="zh-CN" altLang="en-US" sz="2800" b="1">
+                <a:solidFill>
                   <a:schemeClr val="tx1"/>
                 </a:solidFill>
                 <a:sym typeface="+mn-ea"/>
@@ -16591,7 +17825,598 @@
 </p:sld>
 </file>
 
-<file path=ppt/slides/slide29.xml><?xml version="1.0" encoding="utf-8"?>
+<file path=ppt/slides/slide3.xml><?xml version="1.0" encoding="utf-8"?>
+<p:sld xmlns:a="http://schemas.openxmlformats.org/drawingml/2006/main" xmlns:r="http://schemas.openxmlformats.org/officeDocument/2006/relationships" xmlns:p="http://schemas.openxmlformats.org/presentationml/2006/main">
+  <p:cSld>
+    <p:spTree>
+      <p:nvGrpSpPr>
+        <p:cNvPr id="1" name=""/>
+        <p:cNvGrpSpPr/>
+        <p:nvPr/>
+      </p:nvGrpSpPr>
+      <p:grpSpPr>
+        <a:xfrm>
+          <a:off x="0" y="0"/>
+          <a:ext cx="0" cy="0"/>
+          <a:chOff x="0" y="0"/>
+          <a:chExt cx="0" cy="0"/>
+        </a:xfrm>
+      </p:grpSpPr>
+      <p:sp>
+        <p:nvSpPr>
+          <p:cNvPr id="5123" name="AutoShape 6"/>
+          <p:cNvSpPr>
+            <a:spLocks noChangeArrowheads="1"/>
+          </p:cNvSpPr>
+          <p:nvPr/>
+        </p:nvSpPr>
+        <p:spPr bwMode="auto">
+          <a:xfrm>
+            <a:off x="2566988" y="1339851"/>
+            <a:ext cx="6711950" cy="4214813"/>
+          </a:xfrm>
+          <a:prstGeom prst="roundRect">
+            <a:avLst>
+              <a:gd name="adj" fmla="val 16667"/>
+            </a:avLst>
+          </a:prstGeom>
+          <a:noFill/>
+          <a:ln w="28575">
+            <a:solidFill>
+              <a:srgbClr val="C0C0C0"/>
+            </a:solidFill>
+            <a:prstDash val="sysDot"/>
+            <a:round/>
+          </a:ln>
+          <a:extLst>
+            <a:ext uri="{909E8E84-426E-40DD-AFC4-6F175D3DCCD1}">
+              <a14:hiddenFill xmlns:a14="http://schemas.microsoft.com/office/drawing/2010/main">
+                <a:solidFill>
+                  <a:srgbClr val="FFFFFF"/>
+                </a:solidFill>
+              </a14:hiddenFill>
+            </a:ext>
+          </a:extLst>
+        </p:spPr>
+        <p:txBody>
+          <a:bodyPr wrap="none" anchor="ctr"/>
+          <a:lstStyle>
+            <a:lvl1pPr marL="457200" indent="-457200">
+              <a:defRPr sz="3200">
+                <a:solidFill>
+                  <a:schemeClr val="tx1"/>
+                </a:solidFill>
+                <a:latin typeface="Arial" panose="020B0604020202020204" pitchFamily="34" charset="0"/>
+                <a:ea typeface="微软雅黑" panose="020B0503020204020204" pitchFamily="34" charset="-122"/>
+              </a:defRPr>
+            </a:lvl1pPr>
+            <a:lvl2pPr marL="742950" indent="-285750">
+              <a:defRPr sz="3200">
+                <a:solidFill>
+                  <a:schemeClr val="tx1"/>
+                </a:solidFill>
+                <a:latin typeface="Arial" panose="020B0604020202020204" pitchFamily="34" charset="0"/>
+                <a:ea typeface="微软雅黑" panose="020B0503020204020204" pitchFamily="34" charset="-122"/>
+              </a:defRPr>
+            </a:lvl2pPr>
+            <a:lvl3pPr marL="1143000" indent="-228600">
+              <a:defRPr sz="3200">
+                <a:solidFill>
+                  <a:schemeClr val="tx1"/>
+                </a:solidFill>
+                <a:latin typeface="Arial" panose="020B0604020202020204" pitchFamily="34" charset="0"/>
+                <a:ea typeface="微软雅黑" panose="020B0503020204020204" pitchFamily="34" charset="-122"/>
+              </a:defRPr>
+            </a:lvl3pPr>
+            <a:lvl4pPr marL="1600200" indent="-228600">
+              <a:defRPr sz="3200">
+                <a:solidFill>
+                  <a:schemeClr val="tx1"/>
+                </a:solidFill>
+                <a:latin typeface="Arial" panose="020B0604020202020204" pitchFamily="34" charset="0"/>
+                <a:ea typeface="微软雅黑" panose="020B0503020204020204" pitchFamily="34" charset="-122"/>
+              </a:defRPr>
+            </a:lvl4pPr>
+            <a:lvl5pPr marL="2057400" indent="-228600">
+              <a:defRPr sz="3200">
+                <a:solidFill>
+                  <a:schemeClr val="tx1"/>
+                </a:solidFill>
+                <a:latin typeface="Arial" panose="020B0604020202020204" pitchFamily="34" charset="0"/>
+                <a:ea typeface="微软雅黑" panose="020B0503020204020204" pitchFamily="34" charset="-122"/>
+              </a:defRPr>
+            </a:lvl5pPr>
+            <a:lvl6pPr marL="2514600" indent="-228600" eaLnBrk="0" fontAlgn="base" hangingPunct="0">
+              <a:spcBef>
+                <a:spcPct val="0"/>
+              </a:spcBef>
+              <a:spcAft>
+                <a:spcPct val="0"/>
+              </a:spcAft>
+              <a:defRPr sz="3200">
+                <a:solidFill>
+                  <a:schemeClr val="tx1"/>
+                </a:solidFill>
+                <a:latin typeface="Arial" panose="020B0604020202020204" pitchFamily="34" charset="0"/>
+                <a:ea typeface="微软雅黑" panose="020B0503020204020204" pitchFamily="34" charset="-122"/>
+              </a:defRPr>
+            </a:lvl6pPr>
+            <a:lvl7pPr marL="2971800" indent="-228600" eaLnBrk="0" fontAlgn="base" hangingPunct="0">
+              <a:spcBef>
+                <a:spcPct val="0"/>
+              </a:spcBef>
+              <a:spcAft>
+                <a:spcPct val="0"/>
+              </a:spcAft>
+              <a:defRPr sz="3200">
+                <a:solidFill>
+                  <a:schemeClr val="tx1"/>
+                </a:solidFill>
+                <a:latin typeface="Arial" panose="020B0604020202020204" pitchFamily="34" charset="0"/>
+                <a:ea typeface="微软雅黑" panose="020B0503020204020204" pitchFamily="34" charset="-122"/>
+              </a:defRPr>
+            </a:lvl7pPr>
+            <a:lvl8pPr marL="3429000" indent="-228600" eaLnBrk="0" fontAlgn="base" hangingPunct="0">
+              <a:spcBef>
+                <a:spcPct val="0"/>
+              </a:spcBef>
+              <a:spcAft>
+                <a:spcPct val="0"/>
+              </a:spcAft>
+              <a:defRPr sz="3200">
+                <a:solidFill>
+                  <a:schemeClr val="tx1"/>
+                </a:solidFill>
+                <a:latin typeface="Arial" panose="020B0604020202020204" pitchFamily="34" charset="0"/>
+                <a:ea typeface="微软雅黑" panose="020B0503020204020204" pitchFamily="34" charset="-122"/>
+              </a:defRPr>
+            </a:lvl8pPr>
+            <a:lvl9pPr marL="3886200" indent="-228600" eaLnBrk="0" fontAlgn="base" hangingPunct="0">
+              <a:spcBef>
+                <a:spcPct val="0"/>
+              </a:spcBef>
+              <a:spcAft>
+                <a:spcPct val="0"/>
+              </a:spcAft>
+              <a:defRPr sz="3200">
+                <a:solidFill>
+                  <a:schemeClr val="tx1"/>
+                </a:solidFill>
+                <a:latin typeface="Arial" panose="020B0604020202020204" pitchFamily="34" charset="0"/>
+                <a:ea typeface="微软雅黑" panose="020B0503020204020204" pitchFamily="34" charset="-122"/>
+              </a:defRPr>
+            </a:lvl9pPr>
+          </a:lstStyle>
+          <a:p>
+            <a:pPr algn="l">
+              <a:lnSpc>
+                <a:spcPct val="150000"/>
+              </a:lnSpc>
+              <a:spcBef>
+                <a:spcPts val="1200"/>
+              </a:spcBef>
+              <a:spcAft>
+                <a:spcPts val="1200"/>
+              </a:spcAft>
+              <a:buClr>
+                <a:srgbClr val="92D050"/>
+              </a:buClr>
+              <a:buFont typeface="Wingdings" panose="05000000000000000000" pitchFamily="2" charset="2"/>
+              <a:buChar char="Ø"/>
+            </a:pPr>
+            <a:r>
+              <a:rPr lang="en-US" sz="2800" b="1">
+                <a:solidFill>
+                  <a:srgbClr val="FF0000"/>
+                </a:solidFill>
+              </a:rPr>
+              <a:t>ES6 </a:t>
+            </a:r>
+            <a:r>
+              <a:rPr lang="zh-CN" altLang="en-US" sz="2800" b="1">
+                <a:solidFill>
+                  <a:srgbClr val="FF0000"/>
+                </a:solidFill>
+              </a:rPr>
+              <a:t>对</a:t>
+            </a:r>
+            <a:r>
+              <a:rPr lang="en-US" altLang="zh-CN" sz="2800" b="1">
+                <a:solidFill>
+                  <a:srgbClr val="FF0000"/>
+                </a:solidFill>
+              </a:rPr>
+              <a:t>String</a:t>
+            </a:r>
+            <a:r>
+              <a:rPr lang="zh-CN" altLang="en-US" sz="2800" b="1">
+                <a:solidFill>
+                  <a:srgbClr val="FF0000"/>
+                </a:solidFill>
+              </a:rPr>
+              <a:t>和</a:t>
+            </a:r>
+            <a:r>
+              <a:rPr lang="en-US" altLang="zh-CN" sz="2800" b="1">
+                <a:solidFill>
+                  <a:srgbClr val="FF0000"/>
+                </a:solidFill>
+              </a:rPr>
+              <a:t>RegExp</a:t>
+            </a:r>
+            <a:r>
+              <a:rPr lang="zh-CN" altLang="en-US" sz="2800" b="1">
+                <a:solidFill>
+                  <a:srgbClr val="FF0000"/>
+                </a:solidFill>
+              </a:rPr>
+              <a:t>的扩展</a:t>
+            </a:r>
+            <a:endParaRPr lang="zh-CN" altLang="en-US" sz="2800" b="1">
+              <a:solidFill>
+                <a:srgbClr val="FF0000"/>
+              </a:solidFill>
+            </a:endParaRPr>
+          </a:p>
+          <a:p>
+            <a:pPr algn="l">
+              <a:lnSpc>
+                <a:spcPct val="150000"/>
+              </a:lnSpc>
+              <a:spcBef>
+                <a:spcPts val="1200"/>
+              </a:spcBef>
+              <a:spcAft>
+                <a:spcPts val="1200"/>
+              </a:spcAft>
+              <a:buClr>
+                <a:srgbClr val="92D050"/>
+              </a:buClr>
+              <a:buFont typeface="Wingdings" panose="05000000000000000000" pitchFamily="2" charset="2"/>
+              <a:buChar char="Ø"/>
+            </a:pPr>
+            <a:r>
+              <a:rPr lang="en-US" sz="2800" b="1">
+                <a:solidFill>
+                  <a:schemeClr val="tx1"/>
+                </a:solidFill>
+                <a:sym typeface="+mn-ea"/>
+              </a:rPr>
+              <a:t>ES6 </a:t>
+            </a:r>
+            <a:r>
+              <a:rPr lang="zh-CN" altLang="en-US" sz="2800" b="1">
+                <a:solidFill>
+                  <a:schemeClr val="tx1"/>
+                </a:solidFill>
+                <a:sym typeface="+mn-ea"/>
+              </a:rPr>
+              <a:t>对</a:t>
+            </a:r>
+            <a:r>
+              <a:rPr lang="en-US" altLang="zh-CN" sz="2800" b="1">
+                <a:solidFill>
+                  <a:schemeClr val="tx1"/>
+                </a:solidFill>
+                <a:sym typeface="+mn-ea"/>
+              </a:rPr>
+              <a:t>Number</a:t>
+            </a:r>
+            <a:r>
+              <a:rPr lang="zh-CN" altLang="en-US" sz="2800" b="1">
+                <a:solidFill>
+                  <a:schemeClr val="tx1"/>
+                </a:solidFill>
+                <a:sym typeface="+mn-ea"/>
+              </a:rPr>
+              <a:t>和</a:t>
+            </a:r>
+            <a:r>
+              <a:rPr lang="en-US" altLang="zh-CN" sz="2800" b="1">
+                <a:solidFill>
+                  <a:schemeClr val="tx1"/>
+                </a:solidFill>
+                <a:sym typeface="+mn-ea"/>
+              </a:rPr>
+              <a:t>Math</a:t>
+            </a:r>
+            <a:r>
+              <a:rPr lang="zh-CN" altLang="en-US" sz="2800" b="1">
+                <a:solidFill>
+                  <a:schemeClr val="tx1"/>
+                </a:solidFill>
+                <a:sym typeface="+mn-ea"/>
+              </a:rPr>
+              <a:t>的扩展</a:t>
+            </a:r>
+            <a:endParaRPr lang="zh-CN" altLang="en-US" sz="2800" b="1">
+              <a:solidFill>
+                <a:schemeClr val="tx1"/>
+              </a:solidFill>
+              <a:sym typeface="+mn-ea"/>
+            </a:endParaRPr>
+          </a:p>
+          <a:p>
+            <a:pPr algn="l">
+              <a:lnSpc>
+                <a:spcPct val="150000"/>
+              </a:lnSpc>
+              <a:spcBef>
+                <a:spcPts val="1200"/>
+              </a:spcBef>
+              <a:spcAft>
+                <a:spcPts val="1200"/>
+              </a:spcAft>
+              <a:buClr>
+                <a:srgbClr val="92D050"/>
+              </a:buClr>
+              <a:buFont typeface="Wingdings" panose="05000000000000000000" pitchFamily="2" charset="2"/>
+              <a:buChar char="Ø"/>
+            </a:pPr>
+            <a:r>
+              <a:rPr lang="en-US" altLang="zh-CN" sz="2800" b="1"/>
+              <a:t>ES6 </a:t>
+            </a:r>
+            <a:r>
+              <a:rPr lang="zh-CN" altLang="en-US" sz="2800" b="1"/>
+              <a:t>对</a:t>
+            </a:r>
+            <a:r>
+              <a:rPr lang="en-US" altLang="zh-CN" sz="2800" b="1"/>
+              <a:t>Array</a:t>
+            </a:r>
+            <a:r>
+              <a:rPr lang="zh-CN" altLang="en-US" sz="2800" b="1"/>
+              <a:t>和</a:t>
+            </a:r>
+            <a:r>
+              <a:rPr lang="en-US" altLang="zh-CN" sz="2800" b="1">
+                <a:sym typeface="+mn-ea"/>
+              </a:rPr>
+              <a:t>Object</a:t>
+            </a:r>
+            <a:r>
+              <a:rPr lang="zh-CN" altLang="en-US" sz="2800" b="1"/>
+              <a:t>的扩展</a:t>
+            </a:r>
+            <a:endParaRPr lang="zh-CN" altLang="en-US" sz="2800" b="1"/>
+          </a:p>
+        </p:txBody>
+      </p:sp>
+      <p:sp>
+        <p:nvSpPr>
+          <p:cNvPr id="4" name="内容占位符 3"/>
+          <p:cNvSpPr txBox="1"/>
+          <p:nvPr/>
+        </p:nvSpPr>
+        <p:spPr>
+          <a:xfrm>
+            <a:off x="981657" y="236943"/>
+            <a:ext cx="8191557" cy="490476"/>
+          </a:xfrm>
+          <a:prstGeom prst="rect">
+            <a:avLst/>
+          </a:prstGeom>
+        </p:spPr>
+        <p:txBody>
+          <a:bodyPr/>
+          <a:lstStyle>
+            <a:lvl1pPr marL="167005" indent="-167005" algn="l" defTabSz="0" rtl="0" eaLnBrk="0" fontAlgn="base" hangingPunct="0">
+              <a:spcBef>
+                <a:spcPct val="0"/>
+              </a:spcBef>
+              <a:spcAft>
+                <a:spcPct val="15000"/>
+              </a:spcAft>
+              <a:buClr>
+                <a:schemeClr val="tx2"/>
+              </a:buClr>
+              <a:buFont typeface="Arial" panose="020B0604020202020204" pitchFamily="34" charset="0"/>
+              <a:buChar char="•"/>
+              <a:defRPr kumimoji="1" sz="1600">
+                <a:solidFill>
+                  <a:srgbClr val="006F53"/>
+                </a:solidFill>
+                <a:latin typeface="微软雅黑" panose="020B0503020204020204" pitchFamily="34" charset="-122"/>
+                <a:ea typeface="微软雅黑" panose="020B0503020204020204" pitchFamily="34" charset="-122"/>
+                <a:cs typeface="微软雅黑" panose="020B0503020204020204" pitchFamily="34" charset="-122"/>
+              </a:defRPr>
+            </a:lvl1pPr>
+            <a:lvl2pPr marL="398780" indent="-230505" algn="l" defTabSz="0" rtl="0" eaLnBrk="0" fontAlgn="base" hangingPunct="0">
+              <a:spcBef>
+                <a:spcPct val="0"/>
+              </a:spcBef>
+              <a:spcAft>
+                <a:spcPct val="15000"/>
+              </a:spcAft>
+              <a:buClr>
+                <a:schemeClr val="tx2"/>
+              </a:buClr>
+              <a:buFont typeface="Arial" panose="020B0604020202020204" pitchFamily="34" charset="0"/>
+              <a:buChar char="–"/>
+              <a:defRPr kumimoji="1" sz="2800">
+                <a:solidFill>
+                  <a:schemeClr val="bg2"/>
+                </a:solidFill>
+                <a:latin typeface="微软雅黑" panose="020B0503020204020204" pitchFamily="34" charset="-122"/>
+                <a:ea typeface="微软雅黑" panose="020B0503020204020204" pitchFamily="34" charset="-122"/>
+                <a:cs typeface="微软雅黑" panose="020B0503020204020204" pitchFamily="34" charset="-122"/>
+              </a:defRPr>
+            </a:lvl2pPr>
+            <a:lvl3pPr marL="400050" indent="182880" algn="l" defTabSz="0" rtl="0" eaLnBrk="0" fontAlgn="base" hangingPunct="0">
+              <a:spcBef>
+                <a:spcPct val="0"/>
+              </a:spcBef>
+              <a:spcAft>
+                <a:spcPct val="15000"/>
+              </a:spcAft>
+              <a:buClr>
+                <a:schemeClr val="tx2"/>
+              </a:buClr>
+              <a:buFont typeface="Arial" panose="020B0604020202020204" pitchFamily="34" charset="0"/>
+              <a:buChar char="•"/>
+              <a:defRPr kumimoji="1" sz="1600">
+                <a:solidFill>
+                  <a:schemeClr val="bg2"/>
+                </a:solidFill>
+                <a:latin typeface="微软雅黑" panose="020B0503020204020204" pitchFamily="34" charset="-122"/>
+                <a:ea typeface="微软雅黑" panose="020B0503020204020204" pitchFamily="34" charset="-122"/>
+                <a:cs typeface="微软雅黑" panose="020B0503020204020204" pitchFamily="34" charset="-122"/>
+              </a:defRPr>
+            </a:lvl3pPr>
+            <a:lvl4pPr marL="825500" indent="-241300" algn="l" defTabSz="0" rtl="0" eaLnBrk="0" fontAlgn="base" hangingPunct="0">
+              <a:spcBef>
+                <a:spcPct val="0"/>
+              </a:spcBef>
+              <a:spcAft>
+                <a:spcPct val="15000"/>
+              </a:spcAft>
+              <a:buClr>
+                <a:schemeClr val="tx2"/>
+              </a:buClr>
+              <a:buFont typeface="Arial" panose="020B0604020202020204" pitchFamily="34" charset="0"/>
+              <a:buChar char="–"/>
+              <a:defRPr kumimoji="1" sz="1600">
+                <a:solidFill>
+                  <a:schemeClr val="bg2"/>
+                </a:solidFill>
+                <a:latin typeface="微软雅黑" panose="020B0503020204020204" pitchFamily="34" charset="-122"/>
+                <a:ea typeface="微软雅黑" panose="020B0503020204020204" pitchFamily="34" charset="-122"/>
+                <a:cs typeface="微软雅黑" panose="020B0503020204020204" pitchFamily="34" charset="-122"/>
+              </a:defRPr>
+            </a:lvl4pPr>
+            <a:lvl5pPr marL="2057400" indent="-228600" algn="l" defTabSz="0" rtl="0" eaLnBrk="0" fontAlgn="base" hangingPunct="0">
+              <a:spcBef>
+                <a:spcPct val="0"/>
+              </a:spcBef>
+              <a:spcAft>
+                <a:spcPct val="25000"/>
+              </a:spcAft>
+              <a:buClr>
+                <a:schemeClr val="tx2"/>
+              </a:buClr>
+              <a:buFont typeface="Arial" panose="020B0604020202020204" pitchFamily="34" charset="0"/>
+              <a:buChar char="–"/>
+              <a:defRPr kumimoji="1" sz="2000">
+                <a:solidFill>
+                  <a:schemeClr val="tx1"/>
+                </a:solidFill>
+                <a:latin typeface="+mn-lt"/>
+                <a:ea typeface="微软雅黑" panose="020B0503020204020204" pitchFamily="34" charset="-122"/>
+                <a:cs typeface="微软雅黑" panose="020B0503020204020204" pitchFamily="34" charset="-122"/>
+              </a:defRPr>
+            </a:lvl5pPr>
+            <a:lvl6pPr marL="2514600" indent="-228600" algn="l" defTabSz="0" rtl="0" eaLnBrk="0" fontAlgn="base" hangingPunct="0">
+              <a:spcBef>
+                <a:spcPct val="0"/>
+              </a:spcBef>
+              <a:spcAft>
+                <a:spcPct val="25000"/>
+              </a:spcAft>
+              <a:buClr>
+                <a:schemeClr val="tx2"/>
+              </a:buClr>
+              <a:buFont typeface="Arial" panose="020B0604020202020204" pitchFamily="34" charset="0"/>
+              <a:buChar char="–"/>
+              <a:defRPr>
+                <a:solidFill>
+                  <a:schemeClr val="tx1"/>
+                </a:solidFill>
+                <a:latin typeface="+mn-lt"/>
+              </a:defRPr>
+            </a:lvl6pPr>
+            <a:lvl7pPr marL="2971800" indent="-228600" algn="l" defTabSz="0" rtl="0" eaLnBrk="0" fontAlgn="base" hangingPunct="0">
+              <a:spcBef>
+                <a:spcPct val="0"/>
+              </a:spcBef>
+              <a:spcAft>
+                <a:spcPct val="25000"/>
+              </a:spcAft>
+              <a:buClr>
+                <a:schemeClr val="tx2"/>
+              </a:buClr>
+              <a:buFont typeface="Arial" panose="020B0604020202020204" pitchFamily="34" charset="0"/>
+              <a:buChar char="–"/>
+              <a:defRPr>
+                <a:solidFill>
+                  <a:schemeClr val="tx1"/>
+                </a:solidFill>
+                <a:latin typeface="+mn-lt"/>
+              </a:defRPr>
+            </a:lvl7pPr>
+            <a:lvl8pPr marL="3429000" indent="-228600" algn="l" defTabSz="0" rtl="0" eaLnBrk="0" fontAlgn="base" hangingPunct="0">
+              <a:spcBef>
+                <a:spcPct val="0"/>
+              </a:spcBef>
+              <a:spcAft>
+                <a:spcPct val="25000"/>
+              </a:spcAft>
+              <a:buClr>
+                <a:schemeClr val="tx2"/>
+              </a:buClr>
+              <a:buFont typeface="Arial" panose="020B0604020202020204" pitchFamily="34" charset="0"/>
+              <a:buChar char="–"/>
+              <a:defRPr>
+                <a:solidFill>
+                  <a:schemeClr val="tx1"/>
+                </a:solidFill>
+                <a:latin typeface="+mn-lt"/>
+              </a:defRPr>
+            </a:lvl8pPr>
+            <a:lvl9pPr marL="3886200" indent="-228600" algn="l" defTabSz="0" rtl="0" eaLnBrk="0" fontAlgn="base" hangingPunct="0">
+              <a:spcBef>
+                <a:spcPct val="0"/>
+              </a:spcBef>
+              <a:spcAft>
+                <a:spcPct val="25000"/>
+              </a:spcAft>
+              <a:buClr>
+                <a:schemeClr val="tx2"/>
+              </a:buClr>
+              <a:buFont typeface="Arial" panose="020B0604020202020204" pitchFamily="34" charset="0"/>
+              <a:buChar char="–"/>
+              <a:defRPr>
+                <a:solidFill>
+                  <a:schemeClr val="tx1"/>
+                </a:solidFill>
+                <a:latin typeface="+mn-lt"/>
+              </a:defRPr>
+            </a:lvl9pPr>
+          </a:lstStyle>
+          <a:p>
+            <a:pPr marL="0" indent="0">
+              <a:buNone/>
+            </a:pPr>
+            <a:r>
+              <a:rPr lang="zh-CN" altLang="en-US" sz="3200" dirty="0" smtClean="0">
+                <a:solidFill>
+                  <a:srgbClr val="C00000"/>
+                </a:solidFill>
+                <a:cs typeface="+mn-cs"/>
+                <a:sym typeface="+mn-ea"/>
+              </a:rPr>
+              <a:t>内容提纲</a:t>
+            </a:r>
+            <a:endParaRPr lang="zh-CN" altLang="en-US" kern="0" dirty="0"/>
+          </a:p>
+        </p:txBody>
+      </p:sp>
+    </p:spTree>
+  </p:cSld>
+  <p:clrMapOvr>
+    <a:masterClrMapping/>
+  </p:clrMapOvr>
+  <p:timing>
+    <p:tnLst>
+      <p:par>
+        <p:cTn id="1" dur="indefinite" restart="never" nodeType="tmRoot"/>
+      </p:par>
+    </p:tnLst>
+  </p:timing>
+</p:sld>
+</file>
+
+<file path=ppt/slides/slide30.xml><?xml version="1.0" encoding="utf-8"?>
 <p:sld xmlns:a="http://schemas.openxmlformats.org/drawingml/2006/main" xmlns:r="http://schemas.openxmlformats.org/officeDocument/2006/relationships" xmlns:p="http://schemas.openxmlformats.org/presentationml/2006/main">
   <p:cSld>
     <p:spTree>
@@ -17301,598 +19126,7 @@
 </p:sld>
 </file>
 
-<file path=ppt/slides/slide3.xml><?xml version="1.0" encoding="utf-8"?>
-<p:sld xmlns:a="http://schemas.openxmlformats.org/drawingml/2006/main" xmlns:r="http://schemas.openxmlformats.org/officeDocument/2006/relationships" xmlns:p="http://schemas.openxmlformats.org/presentationml/2006/main">
-  <p:cSld>
-    <p:spTree>
-      <p:nvGrpSpPr>
-        <p:cNvPr id="1" name=""/>
-        <p:cNvGrpSpPr/>
-        <p:nvPr/>
-      </p:nvGrpSpPr>
-      <p:grpSpPr>
-        <a:xfrm>
-          <a:off x="0" y="0"/>
-          <a:ext cx="0" cy="0"/>
-          <a:chOff x="0" y="0"/>
-          <a:chExt cx="0" cy="0"/>
-        </a:xfrm>
-      </p:grpSpPr>
-      <p:sp>
-        <p:nvSpPr>
-          <p:cNvPr id="5123" name="AutoShape 6"/>
-          <p:cNvSpPr>
-            <a:spLocks noChangeArrowheads="1"/>
-          </p:cNvSpPr>
-          <p:nvPr/>
-        </p:nvSpPr>
-        <p:spPr bwMode="auto">
-          <a:xfrm>
-            <a:off x="2566988" y="1339851"/>
-            <a:ext cx="6711950" cy="4214813"/>
-          </a:xfrm>
-          <a:prstGeom prst="roundRect">
-            <a:avLst>
-              <a:gd name="adj" fmla="val 16667"/>
-            </a:avLst>
-          </a:prstGeom>
-          <a:noFill/>
-          <a:ln w="28575">
-            <a:solidFill>
-              <a:srgbClr val="C0C0C0"/>
-            </a:solidFill>
-            <a:prstDash val="sysDot"/>
-            <a:round/>
-          </a:ln>
-          <a:extLst>
-            <a:ext uri="{909E8E84-426E-40DD-AFC4-6F175D3DCCD1}">
-              <a14:hiddenFill xmlns:a14="http://schemas.microsoft.com/office/drawing/2010/main">
-                <a:solidFill>
-                  <a:srgbClr val="FFFFFF"/>
-                </a:solidFill>
-              </a14:hiddenFill>
-            </a:ext>
-          </a:extLst>
-        </p:spPr>
-        <p:txBody>
-          <a:bodyPr wrap="none" anchor="ctr"/>
-          <a:lstStyle>
-            <a:lvl1pPr marL="457200" indent="-457200">
-              <a:defRPr sz="3200">
-                <a:solidFill>
-                  <a:schemeClr val="tx1"/>
-                </a:solidFill>
-                <a:latin typeface="Arial" panose="020B0604020202020204" pitchFamily="34" charset="0"/>
-                <a:ea typeface="微软雅黑" panose="020B0503020204020204" pitchFamily="34" charset="-122"/>
-              </a:defRPr>
-            </a:lvl1pPr>
-            <a:lvl2pPr marL="742950" indent="-285750">
-              <a:defRPr sz="3200">
-                <a:solidFill>
-                  <a:schemeClr val="tx1"/>
-                </a:solidFill>
-                <a:latin typeface="Arial" panose="020B0604020202020204" pitchFamily="34" charset="0"/>
-                <a:ea typeface="微软雅黑" panose="020B0503020204020204" pitchFamily="34" charset="-122"/>
-              </a:defRPr>
-            </a:lvl2pPr>
-            <a:lvl3pPr marL="1143000" indent="-228600">
-              <a:defRPr sz="3200">
-                <a:solidFill>
-                  <a:schemeClr val="tx1"/>
-                </a:solidFill>
-                <a:latin typeface="Arial" panose="020B0604020202020204" pitchFamily="34" charset="0"/>
-                <a:ea typeface="微软雅黑" panose="020B0503020204020204" pitchFamily="34" charset="-122"/>
-              </a:defRPr>
-            </a:lvl3pPr>
-            <a:lvl4pPr marL="1600200" indent="-228600">
-              <a:defRPr sz="3200">
-                <a:solidFill>
-                  <a:schemeClr val="tx1"/>
-                </a:solidFill>
-                <a:latin typeface="Arial" panose="020B0604020202020204" pitchFamily="34" charset="0"/>
-                <a:ea typeface="微软雅黑" panose="020B0503020204020204" pitchFamily="34" charset="-122"/>
-              </a:defRPr>
-            </a:lvl4pPr>
-            <a:lvl5pPr marL="2057400" indent="-228600">
-              <a:defRPr sz="3200">
-                <a:solidFill>
-                  <a:schemeClr val="tx1"/>
-                </a:solidFill>
-                <a:latin typeface="Arial" panose="020B0604020202020204" pitchFamily="34" charset="0"/>
-                <a:ea typeface="微软雅黑" panose="020B0503020204020204" pitchFamily="34" charset="-122"/>
-              </a:defRPr>
-            </a:lvl5pPr>
-            <a:lvl6pPr marL="2514600" indent="-228600" eaLnBrk="0" fontAlgn="base" hangingPunct="0">
-              <a:spcBef>
-                <a:spcPct val="0"/>
-              </a:spcBef>
-              <a:spcAft>
-                <a:spcPct val="0"/>
-              </a:spcAft>
-              <a:defRPr sz="3200">
-                <a:solidFill>
-                  <a:schemeClr val="tx1"/>
-                </a:solidFill>
-                <a:latin typeface="Arial" panose="020B0604020202020204" pitchFamily="34" charset="0"/>
-                <a:ea typeface="微软雅黑" panose="020B0503020204020204" pitchFamily="34" charset="-122"/>
-              </a:defRPr>
-            </a:lvl6pPr>
-            <a:lvl7pPr marL="2971800" indent="-228600" eaLnBrk="0" fontAlgn="base" hangingPunct="0">
-              <a:spcBef>
-                <a:spcPct val="0"/>
-              </a:spcBef>
-              <a:spcAft>
-                <a:spcPct val="0"/>
-              </a:spcAft>
-              <a:defRPr sz="3200">
-                <a:solidFill>
-                  <a:schemeClr val="tx1"/>
-                </a:solidFill>
-                <a:latin typeface="Arial" panose="020B0604020202020204" pitchFamily="34" charset="0"/>
-                <a:ea typeface="微软雅黑" panose="020B0503020204020204" pitchFamily="34" charset="-122"/>
-              </a:defRPr>
-            </a:lvl7pPr>
-            <a:lvl8pPr marL="3429000" indent="-228600" eaLnBrk="0" fontAlgn="base" hangingPunct="0">
-              <a:spcBef>
-                <a:spcPct val="0"/>
-              </a:spcBef>
-              <a:spcAft>
-                <a:spcPct val="0"/>
-              </a:spcAft>
-              <a:defRPr sz="3200">
-                <a:solidFill>
-                  <a:schemeClr val="tx1"/>
-                </a:solidFill>
-                <a:latin typeface="Arial" panose="020B0604020202020204" pitchFamily="34" charset="0"/>
-                <a:ea typeface="微软雅黑" panose="020B0503020204020204" pitchFamily="34" charset="-122"/>
-              </a:defRPr>
-            </a:lvl8pPr>
-            <a:lvl9pPr marL="3886200" indent="-228600" eaLnBrk="0" fontAlgn="base" hangingPunct="0">
-              <a:spcBef>
-                <a:spcPct val="0"/>
-              </a:spcBef>
-              <a:spcAft>
-                <a:spcPct val="0"/>
-              </a:spcAft>
-              <a:defRPr sz="3200">
-                <a:solidFill>
-                  <a:schemeClr val="tx1"/>
-                </a:solidFill>
-                <a:latin typeface="Arial" panose="020B0604020202020204" pitchFamily="34" charset="0"/>
-                <a:ea typeface="微软雅黑" panose="020B0503020204020204" pitchFamily="34" charset="-122"/>
-              </a:defRPr>
-            </a:lvl9pPr>
-          </a:lstStyle>
-          <a:p>
-            <a:pPr algn="l">
-              <a:lnSpc>
-                <a:spcPct val="150000"/>
-              </a:lnSpc>
-              <a:spcBef>
-                <a:spcPts val="1200"/>
-              </a:spcBef>
-              <a:spcAft>
-                <a:spcPts val="1200"/>
-              </a:spcAft>
-              <a:buClr>
-                <a:srgbClr val="92D050"/>
-              </a:buClr>
-              <a:buFont typeface="Wingdings" panose="05000000000000000000" pitchFamily="2" charset="2"/>
-              <a:buChar char="Ø"/>
-            </a:pPr>
-            <a:r>
-              <a:rPr lang="en-US" sz="2800" b="1">
-                <a:solidFill>
-                  <a:srgbClr val="FF0000"/>
-                </a:solidFill>
-              </a:rPr>
-              <a:t>ES6 </a:t>
-            </a:r>
-            <a:r>
-              <a:rPr lang="zh-CN" altLang="en-US" sz="2800" b="1">
-                <a:solidFill>
-                  <a:srgbClr val="FF0000"/>
-                </a:solidFill>
-              </a:rPr>
-              <a:t>对</a:t>
-            </a:r>
-            <a:r>
-              <a:rPr lang="en-US" altLang="zh-CN" sz="2800" b="1">
-                <a:solidFill>
-                  <a:srgbClr val="FF0000"/>
-                </a:solidFill>
-              </a:rPr>
-              <a:t>String</a:t>
-            </a:r>
-            <a:r>
-              <a:rPr lang="zh-CN" altLang="en-US" sz="2800" b="1">
-                <a:solidFill>
-                  <a:srgbClr val="FF0000"/>
-                </a:solidFill>
-              </a:rPr>
-              <a:t>和</a:t>
-            </a:r>
-            <a:r>
-              <a:rPr lang="en-US" altLang="zh-CN" sz="2800" b="1">
-                <a:solidFill>
-                  <a:srgbClr val="FF0000"/>
-                </a:solidFill>
-              </a:rPr>
-              <a:t>RegExp</a:t>
-            </a:r>
-            <a:r>
-              <a:rPr lang="zh-CN" altLang="en-US" sz="2800" b="1">
-                <a:solidFill>
-                  <a:srgbClr val="FF0000"/>
-                </a:solidFill>
-              </a:rPr>
-              <a:t>的扩展</a:t>
-            </a:r>
-            <a:endParaRPr lang="zh-CN" altLang="en-US" sz="2800" b="1">
-              <a:solidFill>
-                <a:srgbClr val="FF0000"/>
-              </a:solidFill>
-            </a:endParaRPr>
-          </a:p>
-          <a:p>
-            <a:pPr algn="l">
-              <a:lnSpc>
-                <a:spcPct val="150000"/>
-              </a:lnSpc>
-              <a:spcBef>
-                <a:spcPts val="1200"/>
-              </a:spcBef>
-              <a:spcAft>
-                <a:spcPts val="1200"/>
-              </a:spcAft>
-              <a:buClr>
-                <a:srgbClr val="92D050"/>
-              </a:buClr>
-              <a:buFont typeface="Wingdings" panose="05000000000000000000" pitchFamily="2" charset="2"/>
-              <a:buChar char="Ø"/>
-            </a:pPr>
-            <a:r>
-              <a:rPr lang="en-US" sz="2800" b="1">
-                <a:solidFill>
-                  <a:schemeClr val="tx1"/>
-                </a:solidFill>
-                <a:sym typeface="+mn-ea"/>
-              </a:rPr>
-              <a:t>ES6 </a:t>
-            </a:r>
-            <a:r>
-              <a:rPr lang="zh-CN" altLang="en-US" sz="2800" b="1">
-                <a:solidFill>
-                  <a:schemeClr val="tx1"/>
-                </a:solidFill>
-                <a:sym typeface="+mn-ea"/>
-              </a:rPr>
-              <a:t>对</a:t>
-            </a:r>
-            <a:r>
-              <a:rPr lang="en-US" altLang="zh-CN" sz="2800" b="1">
-                <a:solidFill>
-                  <a:schemeClr val="tx1"/>
-                </a:solidFill>
-                <a:sym typeface="+mn-ea"/>
-              </a:rPr>
-              <a:t>Number</a:t>
-            </a:r>
-            <a:r>
-              <a:rPr lang="zh-CN" altLang="en-US" sz="2800" b="1">
-                <a:solidFill>
-                  <a:schemeClr val="tx1"/>
-                </a:solidFill>
-                <a:sym typeface="+mn-ea"/>
-              </a:rPr>
-              <a:t>和</a:t>
-            </a:r>
-            <a:r>
-              <a:rPr lang="en-US" altLang="zh-CN" sz="2800" b="1">
-                <a:solidFill>
-                  <a:schemeClr val="tx1"/>
-                </a:solidFill>
-                <a:sym typeface="+mn-ea"/>
-              </a:rPr>
-              <a:t>Math</a:t>
-            </a:r>
-            <a:r>
-              <a:rPr lang="zh-CN" altLang="en-US" sz="2800" b="1">
-                <a:solidFill>
-                  <a:schemeClr val="tx1"/>
-                </a:solidFill>
-                <a:sym typeface="+mn-ea"/>
-              </a:rPr>
-              <a:t>的扩展</a:t>
-            </a:r>
-            <a:endParaRPr lang="zh-CN" altLang="en-US" sz="2800" b="1">
-              <a:solidFill>
-                <a:schemeClr val="tx1"/>
-              </a:solidFill>
-              <a:sym typeface="+mn-ea"/>
-            </a:endParaRPr>
-          </a:p>
-          <a:p>
-            <a:pPr algn="l">
-              <a:lnSpc>
-                <a:spcPct val="150000"/>
-              </a:lnSpc>
-              <a:spcBef>
-                <a:spcPts val="1200"/>
-              </a:spcBef>
-              <a:spcAft>
-                <a:spcPts val="1200"/>
-              </a:spcAft>
-              <a:buClr>
-                <a:srgbClr val="92D050"/>
-              </a:buClr>
-              <a:buFont typeface="Wingdings" panose="05000000000000000000" pitchFamily="2" charset="2"/>
-              <a:buChar char="Ø"/>
-            </a:pPr>
-            <a:r>
-              <a:rPr lang="en-US" altLang="zh-CN" sz="2800" b="1"/>
-              <a:t>ES6 </a:t>
-            </a:r>
-            <a:r>
-              <a:rPr lang="zh-CN" altLang="en-US" sz="2800" b="1"/>
-              <a:t>对</a:t>
-            </a:r>
-            <a:r>
-              <a:rPr lang="en-US" altLang="zh-CN" sz="2800" b="1"/>
-              <a:t>Array</a:t>
-            </a:r>
-            <a:r>
-              <a:rPr lang="zh-CN" altLang="en-US" sz="2800" b="1"/>
-              <a:t>、</a:t>
-            </a:r>
-            <a:r>
-              <a:rPr lang="en-US" altLang="zh-CN" sz="2800" b="1">
-                <a:sym typeface="+mn-ea"/>
-              </a:rPr>
-              <a:t>Object</a:t>
-            </a:r>
-            <a:r>
-              <a:rPr lang="zh-CN" altLang="en-US" sz="2800" b="1"/>
-              <a:t>的扩展</a:t>
-            </a:r>
-            <a:endParaRPr lang="zh-CN" altLang="en-US" sz="2800" b="1"/>
-          </a:p>
-        </p:txBody>
-      </p:sp>
-      <p:sp>
-        <p:nvSpPr>
-          <p:cNvPr id="4" name="内容占位符 3"/>
-          <p:cNvSpPr txBox="1"/>
-          <p:nvPr/>
-        </p:nvSpPr>
-        <p:spPr>
-          <a:xfrm>
-            <a:off x="981657" y="236943"/>
-            <a:ext cx="8191557" cy="490476"/>
-          </a:xfrm>
-          <a:prstGeom prst="rect">
-            <a:avLst/>
-          </a:prstGeom>
-        </p:spPr>
-        <p:txBody>
-          <a:bodyPr/>
-          <a:lstStyle>
-            <a:lvl1pPr marL="167005" indent="-167005" algn="l" defTabSz="0" rtl="0" eaLnBrk="0" fontAlgn="base" hangingPunct="0">
-              <a:spcBef>
-                <a:spcPct val="0"/>
-              </a:spcBef>
-              <a:spcAft>
-                <a:spcPct val="15000"/>
-              </a:spcAft>
-              <a:buClr>
-                <a:schemeClr val="tx2"/>
-              </a:buClr>
-              <a:buFont typeface="Arial" panose="020B0604020202020204" pitchFamily="34" charset="0"/>
-              <a:buChar char="•"/>
-              <a:defRPr kumimoji="1" sz="1600">
-                <a:solidFill>
-                  <a:srgbClr val="006F53"/>
-                </a:solidFill>
-                <a:latin typeface="微软雅黑" panose="020B0503020204020204" pitchFamily="34" charset="-122"/>
-                <a:ea typeface="微软雅黑" panose="020B0503020204020204" pitchFamily="34" charset="-122"/>
-                <a:cs typeface="微软雅黑" panose="020B0503020204020204" pitchFamily="34" charset="-122"/>
-              </a:defRPr>
-            </a:lvl1pPr>
-            <a:lvl2pPr marL="398780" indent="-230505" algn="l" defTabSz="0" rtl="0" eaLnBrk="0" fontAlgn="base" hangingPunct="0">
-              <a:spcBef>
-                <a:spcPct val="0"/>
-              </a:spcBef>
-              <a:spcAft>
-                <a:spcPct val="15000"/>
-              </a:spcAft>
-              <a:buClr>
-                <a:schemeClr val="tx2"/>
-              </a:buClr>
-              <a:buFont typeface="Arial" panose="020B0604020202020204" pitchFamily="34" charset="0"/>
-              <a:buChar char="–"/>
-              <a:defRPr kumimoji="1" sz="2800">
-                <a:solidFill>
-                  <a:schemeClr val="bg2"/>
-                </a:solidFill>
-                <a:latin typeface="微软雅黑" panose="020B0503020204020204" pitchFamily="34" charset="-122"/>
-                <a:ea typeface="微软雅黑" panose="020B0503020204020204" pitchFamily="34" charset="-122"/>
-                <a:cs typeface="微软雅黑" panose="020B0503020204020204" pitchFamily="34" charset="-122"/>
-              </a:defRPr>
-            </a:lvl2pPr>
-            <a:lvl3pPr marL="400050" indent="182880" algn="l" defTabSz="0" rtl="0" eaLnBrk="0" fontAlgn="base" hangingPunct="0">
-              <a:spcBef>
-                <a:spcPct val="0"/>
-              </a:spcBef>
-              <a:spcAft>
-                <a:spcPct val="15000"/>
-              </a:spcAft>
-              <a:buClr>
-                <a:schemeClr val="tx2"/>
-              </a:buClr>
-              <a:buFont typeface="Arial" panose="020B0604020202020204" pitchFamily="34" charset="0"/>
-              <a:buChar char="•"/>
-              <a:defRPr kumimoji="1" sz="1600">
-                <a:solidFill>
-                  <a:schemeClr val="bg2"/>
-                </a:solidFill>
-                <a:latin typeface="微软雅黑" panose="020B0503020204020204" pitchFamily="34" charset="-122"/>
-                <a:ea typeface="微软雅黑" panose="020B0503020204020204" pitchFamily="34" charset="-122"/>
-                <a:cs typeface="微软雅黑" panose="020B0503020204020204" pitchFamily="34" charset="-122"/>
-              </a:defRPr>
-            </a:lvl3pPr>
-            <a:lvl4pPr marL="825500" indent="-241300" algn="l" defTabSz="0" rtl="0" eaLnBrk="0" fontAlgn="base" hangingPunct="0">
-              <a:spcBef>
-                <a:spcPct val="0"/>
-              </a:spcBef>
-              <a:spcAft>
-                <a:spcPct val="15000"/>
-              </a:spcAft>
-              <a:buClr>
-                <a:schemeClr val="tx2"/>
-              </a:buClr>
-              <a:buFont typeface="Arial" panose="020B0604020202020204" pitchFamily="34" charset="0"/>
-              <a:buChar char="–"/>
-              <a:defRPr kumimoji="1" sz="1600">
-                <a:solidFill>
-                  <a:schemeClr val="bg2"/>
-                </a:solidFill>
-                <a:latin typeface="微软雅黑" panose="020B0503020204020204" pitchFamily="34" charset="-122"/>
-                <a:ea typeface="微软雅黑" panose="020B0503020204020204" pitchFamily="34" charset="-122"/>
-                <a:cs typeface="微软雅黑" panose="020B0503020204020204" pitchFamily="34" charset="-122"/>
-              </a:defRPr>
-            </a:lvl4pPr>
-            <a:lvl5pPr marL="2057400" indent="-228600" algn="l" defTabSz="0" rtl="0" eaLnBrk="0" fontAlgn="base" hangingPunct="0">
-              <a:spcBef>
-                <a:spcPct val="0"/>
-              </a:spcBef>
-              <a:spcAft>
-                <a:spcPct val="25000"/>
-              </a:spcAft>
-              <a:buClr>
-                <a:schemeClr val="tx2"/>
-              </a:buClr>
-              <a:buFont typeface="Arial" panose="020B0604020202020204" pitchFamily="34" charset="0"/>
-              <a:buChar char="–"/>
-              <a:defRPr kumimoji="1" sz="2000">
-                <a:solidFill>
-                  <a:schemeClr val="tx1"/>
-                </a:solidFill>
-                <a:latin typeface="+mn-lt"/>
-                <a:ea typeface="微软雅黑" panose="020B0503020204020204" pitchFamily="34" charset="-122"/>
-                <a:cs typeface="微软雅黑" panose="020B0503020204020204" pitchFamily="34" charset="-122"/>
-              </a:defRPr>
-            </a:lvl5pPr>
-            <a:lvl6pPr marL="2514600" indent="-228600" algn="l" defTabSz="0" rtl="0" eaLnBrk="0" fontAlgn="base" hangingPunct="0">
-              <a:spcBef>
-                <a:spcPct val="0"/>
-              </a:spcBef>
-              <a:spcAft>
-                <a:spcPct val="25000"/>
-              </a:spcAft>
-              <a:buClr>
-                <a:schemeClr val="tx2"/>
-              </a:buClr>
-              <a:buFont typeface="Arial" panose="020B0604020202020204" pitchFamily="34" charset="0"/>
-              <a:buChar char="–"/>
-              <a:defRPr>
-                <a:solidFill>
-                  <a:schemeClr val="tx1"/>
-                </a:solidFill>
-                <a:latin typeface="+mn-lt"/>
-              </a:defRPr>
-            </a:lvl6pPr>
-            <a:lvl7pPr marL="2971800" indent="-228600" algn="l" defTabSz="0" rtl="0" eaLnBrk="0" fontAlgn="base" hangingPunct="0">
-              <a:spcBef>
-                <a:spcPct val="0"/>
-              </a:spcBef>
-              <a:spcAft>
-                <a:spcPct val="25000"/>
-              </a:spcAft>
-              <a:buClr>
-                <a:schemeClr val="tx2"/>
-              </a:buClr>
-              <a:buFont typeface="Arial" panose="020B0604020202020204" pitchFamily="34" charset="0"/>
-              <a:buChar char="–"/>
-              <a:defRPr>
-                <a:solidFill>
-                  <a:schemeClr val="tx1"/>
-                </a:solidFill>
-                <a:latin typeface="+mn-lt"/>
-              </a:defRPr>
-            </a:lvl7pPr>
-            <a:lvl8pPr marL="3429000" indent="-228600" algn="l" defTabSz="0" rtl="0" eaLnBrk="0" fontAlgn="base" hangingPunct="0">
-              <a:spcBef>
-                <a:spcPct val="0"/>
-              </a:spcBef>
-              <a:spcAft>
-                <a:spcPct val="25000"/>
-              </a:spcAft>
-              <a:buClr>
-                <a:schemeClr val="tx2"/>
-              </a:buClr>
-              <a:buFont typeface="Arial" panose="020B0604020202020204" pitchFamily="34" charset="0"/>
-              <a:buChar char="–"/>
-              <a:defRPr>
-                <a:solidFill>
-                  <a:schemeClr val="tx1"/>
-                </a:solidFill>
-                <a:latin typeface="+mn-lt"/>
-              </a:defRPr>
-            </a:lvl8pPr>
-            <a:lvl9pPr marL="3886200" indent="-228600" algn="l" defTabSz="0" rtl="0" eaLnBrk="0" fontAlgn="base" hangingPunct="0">
-              <a:spcBef>
-                <a:spcPct val="0"/>
-              </a:spcBef>
-              <a:spcAft>
-                <a:spcPct val="25000"/>
-              </a:spcAft>
-              <a:buClr>
-                <a:schemeClr val="tx2"/>
-              </a:buClr>
-              <a:buFont typeface="Arial" panose="020B0604020202020204" pitchFamily="34" charset="0"/>
-              <a:buChar char="–"/>
-              <a:defRPr>
-                <a:solidFill>
-                  <a:schemeClr val="tx1"/>
-                </a:solidFill>
-                <a:latin typeface="+mn-lt"/>
-              </a:defRPr>
-            </a:lvl9pPr>
-          </a:lstStyle>
-          <a:p>
-            <a:pPr marL="0" indent="0">
-              <a:buNone/>
-            </a:pPr>
-            <a:r>
-              <a:rPr lang="zh-CN" altLang="en-US" sz="3200" dirty="0" smtClean="0">
-                <a:solidFill>
-                  <a:srgbClr val="C00000"/>
-                </a:solidFill>
-                <a:cs typeface="+mn-cs"/>
-                <a:sym typeface="+mn-ea"/>
-              </a:rPr>
-              <a:t>内容提纲</a:t>
-            </a:r>
-            <a:endParaRPr lang="zh-CN" altLang="en-US" kern="0" dirty="0"/>
-          </a:p>
-        </p:txBody>
-      </p:sp>
-    </p:spTree>
-  </p:cSld>
-  <p:clrMapOvr>
-    <a:masterClrMapping/>
-  </p:clrMapOvr>
-  <p:timing>
-    <p:tnLst>
-      <p:par>
-        <p:cTn id="1" dur="indefinite" restart="never" nodeType="tmRoot"/>
-      </p:par>
-    </p:tnLst>
-  </p:timing>
-</p:sld>
-</file>
-
-<file path=ppt/slides/slide30.xml><?xml version="1.0" encoding="utf-8"?>
+<file path=ppt/slides/slide31.xml><?xml version="1.0" encoding="utf-8"?>
 <p:sld xmlns:a="http://schemas.openxmlformats.org/drawingml/2006/main" xmlns:r="http://schemas.openxmlformats.org/officeDocument/2006/relationships" xmlns:p="http://schemas.openxmlformats.org/presentationml/2006/main">
   <p:cSld>
     <p:spTree>
@@ -18402,7 +19636,7 @@
 </p:sld>
 </file>
 
-<file path=ppt/slides/slide31.xml><?xml version="1.0" encoding="utf-8"?>
+<file path=ppt/slides/slide32.xml><?xml version="1.0" encoding="utf-8"?>
 <p:sld xmlns:a="http://schemas.openxmlformats.org/drawingml/2006/main" xmlns:r="http://schemas.openxmlformats.org/officeDocument/2006/relationships" xmlns:p="http://schemas.openxmlformats.org/presentationml/2006/main">
   <p:cSld>
     <p:spTree>
@@ -19075,7 +20309,7 @@
         <p:spPr>
           <a:xfrm>
             <a:off x="1292860" y="4201160"/>
-            <a:ext cx="5551805" cy="1649730"/>
+            <a:ext cx="5293360" cy="1572895"/>
           </a:xfrm>
           <a:prstGeom prst="rect">
             <a:avLst/>
@@ -19195,30 +20429,112 @@
                             </p:childTnLst>
                           </p:cTn>
                         </p:par>
-                      </p:childTnLst>
-                    </p:cTn>
-                  </p:par>
-                  <p:par>
-                    <p:cTn id="9" fill="hold">
-                      <p:stCondLst>
-                        <p:cond delay="indefinite"/>
-                      </p:stCondLst>
-                      <p:childTnLst>
                         <p:par>
-                          <p:cTn id="10" fill="hold">
+                          <p:cTn id="9" fill="hold">
                             <p:stCondLst>
-                              <p:cond delay="0"/>
+                              <p:cond delay="500"/>
                             </p:stCondLst>
                             <p:childTnLst>
                               <p:par>
-                                <p:cTn id="11" presetID="2" presetClass="entr" presetSubtype="4" fill="hold" nodeType="clickEffect">
+                                <p:cTn id="10" presetID="2" presetClass="entr" presetSubtype="4" fill="hold" nodeType="afterEffect">
                                   <p:stCondLst>
                                     <p:cond delay="0"/>
                                   </p:stCondLst>
                                   <p:childTnLst>
                                     <p:set>
                                       <p:cBhvr>
-                                        <p:cTn id="12" dur="1" fill="hold">
+                                        <p:cTn id="11" dur="1" fill="hold">
+                                          <p:stCondLst>
+                                            <p:cond delay="0"/>
+                                          </p:stCondLst>
+                                        </p:cTn>
+                                        <p:tgtEl>
+                                          <p:spTgt spid="3"/>
+                                        </p:tgtEl>
+                                        <p:attrNameLst>
+                                          <p:attrName>style.visibility</p:attrName>
+                                        </p:attrNameLst>
+                                      </p:cBhvr>
+                                      <p:to>
+                                        <p:strVal val="visible"/>
+                                      </p:to>
+                                    </p:set>
+                                    <p:anim calcmode="lin" valueType="num">
+                                      <p:cBhvr additive="base">
+                                        <p:cTn id="12" dur="500" fill="hold"/>
+                                        <p:tgtEl>
+                                          <p:spTgt spid="3"/>
+                                        </p:tgtEl>
+                                        <p:attrNameLst>
+                                          <p:attrName>ppt_x</p:attrName>
+                                        </p:attrNameLst>
+                                      </p:cBhvr>
+                                      <p:tavLst>
+                                        <p:tav tm="0">
+                                          <p:val>
+                                            <p:strVal val="#ppt_x"/>
+                                          </p:val>
+                                        </p:tav>
+                                        <p:tav tm="100000">
+                                          <p:val>
+                                            <p:strVal val="#ppt_x"/>
+                                          </p:val>
+                                        </p:tav>
+                                      </p:tavLst>
+                                    </p:anim>
+                                    <p:anim calcmode="lin" valueType="num">
+                                      <p:cBhvr additive="base">
+                                        <p:cTn id="13" dur="500" fill="hold"/>
+                                        <p:tgtEl>
+                                          <p:spTgt spid="3"/>
+                                        </p:tgtEl>
+                                        <p:attrNameLst>
+                                          <p:attrName>ppt_y</p:attrName>
+                                        </p:attrNameLst>
+                                      </p:cBhvr>
+                                      <p:tavLst>
+                                        <p:tav tm="0">
+                                          <p:val>
+                                            <p:strVal val="1+#ppt_h/2"/>
+                                          </p:val>
+                                        </p:tav>
+                                        <p:tav tm="100000">
+                                          <p:val>
+                                            <p:strVal val="#ppt_y"/>
+                                          </p:val>
+                                        </p:tav>
+                                      </p:tavLst>
+                                    </p:anim>
+                                  </p:childTnLst>
+                                </p:cTn>
+                              </p:par>
+                            </p:childTnLst>
+                          </p:cTn>
+                        </p:par>
+                      </p:childTnLst>
+                    </p:cTn>
+                  </p:par>
+                  <p:par>
+                    <p:cTn id="14" fill="hold">
+                      <p:stCondLst>
+                        <p:cond delay="indefinite"/>
+                      </p:stCondLst>
+                      <p:childTnLst>
+                        <p:par>
+                          <p:cTn id="15" fill="hold">
+                            <p:stCondLst>
+                              <p:cond delay="0"/>
+                            </p:stCondLst>
+                            <p:childTnLst>
+                              <p:par>
+                                <p:cTn id="16" presetID="2" presetClass="entr" presetSubtype="4" fill="hold" nodeType="clickEffect">
+                                  <p:stCondLst>
+                                    <p:cond delay="0"/>
+                                  </p:stCondLst>
+                                  <p:childTnLst>
+                                    <p:set>
+                                      <p:cBhvr>
+                                        <p:cTn id="17" dur="1" fill="hold">
                                           <p:stCondLst>
                                             <p:cond delay="0"/>
                                           </p:stCondLst>
@@ -19240,7 +20556,7 @@
                                     </p:set>
                                     <p:anim calcmode="lin" valueType="num">
                                       <p:cBhvr additive="base">
-                                        <p:cTn id="13" dur="500" fill="hold"/>
+                                        <p:cTn id="18" dur="500" fill="hold"/>
                                         <p:tgtEl>
                                           <p:spTgt spid="11266">
                                             <p:txEl>
@@ -19267,7 +20583,7 @@
                                     </p:anim>
                                     <p:anim calcmode="lin" valueType="num">
                                       <p:cBhvr additive="base">
-                                        <p:cTn id="14" dur="500" fill="hold"/>
+                                        <p:cTn id="19" dur="500" fill="hold"/>
                                         <p:tgtEl>
                                           <p:spTgt spid="11266">
                                             <p:txEl>
@@ -19299,20 +20615,102 @@
                           </p:cTn>
                         </p:par>
                         <p:par>
-                          <p:cTn id="15" fill="hold">
+                          <p:cTn id="20" fill="hold">
                             <p:stCondLst>
                               <p:cond delay="500"/>
                             </p:stCondLst>
                             <p:childTnLst>
                               <p:par>
-                                <p:cTn id="16" presetID="2" presetClass="entr" presetSubtype="4" fill="hold" grpId="0" nodeType="afterEffect">
+                                <p:cTn id="21" presetID="2" presetClass="entr" presetSubtype="4" fill="hold" nodeType="afterEffect">
                                   <p:stCondLst>
                                     <p:cond delay="0"/>
                                   </p:stCondLst>
                                   <p:childTnLst>
                                     <p:set>
                                       <p:cBhvr>
-                                        <p:cTn id="17" dur="1" fill="hold">
+                                        <p:cTn id="22" dur="1" fill="hold">
+                                          <p:stCondLst>
+                                            <p:cond delay="0"/>
+                                          </p:stCondLst>
+                                        </p:cTn>
+                                        <p:tgtEl>
+                                          <p:spTgt spid="5"/>
+                                        </p:tgtEl>
+                                        <p:attrNameLst>
+                                          <p:attrName>style.visibility</p:attrName>
+                                        </p:attrNameLst>
+                                      </p:cBhvr>
+                                      <p:to>
+                                        <p:strVal val="visible"/>
+                                      </p:to>
+                                    </p:set>
+                                    <p:anim calcmode="lin" valueType="num">
+                                      <p:cBhvr additive="base">
+                                        <p:cTn id="23" dur="500" fill="hold"/>
+                                        <p:tgtEl>
+                                          <p:spTgt spid="5"/>
+                                        </p:tgtEl>
+                                        <p:attrNameLst>
+                                          <p:attrName>ppt_x</p:attrName>
+                                        </p:attrNameLst>
+                                      </p:cBhvr>
+                                      <p:tavLst>
+                                        <p:tav tm="0">
+                                          <p:val>
+                                            <p:strVal val="#ppt_x"/>
+                                          </p:val>
+                                        </p:tav>
+                                        <p:tav tm="100000">
+                                          <p:val>
+                                            <p:strVal val="#ppt_x"/>
+                                          </p:val>
+                                        </p:tav>
+                                      </p:tavLst>
+                                    </p:anim>
+                                    <p:anim calcmode="lin" valueType="num">
+                                      <p:cBhvr additive="base">
+                                        <p:cTn id="24" dur="500" fill="hold"/>
+                                        <p:tgtEl>
+                                          <p:spTgt spid="5"/>
+                                        </p:tgtEl>
+                                        <p:attrNameLst>
+                                          <p:attrName>ppt_y</p:attrName>
+                                        </p:attrNameLst>
+                                      </p:cBhvr>
+                                      <p:tavLst>
+                                        <p:tav tm="0">
+                                          <p:val>
+                                            <p:strVal val="1+#ppt_h/2"/>
+                                          </p:val>
+                                        </p:tav>
+                                        <p:tav tm="100000">
+                                          <p:val>
+                                            <p:strVal val="#ppt_y"/>
+                                          </p:val>
+                                        </p:tav>
+                                      </p:tavLst>
+                                    </p:anim>
+                                  </p:childTnLst>
+                                </p:cTn>
+                              </p:par>
+                            </p:childTnLst>
+                          </p:cTn>
+                        </p:par>
+                        <p:par>
+                          <p:cTn id="25" fill="hold">
+                            <p:stCondLst>
+                              <p:cond delay="1000"/>
+                            </p:stCondLst>
+                            <p:childTnLst>
+                              <p:par>
+                                <p:cTn id="26" presetID="2" presetClass="entr" presetSubtype="4" fill="hold" grpId="0" nodeType="afterEffect">
+                                  <p:stCondLst>
+                                    <p:cond delay="0"/>
+                                  </p:stCondLst>
+                                  <p:childTnLst>
+                                    <p:set>
+                                      <p:cBhvr>
+                                        <p:cTn id="27" dur="1" fill="hold">
                                           <p:stCondLst>
                                             <p:cond delay="0"/>
                                           </p:stCondLst>
@@ -19330,7 +20728,7 @@
                                     </p:set>
                                     <p:anim calcmode="lin" valueType="num">
                                       <p:cBhvr additive="base">
-                                        <p:cTn id="18" dur="500" fill="hold"/>
+                                        <p:cTn id="28" dur="500" fill="hold"/>
                                         <p:tgtEl>
                                           <p:spTgt spid="4"/>
                                         </p:tgtEl>
@@ -19353,7 +20751,7 @@
                                     </p:anim>
                                     <p:anim calcmode="lin" valueType="num">
                                       <p:cBhvr additive="base">
-                                        <p:cTn id="19" dur="500" fill="hold"/>
+                                        <p:cTn id="29" dur="500" fill="hold"/>
                                         <p:tgtEl>
                                           <p:spTgt spid="4"/>
                                         </p:tgtEl>
@@ -19487,29 +20885,9 @@
                   <a:schemeClr val="tx1"/>
                 </a:solidFill>
               </a:rPr>
-              <a:t>、</a:t>
-            </a:r>
-            <a:r>
-              <a:rPr kumimoji="0" lang="zh-CN" altLang="en-US" sz="3200" dirty="0" smtClean="0">
-                <a:solidFill>
-                  <a:schemeClr val="tx1"/>
-                </a:solidFill>
-              </a:rPr>
-              <a:t>ES6中通过构造函数实例化正则对象的形式不同</a:t>
+              <a:t>、ES6中通过构造函数实例化正则对象的形式不同</a:t>
             </a:r>
             <a:endParaRPr kumimoji="0" lang="en-US" altLang="zh-CN" sz="2000" dirty="0" smtClean="0">
-              <a:solidFill>
-                <a:schemeClr val="tx1"/>
-              </a:solidFill>
-            </a:endParaRPr>
-          </a:p>
-          <a:p>
-            <a:pPr>
-              <a:lnSpc>
-                <a:spcPct val="130000"/>
-              </a:lnSpc>
-            </a:pPr>
-            <a:endParaRPr kumimoji="0" lang="en-US" altLang="zh-CN" sz="2400" dirty="0" smtClean="0">
               <a:solidFill>
                 <a:schemeClr val="tx1"/>
               </a:solidFill>
@@ -19545,6 +20923,18 @@
                 <a:spcPct val="130000"/>
               </a:lnSpc>
             </a:pPr>
+            <a:endParaRPr kumimoji="0" lang="en-US" altLang="zh-CN" sz="2000" dirty="0" smtClean="0">
+              <a:solidFill>
+                <a:schemeClr val="tx1"/>
+              </a:solidFill>
+            </a:endParaRPr>
+          </a:p>
+          <a:p>
+            <a:pPr>
+              <a:lnSpc>
+                <a:spcPct val="130000"/>
+              </a:lnSpc>
+            </a:pPr>
             <a:r>
               <a:rPr kumimoji="0" lang="zh-CN" altLang="en-US" sz="3200" dirty="0" smtClean="0">
                 <a:solidFill>
@@ -19552,25 +20942,7 @@
                 </a:solidFill>
                 <a:sym typeface="+mn-ea"/>
               </a:rPr>
-              <a:t>ES6中为正则添加了y修饰符，</a:t>
-            </a:r>
-            <a:r>
-              <a:rPr kumimoji="0" lang="zh-CN" altLang="en-US" sz="3200" dirty="0" smtClean="0">
-                <a:solidFill>
-                  <a:schemeClr val="tx1"/>
-                </a:solidFill>
-                <a:sym typeface="+mn-ea"/>
-              </a:rPr>
-              <a:t>（</a:t>
-            </a:r>
-            <a:r>
-              <a:rPr kumimoji="0" lang="zh-CN" altLang="en-US" sz="3200" dirty="0" smtClean="0">
-                <a:solidFill>
-                  <a:schemeClr val="tx1"/>
-                </a:solidFill>
-                <a:sym typeface="+mn-ea"/>
-              </a:rPr>
-              <a:t>粘连sticky）修饰符</a:t>
+              <a:t>ES6中为正则添加了y修饰符，（粘连sticky）修饰符</a:t>
             </a:r>
             <a:endParaRPr kumimoji="0" lang="zh-CN" altLang="en-US" sz="3200" dirty="0" smtClean="0">
               <a:solidFill>
@@ -19805,7 +21177,7 @@
         <p:spPr>
           <a:xfrm>
             <a:off x="1292860" y="1797050"/>
-            <a:ext cx="6211570" cy="1405890"/>
+            <a:ext cx="5846445" cy="1323340"/>
           </a:xfrm>
           <a:prstGeom prst="rect">
             <a:avLst/>
@@ -19828,8 +21200,8 @@
         </p:blipFill>
         <p:spPr>
           <a:xfrm>
-            <a:off x="1292860" y="4058285"/>
-            <a:ext cx="6880860" cy="1331595"/>
+            <a:off x="1292860" y="3914775"/>
+            <a:ext cx="7376160" cy="1427480"/>
           </a:xfrm>
           <a:prstGeom prst="rect">
             <a:avLst/>
@@ -19949,30 +21321,112 @@
                             </p:childTnLst>
                           </p:cTn>
                         </p:par>
-                      </p:childTnLst>
-                    </p:cTn>
-                  </p:par>
-                  <p:par>
-                    <p:cTn id="9" fill="hold">
-                      <p:stCondLst>
-                        <p:cond delay="indefinite"/>
-                      </p:stCondLst>
-                      <p:childTnLst>
                         <p:par>
-                          <p:cTn id="10" fill="hold">
+                          <p:cTn id="9" fill="hold">
                             <p:stCondLst>
-                              <p:cond delay="0"/>
+                              <p:cond delay="500"/>
                             </p:stCondLst>
                             <p:childTnLst>
                               <p:par>
-                                <p:cTn id="11" presetID="2" presetClass="entr" presetSubtype="4" fill="hold" nodeType="clickEffect">
+                                <p:cTn id="10" presetID="2" presetClass="entr" presetSubtype="4" fill="hold" nodeType="afterEffect">
                                   <p:stCondLst>
                                     <p:cond delay="0"/>
                                   </p:stCondLst>
                                   <p:childTnLst>
                                     <p:set>
                                       <p:cBhvr>
-                                        <p:cTn id="12" dur="1" fill="hold">
+                                        <p:cTn id="11" dur="1" fill="hold">
+                                          <p:stCondLst>
+                                            <p:cond delay="0"/>
+                                          </p:stCondLst>
+                                        </p:cTn>
+                                        <p:tgtEl>
+                                          <p:spTgt spid="6"/>
+                                        </p:tgtEl>
+                                        <p:attrNameLst>
+                                          <p:attrName>style.visibility</p:attrName>
+                                        </p:attrNameLst>
+                                      </p:cBhvr>
+                                      <p:to>
+                                        <p:strVal val="visible"/>
+                                      </p:to>
+                                    </p:set>
+                                    <p:anim calcmode="lin" valueType="num">
+                                      <p:cBhvr additive="base">
+                                        <p:cTn id="12" dur="500" fill="hold"/>
+                                        <p:tgtEl>
+                                          <p:spTgt spid="6"/>
+                                        </p:tgtEl>
+                                        <p:attrNameLst>
+                                          <p:attrName>ppt_x</p:attrName>
+                                        </p:attrNameLst>
+                                      </p:cBhvr>
+                                      <p:tavLst>
+                                        <p:tav tm="0">
+                                          <p:val>
+                                            <p:strVal val="#ppt_x"/>
+                                          </p:val>
+                                        </p:tav>
+                                        <p:tav tm="100000">
+                                          <p:val>
+                                            <p:strVal val="#ppt_x"/>
+                                          </p:val>
+                                        </p:tav>
+                                      </p:tavLst>
+                                    </p:anim>
+                                    <p:anim calcmode="lin" valueType="num">
+                                      <p:cBhvr additive="base">
+                                        <p:cTn id="13" dur="500" fill="hold"/>
+                                        <p:tgtEl>
+                                          <p:spTgt spid="6"/>
+                                        </p:tgtEl>
+                                        <p:attrNameLst>
+                                          <p:attrName>ppt_y</p:attrName>
+                                        </p:attrNameLst>
+                                      </p:cBhvr>
+                                      <p:tavLst>
+                                        <p:tav tm="0">
+                                          <p:val>
+                                            <p:strVal val="1+#ppt_h/2"/>
+                                          </p:val>
+                                        </p:tav>
+                                        <p:tav tm="100000">
+                                          <p:val>
+                                            <p:strVal val="#ppt_y"/>
+                                          </p:val>
+                                        </p:tav>
+                                      </p:tavLst>
+                                    </p:anim>
+                                  </p:childTnLst>
+                                </p:cTn>
+                              </p:par>
+                            </p:childTnLst>
+                          </p:cTn>
+                        </p:par>
+                      </p:childTnLst>
+                    </p:cTn>
+                  </p:par>
+                  <p:par>
+                    <p:cTn id="14" fill="hold">
+                      <p:stCondLst>
+                        <p:cond delay="indefinite"/>
+                      </p:stCondLst>
+                      <p:childTnLst>
+                        <p:par>
+                          <p:cTn id="15" fill="hold">
+                            <p:stCondLst>
+                              <p:cond delay="0"/>
+                            </p:stCondLst>
+                            <p:childTnLst>
+                              <p:par>
+                                <p:cTn id="16" presetID="2" presetClass="entr" presetSubtype="4" fill="hold" nodeType="clickEffect">
+                                  <p:stCondLst>
+                                    <p:cond delay="0"/>
+                                  </p:stCondLst>
+                                  <p:childTnLst>
+                                    <p:set>
+                                      <p:cBhvr>
+                                        <p:cTn id="17" dur="1" fill="hold">
                                           <p:stCondLst>
                                             <p:cond delay="0"/>
                                           </p:stCondLst>
@@ -19994,7 +21448,7 @@
                                     </p:set>
                                     <p:anim calcmode="lin" valueType="num">
                                       <p:cBhvr additive="base">
-                                        <p:cTn id="13" dur="500" fill="hold"/>
+                                        <p:cTn id="18" dur="500" fill="hold"/>
                                         <p:tgtEl>
                                           <p:spTgt spid="11266">
                                             <p:txEl>
@@ -20021,7 +21475,7 @@
                                     </p:anim>
                                     <p:anim calcmode="lin" valueType="num">
                                       <p:cBhvr additive="base">
-                                        <p:cTn id="14" dur="500" fill="hold"/>
+                                        <p:cTn id="19" dur="500" fill="hold"/>
                                         <p:tgtEl>
                                           <p:spTgt spid="11266">
                                             <p:txEl>
@@ -20052,30 +21506,112 @@
                             </p:childTnLst>
                           </p:cTn>
                         </p:par>
-                      </p:childTnLst>
-                    </p:cTn>
-                  </p:par>
-                  <p:par>
-                    <p:cTn id="15" fill="hold">
-                      <p:stCondLst>
-                        <p:cond delay="indefinite"/>
-                      </p:stCondLst>
-                      <p:childTnLst>
                         <p:par>
-                          <p:cTn id="16" fill="hold">
+                          <p:cTn id="20" fill="hold">
                             <p:stCondLst>
-                              <p:cond delay="0"/>
+                              <p:cond delay="500"/>
                             </p:stCondLst>
                             <p:childTnLst>
                               <p:par>
-                                <p:cTn id="17" presetID="2" presetClass="entr" presetSubtype="4" fill="hold" nodeType="clickEffect">
+                                <p:cTn id="21" presetID="2" presetClass="entr" presetSubtype="4" fill="hold" nodeType="afterEffect">
                                   <p:stCondLst>
                                     <p:cond delay="0"/>
                                   </p:stCondLst>
                                   <p:childTnLst>
                                     <p:set>
                                       <p:cBhvr>
-                                        <p:cTn id="18" dur="1" fill="hold">
+                                        <p:cTn id="22" dur="1" fill="hold">
+                                          <p:stCondLst>
+                                            <p:cond delay="0"/>
+                                          </p:stCondLst>
+                                        </p:cTn>
+                                        <p:tgtEl>
+                                          <p:spTgt spid="7"/>
+                                        </p:tgtEl>
+                                        <p:attrNameLst>
+                                          <p:attrName>style.visibility</p:attrName>
+                                        </p:attrNameLst>
+                                      </p:cBhvr>
+                                      <p:to>
+                                        <p:strVal val="visible"/>
+                                      </p:to>
+                                    </p:set>
+                                    <p:anim calcmode="lin" valueType="num">
+                                      <p:cBhvr additive="base">
+                                        <p:cTn id="23" dur="500" fill="hold"/>
+                                        <p:tgtEl>
+                                          <p:spTgt spid="7"/>
+                                        </p:tgtEl>
+                                        <p:attrNameLst>
+                                          <p:attrName>ppt_x</p:attrName>
+                                        </p:attrNameLst>
+                                      </p:cBhvr>
+                                      <p:tavLst>
+                                        <p:tav tm="0">
+                                          <p:val>
+                                            <p:strVal val="#ppt_x"/>
+                                          </p:val>
+                                        </p:tav>
+                                        <p:tav tm="100000">
+                                          <p:val>
+                                            <p:strVal val="#ppt_x"/>
+                                          </p:val>
+                                        </p:tav>
+                                      </p:tavLst>
+                                    </p:anim>
+                                    <p:anim calcmode="lin" valueType="num">
+                                      <p:cBhvr additive="base">
+                                        <p:cTn id="24" dur="500" fill="hold"/>
+                                        <p:tgtEl>
+                                          <p:spTgt spid="7"/>
+                                        </p:tgtEl>
+                                        <p:attrNameLst>
+                                          <p:attrName>ppt_y</p:attrName>
+                                        </p:attrNameLst>
+                                      </p:cBhvr>
+                                      <p:tavLst>
+                                        <p:tav tm="0">
+                                          <p:val>
+                                            <p:strVal val="1+#ppt_h/2"/>
+                                          </p:val>
+                                        </p:tav>
+                                        <p:tav tm="100000">
+                                          <p:val>
+                                            <p:strVal val="#ppt_y"/>
+                                          </p:val>
+                                        </p:tav>
+                                      </p:tavLst>
+                                    </p:anim>
+                                  </p:childTnLst>
+                                </p:cTn>
+                              </p:par>
+                            </p:childTnLst>
+                          </p:cTn>
+                        </p:par>
+                      </p:childTnLst>
+                    </p:cTn>
+                  </p:par>
+                  <p:par>
+                    <p:cTn id="25" fill="hold">
+                      <p:stCondLst>
+                        <p:cond delay="indefinite"/>
+                      </p:stCondLst>
+                      <p:childTnLst>
+                        <p:par>
+                          <p:cTn id="26" fill="hold">
+                            <p:stCondLst>
+                              <p:cond delay="0"/>
+                            </p:stCondLst>
+                            <p:childTnLst>
+                              <p:par>
+                                <p:cTn id="27" presetID="2" presetClass="entr" presetSubtype="4" fill="hold" nodeType="clickEffect">
+                                  <p:stCondLst>
+                                    <p:cond delay="0"/>
+                                  </p:stCondLst>
+                                  <p:childTnLst>
+                                    <p:set>
+                                      <p:cBhvr>
+                                        <p:cTn id="28" dur="1" fill="hold">
                                           <p:stCondLst>
                                             <p:cond delay="0"/>
                                           </p:stCondLst>
@@ -20097,7 +21633,7 @@
                                     </p:set>
                                     <p:anim calcmode="lin" valueType="num">
                                       <p:cBhvr additive="base">
-                                        <p:cTn id="19" dur="500" fill="hold"/>
+                                        <p:cTn id="29" dur="500" fill="hold"/>
                                         <p:tgtEl>
                                           <p:spTgt spid="11266">
                                             <p:txEl>
@@ -20124,7 +21660,7 @@
                                     </p:anim>
                                     <p:anim calcmode="lin" valueType="num">
                                       <p:cBhvr additive="base">
-                                        <p:cTn id="20" dur="500" fill="hold"/>
+                                        <p:cTn id="30" dur="500" fill="hold"/>
                                         <p:tgtEl>
                                           <p:spTgt spid="11266">
                                             <p:txEl>
@@ -20156,20 +21692,20 @@
                           </p:cTn>
                         </p:par>
                         <p:par>
-                          <p:cTn id="21" fill="hold">
+                          <p:cTn id="31" fill="hold">
                             <p:stCondLst>
                               <p:cond delay="500"/>
                             </p:stCondLst>
                             <p:childTnLst>
                               <p:par>
-                                <p:cTn id="22" presetID="2" presetClass="entr" presetSubtype="4" fill="hold" grpId="0" nodeType="afterEffect">
+                                <p:cTn id="32" presetID="2" presetClass="entr" presetSubtype="4" fill="hold" grpId="0" nodeType="afterEffect">
                                   <p:stCondLst>
                                     <p:cond delay="0"/>
                                   </p:stCondLst>
                                   <p:childTnLst>
                                     <p:set>
                                       <p:cBhvr>
-                                        <p:cTn id="23" dur="1" fill="hold">
+                                        <p:cTn id="33" dur="1" fill="hold">
                                           <p:stCondLst>
                                             <p:cond delay="0"/>
                                           </p:stCondLst>
@@ -20187,7 +21723,7 @@
                                     </p:set>
                                     <p:anim calcmode="lin" valueType="num">
                                       <p:cBhvr additive="base">
-                                        <p:cTn id="24" dur="500" fill="hold"/>
+                                        <p:cTn id="34" dur="500" fill="hold"/>
                                         <p:tgtEl>
                                           <p:spTgt spid="4"/>
                                         </p:tgtEl>
@@ -20210,7 +21746,7 @@
                                     </p:anim>
                                     <p:anim calcmode="lin" valueType="num">
                                       <p:cBhvr additive="base">
-                                        <p:cTn id="25" dur="500" fill="hold"/>
+                                        <p:cTn id="35" dur="500" fill="hold"/>
                                         <p:tgtEl>
                                           <p:spTgt spid="4"/>
                                         </p:tgtEl>
@@ -20610,7 +22146,7 @@
             </a:r>
             <a:r>
               <a:rPr lang="zh-CN" altLang="en-US" sz="2800" b="1"/>
-              <a:t>、</a:t>
+              <a:t>和</a:t>
             </a:r>
             <a:r>
               <a:rPr lang="en-US" altLang="zh-CN" sz="2800" b="1">
@@ -21008,16 +22544,7 @@
                 </a:solidFill>
                 <a:sym typeface="+mn-ea"/>
               </a:rPr>
-              <a:t>- </a:t>
-            </a:r>
-            <a:r>
-              <a:rPr kumimoji="0" lang="en-US" altLang="zh-CN" sz="2000" dirty="0" smtClean="0">
-                <a:solidFill>
-                  <a:schemeClr val="tx1"/>
-                </a:solidFill>
-                <a:sym typeface="+mn-ea"/>
-              </a:rPr>
-              <a:t>Number.parseInt( )</a:t>
+              <a:t>- Number.parseInt( )</a:t>
             </a:r>
             <a:r>
               <a:rPr kumimoji="0" lang="zh-CN" altLang="en-US" sz="2000" dirty="0" smtClean="0">
@@ -21627,7 +23154,7 @@
                             </p:stCondLst>
                             <p:childTnLst>
                               <p:par>
-                                <p:cTn id="16" presetID="2" presetClass="entr" presetSubtype="4" fill="hold" grpId="0" nodeType="afterEffect">
+                                <p:cTn id="16" presetID="2" presetClass="entr" presetSubtype="4" fill="hold" nodeType="afterEffect">
                                   <p:stCondLst>
                                     <p:cond delay="0"/>
                                   </p:stCondLst>
@@ -21635,6 +23162,88 @@
                                     <p:set>
                                       <p:cBhvr>
                                         <p:cTn id="17" dur="1" fill="hold">
+                                          <p:stCondLst>
+                                            <p:cond delay="0"/>
+                                          </p:stCondLst>
+                                        </p:cTn>
+                                        <p:tgtEl>
+                                          <p:spTgt spid="3"/>
+                                        </p:tgtEl>
+                                        <p:attrNameLst>
+                                          <p:attrName>style.visibility</p:attrName>
+                                        </p:attrNameLst>
+                                      </p:cBhvr>
+                                      <p:to>
+                                        <p:strVal val="visible"/>
+                                      </p:to>
+                                    </p:set>
+                                    <p:anim calcmode="lin" valueType="num">
+                                      <p:cBhvr additive="base">
+                                        <p:cTn id="18" dur="500" fill="hold"/>
+                                        <p:tgtEl>
+                                          <p:spTgt spid="3"/>
+                                        </p:tgtEl>
+                                        <p:attrNameLst>
+                                          <p:attrName>ppt_x</p:attrName>
+                                        </p:attrNameLst>
+                                      </p:cBhvr>
+                                      <p:tavLst>
+                                        <p:tav tm="0">
+                                          <p:val>
+                                            <p:strVal val="#ppt_x"/>
+                                          </p:val>
+                                        </p:tav>
+                                        <p:tav tm="100000">
+                                          <p:val>
+                                            <p:strVal val="#ppt_x"/>
+                                          </p:val>
+                                        </p:tav>
+                                      </p:tavLst>
+                                    </p:anim>
+                                    <p:anim calcmode="lin" valueType="num">
+                                      <p:cBhvr additive="base">
+                                        <p:cTn id="19" dur="500" fill="hold"/>
+                                        <p:tgtEl>
+                                          <p:spTgt spid="3"/>
+                                        </p:tgtEl>
+                                        <p:attrNameLst>
+                                          <p:attrName>ppt_y</p:attrName>
+                                        </p:attrNameLst>
+                                      </p:cBhvr>
+                                      <p:tavLst>
+                                        <p:tav tm="0">
+                                          <p:val>
+                                            <p:strVal val="1+#ppt_h/2"/>
+                                          </p:val>
+                                        </p:tav>
+                                        <p:tav tm="100000">
+                                          <p:val>
+                                            <p:strVal val="#ppt_y"/>
+                                          </p:val>
+                                        </p:tav>
+                                      </p:tavLst>
+                                    </p:anim>
+                                  </p:childTnLst>
+                                </p:cTn>
+                              </p:par>
+                            </p:childTnLst>
+                          </p:cTn>
+                        </p:par>
+                        <p:par>
+                          <p:cTn id="20" fill="hold">
+                            <p:stCondLst>
+                              <p:cond delay="1000"/>
+                            </p:stCondLst>
+                            <p:childTnLst>
+                              <p:par>
+                                <p:cTn id="21" presetID="2" presetClass="entr" presetSubtype="4" fill="hold" grpId="0" nodeType="afterEffect">
+                                  <p:stCondLst>
+                                    <p:cond delay="0"/>
+                                  </p:stCondLst>
+                                  <p:childTnLst>
+                                    <p:set>
+                                      <p:cBhvr>
+                                        <p:cTn id="22" dur="1" fill="hold">
                                           <p:stCondLst>
                                             <p:cond delay="0"/>
                                           </p:stCondLst>
@@ -21652,7 +23261,7 @@
                                     </p:set>
                                     <p:anim calcmode="lin" valueType="num">
                                       <p:cBhvr additive="base">
-                                        <p:cTn id="18" dur="500" fill="hold"/>
+                                        <p:cTn id="23" dur="500" fill="hold"/>
                                         <p:tgtEl>
                                           <p:spTgt spid="4"/>
                                         </p:tgtEl>
@@ -21675,7 +23284,7 @@
                                     </p:anim>
                                     <p:anim calcmode="lin" valueType="num">
                                       <p:cBhvr additive="base">
-                                        <p:cTn id="19" dur="500" fill="hold"/>
+                                        <p:cTn id="24" dur="500" fill="hold"/>
                                         <p:tgtEl>
                                           <p:spTgt spid="4"/>
                                         </p:tgtEl>
@@ -22091,7 +23700,7 @@
                   <a:schemeClr val="accent3"/>
                 </a:solidFill>
               </a:rPr>
-              <a:t>、</a:t>
+              <a:t>和</a:t>
             </a:r>
             <a:r>
               <a:rPr lang="en-US" altLang="zh-CN" sz="2800" b="1">
@@ -22443,7 +24052,7 @@
                   <a:schemeClr val="tx1"/>
                 </a:solidFill>
               </a:rPr>
-              <a:t>Number</a:t>
+              <a:t>Array</a:t>
             </a:r>
             <a:r>
               <a:rPr kumimoji="0" lang="zh-CN" altLang="en-US" sz="3200" dirty="0" smtClean="0">
@@ -22451,7 +24060,7 @@
                   <a:schemeClr val="tx1"/>
                 </a:solidFill>
               </a:rPr>
-              <a:t>新的静态方法</a:t>
+              <a:t>新增的静态方法</a:t>
             </a:r>
             <a:br>
               <a:rPr kumimoji="0" lang="zh-CN" altLang="en-US" sz="3200" dirty="0" smtClean="0">
@@ -22466,7 +24075,31 @@
                   <a:schemeClr val="tx1"/>
                 </a:solidFill>
               </a:rPr>
-              <a:t>- Num</a:t>
+              <a:t>- Array.from( ) </a:t>
+            </a:r>
+            <a:r>
+              <a:rPr kumimoji="0" lang="zh-CN" altLang="en-US" sz="2000" dirty="0" smtClean="0">
+                <a:solidFill>
+                  <a:schemeClr val="tx1"/>
+                </a:solidFill>
+              </a:rPr>
+              <a:t>可将类数组对象或可遍历的对象（包括</a:t>
+            </a:r>
+            <a:r>
+              <a:rPr kumimoji="0" lang="en-US" altLang="zh-CN" sz="2000" dirty="0" smtClean="0">
+                <a:solidFill>
+                  <a:schemeClr val="tx1"/>
+                </a:solidFill>
+              </a:rPr>
+              <a:t>Map</a:t>
+            </a:r>
+            <a:r>
+              <a:rPr kumimoji="0" lang="zh-CN" altLang="en-US" sz="2000" dirty="0" smtClean="0">
+                <a:solidFill>
+                  <a:schemeClr val="tx1"/>
+                </a:solidFill>
+              </a:rPr>
+              <a:t>）转换为数组</a:t>
             </a:r>
             <a:br>
               <a:rPr kumimoji="0" lang="zh-CN" altLang="en-US" sz="2000" dirty="0" smtClean="0">
@@ -22483,24 +24116,34 @@
                 </a:solidFill>
                 <a:sym typeface="+mn-ea"/>
               </a:rPr>
-              <a:t>- Num</a:t>
-            </a:r>
-            <a:br>
+              <a:t>- Array.of( )  </a:t>
+            </a:r>
+            <a:r>
+              <a:rPr kumimoji="0" lang="zh-CN" altLang="en-US" sz="2000" dirty="0" smtClean="0">
+                <a:solidFill>
+                  <a:schemeClr val="tx1"/>
+                </a:solidFill>
+                <a:sym typeface="+mn-ea"/>
+              </a:rPr>
+              <a:t>可将</a:t>
+            </a:r>
+            <a:r>
               <a:rPr kumimoji="0" lang="en-US" altLang="zh-CN" sz="2000" dirty="0" smtClean="0">
                 <a:solidFill>
                   <a:schemeClr val="tx1"/>
                 </a:solidFill>
                 <a:sym typeface="+mn-ea"/>
               </a:rPr>
-            </a:br>
-            <a:r>
-              <a:rPr kumimoji="0" lang="en-US" altLang="zh-CN" sz="2000" dirty="0" smtClean="0">
-                <a:solidFill>
-                  <a:schemeClr val="tx1"/>
-                </a:solidFill>
-                <a:sym typeface="+mn-ea"/>
-              </a:rPr>
-              <a:t>- Num</a:t>
+              <a:t>一组值，转换为数组</a:t>
+            </a:r>
+            <a:r>
+              <a:rPr kumimoji="0" lang="zh-CN" altLang="en-US" sz="2000" dirty="0" smtClean="0">
+                <a:solidFill>
+                  <a:schemeClr val="tx1"/>
+                </a:solidFill>
+                <a:sym typeface="+mn-ea"/>
+              </a:rPr>
+              <a:t>，弥补数组构造函数Array()的不足</a:t>
             </a:r>
             <a:endParaRPr kumimoji="0" lang="en-US" altLang="zh-CN" sz="2000" dirty="0" smtClean="0">
               <a:solidFill>
@@ -22530,7 +24173,7 @@
                 </a:solidFill>
                 <a:sym typeface="+mn-ea"/>
               </a:rPr>
-              <a:t>Math</a:t>
+              <a:t>Array</a:t>
             </a:r>
             <a:r>
               <a:rPr kumimoji="0" lang="zh-CN" altLang="en-US" sz="3200" dirty="0" smtClean="0">
@@ -22539,7 +24182,168 @@
                 </a:solidFill>
                 <a:sym typeface="+mn-ea"/>
               </a:rPr>
-              <a:t>对象新增的方法</a:t>
+              <a:t>新增的原型方法</a:t>
+            </a:r>
+            <a:br>
+              <a:rPr kumimoji="0" lang="zh-CN" altLang="en-US" sz="3200" dirty="0" smtClean="0">
+                <a:solidFill>
+                  <a:schemeClr val="tx1"/>
+                </a:solidFill>
+                <a:sym typeface="+mn-ea"/>
+              </a:rPr>
+            </a:br>
+            <a:r>
+              <a:rPr kumimoji="0" lang="en-US" altLang="zh-CN" sz="2000" dirty="0" smtClean="0">
+                <a:solidFill>
+                  <a:schemeClr val="tx1"/>
+                </a:solidFill>
+                <a:sym typeface="+mn-ea"/>
+              </a:rPr>
+              <a:t>- Array.prototype.copyWithin( ) </a:t>
+            </a:r>
+            <a:br>
+              <a:rPr kumimoji="0" lang="en-US" altLang="zh-CN" sz="2000" dirty="0" smtClean="0">
+                <a:solidFill>
+                  <a:schemeClr val="tx1"/>
+                </a:solidFill>
+                <a:sym typeface="+mn-ea"/>
+              </a:rPr>
+            </a:br>
+            <a:r>
+              <a:rPr kumimoji="0" lang="en-US" altLang="zh-CN" sz="2000" dirty="0" smtClean="0">
+                <a:solidFill>
+                  <a:schemeClr val="tx1"/>
+                </a:solidFill>
+                <a:sym typeface="+mn-ea"/>
+              </a:rPr>
+              <a:t>- Array.prototype.find( )</a:t>
+            </a:r>
+            <a:r>
+              <a:rPr kumimoji="0" lang="zh-CN" altLang="en-US" sz="2000" dirty="0" smtClean="0">
+                <a:solidFill>
+                  <a:schemeClr val="tx1"/>
+                </a:solidFill>
+                <a:sym typeface="+mn-ea"/>
+              </a:rPr>
+              <a:t>、</a:t>
+            </a:r>
+            <a:r>
+              <a:rPr kumimoji="0" lang="en-US" altLang="zh-CN" sz="2000" dirty="0" smtClean="0">
+                <a:solidFill>
+                  <a:schemeClr val="tx1"/>
+                </a:solidFill>
+                <a:sym typeface="+mn-ea"/>
+              </a:rPr>
+              <a:t>Array.prototype.findIndex( )</a:t>
+            </a:r>
+            <a:br>
+              <a:rPr kumimoji="0" lang="en-US" altLang="zh-CN" sz="2000" dirty="0" smtClean="0">
+                <a:solidFill>
+                  <a:schemeClr val="tx1"/>
+                </a:solidFill>
+                <a:sym typeface="+mn-ea"/>
+              </a:rPr>
+            </a:br>
+            <a:r>
+              <a:rPr kumimoji="0" lang="en-US" altLang="zh-CN" sz="2000" dirty="0" smtClean="0">
+                <a:solidFill>
+                  <a:schemeClr val="tx1"/>
+                </a:solidFill>
+                <a:sym typeface="+mn-ea"/>
+              </a:rPr>
+              <a:t>- Array.prototype.fill( )</a:t>
+            </a:r>
+            <a:r>
+              <a:rPr kumimoji="0" lang="zh-CN" altLang="en-US" sz="2000" dirty="0" smtClean="0">
+                <a:solidFill>
+                  <a:schemeClr val="tx1"/>
+                </a:solidFill>
+                <a:sym typeface="+mn-ea"/>
+              </a:rPr>
+              <a:t>、</a:t>
+            </a:r>
+            <a:r>
+              <a:rPr kumimoji="0" lang="en-US" altLang="zh-CN" sz="2000" dirty="0" smtClean="0">
+                <a:solidFill>
+                  <a:schemeClr val="tx1"/>
+                </a:solidFill>
+                <a:sym typeface="+mn-ea"/>
+              </a:rPr>
+              <a:t>Array.prototype.entries( )</a:t>
+            </a:r>
+            <a:br>
+              <a:rPr kumimoji="0" lang="en-US" altLang="zh-CN" sz="2000" dirty="0" smtClean="0">
+                <a:solidFill>
+                  <a:schemeClr val="tx1"/>
+                </a:solidFill>
+                <a:sym typeface="+mn-ea"/>
+              </a:rPr>
+            </a:br>
+            <a:r>
+              <a:rPr kumimoji="0" lang="en-US" altLang="zh-CN" sz="2000" dirty="0" smtClean="0">
+                <a:solidFill>
+                  <a:schemeClr val="tx1"/>
+                </a:solidFill>
+                <a:sym typeface="+mn-ea"/>
+              </a:rPr>
+              <a:t>- Array.prototype.keys( )</a:t>
+            </a:r>
+            <a:r>
+              <a:rPr kumimoji="0" lang="zh-CN" altLang="en-US" sz="2000" dirty="0" smtClean="0">
+                <a:solidFill>
+                  <a:schemeClr val="tx1"/>
+                </a:solidFill>
+                <a:sym typeface="+mn-ea"/>
+              </a:rPr>
+              <a:t>、</a:t>
+            </a:r>
+            <a:r>
+              <a:rPr kumimoji="0" lang="en-US" altLang="zh-CN" sz="2000" dirty="0" smtClean="0">
+                <a:solidFill>
+                  <a:schemeClr val="tx1"/>
+                </a:solidFill>
+                <a:sym typeface="+mn-ea"/>
+              </a:rPr>
+              <a:t>Array.prototype.values( )</a:t>
+            </a:r>
+            <a:br>
+              <a:rPr kumimoji="0" lang="en-US" altLang="zh-CN" sz="2000" dirty="0" smtClean="0">
+                <a:solidFill>
+                  <a:schemeClr val="tx1"/>
+                </a:solidFill>
+                <a:sym typeface="+mn-ea"/>
+              </a:rPr>
+            </a:br>
+            <a:r>
+              <a:rPr kumimoji="0" lang="en-US" altLang="zh-CN" sz="2000" dirty="0" smtClean="0">
+                <a:solidFill>
+                  <a:schemeClr val="tx1"/>
+                </a:solidFill>
+                <a:sym typeface="+mn-ea"/>
+              </a:rPr>
+              <a:t>- Array.prototype.includes( )</a:t>
+            </a:r>
+            <a:endParaRPr kumimoji="0" lang="en-US" altLang="zh-CN" sz="2000" dirty="0" smtClean="0">
+              <a:solidFill>
+                <a:schemeClr val="tx1"/>
+              </a:solidFill>
+              <a:sym typeface="+mn-ea"/>
+            </a:endParaRPr>
+          </a:p>
+          <a:p>
+            <a:pPr>
+              <a:lnSpc>
+                <a:spcPct val="130000"/>
+              </a:lnSpc>
+            </a:pPr>
+            <a:r>
+              <a:rPr kumimoji="0" lang="zh-CN" altLang="en-US" sz="3200" dirty="0" smtClean="0">
+                <a:solidFill>
+                  <a:schemeClr val="tx1"/>
+                </a:solidFill>
+                <a:sym typeface="+mn-ea"/>
+              </a:rPr>
+              <a:t>ES6中空位的数组</a:t>
             </a:r>
             <a:endParaRPr kumimoji="0" lang="zh-CN" altLang="en-US" sz="3200" dirty="0" smtClean="0">
               <a:solidFill>
@@ -22695,16 +24499,6 @@
                 <a:ea typeface="+mn-ea"/>
               </a:rPr>
               <a:t>对</a:t>
-            </a:r>
-            <a:r>
-              <a:rPr lang="en-US" altLang="zh-CN" sz="2200">
-                <a:solidFill>
-                  <a:srgbClr val="FF0000"/>
-                </a:solidFill>
-                <a:latin typeface="+mn-ea"/>
-                <a:ea typeface="+mn-ea"/>
-              </a:rPr>
-              <a:t>N</a:t>
             </a:r>
             <a:r>
               <a:rPr lang="en-US" sz="2200">
@@ -22952,21 +24746,124 @@
                             </p:childTnLst>
                           </p:cTn>
                         </p:par>
+                      </p:childTnLst>
+                    </p:cTn>
+                  </p:par>
+                  <p:par>
+                    <p:cTn id="15" fill="hold">
+                      <p:stCondLst>
+                        <p:cond delay="indefinite"/>
+                      </p:stCondLst>
+                      <p:childTnLst>
                         <p:par>
-                          <p:cTn id="15" fill="hold">
+                          <p:cTn id="16" fill="hold">
                             <p:stCondLst>
-                              <p:cond delay="500"/>
+                              <p:cond delay="0"/>
                             </p:stCondLst>
                             <p:childTnLst>
                               <p:par>
-                                <p:cTn id="16" presetID="2" presetClass="entr" presetSubtype="4" fill="hold" grpId="0" nodeType="afterEffect">
+                                <p:cTn id="17" presetID="2" presetClass="entr" presetSubtype="4" fill="hold" nodeType="clickEffect">
                                   <p:stCondLst>
                                     <p:cond delay="0"/>
                                   </p:stCondLst>
                                   <p:childTnLst>
                                     <p:set>
                                       <p:cBhvr>
-                                        <p:cTn id="17" dur="1" fill="hold">
+                                        <p:cTn id="18" dur="1" fill="hold">
+                                          <p:stCondLst>
+                                            <p:cond delay="0"/>
+                                          </p:stCondLst>
+                                        </p:cTn>
+                                        <p:tgtEl>
+                                          <p:spTgt spid="11266">
+                                            <p:txEl>
+                                              <p:pRg st="2" end="2"/>
+                                            </p:txEl>
+                                          </p:spTgt>
+                                        </p:tgtEl>
+                                        <p:attrNameLst>
+                                          <p:attrName>style.visibility</p:attrName>
+                                        </p:attrNameLst>
+                                      </p:cBhvr>
+                                      <p:to>
+                                        <p:strVal val="visible"/>
+                                      </p:to>
+                                    </p:set>
+                                    <p:anim calcmode="lin" valueType="num">
+                                      <p:cBhvr additive="base">
+                                        <p:cTn id="19" dur="500" fill="hold"/>
+                                        <p:tgtEl>
+                                          <p:spTgt spid="11266">
+                                            <p:txEl>
+                                              <p:pRg st="2" end="2"/>
+                                            </p:txEl>
+                                          </p:spTgt>
+                                        </p:tgtEl>
+                                        <p:attrNameLst>
+                                          <p:attrName>ppt_x</p:attrName>
+                                        </p:attrNameLst>
+                                      </p:cBhvr>
+                                      <p:tavLst>
+                                        <p:tav tm="0">
+                                          <p:val>
+                                            <p:strVal val="#ppt_x"/>
+                                          </p:val>
+                                        </p:tav>
+                                        <p:tav tm="100000">
+                                          <p:val>
+                                            <p:strVal val="#ppt_x"/>
+                                          </p:val>
+                                        </p:tav>
+                                      </p:tavLst>
+                                    </p:anim>
+                                    <p:anim calcmode="lin" valueType="num">
+                                      <p:cBhvr additive="base">
+                                        <p:cTn id="20" dur="500" fill="hold"/>
+                                        <p:tgtEl>
+                                          <p:spTgt spid="11266">
+                                            <p:txEl>
+                                              <p:pRg st="2" end="2"/>
+                                            </p:txEl>
+                                          </p:spTgt>
+                                        </p:tgtEl>
+                                        <p:attrNameLst>
+                                          <p:attrName>ppt_y</p:attrName>
+                                        </p:attrNameLst>
+                                      </p:cBhvr>
+                                      <p:tavLst>
+                                        <p:tav tm="0">
+                                          <p:val>
+                                            <p:strVal val="1+#ppt_h/2"/>
+                                          </p:val>
+                                        </p:tav>
+                                        <p:tav tm="100000">
+                                          <p:val>
+                                            <p:strVal val="#ppt_y"/>
+                                          </p:val>
+                                        </p:tav>
+                                      </p:tavLst>
+                                    </p:anim>
+                                  </p:childTnLst>
+                                </p:cTn>
+                              </p:par>
+                            </p:childTnLst>
+                          </p:cTn>
+                        </p:par>
+                        <p:par>
+                          <p:cTn id="21" fill="hold">
+                            <p:stCondLst>
+                              <p:cond delay="500"/>
+                            </p:stCondLst>
+                            <p:childTnLst>
+                              <p:par>
+                                <p:cTn id="22" presetID="2" presetClass="entr" presetSubtype="4" fill="hold" grpId="0" nodeType="afterEffect">
+                                  <p:stCondLst>
+                                    <p:cond delay="0"/>
+                                  </p:stCondLst>
+                                  <p:childTnLst>
+                                    <p:set>
+                                      <p:cBhvr>
+                                        <p:cTn id="23" dur="1" fill="hold">
                                           <p:stCondLst>
                                             <p:cond delay="0"/>
                                           </p:stCondLst>
@@ -22984,7 +24881,7 @@
                                     </p:set>
                                     <p:anim calcmode="lin" valueType="num">
                                       <p:cBhvr additive="base">
-                                        <p:cTn id="18" dur="500" fill="hold"/>
+                                        <p:cTn id="24" dur="500" fill="hold"/>
                                         <p:tgtEl>
                                           <p:spTgt spid="4"/>
                                         </p:tgtEl>
@@ -23007,7 +24904,7 @@
                                     </p:anim>
                                     <p:anim calcmode="lin" valueType="num">
                                       <p:cBhvr additive="base">
-                                        <p:cTn id="19" dur="500" fill="hold"/>
+                                        <p:cTn id="25" dur="500" fill="hold"/>
                                         <p:tgtEl>
                                           <p:spTgt spid="4"/>
                                         </p:tgtEl>

--- a/课程PPT/14.ECMAScript 6 二.pptx
+++ b/课程PPT/14.ECMAScript 6 二.pptx
@@ -4911,16 +4911,7 @@
                 </a:solidFill>
                 <a:sym typeface="+mn-ea"/>
               </a:rPr>
-              <a:t>- </a:t>
-            </a:r>
-            <a:r>
-              <a:rPr kumimoji="0" lang="en-US" altLang="zh-CN" sz="2000" dirty="0" smtClean="0">
-                <a:solidFill>
-                  <a:schemeClr val="tx1"/>
-                </a:solidFill>
-                <a:sym typeface="+mn-ea"/>
-              </a:rPr>
-              <a:t>ES6允许在对象之中，</a:t>
+              <a:t>- ES6允许在对象之中，</a:t>
             </a:r>
             <a:r>
               <a:rPr kumimoji="0" lang="zh-CN" altLang="en-US" sz="2000" dirty="0" smtClean="0">
@@ -4966,6 +4957,15 @@
               </a:rPr>
               <a:t>属性值等于属性名所代表的变量</a:t>
             </a:r>
+            <a:r>
+              <a:rPr kumimoji="0" lang="zh-CN" altLang="en-US" sz="2000" dirty="0" smtClean="0">
+                <a:solidFill>
+                  <a:schemeClr val="tx1"/>
+                </a:solidFill>
+                <a:sym typeface="+mn-ea"/>
+              </a:rPr>
+              <a:t>，没有冒号了</a:t>
+            </a:r>
             <a:br>
               <a:rPr kumimoji="0" lang="en-US" altLang="zh-CN" sz="2000" dirty="0" smtClean="0">
                 <a:solidFill>
@@ -4990,7 +4990,25 @@
                 </a:solidFill>
                 <a:sym typeface="+mn-ea"/>
               </a:rPr>
-              <a:t>简洁的对象表示法，使得创建对象和返回对象更为简洁</a:t>
+              <a:t>简洁的对象表示法，使得创建对象和返回对象更为简洁（典型案例：</a:t>
+            </a:r>
+            <a:r>
+              <a:rPr kumimoji="0" lang="en-US" altLang="zh-CN" sz="2000" dirty="0" smtClean="0">
+                <a:solidFill>
+                  <a:schemeClr val="tx1"/>
+                </a:solidFill>
+                <a:sym typeface="+mn-ea"/>
+              </a:rPr>
+              <a:t>get/set</a:t>
+            </a:r>
+            <a:r>
+              <a:rPr kumimoji="0" lang="zh-CN" altLang="en-US" sz="2000" dirty="0" smtClean="0">
+                <a:solidFill>
+                  <a:schemeClr val="tx1"/>
+                </a:solidFill>
+                <a:sym typeface="+mn-ea"/>
+              </a:rPr>
+              <a:t>属性方法）</a:t>
             </a:r>
             <a:br>
               <a:rPr kumimoji="0" lang="en-US" altLang="zh-CN" sz="2000" dirty="0" smtClean="0">
@@ -5813,16 +5831,7 @@
                 </a:solidFill>
                 <a:sym typeface="+mn-ea"/>
               </a:rPr>
-              <a:t>- </a:t>
-            </a:r>
-            <a:r>
-              <a:rPr kumimoji="0" lang="en-US" altLang="zh-CN" sz="2000" dirty="0" smtClean="0">
-                <a:solidFill>
-                  <a:schemeClr val="tx1"/>
-                </a:solidFill>
-                <a:sym typeface="+mn-ea"/>
-              </a:rPr>
-              <a:t>Object.values( )</a:t>
+              <a:t>- Object.values( )</a:t>
             </a:r>
             <a:r>
               <a:rPr kumimoji="0" lang="zh-CN" altLang="en-US" sz="2000" dirty="0" smtClean="0">
@@ -8068,7 +8077,34 @@
                 </a:solidFill>
                 <a:sym typeface="+mn-ea"/>
               </a:rPr>
-              <a:t>- 如果箭头函数不需要参数或需要多个参数，就使用一个圆括号代表参数部分</a:t>
+              <a:t>- 如果箭头函数</a:t>
+            </a:r>
+            <a:r>
+              <a:rPr kumimoji="0" lang="en-US" altLang="zh-CN" sz="2000" dirty="0" smtClean="0">
+                <a:solidFill>
+                  <a:srgbClr val="FF0000"/>
+                </a:solidFill>
+                <a:sym typeface="+mn-ea"/>
+              </a:rPr>
+              <a:t>不需要参数或需要多个参数</a:t>
+            </a:r>
+            <a:r>
+              <a:rPr kumimoji="0" lang="zh-CN" altLang="en-US" sz="2000" dirty="0" smtClean="0">
+                <a:solidFill>
+                  <a:schemeClr val="tx1"/>
+                </a:solidFill>
+                <a:sym typeface="+mn-ea"/>
+              </a:rPr>
+              <a:t>时</a:t>
+            </a:r>
+            <a:r>
+              <a:rPr kumimoji="0" lang="en-US" altLang="zh-CN" sz="2000" dirty="0" smtClean="0">
+                <a:solidFill>
+                  <a:schemeClr val="tx1"/>
+                </a:solidFill>
+                <a:sym typeface="+mn-ea"/>
+              </a:rPr>
+              <a:t>，就使用一个圆括号代表参数部分</a:t>
             </a:r>
             <a:br>
               <a:rPr kumimoji="0" lang="en-US" altLang="zh-CN" sz="2000" dirty="0" smtClean="0">
@@ -8086,234 +8122,45 @@
                 <a:sym typeface="+mn-ea"/>
               </a:rPr>
             </a:br>
-            <a:r>
-              <a:rPr kumimoji="0" lang="zh-CN" altLang="en-US" sz="2000" dirty="0" smtClean="0">
-                <a:solidFill>
-                  <a:schemeClr val="tx2"/>
-                </a:solidFill>
-                <a:sym typeface="+mn-ea"/>
-              </a:rPr>
-              <a:t>// ES5 的写法</a:t>
-            </a:r>
-            <a:br>
-              <a:rPr kumimoji="0" lang="zh-CN" altLang="en-US" sz="2000" dirty="0" smtClean="0">
-                <a:solidFill>
-                  <a:schemeClr val="tx1"/>
-                </a:solidFill>
-                <a:sym typeface="+mn-ea"/>
-              </a:rPr>
-            </a:br>
-            <a:r>
-              <a:rPr kumimoji="0" lang="zh-CN" altLang="en-US" sz="2000" dirty="0" smtClean="0">
-                <a:solidFill>
-                  <a:schemeClr val="tx1"/>
-                </a:solidFill>
-                <a:sym typeface="+mn-ea"/>
-              </a:rPr>
-              <a:t>var </a:t>
-            </a:r>
-            <a:r>
-              <a:rPr kumimoji="0" lang="en-US" altLang="zh-CN" sz="2000" dirty="0" smtClean="0">
-                <a:solidFill>
-                  <a:schemeClr val="tx1"/>
-                </a:solidFill>
-                <a:sym typeface="+mn-ea"/>
-              </a:rPr>
-              <a:t>max</a:t>
-            </a:r>
-            <a:r>
-              <a:rPr kumimoji="0" lang="zh-CN" altLang="en-US" sz="2000" dirty="0" smtClean="0">
-                <a:solidFill>
-                  <a:schemeClr val="tx1"/>
-                </a:solidFill>
-                <a:sym typeface="+mn-ea"/>
-              </a:rPr>
-              <a:t>= </a:t>
-            </a:r>
-            <a:r>
-              <a:rPr kumimoji="0" lang="zh-CN" altLang="en-US" sz="2000" dirty="0" smtClean="0">
-                <a:solidFill>
-                  <a:srgbClr val="FF0000"/>
-                </a:solidFill>
-                <a:sym typeface="+mn-ea"/>
-              </a:rPr>
-              <a:t>function (</a:t>
-            </a:r>
-            <a:r>
-              <a:rPr kumimoji="0" lang="en-US" altLang="zh-CN" sz="2000" dirty="0" smtClean="0">
-                <a:solidFill>
-                  <a:srgbClr val="FF0000"/>
-                </a:solidFill>
-                <a:sym typeface="+mn-ea"/>
-              </a:rPr>
-              <a:t>a,b</a:t>
-            </a:r>
-            <a:r>
-              <a:rPr kumimoji="0" lang="zh-CN" altLang="en-US" sz="2000" dirty="0" smtClean="0">
-                <a:solidFill>
-                  <a:srgbClr val="FF0000"/>
-                </a:solidFill>
-                <a:sym typeface="+mn-ea"/>
-              </a:rPr>
-              <a:t>) {</a:t>
-            </a:r>
-            <a:br>
-              <a:rPr kumimoji="0" lang="zh-CN" altLang="en-US" sz="2000" dirty="0" smtClean="0">
-                <a:solidFill>
-                  <a:srgbClr val="FF0000"/>
-                </a:solidFill>
-                <a:sym typeface="+mn-ea"/>
-              </a:rPr>
-            </a:br>
-            <a:r>
-              <a:rPr kumimoji="0" lang="zh-CN" altLang="en-US" sz="2000" dirty="0" smtClean="0">
-                <a:solidFill>
-                  <a:srgbClr val="FF0000"/>
-                </a:solidFill>
-                <a:sym typeface="+mn-ea"/>
-              </a:rPr>
-              <a:t>      return </a:t>
-            </a:r>
-            <a:r>
-              <a:rPr kumimoji="0" lang="en-US" altLang="zh-CN" sz="2000" dirty="0" smtClean="0">
-                <a:solidFill>
-                  <a:srgbClr val="FF0000"/>
-                </a:solidFill>
-                <a:sym typeface="+mn-ea"/>
-              </a:rPr>
-              <a:t>a&gt;b?a:b</a:t>
-            </a:r>
-            <a:r>
-              <a:rPr kumimoji="0" lang="zh-CN" altLang="en-US" sz="2000" dirty="0" smtClean="0">
-                <a:solidFill>
-                  <a:srgbClr val="FF0000"/>
-                </a:solidFill>
-                <a:sym typeface="+mn-ea"/>
-              </a:rPr>
-              <a:t>;</a:t>
-            </a:r>
-            <a:br>
-              <a:rPr kumimoji="0" lang="zh-CN" altLang="en-US" sz="2000" dirty="0" smtClean="0">
-                <a:solidFill>
-                  <a:srgbClr val="FF0000"/>
-                </a:solidFill>
-                <a:sym typeface="+mn-ea"/>
-              </a:rPr>
-            </a:br>
-            <a:r>
-              <a:rPr kumimoji="0" lang="zh-CN" altLang="en-US" sz="2000" dirty="0" smtClean="0">
-                <a:solidFill>
-                  <a:srgbClr val="FF0000"/>
-                </a:solidFill>
-                <a:sym typeface="+mn-ea"/>
-              </a:rPr>
-              <a:t>}</a:t>
-            </a:r>
-            <a:r>
-              <a:rPr kumimoji="0" lang="zh-CN" altLang="en-US" sz="2000" dirty="0" smtClean="0">
-                <a:solidFill>
-                  <a:schemeClr val="tx1"/>
-                </a:solidFill>
-                <a:sym typeface="+mn-ea"/>
-              </a:rPr>
-              <a:t>;</a:t>
-            </a:r>
-            <a:br>
-              <a:rPr kumimoji="0" lang="zh-CN" altLang="en-US" sz="2000" dirty="0" smtClean="0">
-                <a:solidFill>
-                  <a:schemeClr val="tx1"/>
-                </a:solidFill>
-                <a:sym typeface="+mn-ea"/>
-              </a:rPr>
-            </a:br>
-            <a:br>
-              <a:rPr kumimoji="0" lang="zh-CN" altLang="en-US" sz="2000" dirty="0" smtClean="0">
-                <a:solidFill>
-                  <a:schemeClr val="tx1"/>
-                </a:solidFill>
-                <a:sym typeface="+mn-ea"/>
-              </a:rPr>
-            </a:br>
-            <a:r>
-              <a:rPr kumimoji="0" lang="zh-CN" altLang="en-US" sz="2000" dirty="0" smtClean="0">
-                <a:solidFill>
-                  <a:schemeClr val="tx2"/>
-                </a:solidFill>
-                <a:sym typeface="+mn-ea"/>
-              </a:rPr>
-              <a:t>// ES6 的写法</a:t>
-            </a:r>
-            <a:br>
-              <a:rPr kumimoji="0" lang="zh-CN" altLang="en-US" sz="2000" dirty="0" smtClean="0">
-                <a:solidFill>
-                  <a:schemeClr val="tx1"/>
-                </a:solidFill>
-                <a:sym typeface="+mn-ea"/>
-              </a:rPr>
-            </a:br>
-            <a:r>
-              <a:rPr kumimoji="0" lang="zh-CN" altLang="en-US" sz="2000" dirty="0" smtClean="0">
-                <a:solidFill>
-                  <a:schemeClr val="tx1"/>
-                </a:solidFill>
-                <a:sym typeface="+mn-ea"/>
-              </a:rPr>
-              <a:t>var </a:t>
-            </a:r>
-            <a:r>
-              <a:rPr kumimoji="0" lang="en-US" altLang="zh-CN" sz="2000" dirty="0" smtClean="0">
-                <a:solidFill>
-                  <a:schemeClr val="tx1"/>
-                </a:solidFill>
-                <a:sym typeface="+mn-ea"/>
-              </a:rPr>
-              <a:t>max</a:t>
-            </a:r>
-            <a:r>
-              <a:rPr kumimoji="0" lang="zh-CN" altLang="en-US" sz="2000" dirty="0" smtClean="0">
-                <a:solidFill>
-                  <a:schemeClr val="tx1"/>
-                </a:solidFill>
-                <a:sym typeface="+mn-ea"/>
-              </a:rPr>
-              <a:t>= </a:t>
-            </a:r>
-            <a:r>
-              <a:rPr kumimoji="0" lang="en-US" altLang="zh-CN" sz="2000" dirty="0" smtClean="0">
-                <a:solidFill>
-                  <a:srgbClr val="FF0000"/>
-                </a:solidFill>
-                <a:sym typeface="+mn-ea"/>
-              </a:rPr>
-              <a:t>(a,b)</a:t>
-            </a:r>
-            <a:r>
-              <a:rPr kumimoji="0" lang="zh-CN" altLang="en-US" sz="2000" dirty="0" smtClean="0">
-                <a:solidFill>
-                  <a:srgbClr val="FF0000"/>
-                </a:solidFill>
-                <a:sym typeface="+mn-ea"/>
-              </a:rPr>
-              <a:t> =&gt; </a:t>
-            </a:r>
-            <a:r>
-              <a:rPr kumimoji="0" lang="en-US" altLang="zh-CN" sz="2000" dirty="0" smtClean="0">
-                <a:solidFill>
-                  <a:srgbClr val="FF0000"/>
-                </a:solidFill>
-                <a:sym typeface="+mn-ea"/>
-              </a:rPr>
-              <a:t>a&gt;b?a:b</a:t>
-            </a:r>
-            <a:r>
-              <a:rPr kumimoji="0" lang="zh-CN" altLang="en-US" sz="2000" dirty="0" smtClean="0">
-                <a:solidFill>
-                  <a:schemeClr val="tx1"/>
-                </a:solidFill>
-                <a:sym typeface="+mn-ea"/>
-              </a:rPr>
-              <a:t>;</a:t>
-            </a:r>
+            <a:endParaRPr kumimoji="0" lang="zh-CN" altLang="en-US" sz="1200" dirty="0" smtClean="0">
+              <a:solidFill>
+                <a:schemeClr val="tx1"/>
+              </a:solidFill>
+              <a:sym typeface="+mn-ea"/>
+            </a:endParaRPr>
+          </a:p>
+          <a:p>
+            <a:pPr>
+              <a:lnSpc>
+                <a:spcPct val="130000"/>
+              </a:lnSpc>
+            </a:pPr>
+            <a:endParaRPr kumimoji="0" lang="zh-CN" altLang="en-US" sz="1200" dirty="0" smtClean="0">
+              <a:solidFill>
+                <a:schemeClr val="tx1"/>
+              </a:solidFill>
+              <a:sym typeface="+mn-ea"/>
+            </a:endParaRPr>
+          </a:p>
+          <a:p>
+            <a:pPr>
+              <a:lnSpc>
+                <a:spcPct val="130000"/>
+              </a:lnSpc>
+            </a:pPr>
+            <a:endParaRPr kumimoji="0" lang="zh-CN" altLang="en-US" sz="1200" dirty="0" smtClean="0">
+              <a:solidFill>
+                <a:schemeClr val="tx1"/>
+              </a:solidFill>
+              <a:sym typeface="+mn-ea"/>
+            </a:endParaRPr>
+          </a:p>
+          <a:p>
+            <a:pPr>
+              <a:lnSpc>
+                <a:spcPct val="130000"/>
+              </a:lnSpc>
+            </a:pPr>
             <a:endParaRPr kumimoji="0" lang="zh-CN" altLang="en-US" sz="2000" dirty="0" smtClean="0">
               <a:solidFill>
                 <a:schemeClr val="tx1"/>
@@ -8436,6 +8283,176 @@
                 <a:ea typeface="+mn-ea"/>
               </a:rPr>
               <a:t>箭头函数实例</a:t>
+            </a:r>
+            <a:endParaRPr lang="zh-CN" altLang="en-US" sz="2200">
+              <a:solidFill>
+                <a:srgbClr val="FF0000"/>
+              </a:solidFill>
+              <a:latin typeface="+mn-ea"/>
+              <a:ea typeface="+mn-ea"/>
+            </a:endParaRPr>
+          </a:p>
+        </p:txBody>
+      </p:sp>
+      <p:pic>
+        <p:nvPicPr>
+          <p:cNvPr id="3" name="图片 2"/>
+          <p:cNvPicPr>
+            <a:picLocks noChangeAspect="1"/>
+          </p:cNvPicPr>
+          <p:nvPr/>
+        </p:nvPicPr>
+        <p:blipFill>
+          <a:blip r:embed="rId1"/>
+          <a:stretch>
+            <a:fillRect/>
+          </a:stretch>
+        </p:blipFill>
+        <p:spPr>
+          <a:xfrm>
+            <a:off x="1289050" y="2977515"/>
+            <a:ext cx="4172585" cy="1712595"/>
+          </a:xfrm>
+          <a:prstGeom prst="rect">
+            <a:avLst/>
+          </a:prstGeom>
+        </p:spPr>
+      </p:pic>
+      <p:pic>
+        <p:nvPicPr>
+          <p:cNvPr id="5" name="图片 4"/>
+          <p:cNvPicPr>
+            <a:picLocks noChangeAspect="1"/>
+          </p:cNvPicPr>
+          <p:nvPr/>
+        </p:nvPicPr>
+        <p:blipFill>
+          <a:blip r:embed="rId2"/>
+          <a:stretch>
+            <a:fillRect/>
+          </a:stretch>
+        </p:blipFill>
+        <p:spPr>
+          <a:xfrm>
+            <a:off x="1289050" y="4900295"/>
+            <a:ext cx="4173220" cy="1026795"/>
+          </a:xfrm>
+          <a:prstGeom prst="rect">
+            <a:avLst/>
+          </a:prstGeom>
+        </p:spPr>
+      </p:pic>
+      <p:sp>
+        <p:nvSpPr>
+          <p:cNvPr id="6" name="文本框 5"/>
+          <p:cNvSpPr txBox="1"/>
+          <p:nvPr/>
+        </p:nvSpPr>
+        <p:spPr>
+          <a:xfrm>
+            <a:off x="5732145" y="4613910"/>
+            <a:ext cx="4204970" cy="1106805"/>
+          </a:xfrm>
+          <a:prstGeom prst="rect">
+            <a:avLst/>
+          </a:prstGeom>
+          <a:noFill/>
+        </p:spPr>
+        <p:txBody>
+          <a:bodyPr wrap="square" rtlCol="0">
+            <a:spAutoFit/>
+          </a:bodyPr>
+          <a:p>
+            <a:pPr algn="l"/>
+            <a:r>
+              <a:rPr lang="zh-CN" sz="2200">
+                <a:solidFill>
+                  <a:srgbClr val="FF0000"/>
+                </a:solidFill>
+                <a:latin typeface="+mn-ea"/>
+                <a:ea typeface="+mn-ea"/>
+              </a:rPr>
+              <a:t>复合语句的话，需要使用大括号</a:t>
+            </a:r>
+            <a:endParaRPr lang="zh-CN" sz="2200">
+              <a:solidFill>
+                <a:srgbClr val="FF0000"/>
+              </a:solidFill>
+              <a:latin typeface="+mn-ea"/>
+              <a:ea typeface="+mn-ea"/>
+            </a:endParaRPr>
+          </a:p>
+          <a:p>
+            <a:pPr algn="l"/>
+            <a:r>
+              <a:rPr lang="zh-CN" sz="2200">
+                <a:solidFill>
+                  <a:srgbClr val="FF0000"/>
+                </a:solidFill>
+                <a:latin typeface="+mn-ea"/>
+                <a:ea typeface="+mn-ea"/>
+              </a:rPr>
+              <a:t>和对应的</a:t>
+            </a:r>
+            <a:r>
+              <a:rPr lang="en-US" altLang="zh-CN" sz="2200">
+                <a:solidFill>
+                  <a:srgbClr val="FF0000"/>
+                </a:solidFill>
+                <a:latin typeface="+mn-ea"/>
+                <a:ea typeface="+mn-ea"/>
+              </a:rPr>
+              <a:t>return</a:t>
+            </a:r>
+            <a:r>
+              <a:rPr lang="zh-CN" altLang="en-US" sz="2200">
+                <a:solidFill>
+                  <a:srgbClr val="FF0000"/>
+                </a:solidFill>
+                <a:latin typeface="+mn-ea"/>
+                <a:ea typeface="+mn-ea"/>
+              </a:rPr>
+              <a:t>语句进行返回，</a:t>
+            </a:r>
+            <a:endParaRPr lang="zh-CN" altLang="en-US" sz="2200">
+              <a:solidFill>
+                <a:srgbClr val="FF0000"/>
+              </a:solidFill>
+              <a:latin typeface="+mn-ea"/>
+              <a:ea typeface="+mn-ea"/>
+            </a:endParaRPr>
+          </a:p>
+          <a:p>
+            <a:pPr algn="l"/>
+            <a:r>
+              <a:rPr lang="zh-CN" altLang="en-US" sz="2200">
+                <a:solidFill>
+                  <a:srgbClr val="FF0000"/>
+                </a:solidFill>
+                <a:latin typeface="+mn-ea"/>
+                <a:ea typeface="+mn-ea"/>
+              </a:rPr>
+              <a:t>单语句可以不用</a:t>
+            </a:r>
+            <a:r>
+              <a:rPr lang="en-US" altLang="zh-CN" sz="2200">
+                <a:solidFill>
+                  <a:srgbClr val="FF0000"/>
+                </a:solidFill>
+                <a:latin typeface="+mn-ea"/>
+                <a:ea typeface="+mn-ea"/>
+              </a:rPr>
+              <a:t>return</a:t>
+            </a:r>
+            <a:r>
+              <a:rPr lang="zh-CN" altLang="en-US" sz="2200">
+                <a:solidFill>
+                  <a:srgbClr val="FF0000"/>
+                </a:solidFill>
+                <a:latin typeface="+mn-ea"/>
+                <a:ea typeface="+mn-ea"/>
+              </a:rPr>
+              <a:t>关键字</a:t>
             </a:r>
             <a:endParaRPr lang="zh-CN" altLang="en-US" sz="2200">
               <a:solidFill>
@@ -8560,21 +8577,294 @@
                             </p:childTnLst>
                           </p:cTn>
                         </p:par>
+                      </p:childTnLst>
+                    </p:cTn>
+                  </p:par>
+                  <p:par>
+                    <p:cTn id="9" fill="hold">
+                      <p:stCondLst>
+                        <p:cond delay="indefinite"/>
+                      </p:stCondLst>
+                      <p:childTnLst>
                         <p:par>
-                          <p:cTn id="9" fill="hold">
+                          <p:cTn id="10" fill="hold">
                             <p:stCondLst>
-                              <p:cond delay="500"/>
+                              <p:cond delay="0"/>
                             </p:stCondLst>
                             <p:childTnLst>
                               <p:par>
-                                <p:cTn id="10" presetID="2" presetClass="entr" presetSubtype="4" fill="hold" grpId="0" nodeType="afterEffect">
+                                <p:cTn id="11" presetID="2" presetClass="entr" presetSubtype="4" fill="hold" nodeType="clickEffect">
                                   <p:stCondLst>
                                     <p:cond delay="0"/>
                                   </p:stCondLst>
                                   <p:childTnLst>
                                     <p:set>
                                       <p:cBhvr>
-                                        <p:cTn id="11" dur="1" fill="hold">
+                                        <p:cTn id="12" dur="1" fill="hold">
+                                          <p:stCondLst>
+                                            <p:cond delay="0"/>
+                                          </p:stCondLst>
+                                        </p:cTn>
+                                        <p:tgtEl>
+                                          <p:spTgt spid="3"/>
+                                        </p:tgtEl>
+                                        <p:attrNameLst>
+                                          <p:attrName>style.visibility</p:attrName>
+                                        </p:attrNameLst>
+                                      </p:cBhvr>
+                                      <p:to>
+                                        <p:strVal val="visible"/>
+                                      </p:to>
+                                    </p:set>
+                                    <p:anim calcmode="lin" valueType="num">
+                                      <p:cBhvr additive="base">
+                                        <p:cTn id="13" dur="500" fill="hold"/>
+                                        <p:tgtEl>
+                                          <p:spTgt spid="3"/>
+                                        </p:tgtEl>
+                                        <p:attrNameLst>
+                                          <p:attrName>ppt_x</p:attrName>
+                                        </p:attrNameLst>
+                                      </p:cBhvr>
+                                      <p:tavLst>
+                                        <p:tav tm="0">
+                                          <p:val>
+                                            <p:strVal val="#ppt_x"/>
+                                          </p:val>
+                                        </p:tav>
+                                        <p:tav tm="100000">
+                                          <p:val>
+                                            <p:strVal val="#ppt_x"/>
+                                          </p:val>
+                                        </p:tav>
+                                      </p:tavLst>
+                                    </p:anim>
+                                    <p:anim calcmode="lin" valueType="num">
+                                      <p:cBhvr additive="base">
+                                        <p:cTn id="14" dur="500" fill="hold"/>
+                                        <p:tgtEl>
+                                          <p:spTgt spid="3"/>
+                                        </p:tgtEl>
+                                        <p:attrNameLst>
+                                          <p:attrName>ppt_y</p:attrName>
+                                        </p:attrNameLst>
+                                      </p:cBhvr>
+                                      <p:tavLst>
+                                        <p:tav tm="0">
+                                          <p:val>
+                                            <p:strVal val="1+#ppt_h/2"/>
+                                          </p:val>
+                                        </p:tav>
+                                        <p:tav tm="100000">
+                                          <p:val>
+                                            <p:strVal val="#ppt_y"/>
+                                          </p:val>
+                                        </p:tav>
+                                      </p:tavLst>
+                                    </p:anim>
+                                  </p:childTnLst>
+                                </p:cTn>
+                              </p:par>
+                            </p:childTnLst>
+                          </p:cTn>
+                        </p:par>
+                      </p:childTnLst>
+                    </p:cTn>
+                  </p:par>
+                  <p:par>
+                    <p:cTn id="15" fill="hold">
+                      <p:stCondLst>
+                        <p:cond delay="indefinite"/>
+                      </p:stCondLst>
+                      <p:childTnLst>
+                        <p:par>
+                          <p:cTn id="16" fill="hold">
+                            <p:stCondLst>
+                              <p:cond delay="0"/>
+                            </p:stCondLst>
+                            <p:childTnLst>
+                              <p:par>
+                                <p:cTn id="17" presetID="2" presetClass="entr" presetSubtype="4" fill="hold" nodeType="clickEffect">
+                                  <p:stCondLst>
+                                    <p:cond delay="0"/>
+                                  </p:stCondLst>
+                                  <p:childTnLst>
+                                    <p:set>
+                                      <p:cBhvr>
+                                        <p:cTn id="18" dur="1" fill="hold">
+                                          <p:stCondLst>
+                                            <p:cond delay="0"/>
+                                          </p:stCondLst>
+                                        </p:cTn>
+                                        <p:tgtEl>
+                                          <p:spTgt spid="5"/>
+                                        </p:tgtEl>
+                                        <p:attrNameLst>
+                                          <p:attrName>style.visibility</p:attrName>
+                                        </p:attrNameLst>
+                                      </p:cBhvr>
+                                      <p:to>
+                                        <p:strVal val="visible"/>
+                                      </p:to>
+                                    </p:set>
+                                    <p:anim calcmode="lin" valueType="num">
+                                      <p:cBhvr additive="base">
+                                        <p:cTn id="19" dur="500" fill="hold"/>
+                                        <p:tgtEl>
+                                          <p:spTgt spid="5"/>
+                                        </p:tgtEl>
+                                        <p:attrNameLst>
+                                          <p:attrName>ppt_x</p:attrName>
+                                        </p:attrNameLst>
+                                      </p:cBhvr>
+                                      <p:tavLst>
+                                        <p:tav tm="0">
+                                          <p:val>
+                                            <p:strVal val="#ppt_x"/>
+                                          </p:val>
+                                        </p:tav>
+                                        <p:tav tm="100000">
+                                          <p:val>
+                                            <p:strVal val="#ppt_x"/>
+                                          </p:val>
+                                        </p:tav>
+                                      </p:tavLst>
+                                    </p:anim>
+                                    <p:anim calcmode="lin" valueType="num">
+                                      <p:cBhvr additive="base">
+                                        <p:cTn id="20" dur="500" fill="hold"/>
+                                        <p:tgtEl>
+                                          <p:spTgt spid="5"/>
+                                        </p:tgtEl>
+                                        <p:attrNameLst>
+                                          <p:attrName>ppt_y</p:attrName>
+                                        </p:attrNameLst>
+                                      </p:cBhvr>
+                                      <p:tavLst>
+                                        <p:tav tm="0">
+                                          <p:val>
+                                            <p:strVal val="1+#ppt_h/2"/>
+                                          </p:val>
+                                        </p:tav>
+                                        <p:tav tm="100000">
+                                          <p:val>
+                                            <p:strVal val="#ppt_y"/>
+                                          </p:val>
+                                        </p:tav>
+                                      </p:tavLst>
+                                    </p:anim>
+                                  </p:childTnLst>
+                                </p:cTn>
+                              </p:par>
+                            </p:childTnLst>
+                          </p:cTn>
+                        </p:par>
+                      </p:childTnLst>
+                    </p:cTn>
+                  </p:par>
+                  <p:par>
+                    <p:cTn id="21" fill="hold">
+                      <p:stCondLst>
+                        <p:cond delay="indefinite"/>
+                      </p:stCondLst>
+                      <p:childTnLst>
+                        <p:par>
+                          <p:cTn id="22" fill="hold">
+                            <p:stCondLst>
+                              <p:cond delay="0"/>
+                            </p:stCondLst>
+                            <p:childTnLst>
+                              <p:par>
+                                <p:cTn id="23" presetID="2" presetClass="entr" presetSubtype="4" fill="hold" grpId="0" nodeType="clickEffect">
+                                  <p:stCondLst>
+                                    <p:cond delay="0"/>
+                                  </p:stCondLst>
+                                  <p:childTnLst>
+                                    <p:set>
+                                      <p:cBhvr>
+                                        <p:cTn id="24" dur="1" fill="hold">
+                                          <p:stCondLst>
+                                            <p:cond delay="0"/>
+                                          </p:stCondLst>
+                                        </p:cTn>
+                                        <p:tgtEl>
+                                          <p:spTgt spid="6"/>
+                                        </p:tgtEl>
+                                        <p:attrNameLst>
+                                          <p:attrName>style.visibility</p:attrName>
+                                        </p:attrNameLst>
+                                      </p:cBhvr>
+                                      <p:to>
+                                        <p:strVal val="visible"/>
+                                      </p:to>
+                                    </p:set>
+                                    <p:anim calcmode="lin" valueType="num">
+                                      <p:cBhvr additive="base">
+                                        <p:cTn id="25" dur="500" fill="hold"/>
+                                        <p:tgtEl>
+                                          <p:spTgt spid="6"/>
+                                        </p:tgtEl>
+                                        <p:attrNameLst>
+                                          <p:attrName>ppt_x</p:attrName>
+                                        </p:attrNameLst>
+                                      </p:cBhvr>
+                                      <p:tavLst>
+                                        <p:tav tm="0">
+                                          <p:val>
+                                            <p:strVal val="#ppt_x"/>
+                                          </p:val>
+                                        </p:tav>
+                                        <p:tav tm="100000">
+                                          <p:val>
+                                            <p:strVal val="#ppt_x"/>
+                                          </p:val>
+                                        </p:tav>
+                                      </p:tavLst>
+                                    </p:anim>
+                                    <p:anim calcmode="lin" valueType="num">
+                                      <p:cBhvr additive="base">
+                                        <p:cTn id="26" dur="500" fill="hold"/>
+                                        <p:tgtEl>
+                                          <p:spTgt spid="6"/>
+                                        </p:tgtEl>
+                                        <p:attrNameLst>
+                                          <p:attrName>ppt_y</p:attrName>
+                                        </p:attrNameLst>
+                                      </p:cBhvr>
+                                      <p:tavLst>
+                                        <p:tav tm="0">
+                                          <p:val>
+                                            <p:strVal val="1+#ppt_h/2"/>
+                                          </p:val>
+                                        </p:tav>
+                                        <p:tav tm="100000">
+                                          <p:val>
+                                            <p:strVal val="#ppt_y"/>
+                                          </p:val>
+                                        </p:tav>
+                                      </p:tavLst>
+                                    </p:anim>
+                                  </p:childTnLst>
+                                </p:cTn>
+                              </p:par>
+                            </p:childTnLst>
+                          </p:cTn>
+                        </p:par>
+                        <p:par>
+                          <p:cTn id="27" fill="hold">
+                            <p:stCondLst>
+                              <p:cond delay="500"/>
+                            </p:stCondLst>
+                            <p:childTnLst>
+                              <p:par>
+                                <p:cTn id="28" presetID="2" presetClass="entr" presetSubtype="4" fill="hold" grpId="0" nodeType="afterEffect">
+                                  <p:stCondLst>
+                                    <p:cond delay="0"/>
+                                  </p:stCondLst>
+                                  <p:childTnLst>
+                                    <p:set>
+                                      <p:cBhvr>
+                                        <p:cTn id="29" dur="1" fill="hold">
                                           <p:stCondLst>
                                             <p:cond delay="0"/>
                                           </p:stCondLst>
@@ -8592,7 +8882,7 @@
                                     </p:set>
                                     <p:anim calcmode="lin" valueType="num">
                                       <p:cBhvr additive="base">
-                                        <p:cTn id="12" dur="500" fill="hold"/>
+                                        <p:cTn id="30" dur="500" fill="hold"/>
                                         <p:tgtEl>
                                           <p:spTgt spid="4"/>
                                         </p:tgtEl>
@@ -8615,7 +8905,7 @@
                                     </p:anim>
                                     <p:anim calcmode="lin" valueType="num">
                                       <p:cBhvr additive="base">
-                                        <p:cTn id="13" dur="500" fill="hold"/>
+                                        <p:cTn id="31" dur="500" fill="hold"/>
                                         <p:tgtEl>
                                           <p:spTgt spid="4"/>
                                         </p:tgtEl>
@@ -8668,6 +8958,7 @@
     </p:tnLst>
     <p:bldLst>
       <p:bldP spid="4" grpId="0"/>
+      <p:bldP spid="6" grpId="0"/>
     </p:bldLst>
   </p:timing>
 </p:sld>
@@ -20049,7 +20340,7 @@
             <a:r>
               <a:rPr kumimoji="0" lang="en-US" altLang="zh-CN" sz="2000" dirty="0" smtClean="0">
                 <a:solidFill>
-                  <a:schemeClr val="tx1"/>
+                  <a:srgbClr val="FF0000"/>
                 </a:solidFill>
                 <a:sym typeface="+mn-ea"/>
               </a:rPr>
@@ -20058,7 +20349,7 @@
             <a:r>
               <a:rPr kumimoji="0" lang="zh-CN" altLang="en-US" sz="2000" dirty="0" smtClean="0">
                 <a:solidFill>
-                  <a:schemeClr val="tx1"/>
+                  <a:srgbClr val="FF0000"/>
                 </a:solidFill>
                 <a:sym typeface="+mn-ea"/>
               </a:rPr>
@@ -20067,7 +20358,7 @@
             <a:r>
               <a:rPr kumimoji="0" lang="en-US" altLang="zh-CN" sz="2000" dirty="0" smtClean="0">
                 <a:solidFill>
-                  <a:schemeClr val="tx1"/>
+                  <a:srgbClr val="FF0000"/>
                 </a:solidFill>
                 <a:sym typeface="+mn-ea"/>
               </a:rPr>
@@ -20076,7 +20367,7 @@
             <a:r>
               <a:rPr kumimoji="0" lang="zh-CN" altLang="en-US" sz="2000" dirty="0" smtClean="0">
                 <a:solidFill>
-                  <a:schemeClr val="tx1"/>
+                  <a:srgbClr val="FF0000"/>
                 </a:solidFill>
                 <a:sym typeface="+mn-ea"/>
               </a:rPr>
@@ -20085,7 +20376,7 @@
             <a:r>
               <a:rPr kumimoji="0" lang="en-US" altLang="zh-CN" sz="2000" dirty="0" smtClean="0">
                 <a:solidFill>
-                  <a:schemeClr val="tx1"/>
+                  <a:srgbClr val="FF0000"/>
                 </a:solidFill>
                 <a:sym typeface="+mn-ea"/>
               </a:rPr>
@@ -20103,7 +20394,7 @@
             <a:r>
               <a:rPr kumimoji="0" lang="en-US" altLang="zh-CN" sz="2000" dirty="0" smtClean="0">
                 <a:solidFill>
-                  <a:schemeClr val="tx1"/>
+                  <a:srgbClr val="FF0000"/>
                 </a:solidFill>
                 <a:sym typeface="+mn-ea"/>
               </a:rPr>
@@ -20111,7 +20402,7 @@
             </a:r>
             <a:endParaRPr kumimoji="0" lang="en-US" altLang="zh-CN" sz="2000" dirty="0" smtClean="0">
               <a:solidFill>
-                <a:schemeClr val="tx1"/>
+                <a:srgbClr val="FF0000"/>
               </a:solidFill>
               <a:sym typeface="+mn-ea"/>
             </a:endParaRPr>
@@ -20316,6 +20607,48 @@
           </a:prstGeom>
         </p:spPr>
       </p:pic>
+      <p:sp>
+        <p:nvSpPr>
+          <p:cNvPr id="6" name="文本框 5"/>
+          <p:cNvSpPr txBox="1"/>
+          <p:nvPr/>
+        </p:nvSpPr>
+        <p:spPr>
+          <a:xfrm>
+            <a:off x="7129145" y="4559300"/>
+            <a:ext cx="2787650" cy="429895"/>
+          </a:xfrm>
+          <a:prstGeom prst="rect">
+            <a:avLst/>
+          </a:prstGeom>
+          <a:noFill/>
+        </p:spPr>
+        <p:txBody>
+          <a:bodyPr wrap="square" rtlCol="0">
+            <a:spAutoFit/>
+          </a:bodyPr>
+          <a:p>
+            <a:pPr algn="l"/>
+            <a:r>
+              <a:rPr lang="zh-CN" altLang="en-US" sz="2200">
+                <a:solidFill>
+                  <a:srgbClr val="FF0000"/>
+                </a:solidFill>
+                <a:latin typeface="+mn-ea"/>
+                <a:ea typeface="+mn-ea"/>
+              </a:rPr>
+              <a:t>思考：与正则的对比</a:t>
+            </a:r>
+            <a:endParaRPr lang="zh-CN" altLang="en-US" sz="2200">
+              <a:solidFill>
+                <a:srgbClr val="FF0000"/>
+              </a:solidFill>
+              <a:latin typeface="+mn-ea"/>
+              <a:ea typeface="+mn-ea"/>
+            </a:endParaRPr>
+          </a:p>
+        </p:txBody>
+      </p:sp>
     </p:spTree>
   </p:cSld>
   <p:clrMapOvr>
@@ -20696,21 +21029,112 @@
                             </p:childTnLst>
                           </p:cTn>
                         </p:par>
+                      </p:childTnLst>
+                    </p:cTn>
+                  </p:par>
+                  <p:par>
+                    <p:cTn id="25" fill="hold">
+                      <p:stCondLst>
+                        <p:cond delay="indefinite"/>
+                      </p:stCondLst>
+                      <p:childTnLst>
                         <p:par>
-                          <p:cTn id="25" fill="hold">
+                          <p:cTn id="26" fill="hold">
                             <p:stCondLst>
-                              <p:cond delay="1000"/>
+                              <p:cond delay="0"/>
                             </p:stCondLst>
                             <p:childTnLst>
                               <p:par>
-                                <p:cTn id="26" presetID="2" presetClass="entr" presetSubtype="4" fill="hold" grpId="0" nodeType="afterEffect">
+                                <p:cTn id="27" presetID="2" presetClass="entr" presetSubtype="4" fill="hold" grpId="0" nodeType="clickEffect">
                                   <p:stCondLst>
                                     <p:cond delay="0"/>
                                   </p:stCondLst>
                                   <p:childTnLst>
                                     <p:set>
                                       <p:cBhvr>
-                                        <p:cTn id="27" dur="1" fill="hold">
+                                        <p:cTn id="28" dur="1" fill="hold">
+                                          <p:stCondLst>
+                                            <p:cond delay="0"/>
+                                          </p:stCondLst>
+                                        </p:cTn>
+                                        <p:tgtEl>
+                                          <p:spTgt spid="6"/>
+                                        </p:tgtEl>
+                                        <p:attrNameLst>
+                                          <p:attrName>style.visibility</p:attrName>
+                                        </p:attrNameLst>
+                                      </p:cBhvr>
+                                      <p:to>
+                                        <p:strVal val="visible"/>
+                                      </p:to>
+                                    </p:set>
+                                    <p:anim calcmode="lin" valueType="num">
+                                      <p:cBhvr additive="base">
+                                        <p:cTn id="29" dur="500" fill="hold"/>
+                                        <p:tgtEl>
+                                          <p:spTgt spid="6"/>
+                                        </p:tgtEl>
+                                        <p:attrNameLst>
+                                          <p:attrName>ppt_x</p:attrName>
+                                        </p:attrNameLst>
+                                      </p:cBhvr>
+                                      <p:tavLst>
+                                        <p:tav tm="0">
+                                          <p:val>
+                                            <p:strVal val="#ppt_x"/>
+                                          </p:val>
+                                        </p:tav>
+                                        <p:tav tm="100000">
+                                          <p:val>
+                                            <p:strVal val="#ppt_x"/>
+                                          </p:val>
+                                        </p:tav>
+                                      </p:tavLst>
+                                    </p:anim>
+                                    <p:anim calcmode="lin" valueType="num">
+                                      <p:cBhvr additive="base">
+                                        <p:cTn id="30" dur="500" fill="hold"/>
+                                        <p:tgtEl>
+                                          <p:spTgt spid="6"/>
+                                        </p:tgtEl>
+                                        <p:attrNameLst>
+                                          <p:attrName>ppt_y</p:attrName>
+                                        </p:attrNameLst>
+                                      </p:cBhvr>
+                                      <p:tavLst>
+                                        <p:tav tm="0">
+                                          <p:val>
+                                            <p:strVal val="1+#ppt_h/2"/>
+                                          </p:val>
+                                        </p:tav>
+                                        <p:tav tm="100000">
+                                          <p:val>
+                                            <p:strVal val="#ppt_y"/>
+                                          </p:val>
+                                        </p:tav>
+                                      </p:tavLst>
+                                    </p:anim>
+                                  </p:childTnLst>
+                                </p:cTn>
+                              </p:par>
+                            </p:childTnLst>
+                          </p:cTn>
+                        </p:par>
+                        <p:par>
+                          <p:cTn id="31" fill="hold">
+                            <p:stCondLst>
+                              <p:cond delay="500"/>
+                            </p:stCondLst>
+                            <p:childTnLst>
+                              <p:par>
+                                <p:cTn id="32" presetID="2" presetClass="entr" presetSubtype="4" fill="hold" grpId="0" nodeType="afterEffect">
+                                  <p:stCondLst>
+                                    <p:cond delay="0"/>
+                                  </p:stCondLst>
+                                  <p:childTnLst>
+                                    <p:set>
+                                      <p:cBhvr>
+                                        <p:cTn id="33" dur="1" fill="hold">
                                           <p:stCondLst>
                                             <p:cond delay="0"/>
                                           </p:stCondLst>
@@ -20728,7 +21152,7 @@
                                     </p:set>
                                     <p:anim calcmode="lin" valueType="num">
                                       <p:cBhvr additive="base">
-                                        <p:cTn id="28" dur="500" fill="hold"/>
+                                        <p:cTn id="34" dur="500" fill="hold"/>
                                         <p:tgtEl>
                                           <p:spTgt spid="4"/>
                                         </p:tgtEl>
@@ -20751,7 +21175,7 @@
                                     </p:anim>
                                     <p:anim calcmode="lin" valueType="num">
                                       <p:cBhvr additive="base">
-                                        <p:cTn id="29" dur="500" fill="hold"/>
+                                        <p:cTn id="35" dur="500" fill="hold"/>
                                         <p:tgtEl>
                                           <p:spTgt spid="4"/>
                                         </p:tgtEl>
@@ -20804,6 +21228,7 @@
     </p:tnLst>
     <p:bldLst>
       <p:bldP spid="4" grpId="0"/>
+      <p:bldP spid="6" grpId="0"/>
     </p:bldLst>
   </p:timing>
 </p:sld>
@@ -22567,7 +22992,7 @@
             <a:r>
               <a:rPr kumimoji="0" lang="zh-CN" altLang="en-US" sz="2000" dirty="0" smtClean="0">
                 <a:solidFill>
-                  <a:schemeClr val="tx1"/>
+                  <a:srgbClr val="FF0000"/>
                 </a:solidFill>
                 <a:sym typeface="+mn-ea"/>
               </a:rPr>
@@ -24343,9 +24768,9 @@
                 </a:solidFill>
                 <a:sym typeface="+mn-ea"/>
               </a:rPr>
-              <a:t>ES6中空位的数组</a:t>
-            </a:r>
-            <a:endParaRPr kumimoji="0" lang="zh-CN" altLang="en-US" sz="3200" dirty="0" smtClean="0">
+              <a:t>ES6中空位数组（稀疏数组）部分</a:t>
+            </a:r>
+            <a:endParaRPr kumimoji="0" lang="en-US" altLang="zh-CN" sz="3200" dirty="0" smtClean="0">
               <a:solidFill>
                 <a:schemeClr val="tx1"/>
               </a:solidFill>

--- a/课程PPT/14.ECMAScript 6 二.pptx
+++ b/课程PPT/14.ECMAScript 6 二.pptx
@@ -11729,6 +11729,88 @@
           </a:p>
         </p:txBody>
       </p:sp>
+      <p:sp>
+        <p:nvSpPr>
+          <p:cNvPr id="5" name="文本框 4"/>
+          <p:cNvSpPr txBox="1"/>
+          <p:nvPr/>
+        </p:nvSpPr>
+        <p:spPr>
+          <a:xfrm>
+            <a:off x="5975985" y="3283585"/>
+            <a:ext cx="5347970" cy="429895"/>
+          </a:xfrm>
+          <a:prstGeom prst="rect">
+            <a:avLst/>
+          </a:prstGeom>
+          <a:noFill/>
+        </p:spPr>
+        <p:txBody>
+          <a:bodyPr wrap="square" rtlCol="0">
+            <a:spAutoFit/>
+          </a:bodyPr>
+          <a:p>
+            <a:pPr algn="l"/>
+            <a:r>
+              <a:rPr lang="zh-CN" sz="2200">
+                <a:solidFill>
+                  <a:srgbClr val="FF0000"/>
+                </a:solidFill>
+                <a:latin typeface="+mn-ea"/>
+                <a:ea typeface="+mn-ea"/>
+              </a:rPr>
+              <a:t>使用</a:t>
+            </a:r>
+            <a:r>
+              <a:rPr lang="en-US" altLang="zh-CN" sz="2200">
+                <a:solidFill>
+                  <a:srgbClr val="FF0000"/>
+                </a:solidFill>
+                <a:latin typeface="+mn-ea"/>
+                <a:ea typeface="+mn-ea"/>
+              </a:rPr>
+              <a:t>Babel</a:t>
+            </a:r>
+            <a:r>
+              <a:rPr lang="zh-CN" altLang="en-US" sz="2200">
+                <a:solidFill>
+                  <a:srgbClr val="FF0000"/>
+                </a:solidFill>
+                <a:latin typeface="+mn-ea"/>
+                <a:ea typeface="+mn-ea"/>
+              </a:rPr>
+              <a:t>查看</a:t>
+            </a:r>
+            <a:r>
+              <a:rPr lang="en-US" altLang="zh-CN" sz="2200">
+                <a:solidFill>
+                  <a:srgbClr val="FF0000"/>
+                </a:solidFill>
+                <a:latin typeface="+mn-ea"/>
+                <a:ea typeface="+mn-ea"/>
+              </a:rPr>
+              <a:t>ES5</a:t>
+            </a:r>
+            <a:r>
+              <a:rPr lang="zh-CN" altLang="en-US" sz="2200">
+                <a:solidFill>
+                  <a:srgbClr val="FF0000"/>
+                </a:solidFill>
+                <a:latin typeface="+mn-ea"/>
+                <a:ea typeface="+mn-ea"/>
+              </a:rPr>
+              <a:t>是如何实现相应的功能</a:t>
+            </a:r>
+            <a:endParaRPr lang="zh-CN" altLang="en-US" sz="2200">
+              <a:solidFill>
+                <a:srgbClr val="FF0000"/>
+              </a:solidFill>
+              <a:latin typeface="+mn-ea"/>
+              <a:ea typeface="+mn-ea"/>
+            </a:endParaRPr>
+          </a:p>
+        </p:txBody>
+      </p:sp>
     </p:spTree>
   </p:cSld>
   <p:clrMapOvr>
@@ -11962,6 +12044,97 @@
                                           </p:stCondLst>
                                         </p:cTn>
                                         <p:tgtEl>
+                                          <p:spTgt spid="5"/>
+                                        </p:tgtEl>
+                                        <p:attrNameLst>
+                                          <p:attrName>style.visibility</p:attrName>
+                                        </p:attrNameLst>
+                                      </p:cBhvr>
+                                      <p:to>
+                                        <p:strVal val="visible"/>
+                                      </p:to>
+                                    </p:set>
+                                    <p:anim calcmode="lin" valueType="num">
+                                      <p:cBhvr additive="base">
+                                        <p:cTn id="19" dur="500" fill="hold"/>
+                                        <p:tgtEl>
+                                          <p:spTgt spid="5"/>
+                                        </p:tgtEl>
+                                        <p:attrNameLst>
+                                          <p:attrName>ppt_x</p:attrName>
+                                        </p:attrNameLst>
+                                      </p:cBhvr>
+                                      <p:tavLst>
+                                        <p:tav tm="0">
+                                          <p:val>
+                                            <p:strVal val="#ppt_x"/>
+                                          </p:val>
+                                        </p:tav>
+                                        <p:tav tm="100000">
+                                          <p:val>
+                                            <p:strVal val="#ppt_x"/>
+                                          </p:val>
+                                        </p:tav>
+                                      </p:tavLst>
+                                    </p:anim>
+                                    <p:anim calcmode="lin" valueType="num">
+                                      <p:cBhvr additive="base">
+                                        <p:cTn id="20" dur="500" fill="hold"/>
+                                        <p:tgtEl>
+                                          <p:spTgt spid="5"/>
+                                        </p:tgtEl>
+                                        <p:attrNameLst>
+                                          <p:attrName>ppt_y</p:attrName>
+                                        </p:attrNameLst>
+                                      </p:cBhvr>
+                                      <p:tavLst>
+                                        <p:tav tm="0">
+                                          <p:val>
+                                            <p:strVal val="1+#ppt_h/2"/>
+                                          </p:val>
+                                        </p:tav>
+                                        <p:tav tm="100000">
+                                          <p:val>
+                                            <p:strVal val="#ppt_y"/>
+                                          </p:val>
+                                        </p:tav>
+                                      </p:tavLst>
+                                    </p:anim>
+                                  </p:childTnLst>
+                                </p:cTn>
+                              </p:par>
+                            </p:childTnLst>
+                          </p:cTn>
+                        </p:par>
+                      </p:childTnLst>
+                    </p:cTn>
+                  </p:par>
+                  <p:par>
+                    <p:cTn id="21" fill="hold">
+                      <p:stCondLst>
+                        <p:cond delay="indefinite"/>
+                      </p:stCondLst>
+                      <p:childTnLst>
+                        <p:par>
+                          <p:cTn id="22" fill="hold">
+                            <p:stCondLst>
+                              <p:cond delay="0"/>
+                            </p:stCondLst>
+                            <p:childTnLst>
+                              <p:par>
+                                <p:cTn id="23" presetID="2" presetClass="entr" presetSubtype="4" fill="hold" grpId="0" nodeType="clickEffect">
+                                  <p:stCondLst>
+                                    <p:cond delay="0"/>
+                                  </p:stCondLst>
+                                  <p:childTnLst>
+                                    <p:set>
+                                      <p:cBhvr>
+                                        <p:cTn id="24" dur="1" fill="hold">
+                                          <p:stCondLst>
+                                            <p:cond delay="0"/>
+                                          </p:stCondLst>
+                                        </p:cTn>
+                                        <p:tgtEl>
                                           <p:spTgt spid="4"/>
                                         </p:tgtEl>
                                         <p:attrNameLst>
@@ -11974,7 +12147,7 @@
                                     </p:set>
                                     <p:anim calcmode="lin" valueType="num">
                                       <p:cBhvr additive="base">
-                                        <p:cTn id="19" dur="500" fill="hold"/>
+                                        <p:cTn id="25" dur="500" fill="hold"/>
                                         <p:tgtEl>
                                           <p:spTgt spid="4"/>
                                         </p:tgtEl>
@@ -11997,7 +12170,7 @@
                                     </p:anim>
                                     <p:anim calcmode="lin" valueType="num">
                                       <p:cBhvr additive="base">
-                                        <p:cTn id="20" dur="500" fill="hold"/>
+                                        <p:cTn id="26" dur="500" fill="hold"/>
                                         <p:tgtEl>
                                           <p:spTgt spid="4"/>
                                         </p:tgtEl>
@@ -12050,6 +12223,7 @@
     </p:tnLst>
     <p:bldLst>
       <p:bldP spid="4" grpId="0"/>
+      <p:bldP spid="5" grpId="0"/>
     </p:bldLst>
   </p:timing>
 </p:sld>
@@ -20616,7 +20790,7 @@
         <p:spPr>
           <a:xfrm>
             <a:off x="7129145" y="4559300"/>
-            <a:ext cx="2787650" cy="429895"/>
+            <a:ext cx="2787650" cy="1106805"/>
           </a:xfrm>
           <a:prstGeom prst="rect">
             <a:avLst/>
@@ -20638,6 +20812,26 @@
                 <a:ea typeface="+mn-ea"/>
               </a:rPr>
               <a:t>思考：与正则的对比</a:t>
+            </a:r>
+            <a:endParaRPr lang="zh-CN" altLang="en-US" sz="2200">
+              <a:solidFill>
+                <a:srgbClr val="FF0000"/>
+              </a:solidFill>
+              <a:latin typeface="+mn-ea"/>
+              <a:ea typeface="+mn-ea"/>
+            </a:endParaRPr>
+          </a:p>
+          <a:p>
+            <a:pPr algn="l"/>
+            <a:r>
+              <a:rPr lang="zh-CN" altLang="en-US" sz="2200">
+                <a:solidFill>
+                  <a:srgbClr val="FF0000"/>
+                </a:solidFill>
+                <a:latin typeface="+mn-ea"/>
+                <a:ea typeface="+mn-ea"/>
+              </a:rPr>
+              <a:t>如何使用正则完成类似的功能</a:t>
             </a:r>
             <a:endParaRPr lang="zh-CN" altLang="en-US" sz="2200">
               <a:solidFill>

--- a/课程PPT/14.ECMAScript 6 二.pptx
+++ b/课程PPT/14.ECMAScript 6 二.pptx
@@ -47,10 +47,9 @@
     <p:sldId id="1398" r:id="rId40"/>
     <p:sldId id="1395" r:id="rId41"/>
     <p:sldId id="1396" r:id="rId42"/>
-    <p:sldId id="1394" r:id="rId43"/>
+    <p:sldId id="1262" r:id="rId43"/>
     <p:sldId id="1253" r:id="rId44"/>
     <p:sldId id="1254" r:id="rId45"/>
-    <p:sldId id="1262" r:id="rId46"/>
   </p:sldIdLst>
   <p:sldSz cx="12192000" cy="6858000"/>
   <p:notesSz cx="6797675" cy="9928225"/>
@@ -1837,26 +1836,6 @@
           <a:bodyPr/>
           <a:lstStyle/>
           <a:p>
-            <a:r>
-              <a:rPr lang="zh-CN" altLang="en-US" dirty="0"/>
-              <a:t>增加 </a:t>
-            </a:r>
-            <a:r>
-              <a:rPr lang="en-US" altLang="zh-CN" dirty="0"/>
-              <a:t>max</a:t>
-            </a:r>
-            <a:r>
-              <a:rPr lang="zh-CN" altLang="en-US" dirty="0"/>
-              <a:t>（</a:t>
-            </a:r>
-            <a:r>
-              <a:rPr lang="en-US" altLang="zh-CN" dirty="0"/>
-              <a:t>1,0,0</a:t>
-            </a:r>
-            <a:r>
-              <a:rPr lang="zh-CN" altLang="en-US" dirty="0"/>
-              <a:t>）实例，增加逻辑判断</a:t>
-            </a:r>
             <a:endParaRPr lang="zh-CN" altLang="en-US" dirty="0"/>
           </a:p>
         </p:txBody>
@@ -1935,26 +1914,6 @@
           <a:bodyPr/>
           <a:lstStyle/>
           <a:p>
-            <a:r>
-              <a:rPr lang="zh-CN" altLang="en-US" dirty="0"/>
-              <a:t>增加 </a:t>
-            </a:r>
-            <a:r>
-              <a:rPr lang="en-US" altLang="zh-CN" dirty="0"/>
-              <a:t>max</a:t>
-            </a:r>
-            <a:r>
-              <a:rPr lang="zh-CN" altLang="en-US" dirty="0"/>
-              <a:t>（</a:t>
-            </a:r>
-            <a:r>
-              <a:rPr lang="en-US" altLang="zh-CN" dirty="0"/>
-              <a:t>1,0,0</a:t>
-            </a:r>
-            <a:r>
-              <a:rPr lang="zh-CN" altLang="en-US" dirty="0"/>
-              <a:t>）实例，增加逻辑判断</a:t>
-            </a:r>
             <a:endParaRPr lang="zh-CN" altLang="en-US" dirty="0"/>
           </a:p>
         </p:txBody>
@@ -2033,26 +1992,6 @@
           <a:bodyPr/>
           <a:lstStyle/>
           <a:p>
-            <a:r>
-              <a:rPr lang="zh-CN" altLang="en-US" dirty="0"/>
-              <a:t>增加 </a:t>
-            </a:r>
-            <a:r>
-              <a:rPr lang="en-US" altLang="zh-CN" dirty="0"/>
-              <a:t>max</a:t>
-            </a:r>
-            <a:r>
-              <a:rPr lang="zh-CN" altLang="en-US" dirty="0"/>
-              <a:t>（</a:t>
-            </a:r>
-            <a:r>
-              <a:rPr lang="en-US" altLang="zh-CN" dirty="0"/>
-              <a:t>1,0,0</a:t>
-            </a:r>
-            <a:r>
-              <a:rPr lang="zh-CN" altLang="en-US" dirty="0"/>
-              <a:t>）实例，增加逻辑判断</a:t>
-            </a:r>
             <a:endParaRPr lang="zh-CN" altLang="en-US" dirty="0"/>
           </a:p>
         </p:txBody>
@@ -2131,26 +2070,6 @@
           <a:bodyPr/>
           <a:lstStyle/>
           <a:p>
-            <a:r>
-              <a:rPr lang="zh-CN" altLang="en-US" dirty="0"/>
-              <a:t>增加 </a:t>
-            </a:r>
-            <a:r>
-              <a:rPr lang="en-US" altLang="zh-CN" dirty="0"/>
-              <a:t>max</a:t>
-            </a:r>
-            <a:r>
-              <a:rPr lang="zh-CN" altLang="en-US" dirty="0"/>
-              <a:t>（</a:t>
-            </a:r>
-            <a:r>
-              <a:rPr lang="en-US" altLang="zh-CN" dirty="0"/>
-              <a:t>1,0,0</a:t>
-            </a:r>
-            <a:r>
-              <a:rPr lang="zh-CN" altLang="en-US" dirty="0"/>
-              <a:t>）实例，增加逻辑判断</a:t>
-            </a:r>
             <a:endParaRPr lang="zh-CN" altLang="en-US" dirty="0"/>
           </a:p>
         </p:txBody>
@@ -2284,104 +2203,6 @@
 </file>
 
 <file path=ppt/notesSlides/notesSlide25.xml><?xml version="1.0" encoding="utf-8"?>
-<p:notes xmlns:a="http://schemas.openxmlformats.org/drawingml/2006/main" xmlns:r="http://schemas.openxmlformats.org/officeDocument/2006/relationships" xmlns:p="http://schemas.openxmlformats.org/presentationml/2006/main">
-  <p:cSld>
-    <p:spTree>
-      <p:nvGrpSpPr>
-        <p:cNvPr id="1" name=""/>
-        <p:cNvGrpSpPr/>
-        <p:nvPr/>
-      </p:nvGrpSpPr>
-      <p:grpSpPr>
-        <a:xfrm>
-          <a:off x="0" y="0"/>
-          <a:ext cx="0" cy="0"/>
-          <a:chOff x="0" y="0"/>
-          <a:chExt cx="0" cy="0"/>
-        </a:xfrm>
-      </p:grpSpPr>
-      <p:sp>
-        <p:nvSpPr>
-          <p:cNvPr id="2" name="幻灯片图像占位符 1"/>
-          <p:cNvSpPr>
-            <a:spLocks noGrp="1" noRot="1" noChangeAspect="1"/>
-          </p:cNvSpPr>
-          <p:nvPr>
-            <p:ph type="sldImg"/>
-          </p:nvPr>
-        </p:nvSpPr>
-        <p:spPr/>
-      </p:sp>
-      <p:sp>
-        <p:nvSpPr>
-          <p:cNvPr id="3" name="备注占位符 2"/>
-          <p:cNvSpPr>
-            <a:spLocks noGrp="1"/>
-          </p:cNvSpPr>
-          <p:nvPr>
-            <p:ph type="body" idx="1"/>
-          </p:nvPr>
-        </p:nvSpPr>
-        <p:spPr/>
-        <p:txBody>
-          <a:bodyPr/>
-          <a:lstStyle/>
-          <a:p>
-            <a:r>
-              <a:rPr lang="zh-CN" altLang="en-US" dirty="0"/>
-              <a:t>增加 </a:t>
-            </a:r>
-            <a:r>
-              <a:rPr lang="en-US" altLang="zh-CN" dirty="0"/>
-              <a:t>max</a:t>
-            </a:r>
-            <a:r>
-              <a:rPr lang="zh-CN" altLang="en-US" dirty="0"/>
-              <a:t>（</a:t>
-            </a:r>
-            <a:r>
-              <a:rPr lang="en-US" altLang="zh-CN" dirty="0"/>
-              <a:t>1,0,0</a:t>
-            </a:r>
-            <a:r>
-              <a:rPr lang="zh-CN" altLang="en-US" dirty="0"/>
-              <a:t>）实例，增加逻辑判断</a:t>
-            </a:r>
-            <a:endParaRPr lang="zh-CN" altLang="en-US" dirty="0"/>
-          </a:p>
-        </p:txBody>
-      </p:sp>
-      <p:sp>
-        <p:nvSpPr>
-          <p:cNvPr id="4" name="灯片编号占位符 3"/>
-          <p:cNvSpPr>
-            <a:spLocks noGrp="1"/>
-          </p:cNvSpPr>
-          <p:nvPr>
-            <p:ph type="sldNum" sz="quarter" idx="10"/>
-          </p:nvPr>
-        </p:nvSpPr>
-        <p:spPr/>
-        <p:txBody>
-          <a:bodyPr/>
-          <a:lstStyle/>
-          <a:p>
-            <a:fld id="{D9AFD278-84AA-4CAA-9049-809825956FE0}" type="slidenum">
-              <a:rPr lang="en-US" altLang="zh-CN" smtClean="0"/>
-            </a:fld>
-            <a:endParaRPr lang="zh-CN" altLang="zh-CN"/>
-          </a:p>
-        </p:txBody>
-      </p:sp>
-    </p:spTree>
-  </p:cSld>
-  <p:clrMapOvr>
-    <a:masterClrMapping/>
-  </p:clrMapOvr>
-</p:notes>
-</file>
-
-<file path=ppt/notesSlides/notesSlide26.xml><?xml version="1.0" encoding="utf-8"?>
 <p:notes xmlns:a="http://schemas.openxmlformats.org/drawingml/2006/main" xmlns:r="http://schemas.openxmlformats.org/officeDocument/2006/relationships" xmlns:p="http://schemas.openxmlformats.org/presentationml/2006/main">
   <p:cSld>
     <p:spTree>
@@ -18433,7 +18254,25 @@
                 </a:solidFill>
                 <a:sym typeface="+mn-ea"/>
               </a:rPr>
-              <a:t>变量属于基本数据类型（不是对象），Symbol函数前</a:t>
+              <a:t>变量属于</a:t>
+            </a:r>
+            <a:r>
+              <a:rPr lang="zh-CN" altLang="en-US" sz="2000">
+                <a:solidFill>
+                  <a:schemeClr val="accent3"/>
+                </a:solidFill>
+                <a:sym typeface="+mn-ea"/>
+              </a:rPr>
+              <a:t>基本数据类型</a:t>
+            </a:r>
+            <a:r>
+              <a:rPr lang="zh-CN" altLang="en-US" sz="2000">
+                <a:solidFill>
+                  <a:schemeClr val="tx1"/>
+                </a:solidFill>
+                <a:sym typeface="+mn-ea"/>
+              </a:rPr>
+              <a:t>（不是对象），Symbol函数前</a:t>
             </a:r>
             <a:r>
               <a:rPr lang="zh-CN" altLang="en-US" sz="2000">
@@ -18461,9 +18300,18 @@
               </a:rPr>
               <a:t>- Symbol函数可以接受一个字符串作为参数，表示对Symbol实例的描述</a:t>
             </a:r>
-            <a:endParaRPr lang="en-US" altLang="zh-CN" sz="2000">
+            <a:r>
+              <a:rPr lang="zh-CN" altLang="en-US" sz="2000">
+                <a:solidFill>
+                  <a:schemeClr val="tx1"/>
+                </a:solidFill>
+                <a:sym typeface="+mn-ea"/>
+              </a:rPr>
+              <a:t>，主要用于区分变量</a:t>
+            </a:r>
+            <a:endParaRPr lang="zh-CN" altLang="en-US" sz="2000">
               <a:solidFill>
-                <a:schemeClr val="accent3"/>
+                <a:schemeClr val="tx1"/>
               </a:solidFill>
               <a:sym typeface="+mn-ea"/>
             </a:endParaRPr>
@@ -18735,21 +18583,112 @@
                             </p:childTnLst>
                           </p:cTn>
                         </p:par>
+                      </p:childTnLst>
+                    </p:cTn>
+                  </p:par>
+                  <p:par>
+                    <p:cTn id="9" fill="hold">
+                      <p:stCondLst>
+                        <p:cond delay="indefinite"/>
+                      </p:stCondLst>
+                      <p:childTnLst>
                         <p:par>
-                          <p:cTn id="9" fill="hold">
+                          <p:cTn id="10" fill="hold">
                             <p:stCondLst>
-                              <p:cond delay="500"/>
+                              <p:cond delay="0"/>
                             </p:stCondLst>
                             <p:childTnLst>
                               <p:par>
-                                <p:cTn id="10" presetID="2" presetClass="entr" presetSubtype="4" fill="hold" grpId="0" nodeType="afterEffect">
+                                <p:cTn id="11" presetID="2" presetClass="entr" presetSubtype="4" fill="hold" nodeType="clickEffect">
                                   <p:stCondLst>
                                     <p:cond delay="0"/>
                                   </p:stCondLst>
                                   <p:childTnLst>
                                     <p:set>
                                       <p:cBhvr>
-                                        <p:cTn id="11" dur="1" fill="hold">
+                                        <p:cTn id="12" dur="1" fill="hold">
+                                          <p:stCondLst>
+                                            <p:cond delay="0"/>
+                                          </p:stCondLst>
+                                        </p:cTn>
+                                        <p:tgtEl>
+                                          <p:spTgt spid="4"/>
+                                        </p:tgtEl>
+                                        <p:attrNameLst>
+                                          <p:attrName>style.visibility</p:attrName>
+                                        </p:attrNameLst>
+                                      </p:cBhvr>
+                                      <p:to>
+                                        <p:strVal val="visible"/>
+                                      </p:to>
+                                    </p:set>
+                                    <p:anim calcmode="lin" valueType="num">
+                                      <p:cBhvr additive="base">
+                                        <p:cTn id="13" dur="500" fill="hold"/>
+                                        <p:tgtEl>
+                                          <p:spTgt spid="4"/>
+                                        </p:tgtEl>
+                                        <p:attrNameLst>
+                                          <p:attrName>ppt_x</p:attrName>
+                                        </p:attrNameLst>
+                                      </p:cBhvr>
+                                      <p:tavLst>
+                                        <p:tav tm="0">
+                                          <p:val>
+                                            <p:strVal val="#ppt_x"/>
+                                          </p:val>
+                                        </p:tav>
+                                        <p:tav tm="100000">
+                                          <p:val>
+                                            <p:strVal val="#ppt_x"/>
+                                          </p:val>
+                                        </p:tav>
+                                      </p:tavLst>
+                                    </p:anim>
+                                    <p:anim calcmode="lin" valueType="num">
+                                      <p:cBhvr additive="base">
+                                        <p:cTn id="14" dur="500" fill="hold"/>
+                                        <p:tgtEl>
+                                          <p:spTgt spid="4"/>
+                                        </p:tgtEl>
+                                        <p:attrNameLst>
+                                          <p:attrName>ppt_y</p:attrName>
+                                        </p:attrNameLst>
+                                      </p:cBhvr>
+                                      <p:tavLst>
+                                        <p:tav tm="0">
+                                          <p:val>
+                                            <p:strVal val="1+#ppt_h/2"/>
+                                          </p:val>
+                                        </p:tav>
+                                        <p:tav tm="100000">
+                                          <p:val>
+                                            <p:strVal val="#ppt_y"/>
+                                          </p:val>
+                                        </p:tav>
+                                      </p:tavLst>
+                                    </p:anim>
+                                  </p:childTnLst>
+                                </p:cTn>
+                              </p:par>
+                            </p:childTnLst>
+                          </p:cTn>
+                        </p:par>
+                        <p:par>
+                          <p:cTn id="15" fill="hold">
+                            <p:stCondLst>
+                              <p:cond delay="500"/>
+                            </p:stCondLst>
+                            <p:childTnLst>
+                              <p:par>
+                                <p:cTn id="16" presetID="2" presetClass="entr" presetSubtype="4" fill="hold" grpId="0" nodeType="afterEffect">
+                                  <p:stCondLst>
+                                    <p:cond delay="0"/>
+                                  </p:stCondLst>
+                                  <p:childTnLst>
+                                    <p:set>
+                                      <p:cBhvr>
+                                        <p:cTn id="17" dur="1" fill="hold">
                                           <p:stCondLst>
                                             <p:cond delay="0"/>
                                           </p:stCondLst>
@@ -18767,7 +18706,7 @@
                                     </p:set>
                                     <p:anim calcmode="lin" valueType="num">
                                       <p:cBhvr additive="base">
-                                        <p:cTn id="12" dur="500" fill="hold"/>
+                                        <p:cTn id="18" dur="500" fill="hold"/>
                                         <p:tgtEl>
                                           <p:spTgt spid="3"/>
                                         </p:tgtEl>
@@ -18790,100 +18729,9 @@
                                     </p:anim>
                                     <p:anim calcmode="lin" valueType="num">
                                       <p:cBhvr additive="base">
-                                        <p:cTn id="13" dur="500" fill="hold"/>
+                                        <p:cTn id="19" dur="500" fill="hold"/>
                                         <p:tgtEl>
                                           <p:spTgt spid="3"/>
-                                        </p:tgtEl>
-                                        <p:attrNameLst>
-                                          <p:attrName>ppt_y</p:attrName>
-                                        </p:attrNameLst>
-                                      </p:cBhvr>
-                                      <p:tavLst>
-                                        <p:tav tm="0">
-                                          <p:val>
-                                            <p:strVal val="1+#ppt_h/2"/>
-                                          </p:val>
-                                        </p:tav>
-                                        <p:tav tm="100000">
-                                          <p:val>
-                                            <p:strVal val="#ppt_y"/>
-                                          </p:val>
-                                        </p:tav>
-                                      </p:tavLst>
-                                    </p:anim>
-                                  </p:childTnLst>
-                                </p:cTn>
-                              </p:par>
-                            </p:childTnLst>
-                          </p:cTn>
-                        </p:par>
-                      </p:childTnLst>
-                    </p:cTn>
-                  </p:par>
-                  <p:par>
-                    <p:cTn id="14" fill="hold">
-                      <p:stCondLst>
-                        <p:cond delay="indefinite"/>
-                      </p:stCondLst>
-                      <p:childTnLst>
-                        <p:par>
-                          <p:cTn id="15" fill="hold">
-                            <p:stCondLst>
-                              <p:cond delay="0"/>
-                            </p:stCondLst>
-                            <p:childTnLst>
-                              <p:par>
-                                <p:cTn id="16" presetID="2" presetClass="entr" presetSubtype="4" fill="hold" nodeType="clickEffect">
-                                  <p:stCondLst>
-                                    <p:cond delay="0"/>
-                                  </p:stCondLst>
-                                  <p:childTnLst>
-                                    <p:set>
-                                      <p:cBhvr>
-                                        <p:cTn id="17" dur="1" fill="hold">
-                                          <p:stCondLst>
-                                            <p:cond delay="0"/>
-                                          </p:stCondLst>
-                                        </p:cTn>
-                                        <p:tgtEl>
-                                          <p:spTgt spid="4"/>
-                                        </p:tgtEl>
-                                        <p:attrNameLst>
-                                          <p:attrName>style.visibility</p:attrName>
-                                        </p:attrNameLst>
-                                      </p:cBhvr>
-                                      <p:to>
-                                        <p:strVal val="visible"/>
-                                      </p:to>
-                                    </p:set>
-                                    <p:anim calcmode="lin" valueType="num">
-                                      <p:cBhvr additive="base">
-                                        <p:cTn id="18" dur="500" fill="hold"/>
-                                        <p:tgtEl>
-                                          <p:spTgt spid="4"/>
-                                        </p:tgtEl>
-                                        <p:attrNameLst>
-                                          <p:attrName>ppt_x</p:attrName>
-                                        </p:attrNameLst>
-                                      </p:cBhvr>
-                                      <p:tavLst>
-                                        <p:tav tm="0">
-                                          <p:val>
-                                            <p:strVal val="#ppt_x"/>
-                                          </p:val>
-                                        </p:tav>
-                                        <p:tav tm="100000">
-                                          <p:val>
-                                            <p:strVal val="#ppt_x"/>
-                                          </p:val>
-                                        </p:tav>
-                                      </p:tavLst>
-                                    </p:anim>
-                                    <p:anim calcmode="lin" valueType="num">
-                                      <p:cBhvr additive="base">
-                                        <p:cTn id="19" dur="500" fill="hold"/>
-                                        <p:tgtEl>
-                                          <p:spTgt spid="4"/>
                                         </p:tgtEl>
                                         <p:attrNameLst>
                                           <p:attrName>ppt_y</p:attrName>
@@ -19503,30 +19351,21 @@
                             </p:childTnLst>
                           </p:cTn>
                         </p:par>
-                      </p:childTnLst>
-                    </p:cTn>
-                  </p:par>
-                  <p:par>
-                    <p:cTn id="15" fill="hold">
-                      <p:stCondLst>
-                        <p:cond delay="indefinite"/>
-                      </p:stCondLst>
-                      <p:childTnLst>
                         <p:par>
-                          <p:cTn id="16" fill="hold">
+                          <p:cTn id="15" fill="hold">
                             <p:stCondLst>
-                              <p:cond delay="0"/>
+                              <p:cond delay="500"/>
                             </p:stCondLst>
                             <p:childTnLst>
                               <p:par>
-                                <p:cTn id="17" presetID="2" presetClass="entr" presetSubtype="4" fill="hold" nodeType="clickEffect">
+                                <p:cTn id="16" presetID="2" presetClass="entr" presetSubtype="4" fill="hold" nodeType="afterEffect">
                                   <p:stCondLst>
                                     <p:cond delay="0"/>
                                   </p:stCondLst>
                                   <p:childTnLst>
                                     <p:set>
                                       <p:cBhvr>
-                                        <p:cTn id="18" dur="1" fill="hold">
+                                        <p:cTn id="17" dur="1" fill="hold">
                                           <p:stCondLst>
                                             <p:cond delay="0"/>
                                           </p:stCondLst>
@@ -19544,7 +19383,7 @@
                                     </p:set>
                                     <p:anim calcmode="lin" valueType="num">
                                       <p:cBhvr additive="base">
-                                        <p:cTn id="19" dur="500" fill="hold"/>
+                                        <p:cTn id="18" dur="500" fill="hold"/>
                                         <p:tgtEl>
                                           <p:spTgt spid="6"/>
                                         </p:tgtEl>
@@ -19567,7 +19406,7 @@
                                     </p:anim>
                                     <p:anim calcmode="lin" valueType="num">
                                       <p:cBhvr additive="base">
-                                        <p:cTn id="20" dur="500" fill="hold"/>
+                                        <p:cTn id="19" dur="500" fill="hold"/>
                                         <p:tgtEl>
                                           <p:spTgt spid="6"/>
                                         </p:tgtEl>
@@ -19598,26 +19437,26 @@
                     </p:cTn>
                   </p:par>
                   <p:par>
-                    <p:cTn id="21" fill="hold">
+                    <p:cTn id="20" fill="hold">
                       <p:stCondLst>
                         <p:cond delay="indefinite"/>
                       </p:stCondLst>
                       <p:childTnLst>
                         <p:par>
-                          <p:cTn id="22" fill="hold">
+                          <p:cTn id="21" fill="hold">
                             <p:stCondLst>
                               <p:cond delay="0"/>
                             </p:stCondLst>
                             <p:childTnLst>
                               <p:par>
-                                <p:cTn id="23" presetID="2" presetClass="entr" presetSubtype="4" fill="hold" nodeType="clickEffect">
+                                <p:cTn id="22" presetID="2" presetClass="entr" presetSubtype="4" fill="hold" nodeType="clickEffect">
                                   <p:stCondLst>
                                     <p:cond delay="0"/>
                                   </p:stCondLst>
                                   <p:childTnLst>
                                     <p:set>
                                       <p:cBhvr>
-                                        <p:cTn id="24" dur="1" fill="hold">
+                                        <p:cTn id="23" dur="1" fill="hold">
                                           <p:stCondLst>
                                             <p:cond delay="0"/>
                                           </p:stCondLst>
@@ -19635,7 +19474,7 @@
                                     </p:set>
                                     <p:anim calcmode="lin" valueType="num">
                                       <p:cBhvr additive="base">
-                                        <p:cTn id="25" dur="500" fill="hold"/>
+                                        <p:cTn id="24" dur="500" fill="hold"/>
                                         <p:tgtEl>
                                           <p:spTgt spid="7"/>
                                         </p:tgtEl>
@@ -19658,7 +19497,7 @@
                                     </p:anim>
                                     <p:anim calcmode="lin" valueType="num">
                                       <p:cBhvr additive="base">
-                                        <p:cTn id="26" dur="500" fill="hold"/>
+                                        <p:cTn id="25" dur="500" fill="hold"/>
                                         <p:tgtEl>
                                           <p:spTgt spid="7"/>
                                         </p:tgtEl>
@@ -19686,20 +19525,20 @@
                           </p:cTn>
                         </p:par>
                         <p:par>
-                          <p:cTn id="27" fill="hold">
+                          <p:cTn id="26" fill="hold">
                             <p:stCondLst>
                               <p:cond delay="500"/>
                             </p:stCondLst>
                             <p:childTnLst>
                               <p:par>
-                                <p:cTn id="28" presetID="2" presetClass="entr" presetSubtype="4" fill="hold" grpId="0" nodeType="afterEffect">
+                                <p:cTn id="27" presetID="2" presetClass="entr" presetSubtype="4" fill="hold" grpId="0" nodeType="afterEffect">
                                   <p:stCondLst>
                                     <p:cond delay="0"/>
                                   </p:stCondLst>
                                   <p:childTnLst>
                                     <p:set>
                                       <p:cBhvr>
-                                        <p:cTn id="29" dur="1" fill="hold">
+                                        <p:cTn id="28" dur="1" fill="hold">
                                           <p:stCondLst>
                                             <p:cond delay="0"/>
                                           </p:stCondLst>
@@ -19717,7 +19556,7 @@
                                     </p:set>
                                     <p:anim calcmode="lin" valueType="num">
                                       <p:cBhvr additive="base">
-                                        <p:cTn id="30" dur="500" fill="hold"/>
+                                        <p:cTn id="29" dur="500" fill="hold"/>
                                         <p:tgtEl>
                                           <p:spTgt spid="3"/>
                                         </p:tgtEl>
@@ -19740,7 +19579,7 @@
                                     </p:anim>
                                     <p:anim calcmode="lin" valueType="num">
                                       <p:cBhvr additive="base">
-                                        <p:cTn id="31" dur="500" fill="hold"/>
+                                        <p:cTn id="30" dur="500" fill="hold"/>
                                         <p:tgtEl>
                                           <p:spTgt spid="3"/>
                                         </p:tgtEl>
@@ -21136,9 +20975,45 @@
                 </a:solidFill>
                 <a:sym typeface="+mn-ea"/>
               </a:rPr>
-              <a:t>区分使用点操作符和中括号操作符时，访问对象属性的不同</a:t>
-            </a:r>
-            <a:endParaRPr lang="zh-CN" altLang="en-US" sz="2000">
+              <a:t>区分使用点操作符和中括号操作符时，访问对象属性的不同，</a:t>
+            </a:r>
+            <a:r>
+              <a:rPr lang="en-US" altLang="zh-CN" sz="2000">
+                <a:solidFill>
+                  <a:schemeClr val="tx1"/>
+                </a:solidFill>
+                <a:sym typeface="+mn-ea"/>
+              </a:rPr>
+              <a:t>Symbol</a:t>
+            </a:r>
+            <a:r>
+              <a:rPr lang="zh-CN" altLang="en-US" sz="2000">
+                <a:solidFill>
+                  <a:schemeClr val="tx1"/>
+                </a:solidFill>
+                <a:sym typeface="+mn-ea"/>
+              </a:rPr>
+              <a:t>需使用</a:t>
+            </a:r>
+            <a:r>
+              <a:rPr lang="en-US" altLang="zh-CN" sz="2000">
+                <a:solidFill>
+                  <a:schemeClr val="tx1"/>
+                </a:solidFill>
+                <a:sym typeface="+mn-ea"/>
+              </a:rPr>
+              <a:t>[ ]</a:t>
+            </a:r>
+            <a:r>
+              <a:rPr lang="zh-CN" altLang="en-US" sz="2000">
+                <a:solidFill>
+                  <a:schemeClr val="tx1"/>
+                </a:solidFill>
+                <a:sym typeface="+mn-ea"/>
+              </a:rPr>
+              <a:t>，而不是点</a:t>
+            </a:r>
+            <a:endParaRPr lang="en-US" altLang="zh-CN" sz="2000">
               <a:solidFill>
                 <a:schemeClr val="tx1"/>
               </a:solidFill>
@@ -22242,6 +22117,30 @@
           </a:p>
         </p:txBody>
       </p:sp>
+      <p:pic>
+        <p:nvPicPr>
+          <p:cNvPr id="4" name="图片 3"/>
+          <p:cNvPicPr>
+            <a:picLocks noChangeAspect="1"/>
+          </p:cNvPicPr>
+          <p:nvPr/>
+        </p:nvPicPr>
+        <p:blipFill>
+          <a:blip r:embed="rId1"/>
+          <a:stretch>
+            <a:fillRect/>
+          </a:stretch>
+        </p:blipFill>
+        <p:spPr>
+          <a:xfrm>
+            <a:off x="1260475" y="2964180"/>
+            <a:ext cx="9729470" cy="2885440"/>
+          </a:xfrm>
+          <a:prstGeom prst="rect">
+            <a:avLst/>
+          </a:prstGeom>
+        </p:spPr>
+      </p:pic>
     </p:spTree>
   </p:cSld>
   <p:clrMapOvr>
@@ -22355,21 +22254,112 @@
                             </p:childTnLst>
                           </p:cTn>
                         </p:par>
+                      </p:childTnLst>
+                    </p:cTn>
+                  </p:par>
+                  <p:par>
+                    <p:cTn id="9" fill="hold">
+                      <p:stCondLst>
+                        <p:cond delay="indefinite"/>
+                      </p:stCondLst>
+                      <p:childTnLst>
                         <p:par>
-                          <p:cTn id="9" fill="hold">
+                          <p:cTn id="10" fill="hold">
                             <p:stCondLst>
-                              <p:cond delay="500"/>
+                              <p:cond delay="0"/>
                             </p:stCondLst>
                             <p:childTnLst>
                               <p:par>
-                                <p:cTn id="10" presetID="2" presetClass="entr" presetSubtype="4" fill="hold" grpId="0" nodeType="afterEffect">
+                                <p:cTn id="11" presetID="2" presetClass="entr" presetSubtype="4" fill="hold" nodeType="clickEffect">
                                   <p:stCondLst>
                                     <p:cond delay="0"/>
                                   </p:stCondLst>
                                   <p:childTnLst>
                                     <p:set>
                                       <p:cBhvr>
-                                        <p:cTn id="11" dur="1" fill="hold">
+                                        <p:cTn id="12" dur="1" fill="hold">
+                                          <p:stCondLst>
+                                            <p:cond delay="0"/>
+                                          </p:stCondLst>
+                                        </p:cTn>
+                                        <p:tgtEl>
+                                          <p:spTgt spid="4"/>
+                                        </p:tgtEl>
+                                        <p:attrNameLst>
+                                          <p:attrName>style.visibility</p:attrName>
+                                        </p:attrNameLst>
+                                      </p:cBhvr>
+                                      <p:to>
+                                        <p:strVal val="visible"/>
+                                      </p:to>
+                                    </p:set>
+                                    <p:anim calcmode="lin" valueType="num">
+                                      <p:cBhvr additive="base">
+                                        <p:cTn id="13" dur="500" fill="hold"/>
+                                        <p:tgtEl>
+                                          <p:spTgt spid="4"/>
+                                        </p:tgtEl>
+                                        <p:attrNameLst>
+                                          <p:attrName>ppt_x</p:attrName>
+                                        </p:attrNameLst>
+                                      </p:cBhvr>
+                                      <p:tavLst>
+                                        <p:tav tm="0">
+                                          <p:val>
+                                            <p:strVal val="#ppt_x"/>
+                                          </p:val>
+                                        </p:tav>
+                                        <p:tav tm="100000">
+                                          <p:val>
+                                            <p:strVal val="#ppt_x"/>
+                                          </p:val>
+                                        </p:tav>
+                                      </p:tavLst>
+                                    </p:anim>
+                                    <p:anim calcmode="lin" valueType="num">
+                                      <p:cBhvr additive="base">
+                                        <p:cTn id="14" dur="500" fill="hold"/>
+                                        <p:tgtEl>
+                                          <p:spTgt spid="4"/>
+                                        </p:tgtEl>
+                                        <p:attrNameLst>
+                                          <p:attrName>ppt_y</p:attrName>
+                                        </p:attrNameLst>
+                                      </p:cBhvr>
+                                      <p:tavLst>
+                                        <p:tav tm="0">
+                                          <p:val>
+                                            <p:strVal val="1+#ppt_h/2"/>
+                                          </p:val>
+                                        </p:tav>
+                                        <p:tav tm="100000">
+                                          <p:val>
+                                            <p:strVal val="#ppt_y"/>
+                                          </p:val>
+                                        </p:tav>
+                                      </p:tavLst>
+                                    </p:anim>
+                                  </p:childTnLst>
+                                </p:cTn>
+                              </p:par>
+                            </p:childTnLst>
+                          </p:cTn>
+                        </p:par>
+                        <p:par>
+                          <p:cTn id="15" fill="hold">
+                            <p:stCondLst>
+                              <p:cond delay="500"/>
+                            </p:stCondLst>
+                            <p:childTnLst>
+                              <p:par>
+                                <p:cTn id="16" presetID="2" presetClass="entr" presetSubtype="4" fill="hold" grpId="0" nodeType="afterEffect">
+                                  <p:stCondLst>
+                                    <p:cond delay="0"/>
+                                  </p:stCondLst>
+                                  <p:childTnLst>
+                                    <p:set>
+                                      <p:cBhvr>
+                                        <p:cTn id="17" dur="1" fill="hold">
                                           <p:stCondLst>
                                             <p:cond delay="0"/>
                                           </p:stCondLst>
@@ -22387,7 +22377,7 @@
                                     </p:set>
                                     <p:anim calcmode="lin" valueType="num">
                                       <p:cBhvr additive="base">
-                                        <p:cTn id="12" dur="500" fill="hold"/>
+                                        <p:cTn id="18" dur="500" fill="hold"/>
                                         <p:tgtEl>
                                           <p:spTgt spid="3"/>
                                         </p:tgtEl>
@@ -22410,7 +22400,7 @@
                                     </p:anim>
                                     <p:anim calcmode="lin" valueType="num">
                                       <p:cBhvr additive="base">
-                                        <p:cTn id="13" dur="500" fill="hold"/>
+                                        <p:cTn id="19" dur="500" fill="hold"/>
                                         <p:tgtEl>
                                           <p:spTgt spid="3"/>
                                         </p:tgtEl>
@@ -22531,6 +22521,14 @@
               </a:lnSpc>
             </a:pPr>
             <a:r>
+              <a:rPr kumimoji="0" lang="zh-CN" altLang="en-US" sz="3200" dirty="0" smtClean="0">
+                <a:solidFill>
+                  <a:schemeClr val="tx1"/>
+                </a:solidFill>
+              </a:rPr>
+              <a:t>与</a:t>
+            </a:r>
+            <a:r>
               <a:rPr kumimoji="0" lang="en-US" altLang="zh-CN" sz="3200" dirty="0" smtClean="0">
                 <a:solidFill>
                   <a:schemeClr val="tx1"/>
@@ -22544,7 +22542,7 @@
                   <a:schemeClr val="tx1"/>
                 </a:solidFill>
               </a:rPr>
-              <a:t>变量的复用方法</a:t>
+              <a:t>变量复用相关的静态方法</a:t>
             </a:r>
             <a:br>
               <a:rPr lang="en-US" altLang="zh-CN" sz="2000">
@@ -22561,12 +22559,21 @@
                 </a:solidFill>
                 <a:sym typeface="+mn-ea"/>
               </a:rPr>
-              <a:t>- Symbol.for( )接受一个字符串作为参数，搜索有没有以该参数作为名称的Symbol值。如</a:t>
+              <a:t>- Symbol.for( )接受一个字符串作为参数，搜索有没有以该参数作为名称的Symbol值。</a:t>
+            </a:r>
+            <a:r>
+              <a:rPr lang="en-US" altLang="zh-CN" sz="2000">
+                <a:solidFill>
+                  <a:schemeClr val="accent3"/>
+                </a:solidFill>
+                <a:sym typeface="+mn-ea"/>
+              </a:rPr>
+              <a:t>如</a:t>
             </a:r>
             <a:br>
               <a:rPr lang="en-US" altLang="zh-CN" sz="2000">
                 <a:solidFill>
-                  <a:schemeClr val="tx1"/>
+                  <a:schemeClr val="accent3"/>
                 </a:solidFill>
                 <a:sym typeface="+mn-ea"/>
               </a:rPr>
@@ -22574,11 +22581,20 @@
             <a:r>
               <a:rPr lang="en-US" altLang="zh-CN" sz="2000">
                 <a:solidFill>
-                  <a:schemeClr val="tx1"/>
-                </a:solidFill>
-                <a:sym typeface="+mn-ea"/>
-              </a:rPr>
-              <a:t>  果有，就返回这个Symbol值，否则就新建并返回一个以该字符串为名称的Symbol值</a:t>
+                  <a:schemeClr val="accent3"/>
+                </a:solidFill>
+                <a:sym typeface="+mn-ea"/>
+              </a:rPr>
+              <a:t>  果有，就返回这个Symbol值，否则就新建并返回一个</a:t>
+            </a:r>
+            <a:r>
+              <a:rPr lang="en-US" altLang="zh-CN" sz="2000">
+                <a:solidFill>
+                  <a:schemeClr val="tx1"/>
+                </a:solidFill>
+                <a:sym typeface="+mn-ea"/>
+              </a:rPr>
+              <a:t>以该字符串为名称的Symbol值</a:t>
             </a:r>
             <a:br>
               <a:rPr lang="en-US" altLang="zh-CN" sz="2000">
@@ -22764,6 +22780,30 @@
           </a:p>
         </p:txBody>
       </p:sp>
+      <p:pic>
+        <p:nvPicPr>
+          <p:cNvPr id="4" name="图片 3"/>
+          <p:cNvPicPr>
+            <a:picLocks noChangeAspect="1"/>
+          </p:cNvPicPr>
+          <p:nvPr/>
+        </p:nvPicPr>
+        <p:blipFill>
+          <a:blip r:embed="rId1"/>
+          <a:stretch>
+            <a:fillRect/>
+          </a:stretch>
+        </p:blipFill>
+        <p:spPr>
+          <a:xfrm>
+            <a:off x="1345565" y="3027680"/>
+            <a:ext cx="9763760" cy="2355850"/>
+          </a:xfrm>
+          <a:prstGeom prst="rect">
+            <a:avLst/>
+          </a:prstGeom>
+        </p:spPr>
+      </p:pic>
     </p:spTree>
   </p:cSld>
   <p:clrMapOvr>
@@ -22877,21 +22917,112 @@
                             </p:childTnLst>
                           </p:cTn>
                         </p:par>
+                      </p:childTnLst>
+                    </p:cTn>
+                  </p:par>
+                  <p:par>
+                    <p:cTn id="9" fill="hold">
+                      <p:stCondLst>
+                        <p:cond delay="indefinite"/>
+                      </p:stCondLst>
+                      <p:childTnLst>
                         <p:par>
-                          <p:cTn id="9" fill="hold">
+                          <p:cTn id="10" fill="hold">
                             <p:stCondLst>
-                              <p:cond delay="500"/>
+                              <p:cond delay="0"/>
                             </p:stCondLst>
                             <p:childTnLst>
                               <p:par>
-                                <p:cTn id="10" presetID="2" presetClass="entr" presetSubtype="4" fill="hold" grpId="0" nodeType="afterEffect">
+                                <p:cTn id="11" presetID="2" presetClass="entr" presetSubtype="4" fill="hold" nodeType="clickEffect">
                                   <p:stCondLst>
                                     <p:cond delay="0"/>
                                   </p:stCondLst>
                                   <p:childTnLst>
                                     <p:set>
                                       <p:cBhvr>
-                                        <p:cTn id="11" dur="1" fill="hold">
+                                        <p:cTn id="12" dur="1" fill="hold">
+                                          <p:stCondLst>
+                                            <p:cond delay="0"/>
+                                          </p:stCondLst>
+                                        </p:cTn>
+                                        <p:tgtEl>
+                                          <p:spTgt spid="4"/>
+                                        </p:tgtEl>
+                                        <p:attrNameLst>
+                                          <p:attrName>style.visibility</p:attrName>
+                                        </p:attrNameLst>
+                                      </p:cBhvr>
+                                      <p:to>
+                                        <p:strVal val="visible"/>
+                                      </p:to>
+                                    </p:set>
+                                    <p:anim calcmode="lin" valueType="num">
+                                      <p:cBhvr additive="base">
+                                        <p:cTn id="13" dur="500" fill="hold"/>
+                                        <p:tgtEl>
+                                          <p:spTgt spid="4"/>
+                                        </p:tgtEl>
+                                        <p:attrNameLst>
+                                          <p:attrName>ppt_x</p:attrName>
+                                        </p:attrNameLst>
+                                      </p:cBhvr>
+                                      <p:tavLst>
+                                        <p:tav tm="0">
+                                          <p:val>
+                                            <p:strVal val="#ppt_x"/>
+                                          </p:val>
+                                        </p:tav>
+                                        <p:tav tm="100000">
+                                          <p:val>
+                                            <p:strVal val="#ppt_x"/>
+                                          </p:val>
+                                        </p:tav>
+                                      </p:tavLst>
+                                    </p:anim>
+                                    <p:anim calcmode="lin" valueType="num">
+                                      <p:cBhvr additive="base">
+                                        <p:cTn id="14" dur="500" fill="hold"/>
+                                        <p:tgtEl>
+                                          <p:spTgt spid="4"/>
+                                        </p:tgtEl>
+                                        <p:attrNameLst>
+                                          <p:attrName>ppt_y</p:attrName>
+                                        </p:attrNameLst>
+                                      </p:cBhvr>
+                                      <p:tavLst>
+                                        <p:tav tm="0">
+                                          <p:val>
+                                            <p:strVal val="1+#ppt_h/2"/>
+                                          </p:val>
+                                        </p:tav>
+                                        <p:tav tm="100000">
+                                          <p:val>
+                                            <p:strVal val="#ppt_y"/>
+                                          </p:val>
+                                        </p:tav>
+                                      </p:tavLst>
+                                    </p:anim>
+                                  </p:childTnLst>
+                                </p:cTn>
+                              </p:par>
+                            </p:childTnLst>
+                          </p:cTn>
+                        </p:par>
+                        <p:par>
+                          <p:cTn id="15" fill="hold">
+                            <p:stCondLst>
+                              <p:cond delay="500"/>
+                            </p:stCondLst>
+                            <p:childTnLst>
+                              <p:par>
+                                <p:cTn id="16" presetID="2" presetClass="entr" presetSubtype="4" fill="hold" grpId="0" nodeType="afterEffect">
+                                  <p:stCondLst>
+                                    <p:cond delay="0"/>
+                                  </p:stCondLst>
+                                  <p:childTnLst>
+                                    <p:set>
+                                      <p:cBhvr>
+                                        <p:cTn id="17" dur="1" fill="hold">
                                           <p:stCondLst>
                                             <p:cond delay="0"/>
                                           </p:stCondLst>
@@ -22909,7 +23040,7 @@
                                     </p:set>
                                     <p:anim calcmode="lin" valueType="num">
                                       <p:cBhvr additive="base">
-                                        <p:cTn id="12" dur="500" fill="hold"/>
+                                        <p:cTn id="18" dur="500" fill="hold"/>
                                         <p:tgtEl>
                                           <p:spTgt spid="3"/>
                                         </p:tgtEl>
@@ -22932,7 +23063,7 @@
                                     </p:anim>
                                     <p:anim calcmode="lin" valueType="num">
                                       <p:cBhvr additive="base">
-                                        <p:cTn id="13" dur="500" fill="hold"/>
+                                        <p:cTn id="19" dur="500" fill="hold"/>
                                         <p:tgtEl>
                                           <p:spTgt spid="3"/>
                                         </p:tgtEl>
@@ -23750,7 +23881,7 @@
               <a:rPr kumimoji="0" lang="zh-CN" altLang="en-US" dirty="0">
                 <a:sym typeface="+mn-ea"/>
               </a:rPr>
-              <a:t>新增数据结构（Map、Set）</a:t>
+              <a:t>新增数据结构（Set）</a:t>
             </a:r>
             <a:endParaRPr kumimoji="0" lang="zh-CN" altLang="en-US" dirty="0"/>
           </a:p>
@@ -23764,7 +23895,7 @@
         </p:nvSpPr>
         <p:spPr>
           <a:xfrm>
-            <a:off x="5194300" y="6065520"/>
+            <a:off x="5209540" y="6055995"/>
             <a:ext cx="5833745" cy="429895"/>
           </a:xfrm>
           <a:prstGeom prst="rect">
@@ -23806,9 +23937,19 @@
                 <a:latin typeface="+mn-ea"/>
                 <a:ea typeface="+mn-ea"/>
               </a:rPr>
-              <a:t>4</a:t>
-            </a:r>
-            <a:endParaRPr lang="en-US" sz="2200">
+              <a:t>4 Part1 Set</a:t>
+            </a:r>
+            <a:r>
+              <a:rPr lang="zh-CN" altLang="en-US" sz="2200">
+                <a:solidFill>
+                  <a:srgbClr val="FF0000"/>
+                </a:solidFill>
+                <a:latin typeface="+mn-ea"/>
+                <a:ea typeface="+mn-ea"/>
+              </a:rPr>
+              <a:t>实例</a:t>
+            </a:r>
+            <a:endParaRPr lang="zh-CN" altLang="en-US" sz="2200">
               <a:solidFill>
                 <a:srgbClr val="FF0000"/>
               </a:solidFill>
@@ -23818,6 +23959,30 @@
           </a:p>
         </p:txBody>
       </p:sp>
+      <p:pic>
+        <p:nvPicPr>
+          <p:cNvPr id="4" name="图片 3"/>
+          <p:cNvPicPr>
+            <a:picLocks noChangeAspect="1"/>
+          </p:cNvPicPr>
+          <p:nvPr/>
+        </p:nvPicPr>
+        <p:blipFill>
+          <a:blip r:embed="rId1"/>
+          <a:stretch>
+            <a:fillRect/>
+          </a:stretch>
+        </p:blipFill>
+        <p:spPr>
+          <a:xfrm>
+            <a:off x="1355725" y="2971800"/>
+            <a:ext cx="6857365" cy="2758440"/>
+          </a:xfrm>
+          <a:prstGeom prst="rect">
+            <a:avLst/>
+          </a:prstGeom>
+        </p:spPr>
+      </p:pic>
     </p:spTree>
   </p:cSld>
   <p:clrMapOvr>
@@ -23931,21 +24096,112 @@
                             </p:childTnLst>
                           </p:cTn>
                         </p:par>
+                      </p:childTnLst>
+                    </p:cTn>
+                  </p:par>
+                  <p:par>
+                    <p:cTn id="9" fill="hold">
+                      <p:stCondLst>
+                        <p:cond delay="indefinite"/>
+                      </p:stCondLst>
+                      <p:childTnLst>
                         <p:par>
-                          <p:cTn id="9" fill="hold">
+                          <p:cTn id="10" fill="hold">
                             <p:stCondLst>
-                              <p:cond delay="500"/>
+                              <p:cond delay="0"/>
                             </p:stCondLst>
                             <p:childTnLst>
                               <p:par>
-                                <p:cTn id="10" presetID="2" presetClass="entr" presetSubtype="4" fill="hold" grpId="0" nodeType="afterEffect">
+                                <p:cTn id="11" presetID="2" presetClass="entr" presetSubtype="4" fill="hold" nodeType="clickEffect">
                                   <p:stCondLst>
                                     <p:cond delay="0"/>
                                   </p:stCondLst>
                                   <p:childTnLst>
                                     <p:set>
                                       <p:cBhvr>
-                                        <p:cTn id="11" dur="1" fill="hold">
+                                        <p:cTn id="12" dur="1" fill="hold">
+                                          <p:stCondLst>
+                                            <p:cond delay="0"/>
+                                          </p:stCondLst>
+                                        </p:cTn>
+                                        <p:tgtEl>
+                                          <p:spTgt spid="4"/>
+                                        </p:tgtEl>
+                                        <p:attrNameLst>
+                                          <p:attrName>style.visibility</p:attrName>
+                                        </p:attrNameLst>
+                                      </p:cBhvr>
+                                      <p:to>
+                                        <p:strVal val="visible"/>
+                                      </p:to>
+                                    </p:set>
+                                    <p:anim calcmode="lin" valueType="num">
+                                      <p:cBhvr additive="base">
+                                        <p:cTn id="13" dur="500" fill="hold"/>
+                                        <p:tgtEl>
+                                          <p:spTgt spid="4"/>
+                                        </p:tgtEl>
+                                        <p:attrNameLst>
+                                          <p:attrName>ppt_x</p:attrName>
+                                        </p:attrNameLst>
+                                      </p:cBhvr>
+                                      <p:tavLst>
+                                        <p:tav tm="0">
+                                          <p:val>
+                                            <p:strVal val="#ppt_x"/>
+                                          </p:val>
+                                        </p:tav>
+                                        <p:tav tm="100000">
+                                          <p:val>
+                                            <p:strVal val="#ppt_x"/>
+                                          </p:val>
+                                        </p:tav>
+                                      </p:tavLst>
+                                    </p:anim>
+                                    <p:anim calcmode="lin" valueType="num">
+                                      <p:cBhvr additive="base">
+                                        <p:cTn id="14" dur="500" fill="hold"/>
+                                        <p:tgtEl>
+                                          <p:spTgt spid="4"/>
+                                        </p:tgtEl>
+                                        <p:attrNameLst>
+                                          <p:attrName>ppt_y</p:attrName>
+                                        </p:attrNameLst>
+                                      </p:cBhvr>
+                                      <p:tavLst>
+                                        <p:tav tm="0">
+                                          <p:val>
+                                            <p:strVal val="1+#ppt_h/2"/>
+                                          </p:val>
+                                        </p:tav>
+                                        <p:tav tm="100000">
+                                          <p:val>
+                                            <p:strVal val="#ppt_y"/>
+                                          </p:val>
+                                        </p:tav>
+                                      </p:tavLst>
+                                    </p:anim>
+                                  </p:childTnLst>
+                                </p:cTn>
+                              </p:par>
+                            </p:childTnLst>
+                          </p:cTn>
+                        </p:par>
+                        <p:par>
+                          <p:cTn id="15" fill="hold">
+                            <p:stCondLst>
+                              <p:cond delay="500"/>
+                            </p:stCondLst>
+                            <p:childTnLst>
+                              <p:par>
+                                <p:cTn id="16" presetID="2" presetClass="entr" presetSubtype="4" fill="hold" grpId="0" nodeType="afterEffect">
+                                  <p:stCondLst>
+                                    <p:cond delay="0"/>
+                                  </p:stCondLst>
+                                  <p:childTnLst>
+                                    <p:set>
+                                      <p:cBhvr>
+                                        <p:cTn id="17" dur="1" fill="hold">
                                           <p:stCondLst>
                                             <p:cond delay="0"/>
                                           </p:stCondLst>
@@ -23963,7 +24219,7 @@
                                     </p:set>
                                     <p:anim calcmode="lin" valueType="num">
                                       <p:cBhvr additive="base">
-                                        <p:cTn id="12" dur="500" fill="hold"/>
+                                        <p:cTn id="18" dur="500" fill="hold"/>
                                         <p:tgtEl>
                                           <p:spTgt spid="3"/>
                                         </p:tgtEl>
@@ -23986,7 +24242,7 @@
                                     </p:anim>
                                     <p:anim calcmode="lin" valueType="num">
                                       <p:cBhvr additive="base">
-                                        <p:cTn id="13" dur="500" fill="hold"/>
+                                        <p:cTn id="19" dur="500" fill="hold"/>
                                         <p:tgtEl>
                                           <p:spTgt spid="3"/>
                                         </p:tgtEl>
@@ -24073,8 +24329,8 @@
         </p:nvSpPr>
         <p:spPr bwMode="auto">
           <a:xfrm>
-            <a:off x="947420" y="940435"/>
-            <a:ext cx="10568940" cy="5115560"/>
+            <a:off x="803910" y="871220"/>
+            <a:ext cx="11344910" cy="5115560"/>
           </a:xfrm>
           <a:noFill/>
           <a:extLst>
@@ -24244,7 +24500,25 @@
                 </a:solidFill>
                 <a:sym typeface="+mn-ea"/>
               </a:rPr>
-              <a:t>- </a:t>
+              <a:t>- Set.prototype.keys( )</a:t>
+            </a:r>
+            <a:r>
+              <a:rPr kumimoji="0" lang="zh-CN" altLang="en-US" sz="2000" dirty="0" smtClean="0">
+                <a:solidFill>
+                  <a:schemeClr val="accent3"/>
+                </a:solidFill>
+                <a:sym typeface="+mn-ea"/>
+              </a:rPr>
+              <a:t>（注意返回的类型）</a:t>
+            </a:r>
+            <a:r>
+              <a:rPr kumimoji="0" lang="zh-CN" altLang="en-US" sz="2000" dirty="0" smtClean="0">
+                <a:solidFill>
+                  <a:schemeClr val="tx1"/>
+                </a:solidFill>
+                <a:sym typeface="+mn-ea"/>
+              </a:rPr>
+              <a:t>、Set.prototype.</a:t>
             </a:r>
             <a:r>
               <a:rPr kumimoji="0" lang="en-US" altLang="zh-CN" sz="2000" dirty="0" smtClean="0">
@@ -24253,7 +24527,7 @@
                 </a:solidFill>
                 <a:sym typeface="+mn-ea"/>
               </a:rPr>
-              <a:t>Set.prototype.keys( )</a:t>
+              <a:t>values( )</a:t>
             </a:r>
             <a:r>
               <a:rPr kumimoji="0" lang="zh-CN" altLang="en-US" sz="2000" dirty="0" smtClean="0">
@@ -24262,7 +24536,7 @@
                 </a:solidFill>
                 <a:sym typeface="+mn-ea"/>
               </a:rPr>
-              <a:t>、Set.prototype.</a:t>
+              <a:t>、</a:t>
             </a:r>
             <a:r>
               <a:rPr kumimoji="0" lang="en-US" altLang="zh-CN" sz="2000" dirty="0" smtClean="0">
@@ -24271,27 +24545,105 @@
                 </a:solidFill>
                 <a:sym typeface="+mn-ea"/>
               </a:rPr>
-              <a:t>values( )</a:t>
-            </a:r>
-            <a:r>
-              <a:rPr kumimoji="0" lang="zh-CN" altLang="en-US" sz="2000" dirty="0" smtClean="0">
-                <a:solidFill>
-                  <a:schemeClr val="tx1"/>
-                </a:solidFill>
-                <a:sym typeface="+mn-ea"/>
-              </a:rPr>
-              <a:t>、</a:t>
-            </a:r>
-            <a:r>
-              <a:rPr kumimoji="0" lang="en-US" altLang="zh-CN" sz="2000" dirty="0" smtClean="0">
-                <a:solidFill>
-                  <a:schemeClr val="tx1"/>
-                </a:solidFill>
-                <a:sym typeface="+mn-ea"/>
-              </a:rPr>
               <a:t>Set.prototype.entries( )</a:t>
             </a:r>
             <a:endParaRPr kumimoji="0" lang="zh-CN" altLang="en-US" sz="2000" dirty="0" smtClean="0">
+              <a:solidFill>
+                <a:schemeClr val="accent3"/>
+              </a:solidFill>
+              <a:sym typeface="+mn-ea"/>
+            </a:endParaRPr>
+          </a:p>
+          <a:p>
+            <a:pPr>
+              <a:lnSpc>
+                <a:spcPct val="130000"/>
+              </a:lnSpc>
+            </a:pPr>
+            <a:endParaRPr kumimoji="0" lang="zh-CN" altLang="en-US" sz="2000" dirty="0" smtClean="0">
+              <a:solidFill>
+                <a:schemeClr val="accent3"/>
+              </a:solidFill>
+              <a:sym typeface="+mn-ea"/>
+            </a:endParaRPr>
+          </a:p>
+          <a:p>
+            <a:pPr>
+              <a:lnSpc>
+                <a:spcPct val="130000"/>
+              </a:lnSpc>
+            </a:pPr>
+            <a:endParaRPr kumimoji="0" lang="en-US" altLang="zh-CN" sz="1900" dirty="0" smtClean="0">
+              <a:solidFill>
+                <a:schemeClr val="tx1"/>
+              </a:solidFill>
+              <a:sym typeface="+mn-ea"/>
+            </a:endParaRPr>
+          </a:p>
+          <a:p>
+            <a:pPr>
+              <a:lnSpc>
+                <a:spcPct val="130000"/>
+              </a:lnSpc>
+            </a:pPr>
+            <a:endParaRPr kumimoji="0" lang="en-US" altLang="zh-CN" sz="1900" dirty="0" smtClean="0">
+              <a:solidFill>
+                <a:schemeClr val="tx1"/>
+              </a:solidFill>
+              <a:sym typeface="+mn-ea"/>
+            </a:endParaRPr>
+          </a:p>
+          <a:p>
+            <a:pPr>
+              <a:lnSpc>
+                <a:spcPct val="130000"/>
+              </a:lnSpc>
+            </a:pPr>
+            <a:endParaRPr kumimoji="0" lang="en-US" altLang="zh-CN" sz="1900" dirty="0" smtClean="0">
+              <a:solidFill>
+                <a:schemeClr val="tx1"/>
+              </a:solidFill>
+              <a:sym typeface="+mn-ea"/>
+            </a:endParaRPr>
+          </a:p>
+          <a:p>
+            <a:pPr>
+              <a:lnSpc>
+                <a:spcPct val="130000"/>
+              </a:lnSpc>
+            </a:pPr>
+            <a:endParaRPr kumimoji="0" lang="en-US" altLang="zh-CN" sz="1900" dirty="0" smtClean="0">
+              <a:solidFill>
+                <a:schemeClr val="tx1"/>
+              </a:solidFill>
+              <a:sym typeface="+mn-ea"/>
+            </a:endParaRPr>
+          </a:p>
+          <a:p>
+            <a:pPr>
+              <a:lnSpc>
+                <a:spcPct val="130000"/>
+              </a:lnSpc>
+            </a:pPr>
+            <a:r>
+              <a:rPr kumimoji="0" lang="en-US" altLang="zh-CN" sz="3200" dirty="0" smtClean="0">
+                <a:solidFill>
+                  <a:schemeClr val="tx1"/>
+                </a:solidFill>
+                <a:sym typeface="+mn-ea"/>
+              </a:rPr>
+              <a:t>WeakSet</a:t>
+            </a:r>
+            <a:r>
+              <a:rPr kumimoji="0" lang="zh-CN" altLang="en-US" sz="3200" dirty="0" smtClean="0">
+                <a:solidFill>
+                  <a:schemeClr val="tx1"/>
+                </a:solidFill>
+                <a:sym typeface="+mn-ea"/>
+              </a:rPr>
+              <a:t>（成员只能是对象且都是弱引用，参阅回收机制）</a:t>
+            </a:r>
+            <a:endParaRPr kumimoji="0" lang="zh-CN" altLang="en-US" sz="3200" dirty="0" smtClean="0">
               <a:solidFill>
                 <a:schemeClr val="tx1"/>
               </a:solidFill>
@@ -24348,7 +24700,7 @@
               <a:rPr kumimoji="0" lang="zh-CN" altLang="en-US" dirty="0">
                 <a:sym typeface="+mn-ea"/>
               </a:rPr>
-              <a:t>新增数据结构（Map、Set）</a:t>
+              <a:t>新增数据结构（Set）</a:t>
             </a:r>
             <a:endParaRPr kumimoji="0" lang="zh-CN" altLang="en-US" dirty="0"/>
           </a:p>
@@ -24362,8 +24714,8 @@
         </p:nvSpPr>
         <p:spPr>
           <a:xfrm>
-            <a:off x="5194300" y="6065520"/>
-            <a:ext cx="5833745" cy="429895"/>
+            <a:off x="5194300" y="6137275"/>
+            <a:ext cx="6153785" cy="429895"/>
           </a:xfrm>
           <a:prstGeom prst="rect">
             <a:avLst/>
@@ -24404,9 +24756,19 @@
                 <a:latin typeface="+mn-ea"/>
                 <a:ea typeface="+mn-ea"/>
               </a:rPr>
-              <a:t>4</a:t>
-            </a:r>
-            <a:endParaRPr lang="en-US" sz="2200">
+              <a:t>4 Part2 Set</a:t>
+            </a:r>
+            <a:r>
+              <a:rPr lang="zh-CN" altLang="en-US" sz="2200">
+                <a:solidFill>
+                  <a:srgbClr val="FF0000"/>
+                </a:solidFill>
+                <a:latin typeface="+mn-ea"/>
+                <a:ea typeface="+mn-ea"/>
+              </a:rPr>
+              <a:t>相关的属性和方法</a:t>
+            </a:r>
+            <a:endParaRPr lang="zh-CN" altLang="en-US" sz="2200">
               <a:solidFill>
                 <a:srgbClr val="FF0000"/>
               </a:solidFill>
@@ -24416,6 +24778,30 @@
           </a:p>
         </p:txBody>
       </p:sp>
+      <p:pic>
+        <p:nvPicPr>
+          <p:cNvPr id="4" name="图片 3"/>
+          <p:cNvPicPr>
+            <a:picLocks noChangeAspect="1"/>
+          </p:cNvPicPr>
+          <p:nvPr/>
+        </p:nvPicPr>
+        <p:blipFill>
+          <a:blip r:embed="rId1"/>
+          <a:stretch>
+            <a:fillRect/>
+          </a:stretch>
+        </p:blipFill>
+        <p:spPr>
+          <a:xfrm>
+            <a:off x="1350010" y="3237865"/>
+            <a:ext cx="8818245" cy="2258695"/>
+          </a:xfrm>
+          <a:prstGeom prst="rect">
+            <a:avLst/>
+          </a:prstGeom>
+        </p:spPr>
+      </p:pic>
     </p:spTree>
   </p:cSld>
   <p:clrMapOvr>
@@ -24529,21 +24915,215 @@
                             </p:childTnLst>
                           </p:cTn>
                         </p:par>
+                      </p:childTnLst>
+                    </p:cTn>
+                  </p:par>
+                  <p:par>
+                    <p:cTn id="9" fill="hold">
+                      <p:stCondLst>
+                        <p:cond delay="indefinite"/>
+                      </p:stCondLst>
+                      <p:childTnLst>
                         <p:par>
-                          <p:cTn id="9" fill="hold">
+                          <p:cTn id="10" fill="hold">
                             <p:stCondLst>
-                              <p:cond delay="500"/>
+                              <p:cond delay="0"/>
                             </p:stCondLst>
                             <p:childTnLst>
                               <p:par>
-                                <p:cTn id="10" presetID="2" presetClass="entr" presetSubtype="4" fill="hold" grpId="0" nodeType="afterEffect">
+                                <p:cTn id="11" presetID="2" presetClass="entr" presetSubtype="4" fill="hold" nodeType="clickEffect">
                                   <p:stCondLst>
                                     <p:cond delay="0"/>
                                   </p:stCondLst>
                                   <p:childTnLst>
                                     <p:set>
                                       <p:cBhvr>
-                                        <p:cTn id="11" dur="1" fill="hold">
+                                        <p:cTn id="12" dur="1" fill="hold">
+                                          <p:stCondLst>
+                                            <p:cond delay="0"/>
+                                          </p:stCondLst>
+                                        </p:cTn>
+                                        <p:tgtEl>
+                                          <p:spTgt spid="4"/>
+                                        </p:tgtEl>
+                                        <p:attrNameLst>
+                                          <p:attrName>style.visibility</p:attrName>
+                                        </p:attrNameLst>
+                                      </p:cBhvr>
+                                      <p:to>
+                                        <p:strVal val="visible"/>
+                                      </p:to>
+                                    </p:set>
+                                    <p:anim calcmode="lin" valueType="num">
+                                      <p:cBhvr additive="base">
+                                        <p:cTn id="13" dur="500" fill="hold"/>
+                                        <p:tgtEl>
+                                          <p:spTgt spid="4"/>
+                                        </p:tgtEl>
+                                        <p:attrNameLst>
+                                          <p:attrName>ppt_x</p:attrName>
+                                        </p:attrNameLst>
+                                      </p:cBhvr>
+                                      <p:tavLst>
+                                        <p:tav tm="0">
+                                          <p:val>
+                                            <p:strVal val="#ppt_x"/>
+                                          </p:val>
+                                        </p:tav>
+                                        <p:tav tm="100000">
+                                          <p:val>
+                                            <p:strVal val="#ppt_x"/>
+                                          </p:val>
+                                        </p:tav>
+                                      </p:tavLst>
+                                    </p:anim>
+                                    <p:anim calcmode="lin" valueType="num">
+                                      <p:cBhvr additive="base">
+                                        <p:cTn id="14" dur="500" fill="hold"/>
+                                        <p:tgtEl>
+                                          <p:spTgt spid="4"/>
+                                        </p:tgtEl>
+                                        <p:attrNameLst>
+                                          <p:attrName>ppt_y</p:attrName>
+                                        </p:attrNameLst>
+                                      </p:cBhvr>
+                                      <p:tavLst>
+                                        <p:tav tm="0">
+                                          <p:val>
+                                            <p:strVal val="1+#ppt_h/2"/>
+                                          </p:val>
+                                        </p:tav>
+                                        <p:tav tm="100000">
+                                          <p:val>
+                                            <p:strVal val="#ppt_y"/>
+                                          </p:val>
+                                        </p:tav>
+                                      </p:tavLst>
+                                    </p:anim>
+                                  </p:childTnLst>
+                                </p:cTn>
+                              </p:par>
+                            </p:childTnLst>
+                          </p:cTn>
+                        </p:par>
+                      </p:childTnLst>
+                    </p:cTn>
+                  </p:par>
+                  <p:par>
+                    <p:cTn id="15" fill="hold">
+                      <p:stCondLst>
+                        <p:cond delay="indefinite"/>
+                      </p:stCondLst>
+                      <p:childTnLst>
+                        <p:par>
+                          <p:cTn id="16" fill="hold">
+                            <p:stCondLst>
+                              <p:cond delay="0"/>
+                            </p:stCondLst>
+                            <p:childTnLst>
+                              <p:par>
+                                <p:cTn id="17" presetID="2" presetClass="entr" presetSubtype="4" fill="hold" nodeType="clickEffect">
+                                  <p:stCondLst>
+                                    <p:cond delay="0"/>
+                                  </p:stCondLst>
+                                  <p:childTnLst>
+                                    <p:set>
+                                      <p:cBhvr>
+                                        <p:cTn id="18" dur="1" fill="hold">
+                                          <p:stCondLst>
+                                            <p:cond delay="0"/>
+                                          </p:stCondLst>
+                                        </p:cTn>
+                                        <p:tgtEl>
+                                          <p:spTgt spid="11266">
+                                            <p:txEl>
+                                              <p:pRg st="6" end="6"/>
+                                            </p:txEl>
+                                          </p:spTgt>
+                                        </p:tgtEl>
+                                        <p:attrNameLst>
+                                          <p:attrName>style.visibility</p:attrName>
+                                        </p:attrNameLst>
+                                      </p:cBhvr>
+                                      <p:to>
+                                        <p:strVal val="visible"/>
+                                      </p:to>
+                                    </p:set>
+                                    <p:anim calcmode="lin" valueType="num">
+                                      <p:cBhvr additive="base">
+                                        <p:cTn id="19" dur="500" fill="hold"/>
+                                        <p:tgtEl>
+                                          <p:spTgt spid="11266">
+                                            <p:txEl>
+                                              <p:pRg st="6" end="6"/>
+                                            </p:txEl>
+                                          </p:spTgt>
+                                        </p:tgtEl>
+                                        <p:attrNameLst>
+                                          <p:attrName>ppt_x</p:attrName>
+                                        </p:attrNameLst>
+                                      </p:cBhvr>
+                                      <p:tavLst>
+                                        <p:tav tm="0">
+                                          <p:val>
+                                            <p:strVal val="#ppt_x"/>
+                                          </p:val>
+                                        </p:tav>
+                                        <p:tav tm="100000">
+                                          <p:val>
+                                            <p:strVal val="#ppt_x"/>
+                                          </p:val>
+                                        </p:tav>
+                                      </p:tavLst>
+                                    </p:anim>
+                                    <p:anim calcmode="lin" valueType="num">
+                                      <p:cBhvr additive="base">
+                                        <p:cTn id="20" dur="500" fill="hold"/>
+                                        <p:tgtEl>
+                                          <p:spTgt spid="11266">
+                                            <p:txEl>
+                                              <p:pRg st="6" end="6"/>
+                                            </p:txEl>
+                                          </p:spTgt>
+                                        </p:tgtEl>
+                                        <p:attrNameLst>
+                                          <p:attrName>ppt_y</p:attrName>
+                                        </p:attrNameLst>
+                                      </p:cBhvr>
+                                      <p:tavLst>
+                                        <p:tav tm="0">
+                                          <p:val>
+                                            <p:strVal val="1+#ppt_h/2"/>
+                                          </p:val>
+                                        </p:tav>
+                                        <p:tav tm="100000">
+                                          <p:val>
+                                            <p:strVal val="#ppt_y"/>
+                                          </p:val>
+                                        </p:tav>
+                                      </p:tavLst>
+                                    </p:anim>
+                                  </p:childTnLst>
+                                </p:cTn>
+                              </p:par>
+                            </p:childTnLst>
+                          </p:cTn>
+                        </p:par>
+                        <p:par>
+                          <p:cTn id="21" fill="hold">
+                            <p:stCondLst>
+                              <p:cond delay="500"/>
+                            </p:stCondLst>
+                            <p:childTnLst>
+                              <p:par>
+                                <p:cTn id="22" presetID="2" presetClass="entr" presetSubtype="4" fill="hold" grpId="0" nodeType="afterEffect">
+                                  <p:stCondLst>
+                                    <p:cond delay="0"/>
+                                  </p:stCondLst>
+                                  <p:childTnLst>
+                                    <p:set>
+                                      <p:cBhvr>
+                                        <p:cTn id="23" dur="1" fill="hold">
                                           <p:stCondLst>
                                             <p:cond delay="0"/>
                                           </p:stCondLst>
@@ -24561,7 +25141,7 @@
                                     </p:set>
                                     <p:anim calcmode="lin" valueType="num">
                                       <p:cBhvr additive="base">
-                                        <p:cTn id="12" dur="500" fill="hold"/>
+                                        <p:cTn id="24" dur="500" fill="hold"/>
                                         <p:tgtEl>
                                           <p:spTgt spid="3"/>
                                         </p:tgtEl>
@@ -24584,7 +25164,7 @@
                                     </p:anim>
                                     <p:anim calcmode="lin" valueType="num">
                                       <p:cBhvr additive="base">
-                                        <p:cTn id="13" dur="500" fill="hold"/>
+                                        <p:cTn id="25" dur="500" fill="hold"/>
                                         <p:tgtEl>
                                           <p:spTgt spid="3"/>
                                         </p:tgtEl>
@@ -25217,7 +25797,7 @@
         </p:nvSpPr>
         <p:spPr bwMode="auto">
           <a:xfrm>
-            <a:off x="947420" y="940435"/>
+            <a:off x="947420" y="868680"/>
             <a:ext cx="10568940" cy="5115560"/>
           </a:xfrm>
           <a:noFill/>
@@ -25304,7 +25884,30 @@
               </a:rPr>
               <a:t>- Object结构提供了“字符串-值”的对应，Map结构提供了“值-值”的对应</a:t>
             </a:r>
-            <a:endParaRPr kumimoji="0" lang="en-US" altLang="zh-CN" sz="2000" dirty="0" smtClean="0">
+            <a:br>
+              <a:rPr kumimoji="0" lang="en-US" altLang="zh-CN" sz="2000" dirty="0" smtClean="0">
+                <a:solidFill>
+                  <a:schemeClr val="tx1"/>
+                </a:solidFill>
+              </a:rPr>
+            </a:br>
+            <a:r>
+              <a:rPr kumimoji="0" lang="en-US" altLang="zh-CN" sz="2000" dirty="0" smtClean="0">
+                <a:solidFill>
+                  <a:schemeClr val="tx1"/>
+                </a:solidFill>
+              </a:rPr>
+              <a:t>- Map也可以接受一个数组作为参数</a:t>
+            </a:r>
+            <a:r>
+              <a:rPr kumimoji="0" lang="zh-CN" altLang="en-US" sz="2000" dirty="0" smtClean="0">
+                <a:solidFill>
+                  <a:schemeClr val="tx1"/>
+                </a:solidFill>
+              </a:rPr>
+              <a:t>，组的成员是一个个表示键值对的数组</a:t>
+            </a:r>
+            <a:endParaRPr kumimoji="0" lang="zh-CN" altLang="en-US" sz="2000" dirty="0" smtClean="0">
               <a:solidFill>
                 <a:schemeClr val="tx1"/>
               </a:solidFill>
@@ -25360,7 +25963,7 @@
               <a:rPr kumimoji="0" lang="zh-CN" altLang="en-US" dirty="0">
                 <a:sym typeface="+mn-ea"/>
               </a:rPr>
-              <a:t>新增数据结构（Map、Set）</a:t>
+              <a:t>新增数据结构（Map）</a:t>
             </a:r>
             <a:endParaRPr kumimoji="0" lang="zh-CN" altLang="en-US" dirty="0"/>
           </a:p>
@@ -25374,8 +25977,8 @@
         </p:nvSpPr>
         <p:spPr>
           <a:xfrm>
-            <a:off x="5194300" y="6065520"/>
-            <a:ext cx="5833745" cy="429895"/>
+            <a:off x="5194300" y="6280785"/>
+            <a:ext cx="6092190" cy="429895"/>
           </a:xfrm>
           <a:prstGeom prst="rect">
             <a:avLst/>
@@ -25406,9 +26009,40 @@
                 <a:latin typeface="+mn-ea"/>
                 <a:ea typeface="+mn-ea"/>
               </a:rPr>
-              <a:t>demo15</a:t>
-            </a:r>
-            <a:endParaRPr lang="en-US" sz="2200">
+              <a:t>demo15 </a:t>
+            </a:r>
+            <a:r>
+              <a:rPr lang="en-US" sz="2200">
+                <a:solidFill>
+                  <a:srgbClr val="FF0000"/>
+                </a:solidFill>
+                <a:latin typeface="+mn-ea"/>
+                <a:ea typeface="+mn-ea"/>
+                <a:sym typeface="+mn-ea"/>
+              </a:rPr>
+              <a:t>Part1</a:t>
+            </a:r>
+            <a:r>
+              <a:rPr lang="en-US" altLang="zh-CN" sz="2200">
+                <a:solidFill>
+                  <a:srgbClr val="FF0000"/>
+                </a:solidFill>
+                <a:latin typeface="+mn-ea"/>
+                <a:ea typeface="+mn-ea"/>
+              </a:rPr>
+              <a:t> Map</a:t>
+            </a:r>
+            <a:r>
+              <a:rPr lang="zh-CN" altLang="en-US" sz="2200">
+                <a:solidFill>
+                  <a:srgbClr val="FF0000"/>
+                </a:solidFill>
+                <a:latin typeface="+mn-ea"/>
+                <a:ea typeface="+mn-ea"/>
+              </a:rPr>
+              <a:t>实例</a:t>
+            </a:r>
+            <a:endParaRPr lang="zh-CN" altLang="en-US" sz="2200">
               <a:solidFill>
                 <a:srgbClr val="FF0000"/>
               </a:solidFill>
@@ -25418,6 +26052,54 @@
           </a:p>
         </p:txBody>
       </p:sp>
+      <p:pic>
+        <p:nvPicPr>
+          <p:cNvPr id="4" name="图片 3"/>
+          <p:cNvPicPr>
+            <a:picLocks noChangeAspect="1"/>
+          </p:cNvPicPr>
+          <p:nvPr/>
+        </p:nvPicPr>
+        <p:blipFill>
+          <a:blip r:embed="rId1"/>
+          <a:stretch>
+            <a:fillRect/>
+          </a:stretch>
+        </p:blipFill>
+        <p:spPr>
+          <a:xfrm>
+            <a:off x="1167130" y="2814955"/>
+            <a:ext cx="4286885" cy="2339340"/>
+          </a:xfrm>
+          <a:prstGeom prst="rect">
+            <a:avLst/>
+          </a:prstGeom>
+        </p:spPr>
+      </p:pic>
+      <p:pic>
+        <p:nvPicPr>
+          <p:cNvPr id="6" name="图片 5"/>
+          <p:cNvPicPr>
+            <a:picLocks noChangeAspect="1"/>
+          </p:cNvPicPr>
+          <p:nvPr/>
+        </p:nvPicPr>
+        <p:blipFill>
+          <a:blip r:embed="rId2"/>
+          <a:stretch>
+            <a:fillRect/>
+          </a:stretch>
+        </p:blipFill>
+        <p:spPr>
+          <a:xfrm>
+            <a:off x="5927090" y="2814955"/>
+            <a:ext cx="4140200" cy="3389630"/>
+          </a:xfrm>
+          <a:prstGeom prst="rect">
+            <a:avLst/>
+          </a:prstGeom>
+        </p:spPr>
+      </p:pic>
     </p:spTree>
   </p:cSld>
   <p:clrMapOvr>
@@ -25531,21 +26213,203 @@
                             </p:childTnLst>
                           </p:cTn>
                         </p:par>
+                      </p:childTnLst>
+                    </p:cTn>
+                  </p:par>
+                  <p:par>
+                    <p:cTn id="9" fill="hold">
+                      <p:stCondLst>
+                        <p:cond delay="indefinite"/>
+                      </p:stCondLst>
+                      <p:childTnLst>
                         <p:par>
-                          <p:cTn id="9" fill="hold">
+                          <p:cTn id="10" fill="hold">
                             <p:stCondLst>
-                              <p:cond delay="500"/>
+                              <p:cond delay="0"/>
                             </p:stCondLst>
                             <p:childTnLst>
                               <p:par>
-                                <p:cTn id="10" presetID="2" presetClass="entr" presetSubtype="4" fill="hold" grpId="0" nodeType="afterEffect">
+                                <p:cTn id="11" presetID="2" presetClass="entr" presetSubtype="4" fill="hold" nodeType="clickEffect">
                                   <p:stCondLst>
                                     <p:cond delay="0"/>
                                   </p:stCondLst>
                                   <p:childTnLst>
                                     <p:set>
                                       <p:cBhvr>
-                                        <p:cTn id="11" dur="1" fill="hold">
+                                        <p:cTn id="12" dur="1" fill="hold">
+                                          <p:stCondLst>
+                                            <p:cond delay="0"/>
+                                          </p:stCondLst>
+                                        </p:cTn>
+                                        <p:tgtEl>
+                                          <p:spTgt spid="4"/>
+                                        </p:tgtEl>
+                                        <p:attrNameLst>
+                                          <p:attrName>style.visibility</p:attrName>
+                                        </p:attrNameLst>
+                                      </p:cBhvr>
+                                      <p:to>
+                                        <p:strVal val="visible"/>
+                                      </p:to>
+                                    </p:set>
+                                    <p:anim calcmode="lin" valueType="num">
+                                      <p:cBhvr additive="base">
+                                        <p:cTn id="13" dur="500" fill="hold"/>
+                                        <p:tgtEl>
+                                          <p:spTgt spid="4"/>
+                                        </p:tgtEl>
+                                        <p:attrNameLst>
+                                          <p:attrName>ppt_x</p:attrName>
+                                        </p:attrNameLst>
+                                      </p:cBhvr>
+                                      <p:tavLst>
+                                        <p:tav tm="0">
+                                          <p:val>
+                                            <p:strVal val="#ppt_x"/>
+                                          </p:val>
+                                        </p:tav>
+                                        <p:tav tm="100000">
+                                          <p:val>
+                                            <p:strVal val="#ppt_x"/>
+                                          </p:val>
+                                        </p:tav>
+                                      </p:tavLst>
+                                    </p:anim>
+                                    <p:anim calcmode="lin" valueType="num">
+                                      <p:cBhvr additive="base">
+                                        <p:cTn id="14" dur="500" fill="hold"/>
+                                        <p:tgtEl>
+                                          <p:spTgt spid="4"/>
+                                        </p:tgtEl>
+                                        <p:attrNameLst>
+                                          <p:attrName>ppt_y</p:attrName>
+                                        </p:attrNameLst>
+                                      </p:cBhvr>
+                                      <p:tavLst>
+                                        <p:tav tm="0">
+                                          <p:val>
+                                            <p:strVal val="1+#ppt_h/2"/>
+                                          </p:val>
+                                        </p:tav>
+                                        <p:tav tm="100000">
+                                          <p:val>
+                                            <p:strVal val="#ppt_y"/>
+                                          </p:val>
+                                        </p:tav>
+                                      </p:tavLst>
+                                    </p:anim>
+                                  </p:childTnLst>
+                                </p:cTn>
+                              </p:par>
+                            </p:childTnLst>
+                          </p:cTn>
+                        </p:par>
+                      </p:childTnLst>
+                    </p:cTn>
+                  </p:par>
+                  <p:par>
+                    <p:cTn id="15" fill="hold">
+                      <p:stCondLst>
+                        <p:cond delay="indefinite"/>
+                      </p:stCondLst>
+                      <p:childTnLst>
+                        <p:par>
+                          <p:cTn id="16" fill="hold">
+                            <p:stCondLst>
+                              <p:cond delay="0"/>
+                            </p:stCondLst>
+                            <p:childTnLst>
+                              <p:par>
+                                <p:cTn id="17" presetID="2" presetClass="entr" presetSubtype="4" fill="hold" nodeType="clickEffect">
+                                  <p:stCondLst>
+                                    <p:cond delay="0"/>
+                                  </p:stCondLst>
+                                  <p:childTnLst>
+                                    <p:set>
+                                      <p:cBhvr>
+                                        <p:cTn id="18" dur="1" fill="hold">
+                                          <p:stCondLst>
+                                            <p:cond delay="0"/>
+                                          </p:stCondLst>
+                                        </p:cTn>
+                                        <p:tgtEl>
+                                          <p:spTgt spid="6"/>
+                                        </p:tgtEl>
+                                        <p:attrNameLst>
+                                          <p:attrName>style.visibility</p:attrName>
+                                        </p:attrNameLst>
+                                      </p:cBhvr>
+                                      <p:to>
+                                        <p:strVal val="visible"/>
+                                      </p:to>
+                                    </p:set>
+                                    <p:anim calcmode="lin" valueType="num">
+                                      <p:cBhvr additive="base">
+                                        <p:cTn id="19" dur="500" fill="hold"/>
+                                        <p:tgtEl>
+                                          <p:spTgt spid="6"/>
+                                        </p:tgtEl>
+                                        <p:attrNameLst>
+                                          <p:attrName>ppt_x</p:attrName>
+                                        </p:attrNameLst>
+                                      </p:cBhvr>
+                                      <p:tavLst>
+                                        <p:tav tm="0">
+                                          <p:val>
+                                            <p:strVal val="#ppt_x"/>
+                                          </p:val>
+                                        </p:tav>
+                                        <p:tav tm="100000">
+                                          <p:val>
+                                            <p:strVal val="#ppt_x"/>
+                                          </p:val>
+                                        </p:tav>
+                                      </p:tavLst>
+                                    </p:anim>
+                                    <p:anim calcmode="lin" valueType="num">
+                                      <p:cBhvr additive="base">
+                                        <p:cTn id="20" dur="500" fill="hold"/>
+                                        <p:tgtEl>
+                                          <p:spTgt spid="6"/>
+                                        </p:tgtEl>
+                                        <p:attrNameLst>
+                                          <p:attrName>ppt_y</p:attrName>
+                                        </p:attrNameLst>
+                                      </p:cBhvr>
+                                      <p:tavLst>
+                                        <p:tav tm="0">
+                                          <p:val>
+                                            <p:strVal val="1+#ppt_h/2"/>
+                                          </p:val>
+                                        </p:tav>
+                                        <p:tav tm="100000">
+                                          <p:val>
+                                            <p:strVal val="#ppt_y"/>
+                                          </p:val>
+                                        </p:tav>
+                                      </p:tavLst>
+                                    </p:anim>
+                                  </p:childTnLst>
+                                </p:cTn>
+                              </p:par>
+                            </p:childTnLst>
+                          </p:cTn>
+                        </p:par>
+                        <p:par>
+                          <p:cTn id="21" fill="hold">
+                            <p:stCondLst>
+                              <p:cond delay="500"/>
+                            </p:stCondLst>
+                            <p:childTnLst>
+                              <p:par>
+                                <p:cTn id="22" presetID="2" presetClass="entr" presetSubtype="4" fill="hold" grpId="0" nodeType="afterEffect">
+                                  <p:stCondLst>
+                                    <p:cond delay="0"/>
+                                  </p:stCondLst>
+                                  <p:childTnLst>
+                                    <p:set>
+                                      <p:cBhvr>
+                                        <p:cTn id="23" dur="1" fill="hold">
                                           <p:stCondLst>
                                             <p:cond delay="0"/>
                                           </p:stCondLst>
@@ -25563,7 +26427,7 @@
                                     </p:set>
                                     <p:anim calcmode="lin" valueType="num">
                                       <p:cBhvr additive="base">
-                                        <p:cTn id="12" dur="500" fill="hold"/>
+                                        <p:cTn id="24" dur="500" fill="hold"/>
                                         <p:tgtEl>
                                           <p:spTgt spid="3"/>
                                         </p:tgtEl>
@@ -25586,7 +26450,7 @@
                                     </p:anim>
                                     <p:anim calcmode="lin" valueType="num">
                                       <p:cBhvr additive="base">
-                                        <p:cTn id="13" dur="500" fill="hold"/>
+                                        <p:cTn id="25" dur="500" fill="hold"/>
                                         <p:tgtEl>
                                           <p:spTgt spid="3"/>
                                         </p:tgtEl>
@@ -25673,8 +26537,8 @@
         </p:nvSpPr>
         <p:spPr bwMode="auto">
           <a:xfrm>
-            <a:off x="947420" y="940435"/>
-            <a:ext cx="10568940" cy="5115560"/>
+            <a:off x="588645" y="868680"/>
+            <a:ext cx="11648440" cy="5115560"/>
           </a:xfrm>
           <a:noFill/>
           <a:extLst>
@@ -25737,11 +26601,179 @@
               </a:rPr>
               <a:t>- Map.prototype.size</a:t>
             </a:r>
+            <a:r>
+              <a:rPr kumimoji="0" lang="zh-CN" altLang="en-US" sz="2000" dirty="0" smtClean="0">
+                <a:solidFill>
+                  <a:schemeClr val="tx1"/>
+                </a:solidFill>
+              </a:rPr>
+              <a:t>、</a:t>
+            </a:r>
+            <a:r>
+              <a:rPr kumimoji="0" lang="en-US" altLang="zh-CN" sz="2000" dirty="0" smtClean="0">
+                <a:solidFill>
+                  <a:schemeClr val="tx1"/>
+                </a:solidFill>
+                <a:sym typeface="+mn-ea"/>
+              </a:rPr>
+              <a:t>Map.prototype.set(key</a:t>
+            </a:r>
+            <a:r>
+              <a:rPr kumimoji="0" lang="zh-CN" altLang="en-US" sz="2000" dirty="0" smtClean="0">
+                <a:solidFill>
+                  <a:schemeClr val="tx1"/>
+                </a:solidFill>
+                <a:sym typeface="+mn-ea"/>
+              </a:rPr>
+              <a:t>、</a:t>
+            </a:r>
+            <a:r>
+              <a:rPr kumimoji="0" lang="en-US" altLang="zh-CN" sz="2000" dirty="0" smtClean="0">
+                <a:solidFill>
+                  <a:schemeClr val="tx1"/>
+                </a:solidFill>
+                <a:sym typeface="+mn-ea"/>
+              </a:rPr>
+              <a:t>value)</a:t>
+            </a:r>
+            <a:r>
+              <a:rPr kumimoji="0" lang="zh-CN" altLang="en-US" sz="2000" dirty="0" smtClean="0">
+                <a:solidFill>
+                  <a:schemeClr val="tx1"/>
+                </a:solidFill>
+                <a:sym typeface="+mn-ea"/>
+              </a:rPr>
+              <a:t>、</a:t>
+            </a:r>
+            <a:r>
+              <a:rPr kumimoji="0" lang="en-US" altLang="zh-CN" sz="2000" dirty="0" smtClean="0">
+                <a:solidFill>
+                  <a:schemeClr val="tx1"/>
+                </a:solidFill>
+                <a:sym typeface="+mn-ea"/>
+              </a:rPr>
+              <a:t>Map</a:t>
+            </a:r>
+            <a:r>
+              <a:rPr kumimoji="0" lang="zh-CN" altLang="en-US" sz="2000" dirty="0" smtClean="0">
+                <a:solidFill>
+                  <a:schemeClr val="tx1"/>
+                </a:solidFill>
+                <a:sym typeface="+mn-ea"/>
+              </a:rPr>
+              <a:t>.prototype.</a:t>
+            </a:r>
+            <a:r>
+              <a:rPr kumimoji="0" lang="en-US" altLang="zh-CN" sz="2000" dirty="0" smtClean="0">
+                <a:solidFill>
+                  <a:schemeClr val="tx1"/>
+                </a:solidFill>
+                <a:sym typeface="+mn-ea"/>
+              </a:rPr>
+              <a:t>get(key)</a:t>
+            </a:r>
+            <a:br>
+              <a:rPr kumimoji="0" lang="zh-CN" altLang="en-US" sz="2000" dirty="0" smtClean="0">
+                <a:solidFill>
+                  <a:schemeClr val="tx1"/>
+                </a:solidFill>
+              </a:rPr>
+            </a:br>
+            <a:r>
+              <a:rPr kumimoji="0" lang="en-US" altLang="zh-CN" sz="2000" dirty="0" smtClean="0">
+                <a:solidFill>
+                  <a:schemeClr val="tx1"/>
+                </a:solidFill>
+              </a:rPr>
+              <a:t>- </a:t>
+            </a:r>
+            <a:r>
+              <a:rPr kumimoji="0" lang="en-US" altLang="zh-CN" sz="2000" dirty="0" smtClean="0">
+                <a:solidFill>
+                  <a:schemeClr val="tx1"/>
+                </a:solidFill>
+                <a:sym typeface="+mn-ea"/>
+              </a:rPr>
+              <a:t>Map.prototype.has(key)</a:t>
+            </a:r>
+            <a:r>
+              <a:rPr kumimoji="0" lang="zh-CN" altLang="en-US" sz="2000" dirty="0" smtClean="0">
+                <a:solidFill>
+                  <a:schemeClr val="tx1"/>
+                </a:solidFill>
+                <a:sym typeface="+mn-ea"/>
+              </a:rPr>
+              <a:t>、</a:t>
+            </a:r>
+            <a:r>
+              <a:rPr kumimoji="0" lang="en-US" altLang="zh-CN" sz="2000" dirty="0" smtClean="0">
+                <a:solidFill>
+                  <a:schemeClr val="tx1"/>
+                </a:solidFill>
+                <a:sym typeface="+mn-ea"/>
+              </a:rPr>
+              <a:t>Map</a:t>
+            </a:r>
+            <a:r>
+              <a:rPr kumimoji="0" lang="zh-CN" altLang="en-US" sz="2000" dirty="0" smtClean="0">
+                <a:solidFill>
+                  <a:schemeClr val="tx1"/>
+                </a:solidFill>
+                <a:sym typeface="+mn-ea"/>
+              </a:rPr>
+              <a:t>.prototype.</a:t>
+            </a:r>
+            <a:r>
+              <a:rPr kumimoji="0" lang="en-US" altLang="zh-CN" sz="2000" dirty="0" smtClean="0">
+                <a:solidFill>
+                  <a:schemeClr val="tx1"/>
+                </a:solidFill>
+                <a:sym typeface="+mn-ea"/>
+              </a:rPr>
+              <a:t>delete(key)</a:t>
+            </a:r>
+            <a:r>
+              <a:rPr kumimoji="0" lang="zh-CN" altLang="en-US" sz="2000" dirty="0" smtClean="0">
+                <a:solidFill>
+                  <a:schemeClr val="tx1"/>
+                </a:solidFill>
+                <a:sym typeface="+mn-ea"/>
+              </a:rPr>
+              <a:t>、</a:t>
+            </a:r>
+            <a:r>
+              <a:rPr kumimoji="0" lang="en-US" altLang="zh-CN" sz="2000" dirty="0" smtClean="0">
+                <a:solidFill>
+                  <a:schemeClr val="tx1"/>
+                </a:solidFill>
+                <a:sym typeface="+mn-ea"/>
+              </a:rPr>
+              <a:t>Map</a:t>
+            </a:r>
+            <a:r>
+              <a:rPr kumimoji="0" lang="zh-CN" altLang="en-US" sz="2000" dirty="0" smtClean="0">
+                <a:solidFill>
+                  <a:schemeClr val="tx1"/>
+                </a:solidFill>
+                <a:sym typeface="+mn-ea"/>
+              </a:rPr>
+              <a:t>.prototype.</a:t>
+            </a:r>
+            <a:r>
+              <a:rPr kumimoji="0" lang="en-US" altLang="zh-CN" sz="2000" dirty="0" smtClean="0">
+                <a:solidFill>
+                  <a:schemeClr val="tx1"/>
+                </a:solidFill>
+                <a:sym typeface="+mn-ea"/>
+              </a:rPr>
+              <a:t>clear( )</a:t>
+            </a:r>
             <a:br>
               <a:rPr kumimoji="0" lang="en-US" altLang="zh-CN" sz="2000" dirty="0" smtClean="0">
                 <a:solidFill>
                   <a:schemeClr val="tx1"/>
                 </a:solidFill>
+                <a:sym typeface="+mn-ea"/>
               </a:rPr>
             </a:br>
             <a:r>
@@ -25749,8 +26781,27 @@
                 <a:solidFill>
                   <a:schemeClr val="tx1"/>
                 </a:solidFill>
-              </a:rPr>
-              <a:t>- </a:t>
+                <a:sym typeface="+mn-ea"/>
+              </a:rPr>
+              <a:t>- Map.prototype.keys( )</a:t>
+            </a:r>
+            <a:r>
+              <a:rPr kumimoji="0" lang="zh-CN" altLang="en-US" sz="2000" dirty="0" smtClean="0">
+                <a:solidFill>
+                  <a:schemeClr val="accent3"/>
+                </a:solidFill>
+                <a:sym typeface="+mn-ea"/>
+              </a:rPr>
+              <a:t>（注意返回类型）</a:t>
+            </a:r>
+            <a:r>
+              <a:rPr kumimoji="0" lang="zh-CN" altLang="en-US" sz="2000" dirty="0" smtClean="0">
+                <a:solidFill>
+                  <a:schemeClr val="tx1"/>
+                </a:solidFill>
+                <a:sym typeface="+mn-ea"/>
+              </a:rPr>
+              <a:t>、</a:t>
             </a:r>
             <a:r>
               <a:rPr kumimoji="0" lang="en-US" altLang="zh-CN" sz="2000" dirty="0" smtClean="0">
@@ -25762,13 +26813,22 @@
               <a:t>Map</a:t>
             </a:r>
             <a:r>
+              <a:rPr kumimoji="0" lang="zh-CN" altLang="en-US" sz="2000" dirty="0" smtClean="0">
+                <a:solidFill>
+                  <a:schemeClr val="tx1"/>
+                </a:solidFill>
+                <a:sym typeface="+mn-ea"/>
+              </a:rPr>
+              <a:t>.prototype.</a:t>
+            </a:r>
+            <a:r>
               <a:rPr kumimoji="0" lang="en-US" altLang="zh-CN" sz="2000" dirty="0" smtClean="0">
                 <a:solidFill>
                   <a:schemeClr val="tx1"/>
                 </a:solidFill>
                 <a:sym typeface="+mn-ea"/>
               </a:rPr>
-              <a:t>.prototype.set(key</a:t>
+              <a:t>values( )</a:t>
             </a:r>
             <a:r>
               <a:rPr kumimoji="0" lang="zh-CN" altLang="en-US" sz="2000" dirty="0" smtClean="0">
@@ -25786,257 +26846,118 @@
                 </a:solidFill>
                 <a:sym typeface="+mn-ea"/>
               </a:rPr>
-              <a:t>value)</a:t>
-            </a:r>
-            <a:r>
-              <a:rPr kumimoji="0" lang="zh-CN" altLang="en-US" sz="2000" dirty="0" smtClean="0">
-                <a:solidFill>
-                  <a:schemeClr val="tx1"/>
-                </a:solidFill>
-                <a:sym typeface="+mn-ea"/>
-              </a:rPr>
-              <a:t>、</a:t>
-            </a:r>
-            <a:r>
-              <a:rPr kumimoji="0" lang="en-US" altLang="zh-CN" sz="2000" dirty="0" smtClean="0">
-                <a:solidFill>
-                  <a:schemeClr val="tx1"/>
-                </a:solidFill>
-                <a:sym typeface="+mn-ea"/>
-              </a:rPr>
-              <a:t>Map</a:t>
-            </a:r>
-            <a:r>
-              <a:rPr kumimoji="0" lang="zh-CN" altLang="en-US" sz="2000" dirty="0" smtClean="0">
-                <a:solidFill>
-                  <a:schemeClr val="tx1"/>
-                </a:solidFill>
-                <a:sym typeface="+mn-ea"/>
-              </a:rPr>
-              <a:t>.prototype.</a:t>
-            </a:r>
-            <a:r>
-              <a:rPr kumimoji="0" lang="en-US" altLang="zh-CN" sz="2000" dirty="0" smtClean="0">
-                <a:solidFill>
-                  <a:schemeClr val="tx1"/>
-                </a:solidFill>
-                <a:sym typeface="+mn-ea"/>
-              </a:rPr>
-              <a:t>get(key)</a:t>
-            </a:r>
-            <a:br>
-              <a:rPr kumimoji="0" lang="zh-CN" altLang="en-US" sz="2000" dirty="0" smtClean="0">
-                <a:solidFill>
-                  <a:schemeClr val="tx1"/>
-                </a:solidFill>
-              </a:rPr>
-            </a:br>
-            <a:r>
-              <a:rPr kumimoji="0" lang="en-US" altLang="zh-CN" sz="2000" dirty="0" smtClean="0">
-                <a:solidFill>
-                  <a:schemeClr val="tx1"/>
-                </a:solidFill>
-              </a:rPr>
-              <a:t>- </a:t>
-            </a:r>
-            <a:r>
-              <a:rPr kumimoji="0" lang="en-US" altLang="zh-CN" sz="2000" dirty="0" smtClean="0">
-                <a:solidFill>
-                  <a:schemeClr val="tx1"/>
-                </a:solidFill>
-                <a:sym typeface="+mn-ea"/>
-              </a:rPr>
-              <a:t>Map</a:t>
-            </a:r>
-            <a:r>
-              <a:rPr kumimoji="0" lang="en-US" altLang="zh-CN" sz="2000" dirty="0" smtClean="0">
-                <a:solidFill>
-                  <a:schemeClr val="tx1"/>
-                </a:solidFill>
-                <a:sym typeface="+mn-ea"/>
-              </a:rPr>
-              <a:t>.prototype.has(key)</a:t>
-            </a:r>
-            <a:r>
-              <a:rPr kumimoji="0" lang="zh-CN" altLang="en-US" sz="2000" dirty="0" smtClean="0">
-                <a:solidFill>
-                  <a:schemeClr val="tx1"/>
-                </a:solidFill>
-                <a:sym typeface="+mn-ea"/>
-              </a:rPr>
-              <a:t>、</a:t>
-            </a:r>
-            <a:r>
-              <a:rPr kumimoji="0" lang="en-US" altLang="zh-CN" sz="2000" dirty="0" smtClean="0">
-                <a:solidFill>
-                  <a:schemeClr val="tx1"/>
-                </a:solidFill>
-                <a:sym typeface="+mn-ea"/>
-              </a:rPr>
-              <a:t>Map</a:t>
-            </a:r>
-            <a:r>
-              <a:rPr kumimoji="0" lang="zh-CN" altLang="en-US" sz="2000" dirty="0" smtClean="0">
-                <a:solidFill>
-                  <a:schemeClr val="tx1"/>
-                </a:solidFill>
-                <a:sym typeface="+mn-ea"/>
-              </a:rPr>
-              <a:t>.prototype.</a:t>
-            </a:r>
-            <a:r>
-              <a:rPr kumimoji="0" lang="en-US" altLang="zh-CN" sz="2000" dirty="0" smtClean="0">
-                <a:solidFill>
-                  <a:schemeClr val="tx1"/>
-                </a:solidFill>
-                <a:sym typeface="+mn-ea"/>
-              </a:rPr>
-              <a:t>delete(key)</a:t>
-            </a:r>
-            <a:r>
-              <a:rPr kumimoji="0" lang="zh-CN" altLang="en-US" sz="2000" dirty="0" smtClean="0">
-                <a:solidFill>
-                  <a:schemeClr val="tx1"/>
-                </a:solidFill>
-                <a:sym typeface="+mn-ea"/>
-              </a:rPr>
-              <a:t>、</a:t>
-            </a:r>
-            <a:r>
-              <a:rPr kumimoji="0" lang="en-US" altLang="zh-CN" sz="2000" dirty="0" smtClean="0">
-                <a:solidFill>
-                  <a:schemeClr val="tx1"/>
-                </a:solidFill>
-                <a:sym typeface="+mn-ea"/>
-              </a:rPr>
-              <a:t>Map</a:t>
-            </a:r>
-            <a:r>
-              <a:rPr kumimoji="0" lang="zh-CN" altLang="en-US" sz="2000" dirty="0" smtClean="0">
-                <a:solidFill>
-                  <a:schemeClr val="tx1"/>
-                </a:solidFill>
-                <a:sym typeface="+mn-ea"/>
-              </a:rPr>
-              <a:t>.prototype.</a:t>
-            </a:r>
-            <a:r>
-              <a:rPr kumimoji="0" lang="en-US" altLang="zh-CN" sz="2000" dirty="0" smtClean="0">
-                <a:solidFill>
-                  <a:schemeClr val="tx1"/>
-                </a:solidFill>
-                <a:sym typeface="+mn-ea"/>
-              </a:rPr>
-              <a:t>clear</a:t>
-            </a:r>
-            <a:r>
-              <a:rPr kumimoji="0" lang="en-US" altLang="zh-CN" sz="2000" dirty="0" smtClean="0">
-                <a:solidFill>
-                  <a:schemeClr val="tx1"/>
-                </a:solidFill>
-                <a:sym typeface="+mn-ea"/>
-              </a:rPr>
-              <a:t>( )</a:t>
-            </a:r>
-            <a:br>
-              <a:rPr kumimoji="0" lang="en-US" altLang="zh-CN" sz="2000" dirty="0" smtClean="0">
-                <a:solidFill>
-                  <a:schemeClr val="tx1"/>
-                </a:solidFill>
-                <a:sym typeface="+mn-ea"/>
-              </a:rPr>
-            </a:br>
-            <a:r>
-              <a:rPr kumimoji="0" lang="en-US" altLang="zh-CN" sz="2000" dirty="0" smtClean="0">
-                <a:solidFill>
-                  <a:schemeClr val="tx1"/>
-                </a:solidFill>
-                <a:sym typeface="+mn-ea"/>
-              </a:rPr>
-              <a:t>- </a:t>
-            </a:r>
-            <a:r>
-              <a:rPr kumimoji="0" lang="en-US" altLang="zh-CN" sz="2000" dirty="0" smtClean="0">
-                <a:solidFill>
-                  <a:schemeClr val="tx1"/>
-                </a:solidFill>
-                <a:sym typeface="+mn-ea"/>
-              </a:rPr>
-              <a:t>Map</a:t>
-            </a:r>
-            <a:r>
-              <a:rPr kumimoji="0" lang="en-US" altLang="zh-CN" sz="2000" dirty="0" smtClean="0">
-                <a:solidFill>
-                  <a:schemeClr val="tx1"/>
-                </a:solidFill>
-                <a:sym typeface="+mn-ea"/>
-              </a:rPr>
-              <a:t>.prototype.keys( )</a:t>
-            </a:r>
-            <a:r>
-              <a:rPr kumimoji="0" lang="zh-CN" altLang="en-US" sz="2000" dirty="0" smtClean="0">
-                <a:solidFill>
-                  <a:schemeClr val="tx1"/>
-                </a:solidFill>
-                <a:sym typeface="+mn-ea"/>
-              </a:rPr>
-              <a:t>、</a:t>
-            </a:r>
-            <a:r>
-              <a:rPr kumimoji="0" lang="en-US" altLang="zh-CN" sz="2000" dirty="0" smtClean="0">
-                <a:solidFill>
-                  <a:schemeClr val="tx1"/>
-                </a:solidFill>
-                <a:sym typeface="+mn-ea"/>
-              </a:rPr>
-              <a:t>Map</a:t>
-            </a:r>
-            <a:r>
-              <a:rPr kumimoji="0" lang="zh-CN" altLang="en-US" sz="2000" dirty="0" smtClean="0">
-                <a:solidFill>
-                  <a:schemeClr val="tx1"/>
-                </a:solidFill>
-                <a:sym typeface="+mn-ea"/>
-              </a:rPr>
-              <a:t>.prototype.</a:t>
-            </a:r>
-            <a:r>
-              <a:rPr kumimoji="0" lang="en-US" altLang="zh-CN" sz="2000" dirty="0" smtClean="0">
-                <a:solidFill>
-                  <a:schemeClr val="tx1"/>
-                </a:solidFill>
-                <a:sym typeface="+mn-ea"/>
-              </a:rPr>
-              <a:t>values( )</a:t>
-            </a:r>
-            <a:r>
-              <a:rPr kumimoji="0" lang="zh-CN" altLang="en-US" sz="2000" dirty="0" smtClean="0">
-                <a:solidFill>
-                  <a:schemeClr val="tx1"/>
-                </a:solidFill>
-                <a:sym typeface="+mn-ea"/>
-              </a:rPr>
-              <a:t>、</a:t>
-            </a:r>
-            <a:r>
-              <a:rPr kumimoji="0" lang="en-US" altLang="zh-CN" sz="2000" dirty="0" smtClean="0">
-                <a:solidFill>
-                  <a:schemeClr val="tx1"/>
-                </a:solidFill>
-                <a:sym typeface="+mn-ea"/>
-              </a:rPr>
-              <a:t>Map</a:t>
-            </a:r>
-            <a:r>
-              <a:rPr kumimoji="0" lang="en-US" altLang="zh-CN" sz="2000" dirty="0" smtClean="0">
-                <a:solidFill>
-                  <a:schemeClr val="tx1"/>
-                </a:solidFill>
-                <a:sym typeface="+mn-ea"/>
-              </a:rPr>
-              <a:t>.prototype.entries( )</a:t>
+              <a:t>Map.prototype.entries( )</a:t>
             </a:r>
             <a:endParaRPr kumimoji="0" lang="zh-CN" altLang="en-US" sz="2000" dirty="0" smtClean="0">
+              <a:solidFill>
+                <a:schemeClr val="accent3"/>
+              </a:solidFill>
+              <a:sym typeface="+mn-ea"/>
+            </a:endParaRPr>
+          </a:p>
+          <a:p>
+            <a:pPr>
+              <a:lnSpc>
+                <a:spcPct val="130000"/>
+              </a:lnSpc>
+            </a:pPr>
+            <a:endParaRPr kumimoji="0" lang="en-US" altLang="zh-CN" sz="2000" dirty="0" smtClean="0">
+              <a:solidFill>
+                <a:schemeClr val="tx1"/>
+              </a:solidFill>
+              <a:sym typeface="+mn-ea"/>
+            </a:endParaRPr>
+          </a:p>
+          <a:p>
+            <a:pPr>
+              <a:lnSpc>
+                <a:spcPct val="130000"/>
+              </a:lnSpc>
+            </a:pPr>
+            <a:endParaRPr kumimoji="0" lang="en-US" altLang="zh-CN" sz="1900" dirty="0" smtClean="0">
+              <a:solidFill>
+                <a:schemeClr val="tx1"/>
+              </a:solidFill>
+              <a:sym typeface="+mn-ea"/>
+            </a:endParaRPr>
+          </a:p>
+          <a:p>
+            <a:pPr>
+              <a:lnSpc>
+                <a:spcPct val="130000"/>
+              </a:lnSpc>
+            </a:pPr>
+            <a:endParaRPr kumimoji="0" lang="en-US" altLang="zh-CN" sz="1900" dirty="0" smtClean="0">
+              <a:solidFill>
+                <a:schemeClr val="tx1"/>
+              </a:solidFill>
+              <a:sym typeface="+mn-ea"/>
+            </a:endParaRPr>
+          </a:p>
+          <a:p>
+            <a:pPr>
+              <a:lnSpc>
+                <a:spcPct val="130000"/>
+              </a:lnSpc>
+            </a:pPr>
+            <a:endParaRPr kumimoji="0" lang="en-US" altLang="zh-CN" sz="1900" dirty="0" smtClean="0">
+              <a:solidFill>
+                <a:schemeClr val="tx1"/>
+              </a:solidFill>
+              <a:sym typeface="+mn-ea"/>
+            </a:endParaRPr>
+          </a:p>
+          <a:p>
+            <a:pPr>
+              <a:lnSpc>
+                <a:spcPct val="130000"/>
+              </a:lnSpc>
+            </a:pPr>
+            <a:endParaRPr kumimoji="0" lang="en-US" altLang="zh-CN" sz="1900" dirty="0" smtClean="0">
+              <a:solidFill>
+                <a:schemeClr val="tx1"/>
+              </a:solidFill>
+              <a:sym typeface="+mn-ea"/>
+            </a:endParaRPr>
+          </a:p>
+          <a:p>
+            <a:pPr>
+              <a:lnSpc>
+                <a:spcPct val="130000"/>
+              </a:lnSpc>
+            </a:pPr>
+            <a:endParaRPr kumimoji="0" lang="en-US" altLang="zh-CN" sz="1900" dirty="0" smtClean="0">
+              <a:solidFill>
+                <a:schemeClr val="tx1"/>
+              </a:solidFill>
+              <a:sym typeface="+mn-ea"/>
+            </a:endParaRPr>
+          </a:p>
+          <a:p>
+            <a:pPr>
+              <a:lnSpc>
+                <a:spcPct val="130000"/>
+              </a:lnSpc>
+            </a:pPr>
+            <a:r>
+              <a:rPr kumimoji="0" lang="en-US" altLang="zh-CN" sz="3200" dirty="0" smtClean="0">
+                <a:solidFill>
+                  <a:schemeClr val="tx1"/>
+                </a:solidFill>
+                <a:sym typeface="+mn-ea"/>
+              </a:rPr>
+              <a:t>WeakMap</a:t>
+            </a:r>
+            <a:r>
+              <a:rPr kumimoji="0" lang="zh-CN" altLang="en-US" sz="3200" dirty="0" smtClean="0">
+                <a:solidFill>
+                  <a:schemeClr val="tx1"/>
+                </a:solidFill>
+                <a:sym typeface="+mn-ea"/>
+              </a:rPr>
+              <a:t>（只接受对象作为键名，弱引用）</a:t>
+            </a:r>
+            <a:endParaRPr kumimoji="0" lang="zh-CN" altLang="en-US" sz="3200" dirty="0" smtClean="0">
               <a:solidFill>
                 <a:schemeClr val="tx1"/>
               </a:solidFill>
@@ -26093,7 +27014,7 @@
               <a:rPr kumimoji="0" lang="zh-CN" altLang="en-US" dirty="0">
                 <a:sym typeface="+mn-ea"/>
               </a:rPr>
-              <a:t>新增数据结构（Map、Set）</a:t>
+              <a:t>新增数据结构（Map）</a:t>
             </a:r>
             <a:endParaRPr kumimoji="0" lang="zh-CN" altLang="en-US" dirty="0"/>
           </a:p>
@@ -26108,7 +27029,7 @@
         <p:spPr>
           <a:xfrm>
             <a:off x="5194300" y="6065520"/>
-            <a:ext cx="5833745" cy="429895"/>
+            <a:ext cx="6504305" cy="429895"/>
           </a:xfrm>
           <a:prstGeom prst="rect">
             <a:avLst/>
@@ -26139,7 +27060,29 @@
                 <a:latin typeface="+mn-ea"/>
                 <a:ea typeface="+mn-ea"/>
               </a:rPr>
-              <a:t>demo15</a:t>
+              <a:t>demo15 </a:t>
+            </a:r>
+            <a:r>
+              <a:rPr lang="en-US" sz="2200">
+                <a:solidFill>
+                  <a:srgbClr val="FF0000"/>
+                </a:solidFill>
+                <a:latin typeface="+mn-ea"/>
+                <a:ea typeface="+mn-ea"/>
+                <a:sym typeface="+mn-ea"/>
+              </a:rPr>
+              <a:t>Part2 Map</a:t>
+            </a:r>
+            <a:r>
+              <a:rPr lang="zh-CN" altLang="en-US" sz="2200">
+                <a:solidFill>
+                  <a:srgbClr val="FF0000"/>
+                </a:solidFill>
+                <a:latin typeface="+mn-ea"/>
+                <a:ea typeface="+mn-ea"/>
+                <a:sym typeface="+mn-ea"/>
+              </a:rPr>
+              <a:t>相关的属性和方法</a:t>
             </a:r>
             <a:endParaRPr lang="en-US" sz="2200">
               <a:solidFill>
@@ -26151,6 +27094,30 @@
           </a:p>
         </p:txBody>
       </p:sp>
+      <p:pic>
+        <p:nvPicPr>
+          <p:cNvPr id="5" name="图片 4"/>
+          <p:cNvPicPr>
+            <a:picLocks noChangeAspect="1"/>
+          </p:cNvPicPr>
+          <p:nvPr/>
+        </p:nvPicPr>
+        <p:blipFill>
+          <a:blip r:embed="rId1"/>
+          <a:stretch>
+            <a:fillRect/>
+          </a:stretch>
+        </p:blipFill>
+        <p:spPr>
+          <a:xfrm>
+            <a:off x="1347470" y="2858770"/>
+            <a:ext cx="8439150" cy="2651760"/>
+          </a:xfrm>
+          <a:prstGeom prst="rect">
+            <a:avLst/>
+          </a:prstGeom>
+        </p:spPr>
+      </p:pic>
     </p:spTree>
   </p:cSld>
   <p:clrMapOvr>
@@ -26264,21 +27231,215 @@
                             </p:childTnLst>
                           </p:cTn>
                         </p:par>
+                      </p:childTnLst>
+                    </p:cTn>
+                  </p:par>
+                  <p:par>
+                    <p:cTn id="9" fill="hold">
+                      <p:stCondLst>
+                        <p:cond delay="indefinite"/>
+                      </p:stCondLst>
+                      <p:childTnLst>
                         <p:par>
-                          <p:cTn id="9" fill="hold">
+                          <p:cTn id="10" fill="hold">
                             <p:stCondLst>
-                              <p:cond delay="500"/>
+                              <p:cond delay="0"/>
                             </p:stCondLst>
                             <p:childTnLst>
                               <p:par>
-                                <p:cTn id="10" presetID="2" presetClass="entr" presetSubtype="4" fill="hold" grpId="0" nodeType="afterEffect">
+                                <p:cTn id="11" presetID="2" presetClass="entr" presetSubtype="4" fill="hold" nodeType="clickEffect">
                                   <p:stCondLst>
                                     <p:cond delay="0"/>
                                   </p:stCondLst>
                                   <p:childTnLst>
                                     <p:set>
                                       <p:cBhvr>
-                                        <p:cTn id="11" dur="1" fill="hold">
+                                        <p:cTn id="12" dur="1" fill="hold">
+                                          <p:stCondLst>
+                                            <p:cond delay="0"/>
+                                          </p:stCondLst>
+                                        </p:cTn>
+                                        <p:tgtEl>
+                                          <p:spTgt spid="5"/>
+                                        </p:tgtEl>
+                                        <p:attrNameLst>
+                                          <p:attrName>style.visibility</p:attrName>
+                                        </p:attrNameLst>
+                                      </p:cBhvr>
+                                      <p:to>
+                                        <p:strVal val="visible"/>
+                                      </p:to>
+                                    </p:set>
+                                    <p:anim calcmode="lin" valueType="num">
+                                      <p:cBhvr additive="base">
+                                        <p:cTn id="13" dur="500" fill="hold"/>
+                                        <p:tgtEl>
+                                          <p:spTgt spid="5"/>
+                                        </p:tgtEl>
+                                        <p:attrNameLst>
+                                          <p:attrName>ppt_x</p:attrName>
+                                        </p:attrNameLst>
+                                      </p:cBhvr>
+                                      <p:tavLst>
+                                        <p:tav tm="0">
+                                          <p:val>
+                                            <p:strVal val="#ppt_x"/>
+                                          </p:val>
+                                        </p:tav>
+                                        <p:tav tm="100000">
+                                          <p:val>
+                                            <p:strVal val="#ppt_x"/>
+                                          </p:val>
+                                        </p:tav>
+                                      </p:tavLst>
+                                    </p:anim>
+                                    <p:anim calcmode="lin" valueType="num">
+                                      <p:cBhvr additive="base">
+                                        <p:cTn id="14" dur="500" fill="hold"/>
+                                        <p:tgtEl>
+                                          <p:spTgt spid="5"/>
+                                        </p:tgtEl>
+                                        <p:attrNameLst>
+                                          <p:attrName>ppt_y</p:attrName>
+                                        </p:attrNameLst>
+                                      </p:cBhvr>
+                                      <p:tavLst>
+                                        <p:tav tm="0">
+                                          <p:val>
+                                            <p:strVal val="1+#ppt_h/2"/>
+                                          </p:val>
+                                        </p:tav>
+                                        <p:tav tm="100000">
+                                          <p:val>
+                                            <p:strVal val="#ppt_y"/>
+                                          </p:val>
+                                        </p:tav>
+                                      </p:tavLst>
+                                    </p:anim>
+                                  </p:childTnLst>
+                                </p:cTn>
+                              </p:par>
+                            </p:childTnLst>
+                          </p:cTn>
+                        </p:par>
+                      </p:childTnLst>
+                    </p:cTn>
+                  </p:par>
+                  <p:par>
+                    <p:cTn id="15" fill="hold">
+                      <p:stCondLst>
+                        <p:cond delay="indefinite"/>
+                      </p:stCondLst>
+                      <p:childTnLst>
+                        <p:par>
+                          <p:cTn id="16" fill="hold">
+                            <p:stCondLst>
+                              <p:cond delay="0"/>
+                            </p:stCondLst>
+                            <p:childTnLst>
+                              <p:par>
+                                <p:cTn id="17" presetID="2" presetClass="entr" presetSubtype="4" fill="hold" nodeType="clickEffect">
+                                  <p:stCondLst>
+                                    <p:cond delay="0"/>
+                                  </p:stCondLst>
+                                  <p:childTnLst>
+                                    <p:set>
+                                      <p:cBhvr>
+                                        <p:cTn id="18" dur="1" fill="hold">
+                                          <p:stCondLst>
+                                            <p:cond delay="0"/>
+                                          </p:stCondLst>
+                                        </p:cTn>
+                                        <p:tgtEl>
+                                          <p:spTgt spid="11266">
+                                            <p:txEl>
+                                              <p:pRg st="7" end="7"/>
+                                            </p:txEl>
+                                          </p:spTgt>
+                                        </p:tgtEl>
+                                        <p:attrNameLst>
+                                          <p:attrName>style.visibility</p:attrName>
+                                        </p:attrNameLst>
+                                      </p:cBhvr>
+                                      <p:to>
+                                        <p:strVal val="visible"/>
+                                      </p:to>
+                                    </p:set>
+                                    <p:anim calcmode="lin" valueType="num">
+                                      <p:cBhvr additive="base">
+                                        <p:cTn id="19" dur="500" fill="hold"/>
+                                        <p:tgtEl>
+                                          <p:spTgt spid="11266">
+                                            <p:txEl>
+                                              <p:pRg st="7" end="7"/>
+                                            </p:txEl>
+                                          </p:spTgt>
+                                        </p:tgtEl>
+                                        <p:attrNameLst>
+                                          <p:attrName>ppt_x</p:attrName>
+                                        </p:attrNameLst>
+                                      </p:cBhvr>
+                                      <p:tavLst>
+                                        <p:tav tm="0">
+                                          <p:val>
+                                            <p:strVal val="#ppt_x"/>
+                                          </p:val>
+                                        </p:tav>
+                                        <p:tav tm="100000">
+                                          <p:val>
+                                            <p:strVal val="#ppt_x"/>
+                                          </p:val>
+                                        </p:tav>
+                                      </p:tavLst>
+                                    </p:anim>
+                                    <p:anim calcmode="lin" valueType="num">
+                                      <p:cBhvr additive="base">
+                                        <p:cTn id="20" dur="500" fill="hold"/>
+                                        <p:tgtEl>
+                                          <p:spTgt spid="11266">
+                                            <p:txEl>
+                                              <p:pRg st="7" end="7"/>
+                                            </p:txEl>
+                                          </p:spTgt>
+                                        </p:tgtEl>
+                                        <p:attrNameLst>
+                                          <p:attrName>ppt_y</p:attrName>
+                                        </p:attrNameLst>
+                                      </p:cBhvr>
+                                      <p:tavLst>
+                                        <p:tav tm="0">
+                                          <p:val>
+                                            <p:strVal val="1+#ppt_h/2"/>
+                                          </p:val>
+                                        </p:tav>
+                                        <p:tav tm="100000">
+                                          <p:val>
+                                            <p:strVal val="#ppt_y"/>
+                                          </p:val>
+                                        </p:tav>
+                                      </p:tavLst>
+                                    </p:anim>
+                                  </p:childTnLst>
+                                </p:cTn>
+                              </p:par>
+                            </p:childTnLst>
+                          </p:cTn>
+                        </p:par>
+                        <p:par>
+                          <p:cTn id="21" fill="hold">
+                            <p:stCondLst>
+                              <p:cond delay="500"/>
+                            </p:stCondLst>
+                            <p:childTnLst>
+                              <p:par>
+                                <p:cTn id="22" presetID="2" presetClass="entr" presetSubtype="4" fill="hold" grpId="0" nodeType="afterEffect">
+                                  <p:stCondLst>
+                                    <p:cond delay="0"/>
+                                  </p:stCondLst>
+                                  <p:childTnLst>
+                                    <p:set>
+                                      <p:cBhvr>
+                                        <p:cTn id="23" dur="1" fill="hold">
                                           <p:stCondLst>
                                             <p:cond delay="0"/>
                                           </p:stCondLst>
@@ -26296,7 +27457,7 @@
                                     </p:set>
                                     <p:anim calcmode="lin" valueType="num">
                                       <p:cBhvr additive="base">
-                                        <p:cTn id="12" dur="500" fill="hold"/>
+                                        <p:cTn id="24" dur="500" fill="hold"/>
                                         <p:tgtEl>
                                           <p:spTgt spid="3"/>
                                         </p:tgtEl>
@@ -26319,7 +27480,7 @@
                                     </p:anim>
                                     <p:anim calcmode="lin" valueType="num">
                                       <p:cBhvr additive="base">
-                                        <p:cTn id="13" dur="500" fill="hold"/>
+                                        <p:cTn id="25" dur="500" fill="hold"/>
                                         <p:tgtEl>
                                           <p:spTgt spid="3"/>
                                         </p:tgtEl>
@@ -27517,21 +28678,78 @@
           <a:chExt cx="0" cy="0"/>
         </a:xfrm>
       </p:grpSpPr>
+      <p:pic>
+        <p:nvPicPr>
+          <p:cNvPr id="38914" name="Picture 5"/>
+          <p:cNvPicPr>
+            <a:picLocks noChangeAspect="1" noChangeArrowheads="1"/>
+          </p:cNvPicPr>
+          <p:nvPr/>
+        </p:nvPicPr>
+        <p:blipFill>
+          <a:blip r:embed="rId1">
+            <a:extLst>
+              <a:ext uri="{28A0092B-C50C-407E-A947-70E740481C1C}">
+                <a14:useLocalDpi xmlns:a14="http://schemas.microsoft.com/office/drawing/2010/main" val="0"/>
+              </a:ext>
+            </a:extLst>
+          </a:blip>
+          <a:srcRect/>
+          <a:stretch>
+            <a:fillRect/>
+          </a:stretch>
+        </p:blipFill>
+        <p:spPr bwMode="auto">
+          <a:xfrm>
+            <a:off x="0" y="0"/>
+            <a:ext cx="12192000" cy="6858000"/>
+          </a:xfrm>
+          <a:prstGeom prst="rect">
+            <a:avLst/>
+          </a:prstGeom>
+          <a:noFill/>
+          <a:ln>
+            <a:noFill/>
+          </a:ln>
+          <a:extLst>
+            <a:ext uri="{909E8E84-426E-40DD-AFC4-6F175D3DCCD1}">
+              <a14:hiddenFill xmlns:a14="http://schemas.microsoft.com/office/drawing/2010/main">
+                <a:solidFill>
+                  <a:srgbClr val="FFFFFF"/>
+                </a:solidFill>
+              </a14:hiddenFill>
+            </a:ext>
+            <a:ext uri="{91240B29-F687-4F45-9708-019B960494DF}">
+              <a14:hiddenLine xmlns:a14="http://schemas.microsoft.com/office/drawing/2010/main" w="9525">
+                <a:solidFill>
+                  <a:srgbClr val="000000"/>
+                </a:solidFill>
+                <a:miter lim="800000"/>
+                <a:headEnd/>
+                <a:tailEnd/>
+              </a14:hiddenLine>
+            </a:ext>
+          </a:extLst>
+        </p:spPr>
+      </p:pic>
       <p:sp>
         <p:nvSpPr>
-          <p:cNvPr id="11266" name="内容占位符 1"/>
+          <p:cNvPr id="38915" name="Rectangle 6"/>
           <p:cNvSpPr>
-            <a:spLocks noGrp="1"/>
+            <a:spLocks noGrp="1" noChangeArrowheads="1"/>
           </p:cNvSpPr>
           <p:nvPr>
-            <p:ph sz="quarter" idx="10"/>
+            <p:ph type="ctrTitle" idx="4294967295"/>
           </p:nvPr>
         </p:nvSpPr>
         <p:spPr bwMode="auto">
           <a:xfrm>
-            <a:off x="947420" y="940435"/>
-            <a:ext cx="10568940" cy="5115560"/>
+            <a:off x="2547041" y="3068835"/>
+            <a:ext cx="7097918" cy="1285875"/>
           </a:xfrm>
+          <a:prstGeom prst="rect">
+            <a:avLst/>
+          </a:prstGeom>
           <a:noFill/>
           <a:extLst>
             <a:ext uri="{909E8E84-426E-40DD-AFC4-6F175D3DCCD1}">
@@ -27554,199 +28772,84 @@
           </a:extLst>
         </p:spPr>
         <p:txBody>
-          <a:bodyPr vert="horz" wrap="square" lIns="91440" tIns="45720" rIns="91440" bIns="45720" numCol="1" anchor="t" anchorCtr="0" compatLnSpc="1"/>
+          <a:bodyPr anchor="b"/>
           <a:lstStyle/>
           <a:p>
-            <a:pPr>
-              <a:lnSpc>
-                <a:spcPct val="130000"/>
-              </a:lnSpc>
-            </a:pPr>
-            <a:r>
-              <a:rPr kumimoji="0" lang="zh-CN" altLang="en-US" sz="3200" dirty="0" smtClean="0">
-                <a:solidFill>
-                  <a:schemeClr val="tx1"/>
-                </a:solidFill>
-              </a:rPr>
-              <a:t>不同数据结构之间的转换</a:t>
-            </a:r>
-            <a:br>
-              <a:rPr kumimoji="0" lang="zh-CN" altLang="en-US" sz="3200" dirty="0" smtClean="0">
-                <a:solidFill>
-                  <a:schemeClr val="tx1"/>
-                </a:solidFill>
-              </a:rPr>
-            </a:br>
-            <a:br>
-              <a:rPr kumimoji="0" lang="zh-CN" altLang="en-US" sz="3200" dirty="0" smtClean="0">
-                <a:solidFill>
-                  <a:schemeClr val="tx1"/>
-                </a:solidFill>
-              </a:rPr>
-            </a:br>
-            <a:endParaRPr kumimoji="0" lang="zh-CN" altLang="en-US" sz="3200" dirty="0" smtClean="0">
-              <a:solidFill>
-                <a:schemeClr val="tx1"/>
-              </a:solidFill>
-            </a:endParaRPr>
-          </a:p>
-          <a:p>
-            <a:pPr>
-              <a:lnSpc>
-                <a:spcPct val="130000"/>
-              </a:lnSpc>
-            </a:pPr>
-            <a:r>
-              <a:rPr kumimoji="0" lang="en-US" altLang="zh-CN" sz="3200" dirty="0" smtClean="0">
-                <a:solidFill>
-                  <a:schemeClr val="tx1"/>
-                </a:solidFill>
-              </a:rPr>
-              <a:t>WeakSet</a:t>
-            </a:r>
-            <a:r>
-              <a:rPr kumimoji="0" lang="zh-CN" altLang="en-US" sz="3200" dirty="0" smtClean="0">
-                <a:solidFill>
-                  <a:schemeClr val="tx1"/>
-                </a:solidFill>
-              </a:rPr>
-              <a:t>与</a:t>
-            </a:r>
-            <a:r>
-              <a:rPr kumimoji="0" lang="en-US" altLang="zh-CN" sz="3200" dirty="0" smtClean="0">
-                <a:solidFill>
-                  <a:schemeClr val="tx1"/>
-                </a:solidFill>
-                <a:sym typeface="+mn-ea"/>
-              </a:rPr>
-              <a:t>WeakMap</a:t>
-            </a:r>
-            <a:endParaRPr kumimoji="0" lang="en-US" altLang="zh-CN" sz="2000" dirty="0" smtClean="0">
-              <a:solidFill>
-                <a:schemeClr val="tx1"/>
-              </a:solidFill>
-              <a:sym typeface="+mn-ea"/>
-            </a:endParaRPr>
-          </a:p>
-          <a:p>
-            <a:pPr eaLnBrk="1" hangingPunct="1">
-              <a:lnSpc>
-                <a:spcPct val="150000"/>
-              </a:lnSpc>
-            </a:pPr>
-            <a:endParaRPr kumimoji="0" lang="en-US" altLang="zh-CN" sz="3200" dirty="0" smtClean="0">
-              <a:solidFill>
-                <a:schemeClr val="tx1"/>
-              </a:solidFill>
-              <a:sym typeface="+mn-ea"/>
-            </a:endParaRPr>
-          </a:p>
-          <a:p>
-            <a:pPr eaLnBrk="1" hangingPunct="1">
-              <a:lnSpc>
-                <a:spcPct val="150000"/>
-              </a:lnSpc>
-            </a:pPr>
-            <a:endParaRPr kumimoji="0" lang="zh-CN" altLang="en-US" dirty="0" smtClean="0">
-              <a:solidFill>
-                <a:schemeClr val="tx1"/>
-              </a:solidFill>
-            </a:endParaRPr>
+            <a:pPr algn="ctr" eaLnBrk="1" hangingPunct="1"/>
+            <a:r>
+              <a:rPr kumimoji="0" lang="en-US" altLang="zh-CN" sz="5400" dirty="0"/>
+              <a:t>Thank </a:t>
+            </a:r>
+            <a:r>
+              <a:rPr kumimoji="0" lang="en-US" altLang="zh-CN" sz="5400" dirty="0">
+                <a:solidFill>
+                  <a:srgbClr val="FF0000"/>
+                </a:solidFill>
+              </a:rPr>
+              <a:t>You</a:t>
+            </a:r>
+            <a:r>
+              <a:rPr kumimoji="0" lang="zh-CN" altLang="en-US" sz="5400" dirty="0"/>
+              <a:t>！</a:t>
+            </a:r>
+            <a:endParaRPr kumimoji="0" lang="zh-CN" altLang="zh-CN" sz="5400" dirty="0"/>
           </a:p>
         </p:txBody>
       </p:sp>
-      <p:sp>
-        <p:nvSpPr>
-          <p:cNvPr id="2" name="内容占位符 1"/>
-          <p:cNvSpPr>
-            <a:spLocks noGrp="1"/>
-          </p:cNvSpPr>
-          <p:nvPr>
-            <p:ph sz="quarter" idx="11"/>
-          </p:nvPr>
-        </p:nvSpPr>
-        <p:spPr>
+      <p:pic>
+        <p:nvPicPr>
+          <p:cNvPr id="38916" name="图片 3" descr="软院logo横版.png"/>
+          <p:cNvPicPr>
+            <a:picLocks noChangeAspect="1"/>
+          </p:cNvPicPr>
+          <p:nvPr/>
+        </p:nvPicPr>
+        <p:blipFill>
+          <a:blip r:embed="rId2">
+            <a:extLst>
+              <a:ext uri="{28A0092B-C50C-407E-A947-70E740481C1C}">
+                <a14:useLocalDpi xmlns:a14="http://schemas.microsoft.com/office/drawing/2010/main" val="0"/>
+              </a:ext>
+            </a:extLst>
+          </a:blip>
+          <a:srcRect/>
+          <a:stretch>
+            <a:fillRect/>
+          </a:stretch>
+        </p:blipFill>
+        <p:spPr bwMode="auto">
           <a:xfrm>
-            <a:off x="947420" y="308610"/>
-            <a:ext cx="8415655" cy="490220"/>
-          </a:xfrm>
-        </p:spPr>
-        <p:txBody>
-          <a:bodyPr/>
-          <a:lstStyle/>
-          <a:p>
-            <a:r>
-              <a:rPr kumimoji="0" lang="zh-CN" altLang="en-US" dirty="0">
-                <a:sym typeface="+mn-ea"/>
-              </a:rPr>
-              <a:t>新增数据结构（Map、Set）</a:t>
-            </a:r>
-            <a:endParaRPr kumimoji="0" lang="zh-CN" altLang="en-US" dirty="0"/>
-          </a:p>
-        </p:txBody>
-      </p:sp>
-      <p:sp>
-        <p:nvSpPr>
-          <p:cNvPr id="3" name="文本框 2"/>
-          <p:cNvSpPr txBox="1"/>
-          <p:nvPr/>
-        </p:nvSpPr>
-        <p:spPr>
-          <a:xfrm>
-            <a:off x="5194300" y="6065520"/>
-            <a:ext cx="5833745" cy="429895"/>
+            <a:off x="2062164" y="5927725"/>
+            <a:ext cx="3381375" cy="527050"/>
           </a:xfrm>
           <a:prstGeom prst="rect">
             <a:avLst/>
           </a:prstGeom>
           <a:noFill/>
+          <a:ln>
+            <a:noFill/>
+          </a:ln>
+          <a:extLst>
+            <a:ext uri="{909E8E84-426E-40DD-AFC4-6F175D3DCCD1}">
+              <a14:hiddenFill xmlns:a14="http://schemas.microsoft.com/office/drawing/2010/main">
+                <a:solidFill>
+                  <a:srgbClr val="FFFFFF"/>
+                </a:solidFill>
+              </a14:hiddenFill>
+            </a:ext>
+            <a:ext uri="{91240B29-F687-4F45-9708-019B960494DF}">
+              <a14:hiddenLine xmlns:a14="http://schemas.microsoft.com/office/drawing/2010/main" w="9525">
+                <a:solidFill>
+                  <a:srgbClr val="000000"/>
+                </a:solidFill>
+                <a:miter lim="800000"/>
+                <a:headEnd/>
+                <a:tailEnd/>
+              </a14:hiddenLine>
+            </a:ext>
+          </a:extLst>
         </p:spPr>
-        <p:txBody>
-          <a:bodyPr wrap="square" rtlCol="0">
-            <a:spAutoFit/>
-          </a:bodyPr>
-          <a:p>
-            <a:pPr algn="l"/>
-            <a:r>
-              <a:rPr lang="zh-CN" altLang="en-US" sz="2200">
-                <a:solidFill>
-                  <a:srgbClr val="FF0000"/>
-                </a:solidFill>
-                <a:latin typeface="+mn-ea"/>
-                <a:ea typeface="+mn-ea"/>
-              </a:rPr>
-              <a:t>参见实例</a:t>
-            </a:r>
-            <a:r>
-              <a:rPr lang="en-US" altLang="zh-CN" sz="2200">
-                <a:solidFill>
-                  <a:srgbClr val="FF0000"/>
-                </a:solidFill>
-                <a:latin typeface="+mn-ea"/>
-                <a:ea typeface="+mn-ea"/>
-              </a:rPr>
-              <a:t>demo1</a:t>
-            </a:r>
-            <a:r>
-              <a:rPr lang="en-US" sz="2200">
-                <a:solidFill>
-                  <a:srgbClr val="FF0000"/>
-                </a:solidFill>
-                <a:latin typeface="+mn-ea"/>
-                <a:ea typeface="+mn-ea"/>
-              </a:rPr>
-              <a:t>4</a:t>
-            </a:r>
-            <a:endParaRPr lang="en-US" sz="2200">
-              <a:solidFill>
-                <a:srgbClr val="FF0000"/>
-              </a:solidFill>
-              <a:latin typeface="+mn-ea"/>
-              <a:ea typeface="+mn-ea"/>
-            </a:endParaRPr>
-          </a:p>
-        </p:txBody>
-      </p:sp>
+      </p:pic>
     </p:spTree>
   </p:cSld>
   <p:clrMapOvr>
@@ -27755,323 +28858,9 @@
   <p:timing>
     <p:tnLst>
       <p:par>
-        <p:cTn id="1" dur="indefinite" restart="never" nodeType="tmRoot">
-          <p:childTnLst>
-            <p:seq concurrent="1" nextAc="seek">
-              <p:cTn id="2" dur="indefinite" nodeType="mainSeq">
-                <p:childTnLst>
-                  <p:par>
-                    <p:cTn id="3" fill="hold">
-                      <p:stCondLst>
-                        <p:cond delay="indefinite"/>
-                      </p:stCondLst>
-                      <p:childTnLst>
-                        <p:par>
-                          <p:cTn id="4" fill="hold">
-                            <p:stCondLst>
-                              <p:cond delay="0"/>
-                            </p:stCondLst>
-                            <p:childTnLst>
-                              <p:par>
-                                <p:cTn id="5" presetID="2" presetClass="entr" presetSubtype="4" fill="hold" nodeType="clickEffect">
-                                  <p:stCondLst>
-                                    <p:cond delay="0"/>
-                                  </p:stCondLst>
-                                  <p:childTnLst>
-                                    <p:set>
-                                      <p:cBhvr>
-                                        <p:cTn id="6" dur="1" fill="hold">
-                                          <p:stCondLst>
-                                            <p:cond delay="0"/>
-                                          </p:stCondLst>
-                                        </p:cTn>
-                                        <p:tgtEl>
-                                          <p:spTgt spid="11266">
-                                            <p:txEl>
-                                              <p:pRg st="1" end="1"/>
-                                            </p:txEl>
-                                          </p:spTgt>
-                                        </p:tgtEl>
-                                        <p:attrNameLst>
-                                          <p:attrName>style.visibility</p:attrName>
-                                        </p:attrNameLst>
-                                      </p:cBhvr>
-                                      <p:to>
-                                        <p:strVal val="visible"/>
-                                      </p:to>
-                                    </p:set>
-                                    <p:anim calcmode="lin" valueType="num">
-                                      <p:cBhvr additive="base">
-                                        <p:cTn id="7" dur="500" fill="hold"/>
-                                        <p:tgtEl>
-                                          <p:spTgt spid="11266">
-                                            <p:txEl>
-                                              <p:pRg st="1" end="1"/>
-                                            </p:txEl>
-                                          </p:spTgt>
-                                        </p:tgtEl>
-                                        <p:attrNameLst>
-                                          <p:attrName>ppt_x</p:attrName>
-                                        </p:attrNameLst>
-                                      </p:cBhvr>
-                                      <p:tavLst>
-                                        <p:tav tm="0">
-                                          <p:val>
-                                            <p:strVal val="#ppt_x"/>
-                                          </p:val>
-                                        </p:tav>
-                                        <p:tav tm="100000">
-                                          <p:val>
-                                            <p:strVal val="#ppt_x"/>
-                                          </p:val>
-                                        </p:tav>
-                                      </p:tavLst>
-                                    </p:anim>
-                                    <p:anim calcmode="lin" valueType="num">
-                                      <p:cBhvr additive="base">
-                                        <p:cTn id="8" dur="500" fill="hold"/>
-                                        <p:tgtEl>
-                                          <p:spTgt spid="11266">
-                                            <p:txEl>
-                                              <p:pRg st="1" end="1"/>
-                                            </p:txEl>
-                                          </p:spTgt>
-                                        </p:tgtEl>
-                                        <p:attrNameLst>
-                                          <p:attrName>ppt_y</p:attrName>
-                                        </p:attrNameLst>
-                                      </p:cBhvr>
-                                      <p:tavLst>
-                                        <p:tav tm="0">
-                                          <p:val>
-                                            <p:strVal val="1+#ppt_h/2"/>
-                                          </p:val>
-                                        </p:tav>
-                                        <p:tav tm="100000">
-                                          <p:val>
-                                            <p:strVal val="#ppt_y"/>
-                                          </p:val>
-                                        </p:tav>
-                                      </p:tavLst>
-                                    </p:anim>
-                                  </p:childTnLst>
-                                </p:cTn>
-                              </p:par>
-                            </p:childTnLst>
-                          </p:cTn>
-                        </p:par>
-                      </p:childTnLst>
-                    </p:cTn>
-                  </p:par>
-                  <p:par>
-                    <p:cTn id="9" fill="hold">
-                      <p:stCondLst>
-                        <p:cond delay="indefinite"/>
-                      </p:stCondLst>
-                      <p:childTnLst>
-                        <p:par>
-                          <p:cTn id="10" fill="hold">
-                            <p:stCondLst>
-                              <p:cond delay="0"/>
-                            </p:stCondLst>
-                            <p:childTnLst>
-                              <p:par>
-                                <p:cTn id="11" presetID="2" presetClass="entr" presetSubtype="4" fill="hold" nodeType="clickEffect">
-                                  <p:stCondLst>
-                                    <p:cond delay="0"/>
-                                  </p:stCondLst>
-                                  <p:childTnLst>
-                                    <p:set>
-                                      <p:cBhvr>
-                                        <p:cTn id="12" dur="1" fill="hold">
-                                          <p:stCondLst>
-                                            <p:cond delay="0"/>
-                                          </p:stCondLst>
-                                        </p:cTn>
-                                        <p:tgtEl>
-                                          <p:spTgt spid="11266">
-                                            <p:txEl>
-                                              <p:pRg st="0" end="0"/>
-                                            </p:txEl>
-                                          </p:spTgt>
-                                        </p:tgtEl>
-                                        <p:attrNameLst>
-                                          <p:attrName>style.visibility</p:attrName>
-                                        </p:attrNameLst>
-                                      </p:cBhvr>
-                                      <p:to>
-                                        <p:strVal val="visible"/>
-                                      </p:to>
-                                    </p:set>
-                                    <p:anim calcmode="lin" valueType="num">
-                                      <p:cBhvr additive="base">
-                                        <p:cTn id="13" dur="500" fill="hold"/>
-                                        <p:tgtEl>
-                                          <p:spTgt spid="11266">
-                                            <p:txEl>
-                                              <p:pRg st="0" end="0"/>
-                                            </p:txEl>
-                                          </p:spTgt>
-                                        </p:tgtEl>
-                                        <p:attrNameLst>
-                                          <p:attrName>ppt_x</p:attrName>
-                                        </p:attrNameLst>
-                                      </p:cBhvr>
-                                      <p:tavLst>
-                                        <p:tav tm="0">
-                                          <p:val>
-                                            <p:strVal val="#ppt_x"/>
-                                          </p:val>
-                                        </p:tav>
-                                        <p:tav tm="100000">
-                                          <p:val>
-                                            <p:strVal val="#ppt_x"/>
-                                          </p:val>
-                                        </p:tav>
-                                      </p:tavLst>
-                                    </p:anim>
-                                    <p:anim calcmode="lin" valueType="num">
-                                      <p:cBhvr additive="base">
-                                        <p:cTn id="14" dur="500" fill="hold"/>
-                                        <p:tgtEl>
-                                          <p:spTgt spid="11266">
-                                            <p:txEl>
-                                              <p:pRg st="0" end="0"/>
-                                            </p:txEl>
-                                          </p:spTgt>
-                                        </p:tgtEl>
-                                        <p:attrNameLst>
-                                          <p:attrName>ppt_y</p:attrName>
-                                        </p:attrNameLst>
-                                      </p:cBhvr>
-                                      <p:tavLst>
-                                        <p:tav tm="0">
-                                          <p:val>
-                                            <p:strVal val="1+#ppt_h/2"/>
-                                          </p:val>
-                                        </p:tav>
-                                        <p:tav tm="100000">
-                                          <p:val>
-                                            <p:strVal val="#ppt_y"/>
-                                          </p:val>
-                                        </p:tav>
-                                      </p:tavLst>
-                                    </p:anim>
-                                  </p:childTnLst>
-                                </p:cTn>
-                              </p:par>
-                            </p:childTnLst>
-                          </p:cTn>
-                        </p:par>
-                        <p:par>
-                          <p:cTn id="15" fill="hold">
-                            <p:stCondLst>
-                              <p:cond delay="500"/>
-                            </p:stCondLst>
-                            <p:childTnLst>
-                              <p:par>
-                                <p:cTn id="16" presetID="2" presetClass="entr" presetSubtype="4" fill="hold" grpId="0" nodeType="afterEffect">
-                                  <p:stCondLst>
-                                    <p:cond delay="0"/>
-                                  </p:stCondLst>
-                                  <p:childTnLst>
-                                    <p:set>
-                                      <p:cBhvr>
-                                        <p:cTn id="17" dur="1" fill="hold">
-                                          <p:stCondLst>
-                                            <p:cond delay="0"/>
-                                          </p:stCondLst>
-                                        </p:cTn>
-                                        <p:tgtEl>
-                                          <p:spTgt spid="3"/>
-                                        </p:tgtEl>
-                                        <p:attrNameLst>
-                                          <p:attrName>style.visibility</p:attrName>
-                                        </p:attrNameLst>
-                                      </p:cBhvr>
-                                      <p:to>
-                                        <p:strVal val="visible"/>
-                                      </p:to>
-                                    </p:set>
-                                    <p:anim calcmode="lin" valueType="num">
-                                      <p:cBhvr additive="base">
-                                        <p:cTn id="18" dur="500" fill="hold"/>
-                                        <p:tgtEl>
-                                          <p:spTgt spid="3"/>
-                                        </p:tgtEl>
-                                        <p:attrNameLst>
-                                          <p:attrName>ppt_x</p:attrName>
-                                        </p:attrNameLst>
-                                      </p:cBhvr>
-                                      <p:tavLst>
-                                        <p:tav tm="0">
-                                          <p:val>
-                                            <p:strVal val="#ppt_x"/>
-                                          </p:val>
-                                        </p:tav>
-                                        <p:tav tm="100000">
-                                          <p:val>
-                                            <p:strVal val="#ppt_x"/>
-                                          </p:val>
-                                        </p:tav>
-                                      </p:tavLst>
-                                    </p:anim>
-                                    <p:anim calcmode="lin" valueType="num">
-                                      <p:cBhvr additive="base">
-                                        <p:cTn id="19" dur="500" fill="hold"/>
-                                        <p:tgtEl>
-                                          <p:spTgt spid="3"/>
-                                        </p:tgtEl>
-                                        <p:attrNameLst>
-                                          <p:attrName>ppt_y</p:attrName>
-                                        </p:attrNameLst>
-                                      </p:cBhvr>
-                                      <p:tavLst>
-                                        <p:tav tm="0">
-                                          <p:val>
-                                            <p:strVal val="1+#ppt_h/2"/>
-                                          </p:val>
-                                        </p:tav>
-                                        <p:tav tm="100000">
-                                          <p:val>
-                                            <p:strVal val="#ppt_y"/>
-                                          </p:val>
-                                        </p:tav>
-                                      </p:tavLst>
-                                    </p:anim>
-                                  </p:childTnLst>
-                                </p:cTn>
-                              </p:par>
-                            </p:childTnLst>
-                          </p:cTn>
-                        </p:par>
-                      </p:childTnLst>
-                    </p:cTn>
-                  </p:par>
-                </p:childTnLst>
-              </p:cTn>
-              <p:prevCondLst>
-                <p:cond evt="onPrev" delay="0">
-                  <p:tgtEl>
-                    <p:sldTgt/>
-                  </p:tgtEl>
-                </p:cond>
-              </p:prevCondLst>
-              <p:nextCondLst>
-                <p:cond evt="onNext" delay="0">
-                  <p:tgtEl>
-                    <p:sldTgt/>
-                  </p:tgtEl>
-                </p:cond>
-              </p:nextCondLst>
-            </p:seq>
-          </p:childTnLst>
-        </p:cTn>
+        <p:cTn id="1" dur="indefinite" restart="never" nodeType="tmRoot"/>
       </p:par>
     </p:tnLst>
-    <p:bldLst>
-      <p:bldP spid="3" grpId="0"/>
-    </p:bldLst>
   </p:timing>
 </p:sld>
 </file>
@@ -28935,19 +29724,7 @@
                 </a:solidFill>
                 <a:sym typeface="+mn-ea"/>
               </a:rPr>
-              <a:t>遍历</a:t>
-            </a:r>
-            <a:r>
-              <a:rPr lang="zh-CN" altLang="en-US" sz="2000">
-                <a:solidFill>
-                  <a:schemeClr val="accent1">
-                    <a:lumMod val="90000"/>
-                    <a:lumOff val="10000"/>
-                  </a:schemeClr>
-                </a:solidFill>
-                <a:sym typeface="+mn-ea"/>
-              </a:rPr>
-              <a:t>数组，</a:t>
+              <a:t>遍历数组，</a:t>
             </a:r>
             <a:r>
               <a:rPr lang="en-US" altLang="zh-CN" sz="2000">
@@ -29302,210 +30079,6 @@
             </p:seq>
           </p:childTnLst>
         </p:cTn>
-      </p:par>
-    </p:tnLst>
-  </p:timing>
-</p:sld>
-</file>
-
-<file path=ppt/slides/slide43.xml><?xml version="1.0" encoding="utf-8"?>
-<p:sld xmlns:a="http://schemas.openxmlformats.org/drawingml/2006/main" xmlns:r="http://schemas.openxmlformats.org/officeDocument/2006/relationships" xmlns:p="http://schemas.openxmlformats.org/presentationml/2006/main">
-  <p:cSld>
-    <p:spTree>
-      <p:nvGrpSpPr>
-        <p:cNvPr id="1" name=""/>
-        <p:cNvGrpSpPr/>
-        <p:nvPr/>
-      </p:nvGrpSpPr>
-      <p:grpSpPr>
-        <a:xfrm>
-          <a:off x="0" y="0"/>
-          <a:ext cx="0" cy="0"/>
-          <a:chOff x="0" y="0"/>
-          <a:chExt cx="0" cy="0"/>
-        </a:xfrm>
-      </p:grpSpPr>
-      <p:pic>
-        <p:nvPicPr>
-          <p:cNvPr id="38914" name="Picture 5"/>
-          <p:cNvPicPr>
-            <a:picLocks noChangeAspect="1" noChangeArrowheads="1"/>
-          </p:cNvPicPr>
-          <p:nvPr/>
-        </p:nvPicPr>
-        <p:blipFill>
-          <a:blip r:embed="rId1">
-            <a:extLst>
-              <a:ext uri="{28A0092B-C50C-407E-A947-70E740481C1C}">
-                <a14:useLocalDpi xmlns:a14="http://schemas.microsoft.com/office/drawing/2010/main" val="0"/>
-              </a:ext>
-            </a:extLst>
-          </a:blip>
-          <a:srcRect/>
-          <a:stretch>
-            <a:fillRect/>
-          </a:stretch>
-        </p:blipFill>
-        <p:spPr bwMode="auto">
-          <a:xfrm>
-            <a:off x="0" y="0"/>
-            <a:ext cx="12192000" cy="6858000"/>
-          </a:xfrm>
-          <a:prstGeom prst="rect">
-            <a:avLst/>
-          </a:prstGeom>
-          <a:noFill/>
-          <a:ln>
-            <a:noFill/>
-          </a:ln>
-          <a:extLst>
-            <a:ext uri="{909E8E84-426E-40DD-AFC4-6F175D3DCCD1}">
-              <a14:hiddenFill xmlns:a14="http://schemas.microsoft.com/office/drawing/2010/main">
-                <a:solidFill>
-                  <a:srgbClr val="FFFFFF"/>
-                </a:solidFill>
-              </a14:hiddenFill>
-            </a:ext>
-            <a:ext uri="{91240B29-F687-4F45-9708-019B960494DF}">
-              <a14:hiddenLine xmlns:a14="http://schemas.microsoft.com/office/drawing/2010/main" w="9525">
-                <a:solidFill>
-                  <a:srgbClr val="000000"/>
-                </a:solidFill>
-                <a:miter lim="800000"/>
-                <a:headEnd/>
-                <a:tailEnd/>
-              </a14:hiddenLine>
-            </a:ext>
-          </a:extLst>
-        </p:spPr>
-      </p:pic>
-      <p:sp>
-        <p:nvSpPr>
-          <p:cNvPr id="38915" name="Rectangle 6"/>
-          <p:cNvSpPr>
-            <a:spLocks noGrp="1" noChangeArrowheads="1"/>
-          </p:cNvSpPr>
-          <p:nvPr>
-            <p:ph type="ctrTitle" idx="4294967295"/>
-          </p:nvPr>
-        </p:nvSpPr>
-        <p:spPr bwMode="auto">
-          <a:xfrm>
-            <a:off x="2547041" y="3068835"/>
-            <a:ext cx="7097918" cy="1285875"/>
-          </a:xfrm>
-          <a:prstGeom prst="rect">
-            <a:avLst/>
-          </a:prstGeom>
-          <a:noFill/>
-          <a:extLst>
-            <a:ext uri="{909E8E84-426E-40DD-AFC4-6F175D3DCCD1}">
-              <a14:hiddenFill xmlns:a14="http://schemas.microsoft.com/office/drawing/2010/main">
-                <a:solidFill>
-                  <a:srgbClr val="FFFFFF"/>
-                </a:solidFill>
-              </a14:hiddenFill>
-            </a:ext>
-            <a:ext uri="{91240B29-F687-4F45-9708-019B960494DF}">
-              <a14:hiddenLine xmlns:a14="http://schemas.microsoft.com/office/drawing/2010/main" w="9525">
-                <a:solidFill>
-                  <a:srgbClr val="000000"/>
-                </a:solidFill>
-                <a:miter lim="800000"/>
-                <a:headEnd/>
-                <a:tailEnd/>
-              </a14:hiddenLine>
-            </a:ext>
-          </a:extLst>
-        </p:spPr>
-        <p:txBody>
-          <a:bodyPr anchor="b"/>
-          <a:lstStyle/>
-          <a:p>
-            <a:pPr algn="ctr" eaLnBrk="1" hangingPunct="1"/>
-            <a:r>
-              <a:rPr kumimoji="0" lang="en-US" altLang="zh-CN" sz="5400" dirty="0"/>
-              <a:t>Thank </a:t>
-            </a:r>
-            <a:r>
-              <a:rPr kumimoji="0" lang="en-US" altLang="zh-CN" sz="5400" dirty="0">
-                <a:solidFill>
-                  <a:srgbClr val="FF0000"/>
-                </a:solidFill>
-              </a:rPr>
-              <a:t>You</a:t>
-            </a:r>
-            <a:r>
-              <a:rPr kumimoji="0" lang="zh-CN" altLang="en-US" sz="5400" dirty="0"/>
-              <a:t>！</a:t>
-            </a:r>
-            <a:endParaRPr kumimoji="0" lang="zh-CN" altLang="zh-CN" sz="5400" dirty="0"/>
-          </a:p>
-        </p:txBody>
-      </p:sp>
-      <p:pic>
-        <p:nvPicPr>
-          <p:cNvPr id="38916" name="图片 3" descr="软院logo横版.png"/>
-          <p:cNvPicPr>
-            <a:picLocks noChangeAspect="1"/>
-          </p:cNvPicPr>
-          <p:nvPr/>
-        </p:nvPicPr>
-        <p:blipFill>
-          <a:blip r:embed="rId2">
-            <a:extLst>
-              <a:ext uri="{28A0092B-C50C-407E-A947-70E740481C1C}">
-                <a14:useLocalDpi xmlns:a14="http://schemas.microsoft.com/office/drawing/2010/main" val="0"/>
-              </a:ext>
-            </a:extLst>
-          </a:blip>
-          <a:srcRect/>
-          <a:stretch>
-            <a:fillRect/>
-          </a:stretch>
-        </p:blipFill>
-        <p:spPr bwMode="auto">
-          <a:xfrm>
-            <a:off x="2062164" y="5927725"/>
-            <a:ext cx="3381375" cy="527050"/>
-          </a:xfrm>
-          <a:prstGeom prst="rect">
-            <a:avLst/>
-          </a:prstGeom>
-          <a:noFill/>
-          <a:ln>
-            <a:noFill/>
-          </a:ln>
-          <a:extLst>
-            <a:ext uri="{909E8E84-426E-40DD-AFC4-6F175D3DCCD1}">
-              <a14:hiddenFill xmlns:a14="http://schemas.microsoft.com/office/drawing/2010/main">
-                <a:solidFill>
-                  <a:srgbClr val="FFFFFF"/>
-                </a:solidFill>
-              </a14:hiddenFill>
-            </a:ext>
-            <a:ext uri="{91240B29-F687-4F45-9708-019B960494DF}">
-              <a14:hiddenLine xmlns:a14="http://schemas.microsoft.com/office/drawing/2010/main" w="9525">
-                <a:solidFill>
-                  <a:srgbClr val="000000"/>
-                </a:solidFill>
-                <a:miter lim="800000"/>
-                <a:headEnd/>
-                <a:tailEnd/>
-              </a14:hiddenLine>
-            </a:ext>
-          </a:extLst>
-        </p:spPr>
-      </p:pic>
-    </p:spTree>
-  </p:cSld>
-  <p:clrMapOvr>
-    <a:masterClrMapping/>
-  </p:clrMapOvr>
-  <p:timing>
-    <p:tnLst>
-      <p:par>
-        <p:cTn id="1" dur="indefinite" restart="never" nodeType="tmRoot"/>
       </p:par>
     </p:tnLst>
   </p:timing>
